--- a/PhDDefense.pptx
+++ b/PhDDefense.pptx
@@ -7,12 +7,27 @@
   <p:sldIdLst>
     <p:sldId id="256" r:id="rId2"/>
     <p:sldId id="257" r:id="rId3"/>
-    <p:sldId id="258" r:id="rId4"/>
-    <p:sldId id="259" r:id="rId5"/>
-    <p:sldId id="260" r:id="rId6"/>
-    <p:sldId id="261" r:id="rId7"/>
-    <p:sldId id="262" r:id="rId8"/>
-    <p:sldId id="263" r:id="rId9"/>
+    <p:sldId id="267" r:id="rId4"/>
+    <p:sldId id="265" r:id="rId5"/>
+    <p:sldId id="266" r:id="rId6"/>
+    <p:sldId id="268" r:id="rId7"/>
+    <p:sldId id="269" r:id="rId8"/>
+    <p:sldId id="264" r:id="rId9"/>
+    <p:sldId id="270" r:id="rId10"/>
+    <p:sldId id="271" r:id="rId11"/>
+    <p:sldId id="272" r:id="rId12"/>
+    <p:sldId id="273" r:id="rId13"/>
+    <p:sldId id="277" r:id="rId14"/>
+    <p:sldId id="278" r:id="rId15"/>
+    <p:sldId id="275" r:id="rId16"/>
+    <p:sldId id="276" r:id="rId17"/>
+    <p:sldId id="279" r:id="rId18"/>
+    <p:sldId id="258" r:id="rId19"/>
+    <p:sldId id="259" r:id="rId20"/>
+    <p:sldId id="260" r:id="rId21"/>
+    <p:sldId id="261" r:id="rId22"/>
+    <p:sldId id="262" r:id="rId23"/>
+    <p:sldId id="263" r:id="rId24"/>
   </p:sldIdLst>
   <p:sldSz cx="9144000" cy="6858000" type="screen4x3"/>
   <p:notesSz cx="6858000" cy="9144000"/>
@@ -3182,6 +3197,1072 @@
 </p:sld>
 </file>
 
+<file path=ppt/slides/slide10.xml><?xml version="1.0" encoding="utf-8"?>
+<p:sld xmlns:a="http://schemas.openxmlformats.org/drawingml/2006/main" xmlns:r="http://schemas.openxmlformats.org/officeDocument/2006/relationships" xmlns:p="http://schemas.openxmlformats.org/presentationml/2006/main">
+  <p:cSld>
+    <p:spTree>
+      <p:nvGrpSpPr>
+        <p:cNvPr id="1" name=""/>
+        <p:cNvGrpSpPr/>
+        <p:nvPr/>
+      </p:nvGrpSpPr>
+      <p:grpSpPr>
+        <a:xfrm>
+          <a:off x="0" y="0"/>
+          <a:ext cx="0" cy="0"/>
+          <a:chOff x="0" y="0"/>
+          <a:chExt cx="0" cy="0"/>
+        </a:xfrm>
+      </p:grpSpPr>
+      <p:sp>
+        <p:nvSpPr>
+          <p:cNvPr id="2" name="Title 1"/>
+          <p:cNvSpPr>
+            <a:spLocks noGrp="1"/>
+          </p:cNvSpPr>
+          <p:nvPr>
+            <p:ph type="title"/>
+          </p:nvPr>
+        </p:nvSpPr>
+        <p:spPr/>
+        <p:txBody>
+          <a:bodyPr/>
+          <a:lstStyle/>
+          <a:p>
+            <a:r>
+              <a:rPr lang="en-US" dirty="0" smtClean="0"/>
+              <a:t>Communicating Systems</a:t>
+            </a:r>
+            <a:endParaRPr lang="en-US" dirty="0"/>
+          </a:p>
+        </p:txBody>
+      </p:sp>
+      <p:sp>
+        <p:nvSpPr>
+          <p:cNvPr id="3" name="Content Placeholder 2"/>
+          <p:cNvSpPr>
+            <a:spLocks noGrp="1"/>
+          </p:cNvSpPr>
+          <p:nvPr>
+            <p:ph idx="1"/>
+          </p:nvPr>
+        </p:nvSpPr>
+        <p:spPr/>
+        <p:txBody>
+          <a:bodyPr/>
+          <a:lstStyle/>
+          <a:p>
+            <a:r>
+              <a:rPr lang="en-US" dirty="0" smtClean="0"/>
+              <a:t>Approach: build models that capture interaction and communication</a:t>
+            </a:r>
+          </a:p>
+          <a:p>
+            <a:r>
+              <a:rPr lang="en-US" dirty="0" smtClean="0"/>
+              <a:t>We don’t care why a system communicates, merely that it can communicate in certain ways</a:t>
+            </a:r>
+          </a:p>
+          <a:p>
+            <a:r>
+              <a:rPr lang="en-US" dirty="0" smtClean="0"/>
+              <a:t>Effective way to model software, business processes, systems biology, financial transactions, network protocols, …</a:t>
+            </a:r>
+            <a:endParaRPr lang="en-US" dirty="0"/>
+          </a:p>
+        </p:txBody>
+      </p:sp>
+    </p:spTree>
+    <p:extLst>
+      <p:ext uri="{BB962C8B-B14F-4D97-AF65-F5344CB8AC3E}">
+        <p14:creationId xmlns:p14="http://schemas.microsoft.com/office/powerpoint/2010/main" val="1369272996"/>
+      </p:ext>
+    </p:extLst>
+  </p:cSld>
+  <p:clrMapOvr>
+    <a:masterClrMapping/>
+  </p:clrMapOvr>
+</p:sld>
+</file>
+
+<file path=ppt/slides/slide11.xml><?xml version="1.0" encoding="utf-8"?>
+<p:sld xmlns:a="http://schemas.openxmlformats.org/drawingml/2006/main" xmlns:r="http://schemas.openxmlformats.org/officeDocument/2006/relationships" xmlns:p="http://schemas.openxmlformats.org/presentationml/2006/main">
+  <p:cSld>
+    <p:spTree>
+      <p:nvGrpSpPr>
+        <p:cNvPr id="1" name=""/>
+        <p:cNvGrpSpPr/>
+        <p:nvPr/>
+      </p:nvGrpSpPr>
+      <p:grpSpPr>
+        <a:xfrm>
+          <a:off x="0" y="0"/>
+          <a:ext cx="0" cy="0"/>
+          <a:chOff x="0" y="0"/>
+          <a:chExt cx="0" cy="0"/>
+        </a:xfrm>
+      </p:grpSpPr>
+      <p:sp>
+        <p:nvSpPr>
+          <p:cNvPr id="2" name="Title 1"/>
+          <p:cNvSpPr>
+            <a:spLocks noGrp="1"/>
+          </p:cNvSpPr>
+          <p:nvPr>
+            <p:ph type="title"/>
+          </p:nvPr>
+        </p:nvSpPr>
+        <p:spPr/>
+        <p:txBody>
+          <a:bodyPr/>
+          <a:lstStyle/>
+          <a:p>
+            <a:r>
+              <a:rPr lang="en-US" dirty="0" smtClean="0"/>
+              <a:t>Process Languages</a:t>
+            </a:r>
+            <a:endParaRPr lang="en-US" dirty="0"/>
+          </a:p>
+        </p:txBody>
+      </p:sp>
+      <p:sp>
+        <p:nvSpPr>
+          <p:cNvPr id="3" name="Content Placeholder 2"/>
+          <p:cNvSpPr>
+            <a:spLocks noGrp="1"/>
+          </p:cNvSpPr>
+          <p:nvPr>
+            <p:ph idx="1"/>
+          </p:nvPr>
+        </p:nvSpPr>
+        <p:spPr/>
+        <p:txBody>
+          <a:bodyPr>
+            <a:normAutofit lnSpcReduction="10000"/>
+          </a:bodyPr>
+          <a:lstStyle/>
+          <a:p>
+            <a:r>
+              <a:rPr lang="en-US" dirty="0" err="1" smtClean="0"/>
+              <a:t>Modelling</a:t>
+            </a:r>
+            <a:r>
+              <a:rPr lang="en-US" dirty="0" smtClean="0"/>
+              <a:t> interaction and communication gives rise to very small </a:t>
+            </a:r>
+            <a:r>
+              <a:rPr lang="en-US" b="1" dirty="0" smtClean="0"/>
+              <a:t>process languages</a:t>
+            </a:r>
+          </a:p>
+          <a:p>
+            <a:r>
+              <a:rPr lang="en-US" dirty="0" smtClean="0"/>
+              <a:t>A few common constructs:</a:t>
+            </a:r>
+          </a:p>
+          <a:p>
+            <a:pPr lvl="1"/>
+            <a:r>
+              <a:rPr lang="en-US" dirty="0" smtClean="0"/>
+              <a:t>Send a message</a:t>
+            </a:r>
+          </a:p>
+          <a:p>
+            <a:pPr lvl="1"/>
+            <a:r>
+              <a:rPr lang="en-US" dirty="0" smtClean="0"/>
+              <a:t>Receive a message</a:t>
+            </a:r>
+          </a:p>
+          <a:p>
+            <a:pPr lvl="1"/>
+            <a:r>
+              <a:rPr lang="en-US" dirty="0" smtClean="0"/>
+              <a:t>Choose between different possible actions</a:t>
+            </a:r>
+          </a:p>
+          <a:p>
+            <a:pPr lvl="1"/>
+            <a:r>
+              <a:rPr lang="en-US" dirty="0" smtClean="0"/>
+              <a:t>Combine two processes in parallel</a:t>
+            </a:r>
+          </a:p>
+          <a:p>
+            <a:r>
+              <a:rPr lang="en-US" dirty="0" smtClean="0"/>
+              <a:t>Mathematically precise description of </a:t>
+            </a:r>
+            <a:r>
+              <a:rPr lang="en-US" dirty="0" err="1" smtClean="0"/>
+              <a:t>behaviour</a:t>
+            </a:r>
+            <a:endParaRPr lang="en-US" dirty="0" smtClean="0"/>
+          </a:p>
+        </p:txBody>
+      </p:sp>
+    </p:spTree>
+    <p:extLst>
+      <p:ext uri="{BB962C8B-B14F-4D97-AF65-F5344CB8AC3E}">
+        <p14:creationId xmlns:p14="http://schemas.microsoft.com/office/powerpoint/2010/main" val="2446690835"/>
+      </p:ext>
+    </p:extLst>
+  </p:cSld>
+  <p:clrMapOvr>
+    <a:masterClrMapping/>
+  </p:clrMapOvr>
+</p:sld>
+</file>
+
+<file path=ppt/slides/slide12.xml><?xml version="1.0" encoding="utf-8"?>
+<p:sld xmlns:a="http://schemas.openxmlformats.org/drawingml/2006/main" xmlns:r="http://schemas.openxmlformats.org/officeDocument/2006/relationships" xmlns:p="http://schemas.openxmlformats.org/presentationml/2006/main">
+  <p:cSld>
+    <p:spTree>
+      <p:nvGrpSpPr>
+        <p:cNvPr id="1" name=""/>
+        <p:cNvGrpSpPr/>
+        <p:nvPr/>
+      </p:nvGrpSpPr>
+      <p:grpSpPr>
+        <a:xfrm>
+          <a:off x="0" y="0"/>
+          <a:ext cx="0" cy="0"/>
+          <a:chOff x="0" y="0"/>
+          <a:chExt cx="0" cy="0"/>
+        </a:xfrm>
+      </p:grpSpPr>
+      <p:sp>
+        <p:nvSpPr>
+          <p:cNvPr id="2" name="Title 1"/>
+          <p:cNvSpPr>
+            <a:spLocks noGrp="1"/>
+          </p:cNvSpPr>
+          <p:nvPr>
+            <p:ph type="title"/>
+          </p:nvPr>
+        </p:nvSpPr>
+        <p:spPr/>
+        <p:txBody>
+          <a:bodyPr/>
+          <a:lstStyle/>
+          <a:p>
+            <a:r>
+              <a:rPr lang="en-US" dirty="0" smtClean="0"/>
+              <a:t>Process Languages</a:t>
+            </a:r>
+            <a:endParaRPr lang="en-US" dirty="0"/>
+          </a:p>
+        </p:txBody>
+      </p:sp>
+      <p:sp>
+        <p:nvSpPr>
+          <p:cNvPr id="3" name="Content Placeholder 2"/>
+          <p:cNvSpPr>
+            <a:spLocks noGrp="1"/>
+          </p:cNvSpPr>
+          <p:nvPr>
+            <p:ph idx="1"/>
+          </p:nvPr>
+        </p:nvSpPr>
+        <p:spPr/>
+        <p:txBody>
+          <a:bodyPr/>
+          <a:lstStyle/>
+          <a:p>
+            <a:r>
+              <a:rPr lang="en-US" dirty="0" smtClean="0"/>
+              <a:t>General purpose (sometimes…)</a:t>
+            </a:r>
+          </a:p>
+          <a:p>
+            <a:r>
+              <a:rPr lang="en-US" dirty="0" smtClean="0"/>
+              <a:t>Structured and precise</a:t>
+            </a:r>
+          </a:p>
+          <a:p>
+            <a:r>
+              <a:rPr lang="en-US" dirty="0" smtClean="0"/>
+              <a:t>Assumes different participants (processes) can reliably and instantaneously send messages to one another using </a:t>
+            </a:r>
+            <a:r>
+              <a:rPr lang="en-US" i="1" dirty="0" smtClean="0"/>
+              <a:t>channels</a:t>
+            </a:r>
+          </a:p>
+          <a:p>
+            <a:r>
+              <a:rPr lang="en-US" dirty="0" smtClean="0"/>
+              <a:t>Understand the overall </a:t>
+            </a:r>
+            <a:r>
+              <a:rPr lang="en-US" dirty="0" err="1" smtClean="0"/>
+              <a:t>behaviour</a:t>
+            </a:r>
+            <a:r>
+              <a:rPr lang="en-US" dirty="0" smtClean="0"/>
+              <a:t> of many processes behaving together in terms of their individual and composite </a:t>
+            </a:r>
+            <a:r>
+              <a:rPr lang="en-US" dirty="0" err="1" smtClean="0"/>
+              <a:t>behaviour</a:t>
+            </a:r>
+            <a:endParaRPr lang="en-US" dirty="0"/>
+          </a:p>
+        </p:txBody>
+      </p:sp>
+    </p:spTree>
+    <p:extLst>
+      <p:ext uri="{BB962C8B-B14F-4D97-AF65-F5344CB8AC3E}">
+        <p14:creationId xmlns:p14="http://schemas.microsoft.com/office/powerpoint/2010/main" val="2442709587"/>
+      </p:ext>
+    </p:extLst>
+  </p:cSld>
+  <p:clrMapOvr>
+    <a:masterClrMapping/>
+  </p:clrMapOvr>
+</p:sld>
+</file>
+
+<file path=ppt/slides/slide13.xml><?xml version="1.0" encoding="utf-8"?>
+<p:sld xmlns:a="http://schemas.openxmlformats.org/drawingml/2006/main" xmlns:r="http://schemas.openxmlformats.org/officeDocument/2006/relationships" xmlns:p="http://schemas.openxmlformats.org/presentationml/2006/main">
+  <p:cSld>
+    <p:spTree>
+      <p:nvGrpSpPr>
+        <p:cNvPr id="1" name=""/>
+        <p:cNvGrpSpPr/>
+        <p:nvPr/>
+      </p:nvGrpSpPr>
+      <p:grpSpPr>
+        <a:xfrm>
+          <a:off x="0" y="0"/>
+          <a:ext cx="0" cy="0"/>
+          <a:chOff x="0" y="0"/>
+          <a:chExt cx="0" cy="0"/>
+        </a:xfrm>
+      </p:grpSpPr>
+      <p:sp>
+        <p:nvSpPr>
+          <p:cNvPr id="2" name="Title 1"/>
+          <p:cNvSpPr>
+            <a:spLocks noGrp="1"/>
+          </p:cNvSpPr>
+          <p:nvPr>
+            <p:ph type="title"/>
+          </p:nvPr>
+        </p:nvSpPr>
+        <p:spPr/>
+        <p:txBody>
+          <a:bodyPr/>
+          <a:lstStyle/>
+          <a:p>
+            <a:r>
+              <a:rPr lang="en-US" dirty="0" smtClean="0"/>
+              <a:t>Process Languages</a:t>
+            </a:r>
+            <a:endParaRPr lang="en-US" dirty="0"/>
+          </a:p>
+        </p:txBody>
+      </p:sp>
+      <p:sp>
+        <p:nvSpPr>
+          <p:cNvPr id="3" name="Content Placeholder 2"/>
+          <p:cNvSpPr>
+            <a:spLocks noGrp="1"/>
+          </p:cNvSpPr>
+          <p:nvPr>
+            <p:ph idx="1"/>
+          </p:nvPr>
+        </p:nvSpPr>
+        <p:spPr/>
+        <p:txBody>
+          <a:bodyPr/>
+          <a:lstStyle/>
+          <a:p>
+            <a:r>
+              <a:rPr lang="en-US" dirty="0" smtClean="0"/>
+              <a:t>Dozens in common use</a:t>
+            </a:r>
+          </a:p>
+          <a:p>
+            <a:r>
+              <a:rPr lang="en-US" dirty="0" smtClean="0"/>
+              <a:t>Hundreds of variations</a:t>
+            </a:r>
+          </a:p>
+          <a:p>
+            <a:r>
+              <a:rPr lang="en-US" dirty="0" smtClean="0"/>
+              <a:t>e.g., Pi-calculus, CCS, CSP, ACP, Actor Model, Petri nets, </a:t>
+            </a:r>
+            <a:r>
+              <a:rPr lang="en-US" dirty="0" err="1" smtClean="0"/>
+              <a:t>cham</a:t>
+            </a:r>
+            <a:r>
+              <a:rPr lang="en-US" dirty="0" smtClean="0"/>
+              <a:t>, Action calculi, …</a:t>
+            </a:r>
+          </a:p>
+          <a:p>
+            <a:r>
+              <a:rPr lang="en-US" dirty="0" smtClean="0"/>
+              <a:t>Endless proliferation of new variations and languages</a:t>
+            </a:r>
+          </a:p>
+        </p:txBody>
+      </p:sp>
+    </p:spTree>
+    <p:extLst>
+      <p:ext uri="{BB962C8B-B14F-4D97-AF65-F5344CB8AC3E}">
+        <p14:creationId xmlns:p14="http://schemas.microsoft.com/office/powerpoint/2010/main" val="2754938193"/>
+      </p:ext>
+    </p:extLst>
+  </p:cSld>
+  <p:clrMapOvr>
+    <a:masterClrMapping/>
+  </p:clrMapOvr>
+</p:sld>
+</file>
+
+<file path=ppt/slides/slide14.xml><?xml version="1.0" encoding="utf-8"?>
+<p:sld xmlns:a="http://schemas.openxmlformats.org/drawingml/2006/main" xmlns:r="http://schemas.openxmlformats.org/officeDocument/2006/relationships" xmlns:p="http://schemas.openxmlformats.org/presentationml/2006/main">
+  <p:cSld>
+    <p:spTree>
+      <p:nvGrpSpPr>
+        <p:cNvPr id="1" name=""/>
+        <p:cNvGrpSpPr/>
+        <p:nvPr/>
+      </p:nvGrpSpPr>
+      <p:grpSpPr>
+        <a:xfrm>
+          <a:off x="0" y="0"/>
+          <a:ext cx="0" cy="0"/>
+          <a:chOff x="0" y="0"/>
+          <a:chExt cx="0" cy="0"/>
+        </a:xfrm>
+      </p:grpSpPr>
+      <p:sp>
+        <p:nvSpPr>
+          <p:cNvPr id="2" name="Title 1"/>
+          <p:cNvSpPr>
+            <a:spLocks noGrp="1"/>
+          </p:cNvSpPr>
+          <p:nvPr>
+            <p:ph type="title"/>
+          </p:nvPr>
+        </p:nvSpPr>
+        <p:spPr/>
+        <p:txBody>
+          <a:bodyPr/>
+          <a:lstStyle/>
+          <a:p>
+            <a:r>
+              <a:rPr lang="en-US" dirty="0" smtClean="0"/>
+              <a:t>Process Language Bingo</a:t>
+            </a:r>
+            <a:endParaRPr lang="en-US" dirty="0"/>
+          </a:p>
+        </p:txBody>
+      </p:sp>
+      <p:pic>
+        <p:nvPicPr>
+          <p:cNvPr id="4" name="Content Placeholder 3"/>
+          <p:cNvPicPr>
+            <a:picLocks noGrp="1" noChangeAspect="1"/>
+          </p:cNvPicPr>
+          <p:nvPr>
+            <p:ph idx="1"/>
+          </p:nvPr>
+        </p:nvPicPr>
+        <p:blipFill>
+          <a:blip r:embed="rId2"/>
+          <a:srcRect l="-15447" r="-15447"/>
+          <a:stretch>
+            <a:fillRect/>
+          </a:stretch>
+        </p:blipFill>
+        <p:spPr>
+          <a:prstGeom prst="rect">
+            <a:avLst/>
+          </a:prstGeom>
+        </p:spPr>
+      </p:pic>
+    </p:spTree>
+    <p:extLst>
+      <p:ext uri="{BB962C8B-B14F-4D97-AF65-F5344CB8AC3E}">
+        <p14:creationId xmlns:p14="http://schemas.microsoft.com/office/powerpoint/2010/main" val="779969149"/>
+      </p:ext>
+    </p:extLst>
+  </p:cSld>
+  <p:clrMapOvr>
+    <a:masterClrMapping/>
+  </p:clrMapOvr>
+</p:sld>
+</file>
+
+<file path=ppt/slides/slide15.xml><?xml version="1.0" encoding="utf-8"?>
+<p:sld xmlns:a="http://schemas.openxmlformats.org/drawingml/2006/main" xmlns:r="http://schemas.openxmlformats.org/officeDocument/2006/relationships" xmlns:p="http://schemas.openxmlformats.org/presentationml/2006/main">
+  <p:cSld>
+    <p:spTree>
+      <p:nvGrpSpPr>
+        <p:cNvPr id="1" name=""/>
+        <p:cNvGrpSpPr/>
+        <p:nvPr/>
+      </p:nvGrpSpPr>
+      <p:grpSpPr>
+        <a:xfrm>
+          <a:off x="0" y="0"/>
+          <a:ext cx="0" cy="0"/>
+          <a:chOff x="0" y="0"/>
+          <a:chExt cx="0" cy="0"/>
+        </a:xfrm>
+      </p:grpSpPr>
+      <p:sp>
+        <p:nvSpPr>
+          <p:cNvPr id="2" name="Title 1"/>
+          <p:cNvSpPr>
+            <a:spLocks noGrp="1"/>
+          </p:cNvSpPr>
+          <p:nvPr>
+            <p:ph type="title"/>
+          </p:nvPr>
+        </p:nvSpPr>
+        <p:spPr/>
+        <p:txBody>
+          <a:bodyPr>
+            <a:normAutofit/>
+          </a:bodyPr>
+          <a:lstStyle/>
+          <a:p>
+            <a:r>
+              <a:rPr lang="en-US" dirty="0" smtClean="0"/>
+              <a:t>Proposing a New Process Language</a:t>
+            </a:r>
+            <a:endParaRPr lang="en-US" dirty="0"/>
+          </a:p>
+        </p:txBody>
+      </p:sp>
+      <p:sp>
+        <p:nvSpPr>
+          <p:cNvPr id="3" name="Content Placeholder 2"/>
+          <p:cNvSpPr>
+            <a:spLocks noGrp="1"/>
+          </p:cNvSpPr>
+          <p:nvPr>
+            <p:ph idx="1"/>
+          </p:nvPr>
+        </p:nvSpPr>
+        <p:spPr/>
+        <p:txBody>
+          <a:bodyPr/>
+          <a:lstStyle/>
+          <a:p>
+            <a:pPr marL="514350" indent="-514350">
+              <a:buFont typeface="+mj-lt"/>
+              <a:buAutoNum type="arabicPeriod"/>
+            </a:pPr>
+            <a:r>
+              <a:rPr lang="en-US" dirty="0" smtClean="0"/>
+              <a:t>Define syntax and semantics</a:t>
+            </a:r>
+          </a:p>
+          <a:p>
+            <a:pPr marL="514350" indent="-514350">
+              <a:buFont typeface="+mj-lt"/>
+              <a:buAutoNum type="arabicPeriod"/>
+            </a:pPr>
+            <a:r>
+              <a:rPr lang="en-US" dirty="0" smtClean="0"/>
+              <a:t>Prove a handful of interesting properties</a:t>
+            </a:r>
+          </a:p>
+          <a:p>
+            <a:pPr marL="514350" indent="-514350">
+              <a:buFont typeface="+mj-lt"/>
+              <a:buAutoNum type="arabicPeriod"/>
+            </a:pPr>
+            <a:r>
+              <a:rPr lang="en-US" dirty="0" smtClean="0"/>
+              <a:t>Use it once to solve a particular problem</a:t>
+            </a:r>
+          </a:p>
+          <a:p>
+            <a:pPr marL="514350" indent="-514350">
+              <a:buFont typeface="+mj-lt"/>
+              <a:buAutoNum type="arabicPeriod"/>
+            </a:pPr>
+            <a:r>
+              <a:rPr lang="en-US" dirty="0" smtClean="0"/>
+              <a:t>Claim generality</a:t>
+            </a:r>
+          </a:p>
+          <a:p>
+            <a:pPr marL="514350" indent="-514350">
+              <a:buFont typeface="+mj-lt"/>
+              <a:buAutoNum type="arabicPeriod"/>
+            </a:pPr>
+            <a:r>
+              <a:rPr lang="en-US" dirty="0" smtClean="0"/>
+              <a:t>Publish the paper</a:t>
+            </a:r>
+          </a:p>
+          <a:p>
+            <a:pPr marL="514350" indent="-514350">
+              <a:buFont typeface="+mj-lt"/>
+              <a:buAutoNum type="arabicPeriod"/>
+            </a:pPr>
+            <a:r>
+              <a:rPr lang="en-US" dirty="0" smtClean="0"/>
+              <a:t>Forget about it forever</a:t>
+            </a:r>
+          </a:p>
+          <a:p>
+            <a:pPr marL="514350" indent="-514350">
+              <a:buFont typeface="+mj-lt"/>
+              <a:buAutoNum type="arabicPeriod"/>
+            </a:pPr>
+            <a:r>
+              <a:rPr lang="en-US" dirty="0" smtClean="0"/>
+              <a:t>Go to Step 1</a:t>
+            </a:r>
+            <a:endParaRPr lang="en-US" dirty="0"/>
+          </a:p>
+        </p:txBody>
+      </p:sp>
+    </p:spTree>
+    <p:extLst>
+      <p:ext uri="{BB962C8B-B14F-4D97-AF65-F5344CB8AC3E}">
+        <p14:creationId xmlns:p14="http://schemas.microsoft.com/office/powerpoint/2010/main" val="1079476171"/>
+      </p:ext>
+    </p:extLst>
+  </p:cSld>
+  <p:clrMapOvr>
+    <a:masterClrMapping/>
+  </p:clrMapOvr>
+</p:sld>
+</file>
+
+<file path=ppt/slides/slide16.xml><?xml version="1.0" encoding="utf-8"?>
+<p:sld xmlns:a="http://schemas.openxmlformats.org/drawingml/2006/main" xmlns:r="http://schemas.openxmlformats.org/officeDocument/2006/relationships" xmlns:p="http://schemas.openxmlformats.org/presentationml/2006/main">
+  <p:cSld>
+    <p:spTree>
+      <p:nvGrpSpPr>
+        <p:cNvPr id="1" name=""/>
+        <p:cNvGrpSpPr/>
+        <p:nvPr/>
+      </p:nvGrpSpPr>
+      <p:grpSpPr>
+        <a:xfrm>
+          <a:off x="0" y="0"/>
+          <a:ext cx="0" cy="0"/>
+          <a:chOff x="0" y="0"/>
+          <a:chExt cx="0" cy="0"/>
+        </a:xfrm>
+      </p:grpSpPr>
+      <p:sp>
+        <p:nvSpPr>
+          <p:cNvPr id="2" name="Title 1"/>
+          <p:cNvSpPr>
+            <a:spLocks noGrp="1"/>
+          </p:cNvSpPr>
+          <p:nvPr>
+            <p:ph type="title"/>
+          </p:nvPr>
+        </p:nvSpPr>
+        <p:spPr/>
+        <p:txBody>
+          <a:bodyPr/>
+          <a:lstStyle/>
+          <a:p>
+            <a:r>
+              <a:rPr lang="en-US" dirty="0" smtClean="0"/>
+              <a:t>Proposing a New Process Language</a:t>
+            </a:r>
+            <a:endParaRPr lang="en-US" dirty="0"/>
+          </a:p>
+        </p:txBody>
+      </p:sp>
+      <p:sp>
+        <p:nvSpPr>
+          <p:cNvPr id="3" name="Content Placeholder 2"/>
+          <p:cNvSpPr>
+            <a:spLocks noGrp="1"/>
+          </p:cNvSpPr>
+          <p:nvPr>
+            <p:ph idx="1"/>
+          </p:nvPr>
+        </p:nvSpPr>
+        <p:spPr/>
+        <p:txBody>
+          <a:bodyPr>
+            <a:normAutofit fontScale="92500" lnSpcReduction="20000"/>
+          </a:bodyPr>
+          <a:lstStyle/>
+          <a:p>
+            <a:r>
+              <a:rPr lang="en-US" dirty="0" smtClean="0"/>
+              <a:t>New process languages are used to </a:t>
+            </a:r>
+            <a:r>
+              <a:rPr lang="en-US" dirty="0" err="1" smtClean="0"/>
+              <a:t>specialise</a:t>
+            </a:r>
+            <a:r>
+              <a:rPr lang="en-US" dirty="0" smtClean="0"/>
+              <a:t> to a given domain</a:t>
+            </a:r>
+          </a:p>
+          <a:p>
+            <a:r>
+              <a:rPr lang="en-US" dirty="0" smtClean="0"/>
+              <a:t>Not cynical – there are good reasons to </a:t>
+            </a:r>
+            <a:r>
+              <a:rPr lang="en-US" dirty="0" err="1" smtClean="0"/>
+              <a:t>specialise</a:t>
+            </a:r>
+            <a:r>
+              <a:rPr lang="en-US" dirty="0"/>
+              <a:t> </a:t>
+            </a:r>
+            <a:r>
+              <a:rPr lang="en-US" dirty="0" smtClean="0"/>
+              <a:t>to a domain!</a:t>
+            </a:r>
+          </a:p>
+          <a:p>
+            <a:r>
+              <a:rPr lang="en-US" dirty="0" smtClean="0"/>
+              <a:t>Instead of trying to stop proliferation of new languages, we should support reuse</a:t>
+            </a:r>
+          </a:p>
+          <a:p>
+            <a:r>
+              <a:rPr lang="en-US" dirty="0" smtClean="0"/>
+              <a:t>… and provide better ways of </a:t>
+            </a:r>
+            <a:r>
+              <a:rPr lang="en-US" dirty="0" err="1" smtClean="0"/>
+              <a:t>specialising</a:t>
+            </a:r>
+            <a:r>
+              <a:rPr lang="en-US" dirty="0" smtClean="0"/>
+              <a:t> languages to a given domain</a:t>
+            </a:r>
+          </a:p>
+          <a:p>
+            <a:r>
+              <a:rPr lang="en-US" dirty="0" smtClean="0"/>
+              <a:t>Ephemeral, disposable process languages for every occasion!</a:t>
+            </a:r>
+            <a:endParaRPr lang="en-US" dirty="0"/>
+          </a:p>
+        </p:txBody>
+      </p:sp>
+    </p:spTree>
+    <p:extLst>
+      <p:ext uri="{BB962C8B-B14F-4D97-AF65-F5344CB8AC3E}">
+        <p14:creationId xmlns:p14="http://schemas.microsoft.com/office/powerpoint/2010/main" val="3013490313"/>
+      </p:ext>
+    </p:extLst>
+  </p:cSld>
+  <p:clrMapOvr>
+    <a:masterClrMapping/>
+  </p:clrMapOvr>
+</p:sld>
+</file>
+
+<file path=ppt/slides/slide17.xml><?xml version="1.0" encoding="utf-8"?>
+<p:sld xmlns:a="http://schemas.openxmlformats.org/drawingml/2006/main" xmlns:r="http://schemas.openxmlformats.org/officeDocument/2006/relationships" xmlns:p="http://schemas.openxmlformats.org/presentationml/2006/main">
+  <p:cSld>
+    <p:spTree>
+      <p:nvGrpSpPr>
+        <p:cNvPr id="1" name=""/>
+        <p:cNvGrpSpPr/>
+        <p:nvPr/>
+      </p:nvGrpSpPr>
+      <p:grpSpPr>
+        <a:xfrm>
+          <a:off x="0" y="0"/>
+          <a:ext cx="0" cy="0"/>
+          <a:chOff x="0" y="0"/>
+          <a:chExt cx="0" cy="0"/>
+        </a:xfrm>
+      </p:grpSpPr>
+      <p:sp>
+        <p:nvSpPr>
+          <p:cNvPr id="2" name="Title 1"/>
+          <p:cNvSpPr>
+            <a:spLocks noGrp="1"/>
+          </p:cNvSpPr>
+          <p:nvPr>
+            <p:ph type="title"/>
+          </p:nvPr>
+        </p:nvSpPr>
+        <p:spPr/>
+        <p:txBody>
+          <a:bodyPr/>
+          <a:lstStyle/>
+          <a:p>
+            <a:r>
+              <a:rPr lang="en-US" dirty="0" smtClean="0"/>
+              <a:t>Domain-Specificity</a:t>
+            </a:r>
+            <a:endParaRPr lang="en-US" dirty="0"/>
+          </a:p>
+        </p:txBody>
+      </p:sp>
+      <p:sp>
+        <p:nvSpPr>
+          <p:cNvPr id="3" name="Content Placeholder 2"/>
+          <p:cNvSpPr>
+            <a:spLocks noGrp="1"/>
+          </p:cNvSpPr>
+          <p:nvPr>
+            <p:ph idx="1"/>
+          </p:nvPr>
+        </p:nvSpPr>
+        <p:spPr/>
+        <p:txBody>
+          <a:bodyPr>
+            <a:normAutofit fontScale="85000" lnSpcReduction="10000"/>
+          </a:bodyPr>
+          <a:lstStyle/>
+          <a:p>
+            <a:r>
+              <a:rPr lang="en-US" dirty="0" smtClean="0"/>
+              <a:t>Moving the language constructs with which we can express models closer to the domain of interest makes models better!</a:t>
+            </a:r>
+          </a:p>
+          <a:p>
+            <a:r>
+              <a:rPr lang="en-US" dirty="0" smtClean="0"/>
+              <a:t>Domain-experts are not necessarily </a:t>
+            </a:r>
+            <a:r>
+              <a:rPr lang="en-US" dirty="0" err="1" smtClean="0"/>
+              <a:t>modelling</a:t>
+            </a:r>
+            <a:r>
+              <a:rPr lang="en-US" dirty="0" smtClean="0"/>
+              <a:t> experts</a:t>
+            </a:r>
+          </a:p>
+          <a:p>
+            <a:r>
+              <a:rPr lang="en-US" dirty="0" smtClean="0"/>
+              <a:t>Instead, describe models in the language of the domain!</a:t>
+            </a:r>
+          </a:p>
+          <a:p>
+            <a:pPr lvl="1"/>
+            <a:r>
+              <a:rPr lang="en-US" dirty="0" smtClean="0"/>
+              <a:t>Business processes in the language of the business</a:t>
+            </a:r>
+          </a:p>
+          <a:p>
+            <a:pPr lvl="1"/>
+            <a:r>
+              <a:rPr lang="en-US" dirty="0" smtClean="0"/>
+              <a:t>And systems biology in the language of biologists</a:t>
+            </a:r>
+          </a:p>
+          <a:p>
+            <a:pPr lvl="1"/>
+            <a:r>
+              <a:rPr lang="en-US" dirty="0" smtClean="0"/>
+              <a:t>And security protocols in the language of security experts</a:t>
+            </a:r>
+          </a:p>
+          <a:p>
+            <a:pPr lvl="1"/>
+            <a:r>
+              <a:rPr lang="en-US" dirty="0" err="1" smtClean="0"/>
+              <a:t>etc</a:t>
+            </a:r>
+            <a:r>
+              <a:rPr lang="en-US" dirty="0" smtClean="0"/>
+              <a:t> etc.</a:t>
+            </a:r>
+          </a:p>
+          <a:p>
+            <a:pPr lvl="1"/>
+            <a:endParaRPr lang="en-US" dirty="0"/>
+          </a:p>
+        </p:txBody>
+      </p:sp>
+    </p:spTree>
+    <p:extLst>
+      <p:ext uri="{BB962C8B-B14F-4D97-AF65-F5344CB8AC3E}">
+        <p14:creationId xmlns:p14="http://schemas.microsoft.com/office/powerpoint/2010/main" val="1575677617"/>
+      </p:ext>
+    </p:extLst>
+  </p:cSld>
+  <p:clrMapOvr>
+    <a:masterClrMapping/>
+  </p:clrMapOvr>
+</p:sld>
+</file>
+
+<file path=ppt/slides/slide18.xml><?xml version="1.0" encoding="utf-8"?>
+<p:sld xmlns:a="http://schemas.openxmlformats.org/drawingml/2006/main" xmlns:r="http://schemas.openxmlformats.org/officeDocument/2006/relationships" xmlns:p="http://schemas.openxmlformats.org/presentationml/2006/main">
+  <p:cSld>
+    <p:spTree>
+      <p:nvGrpSpPr>
+        <p:cNvPr id="1" name=""/>
+        <p:cNvGrpSpPr/>
+        <p:nvPr/>
+      </p:nvGrpSpPr>
+      <p:grpSpPr>
+        <a:xfrm>
+          <a:off x="0" y="0"/>
+          <a:ext cx="0" cy="0"/>
+          <a:chOff x="0" y="0"/>
+          <a:chExt cx="0" cy="0"/>
+        </a:xfrm>
+      </p:grpSpPr>
+      <p:sp>
+        <p:nvSpPr>
+          <p:cNvPr id="2" name="Title 1"/>
+          <p:cNvSpPr>
+            <a:spLocks noGrp="1"/>
+          </p:cNvSpPr>
+          <p:nvPr>
+            <p:ph type="title"/>
+          </p:nvPr>
+        </p:nvSpPr>
+        <p:spPr/>
+        <p:txBody>
+          <a:bodyPr/>
+          <a:lstStyle/>
+          <a:p>
+            <a:r>
+              <a:rPr lang="en-US" dirty="0" err="1" smtClean="0"/>
+              <a:t>Bigraphs</a:t>
+            </a:r>
+            <a:endParaRPr lang="en-US" dirty="0"/>
+          </a:p>
+        </p:txBody>
+      </p:sp>
+      <p:sp>
+        <p:nvSpPr>
+          <p:cNvPr id="3" name="Text Placeholder 2"/>
+          <p:cNvSpPr>
+            <a:spLocks noGrp="1"/>
+          </p:cNvSpPr>
+          <p:nvPr>
+            <p:ph type="body" idx="1"/>
+          </p:nvPr>
+        </p:nvSpPr>
+        <p:spPr/>
+        <p:txBody>
+          <a:bodyPr/>
+          <a:lstStyle/>
+          <a:p>
+            <a:r>
+              <a:rPr lang="en-US" dirty="0" smtClean="0"/>
+              <a:t>Part 2</a:t>
+            </a:r>
+            <a:endParaRPr lang="en-US" dirty="0"/>
+          </a:p>
+        </p:txBody>
+      </p:sp>
+    </p:spTree>
+    <p:extLst>
+      <p:ext uri="{BB962C8B-B14F-4D97-AF65-F5344CB8AC3E}">
+        <p14:creationId xmlns:p14="http://schemas.microsoft.com/office/powerpoint/2010/main" val="958105602"/>
+      </p:ext>
+    </p:extLst>
+  </p:cSld>
+  <p:clrMapOvr>
+    <a:masterClrMapping/>
+  </p:clrMapOvr>
+</p:sld>
+</file>
+
+<file path=ppt/slides/slide19.xml><?xml version="1.0" encoding="utf-8"?>
+<p:sld xmlns:a="http://schemas.openxmlformats.org/drawingml/2006/main" xmlns:r="http://schemas.openxmlformats.org/officeDocument/2006/relationships" xmlns:p="http://schemas.openxmlformats.org/presentationml/2006/main">
+  <p:cSld>
+    <p:spTree>
+      <p:nvGrpSpPr>
+        <p:cNvPr id="1" name=""/>
+        <p:cNvGrpSpPr/>
+        <p:nvPr/>
+      </p:nvGrpSpPr>
+      <p:grpSpPr>
+        <a:xfrm>
+          <a:off x="0" y="0"/>
+          <a:ext cx="0" cy="0"/>
+          <a:chOff x="0" y="0"/>
+          <a:chExt cx="0" cy="0"/>
+        </a:xfrm>
+      </p:grpSpPr>
+      <p:sp>
+        <p:nvSpPr>
+          <p:cNvPr id="2" name="Title 1"/>
+          <p:cNvSpPr>
+            <a:spLocks noGrp="1"/>
+          </p:cNvSpPr>
+          <p:nvPr>
+            <p:ph type="title"/>
+          </p:nvPr>
+        </p:nvSpPr>
+        <p:spPr/>
+        <p:txBody>
+          <a:bodyPr/>
+          <a:lstStyle/>
+          <a:p>
+            <a:r>
+              <a:rPr lang="en-US" dirty="0" err="1" smtClean="0"/>
+              <a:t>Bigraphical</a:t>
+            </a:r>
+            <a:r>
+              <a:rPr lang="en-US" dirty="0" smtClean="0"/>
+              <a:t> languages</a:t>
+            </a:r>
+            <a:endParaRPr lang="en-US" dirty="0"/>
+          </a:p>
+        </p:txBody>
+      </p:sp>
+      <p:sp>
+        <p:nvSpPr>
+          <p:cNvPr id="3" name="Text Placeholder 2"/>
+          <p:cNvSpPr>
+            <a:spLocks noGrp="1"/>
+          </p:cNvSpPr>
+          <p:nvPr>
+            <p:ph type="body" idx="1"/>
+          </p:nvPr>
+        </p:nvSpPr>
+        <p:spPr/>
+        <p:txBody>
+          <a:bodyPr/>
+          <a:lstStyle/>
+          <a:p>
+            <a:r>
+              <a:rPr lang="en-US" dirty="0" smtClean="0"/>
+              <a:t>Part 3</a:t>
+            </a:r>
+            <a:endParaRPr lang="en-US" dirty="0"/>
+          </a:p>
+        </p:txBody>
+      </p:sp>
+    </p:spTree>
+    <p:extLst>
+      <p:ext uri="{BB962C8B-B14F-4D97-AF65-F5344CB8AC3E}">
+        <p14:creationId xmlns:p14="http://schemas.microsoft.com/office/powerpoint/2010/main" val="2631882233"/>
+      </p:ext>
+    </p:extLst>
+  </p:cSld>
+  <p:clrMapOvr>
+    <a:masterClrMapping/>
+  </p:clrMapOvr>
+</p:sld>
+</file>
+
 <file path=ppt/slides/slide2.xml><?xml version="1.0" encoding="utf-8"?>
 <p:sld xmlns:a="http://schemas.openxmlformats.org/drawingml/2006/main" xmlns:r="http://schemas.openxmlformats.org/officeDocument/2006/relationships" xmlns:p="http://schemas.openxmlformats.org/presentationml/2006/main">
   <p:cSld>
@@ -3253,6 +4334,310 @@
     <p:extLst>
       <p:ext uri="{BB962C8B-B14F-4D97-AF65-F5344CB8AC3E}">
         <p14:creationId xmlns:p14="http://schemas.microsoft.com/office/powerpoint/2010/main" val="1588001827"/>
+      </p:ext>
+    </p:extLst>
+  </p:cSld>
+  <p:clrMapOvr>
+    <a:masterClrMapping/>
+  </p:clrMapOvr>
+</p:sld>
+</file>
+
+<file path=ppt/slides/slide20.xml><?xml version="1.0" encoding="utf-8"?>
+<p:sld xmlns:a="http://schemas.openxmlformats.org/drawingml/2006/main" xmlns:r="http://schemas.openxmlformats.org/officeDocument/2006/relationships" xmlns:p="http://schemas.openxmlformats.org/presentationml/2006/main">
+  <p:cSld>
+    <p:spTree>
+      <p:nvGrpSpPr>
+        <p:cNvPr id="1" name=""/>
+        <p:cNvGrpSpPr/>
+        <p:nvPr/>
+      </p:nvGrpSpPr>
+      <p:grpSpPr>
+        <a:xfrm>
+          <a:off x="0" y="0"/>
+          <a:ext cx="0" cy="0"/>
+          <a:chOff x="0" y="0"/>
+          <a:chExt cx="0" cy="0"/>
+        </a:xfrm>
+      </p:grpSpPr>
+      <p:sp>
+        <p:nvSpPr>
+          <p:cNvPr id="2" name="Title 1"/>
+          <p:cNvSpPr>
+            <a:spLocks noGrp="1"/>
+          </p:cNvSpPr>
+          <p:nvPr>
+            <p:ph type="title"/>
+          </p:nvPr>
+        </p:nvSpPr>
+        <p:spPr/>
+        <p:txBody>
+          <a:bodyPr/>
+          <a:lstStyle/>
+          <a:p>
+            <a:r>
+              <a:rPr lang="en-US" dirty="0" smtClean="0"/>
+              <a:t>refinement</a:t>
+            </a:r>
+            <a:endParaRPr lang="en-US" dirty="0"/>
+          </a:p>
+        </p:txBody>
+      </p:sp>
+      <p:sp>
+        <p:nvSpPr>
+          <p:cNvPr id="3" name="Text Placeholder 2"/>
+          <p:cNvSpPr>
+            <a:spLocks noGrp="1"/>
+          </p:cNvSpPr>
+          <p:nvPr>
+            <p:ph type="body" idx="1"/>
+          </p:nvPr>
+        </p:nvSpPr>
+        <p:spPr/>
+        <p:txBody>
+          <a:bodyPr/>
+          <a:lstStyle/>
+          <a:p>
+            <a:r>
+              <a:rPr lang="en-US" dirty="0" smtClean="0"/>
+              <a:t>Part 4</a:t>
+            </a:r>
+            <a:endParaRPr lang="en-US" dirty="0"/>
+          </a:p>
+        </p:txBody>
+      </p:sp>
+    </p:spTree>
+    <p:extLst>
+      <p:ext uri="{BB962C8B-B14F-4D97-AF65-F5344CB8AC3E}">
+        <p14:creationId xmlns:p14="http://schemas.microsoft.com/office/powerpoint/2010/main" val="2206402057"/>
+      </p:ext>
+    </p:extLst>
+  </p:cSld>
+  <p:clrMapOvr>
+    <a:masterClrMapping/>
+  </p:clrMapOvr>
+</p:sld>
+</file>
+
+<file path=ppt/slides/slide21.xml><?xml version="1.0" encoding="utf-8"?>
+<p:sld xmlns:a="http://schemas.openxmlformats.org/drawingml/2006/main" xmlns:r="http://schemas.openxmlformats.org/officeDocument/2006/relationships" xmlns:p="http://schemas.openxmlformats.org/presentationml/2006/main">
+  <p:cSld>
+    <p:spTree>
+      <p:nvGrpSpPr>
+        <p:cNvPr id="1" name=""/>
+        <p:cNvGrpSpPr/>
+        <p:nvPr/>
+      </p:nvGrpSpPr>
+      <p:grpSpPr>
+        <a:xfrm>
+          <a:off x="0" y="0"/>
+          <a:ext cx="0" cy="0"/>
+          <a:chOff x="0" y="0"/>
+          <a:chExt cx="0" cy="0"/>
+        </a:xfrm>
+      </p:grpSpPr>
+      <p:sp>
+        <p:nvSpPr>
+          <p:cNvPr id="2" name="Title 1"/>
+          <p:cNvSpPr>
+            <a:spLocks noGrp="1"/>
+          </p:cNvSpPr>
+          <p:nvPr>
+            <p:ph type="title"/>
+          </p:nvPr>
+        </p:nvSpPr>
+        <p:spPr/>
+        <p:txBody>
+          <a:bodyPr/>
+          <a:lstStyle/>
+          <a:p>
+            <a:r>
+              <a:rPr lang="en-US" dirty="0" smtClean="0"/>
+              <a:t>Verification and tools</a:t>
+            </a:r>
+            <a:endParaRPr lang="en-US" dirty="0"/>
+          </a:p>
+        </p:txBody>
+      </p:sp>
+      <p:sp>
+        <p:nvSpPr>
+          <p:cNvPr id="3" name="Text Placeholder 2"/>
+          <p:cNvSpPr>
+            <a:spLocks noGrp="1"/>
+          </p:cNvSpPr>
+          <p:nvPr>
+            <p:ph type="body" idx="1"/>
+          </p:nvPr>
+        </p:nvSpPr>
+        <p:spPr/>
+        <p:txBody>
+          <a:bodyPr/>
+          <a:lstStyle/>
+          <a:p>
+            <a:r>
+              <a:rPr lang="en-US" dirty="0" smtClean="0"/>
+              <a:t>Part 5</a:t>
+            </a:r>
+            <a:endParaRPr lang="en-US" dirty="0"/>
+          </a:p>
+        </p:txBody>
+      </p:sp>
+    </p:spTree>
+    <p:extLst>
+      <p:ext uri="{BB962C8B-B14F-4D97-AF65-F5344CB8AC3E}">
+        <p14:creationId xmlns:p14="http://schemas.microsoft.com/office/powerpoint/2010/main" val="2741296036"/>
+      </p:ext>
+    </p:extLst>
+  </p:cSld>
+  <p:clrMapOvr>
+    <a:masterClrMapping/>
+  </p:clrMapOvr>
+</p:sld>
+</file>
+
+<file path=ppt/slides/slide22.xml><?xml version="1.0" encoding="utf-8"?>
+<p:sld xmlns:a="http://schemas.openxmlformats.org/drawingml/2006/main" xmlns:r="http://schemas.openxmlformats.org/officeDocument/2006/relationships" xmlns:p="http://schemas.openxmlformats.org/presentationml/2006/main">
+  <p:cSld>
+    <p:spTree>
+      <p:nvGrpSpPr>
+        <p:cNvPr id="1" name=""/>
+        <p:cNvGrpSpPr/>
+        <p:nvPr/>
+      </p:nvGrpSpPr>
+      <p:grpSpPr>
+        <a:xfrm>
+          <a:off x="0" y="0"/>
+          <a:ext cx="0" cy="0"/>
+          <a:chOff x="0" y="0"/>
+          <a:chExt cx="0" cy="0"/>
+        </a:xfrm>
+      </p:grpSpPr>
+      <p:sp>
+        <p:nvSpPr>
+          <p:cNvPr id="2" name="Title 1"/>
+          <p:cNvSpPr>
+            <a:spLocks noGrp="1"/>
+          </p:cNvSpPr>
+          <p:nvPr>
+            <p:ph type="title"/>
+          </p:nvPr>
+        </p:nvSpPr>
+        <p:spPr/>
+        <p:txBody>
+          <a:bodyPr/>
+          <a:lstStyle/>
+          <a:p>
+            <a:r>
+              <a:rPr lang="en-US" dirty="0" smtClean="0"/>
+              <a:t>modularity</a:t>
+            </a:r>
+            <a:endParaRPr lang="en-US" dirty="0"/>
+          </a:p>
+        </p:txBody>
+      </p:sp>
+      <p:sp>
+        <p:nvSpPr>
+          <p:cNvPr id="3" name="Text Placeholder 2"/>
+          <p:cNvSpPr>
+            <a:spLocks noGrp="1"/>
+          </p:cNvSpPr>
+          <p:nvPr>
+            <p:ph type="body" idx="1"/>
+          </p:nvPr>
+        </p:nvSpPr>
+        <p:spPr/>
+        <p:txBody>
+          <a:bodyPr/>
+          <a:lstStyle/>
+          <a:p>
+            <a:r>
+              <a:rPr lang="en-US" dirty="0" smtClean="0"/>
+              <a:t>Part 6</a:t>
+            </a:r>
+            <a:endParaRPr lang="en-US" dirty="0"/>
+          </a:p>
+        </p:txBody>
+      </p:sp>
+    </p:spTree>
+    <p:extLst>
+      <p:ext uri="{BB962C8B-B14F-4D97-AF65-F5344CB8AC3E}">
+        <p14:creationId xmlns:p14="http://schemas.microsoft.com/office/powerpoint/2010/main" val="1810853861"/>
+      </p:ext>
+    </p:extLst>
+  </p:cSld>
+  <p:clrMapOvr>
+    <a:masterClrMapping/>
+  </p:clrMapOvr>
+</p:sld>
+</file>
+
+<file path=ppt/slides/slide23.xml><?xml version="1.0" encoding="utf-8"?>
+<p:sld xmlns:a="http://schemas.openxmlformats.org/drawingml/2006/main" xmlns:r="http://schemas.openxmlformats.org/officeDocument/2006/relationships" xmlns:p="http://schemas.openxmlformats.org/presentationml/2006/main">
+  <p:cSld>
+    <p:spTree>
+      <p:nvGrpSpPr>
+        <p:cNvPr id="1" name=""/>
+        <p:cNvGrpSpPr/>
+        <p:nvPr/>
+      </p:nvGrpSpPr>
+      <p:grpSpPr>
+        <a:xfrm>
+          <a:off x="0" y="0"/>
+          <a:ext cx="0" cy="0"/>
+          <a:chOff x="0" y="0"/>
+          <a:chExt cx="0" cy="0"/>
+        </a:xfrm>
+      </p:grpSpPr>
+      <p:sp>
+        <p:nvSpPr>
+          <p:cNvPr id="2" name="Title 1"/>
+          <p:cNvSpPr>
+            <a:spLocks noGrp="1"/>
+          </p:cNvSpPr>
+          <p:nvPr>
+            <p:ph type="title"/>
+          </p:nvPr>
+        </p:nvSpPr>
+        <p:spPr/>
+        <p:txBody>
+          <a:bodyPr/>
+          <a:lstStyle/>
+          <a:p>
+            <a:r>
+              <a:rPr lang="en-US" dirty="0" smtClean="0"/>
+              <a:t>Conclusion</a:t>
+            </a:r>
+            <a:endParaRPr lang="en-US" dirty="0"/>
+          </a:p>
+        </p:txBody>
+      </p:sp>
+      <p:sp>
+        <p:nvSpPr>
+          <p:cNvPr id="3" name="Text Placeholder 2"/>
+          <p:cNvSpPr>
+            <a:spLocks noGrp="1"/>
+          </p:cNvSpPr>
+          <p:nvPr>
+            <p:ph type="body" idx="1"/>
+          </p:nvPr>
+        </p:nvSpPr>
+        <p:spPr/>
+        <p:txBody>
+          <a:bodyPr/>
+          <a:lstStyle/>
+          <a:p>
+            <a:r>
+              <a:rPr lang="en-US" dirty="0" smtClean="0"/>
+              <a:t>Part 7</a:t>
+            </a:r>
+            <a:endParaRPr lang="en-US" dirty="0"/>
+          </a:p>
+        </p:txBody>
+      </p:sp>
+    </p:spTree>
+    <p:extLst>
+      <p:ext uri="{BB962C8B-B14F-4D97-AF65-F5344CB8AC3E}">
+        <p14:creationId xmlns:p14="http://schemas.microsoft.com/office/powerpoint/2010/main" val="1628651473"/>
       </p:ext>
     </p:extLst>
   </p:cSld>
@@ -3281,7 +4666,7 @@
       </p:grpSpPr>
       <p:sp>
         <p:nvSpPr>
-          <p:cNvPr id="2" name="Title 1"/>
+          <p:cNvPr id="5" name="Title 4"/>
           <p:cNvSpPr>
             <a:spLocks noGrp="1"/>
           </p:cNvSpPr>
@@ -3295,8 +4680,8 @@
           <a:lstStyle/>
           <a:p>
             <a:r>
-              <a:rPr lang="en-US" dirty="0" err="1" smtClean="0"/>
-              <a:t>Bigraphs</a:t>
+              <a:rPr lang="en-US" dirty="0" smtClean="0"/>
+              <a:t>Explanation</a:t>
             </a:r>
             <a:endParaRPr lang="en-US" dirty="0"/>
           </a:p>
@@ -3304,31 +4689,50 @@
       </p:sp>
       <p:sp>
         <p:nvSpPr>
-          <p:cNvPr id="3" name="Text Placeholder 2"/>
-          <p:cNvSpPr>
-            <a:spLocks noGrp="1"/>
-          </p:cNvSpPr>
-          <p:nvPr>
-            <p:ph type="body" idx="1"/>
-          </p:nvPr>
-        </p:nvSpPr>
-        <p:spPr/>
-        <p:txBody>
-          <a:bodyPr/>
-          <a:lstStyle/>
-          <a:p>
-            <a:r>
-              <a:rPr lang="en-US" dirty="0" smtClean="0"/>
-              <a:t>Part 2</a:t>
-            </a:r>
-            <a:endParaRPr lang="en-US" dirty="0"/>
+          <p:cNvPr id="6" name="Content Placeholder 5"/>
+          <p:cNvSpPr>
+            <a:spLocks noGrp="1"/>
+          </p:cNvSpPr>
+          <p:nvPr>
+            <p:ph idx="4294967295"/>
+          </p:nvPr>
+        </p:nvSpPr>
+        <p:spPr>
+          <a:xfrm>
+            <a:off x="598106" y="2960330"/>
+            <a:ext cx="8128000" cy="857865"/>
+          </a:xfrm>
+        </p:spPr>
+        <p:txBody>
+          <a:bodyPr/>
+          <a:lstStyle/>
+          <a:p>
+            <a:pPr marL="0" indent="0">
+              <a:buNone/>
+            </a:pPr>
+            <a:r>
+              <a:rPr lang="en-US" dirty="0" smtClean="0"/>
+              <a:t>We construct models to </a:t>
+            </a:r>
+            <a:r>
+              <a:rPr lang="en-US" b="1" dirty="0" smtClean="0"/>
+              <a:t>explain</a:t>
+            </a:r>
+            <a:r>
+              <a:rPr lang="en-US" dirty="0" smtClean="0"/>
+              <a:t> or </a:t>
+            </a:r>
+            <a:r>
+              <a:rPr lang="en-US" b="1" dirty="0" smtClean="0"/>
+              <a:t>understand</a:t>
+            </a:r>
           </a:p>
         </p:txBody>
       </p:sp>
     </p:spTree>
     <p:extLst>
       <p:ext uri="{BB962C8B-B14F-4D97-AF65-F5344CB8AC3E}">
-        <p14:creationId xmlns:p14="http://schemas.microsoft.com/office/powerpoint/2010/main" val="958105602"/>
+        <p14:creationId xmlns:p14="http://schemas.microsoft.com/office/powerpoint/2010/main" val="308731303"/>
       </p:ext>
     </p:extLst>
   </p:cSld>
@@ -3357,7 +4761,7 @@
       </p:grpSpPr>
       <p:sp>
         <p:nvSpPr>
-          <p:cNvPr id="2" name="Title 1"/>
+          <p:cNvPr id="4" name="Title 3"/>
           <p:cNvSpPr>
             <a:spLocks noGrp="1"/>
           </p:cNvSpPr>
@@ -3371,35 +4775,54 @@
           <a:lstStyle/>
           <a:p>
             <a:r>
+              <a:rPr lang="en-US" dirty="0" smtClean="0"/>
+              <a:t>1973 Model Steam Engine</a:t>
+            </a:r>
+            <a:endParaRPr lang="en-US" dirty="0"/>
+          </a:p>
+        </p:txBody>
+      </p:sp>
+      <p:pic>
+        <p:nvPicPr>
+          <p:cNvPr id="7" name="Picture Placeholder 6"/>
+          <p:cNvPicPr>
+            <a:picLocks noGrp="1" noChangeAspect="1"/>
+          </p:cNvPicPr>
+          <p:nvPr>
+            <p:ph type="pic" idx="1"/>
+          </p:nvPr>
+        </p:nvPicPr>
+        <p:blipFill>
+          <a:blip r:embed="rId2"/>
+          <a:srcRect/>
+          <a:stretch>
+            <a:fillRect/>
+          </a:stretch>
+        </p:blipFill>
+        <p:spPr/>
+      </p:pic>
+      <p:sp>
+        <p:nvSpPr>
+          <p:cNvPr id="6" name="Text Placeholder 5"/>
+          <p:cNvSpPr>
+            <a:spLocks noGrp="1"/>
+          </p:cNvSpPr>
+          <p:nvPr>
+            <p:ph type="body" sz="half" idx="2"/>
+          </p:nvPr>
+        </p:nvSpPr>
+        <p:spPr/>
+        <p:txBody>
+          <a:bodyPr/>
+          <a:lstStyle/>
+          <a:p>
+            <a:r>
+              <a:rPr lang="en-US" dirty="0" smtClean="0"/>
+              <a:t>Source: </a:t>
+            </a:r>
+            <a:r>
               <a:rPr lang="en-US" dirty="0" err="1" smtClean="0"/>
-              <a:t>Bigraphical</a:t>
-            </a:r>
-            <a:r>
-              <a:rPr lang="en-US" dirty="0" smtClean="0"/>
-              <a:t> languages</a:t>
-            </a:r>
-            <a:endParaRPr lang="en-US" dirty="0"/>
-          </a:p>
-        </p:txBody>
-      </p:sp>
-      <p:sp>
-        <p:nvSpPr>
-          <p:cNvPr id="3" name="Text Placeholder 2"/>
-          <p:cNvSpPr>
-            <a:spLocks noGrp="1"/>
-          </p:cNvSpPr>
-          <p:nvPr>
-            <p:ph type="body" idx="1"/>
-          </p:nvPr>
-        </p:nvSpPr>
-        <p:spPr/>
-        <p:txBody>
-          <a:bodyPr/>
-          <a:lstStyle/>
-          <a:p>
-            <a:r>
-              <a:rPr lang="en-US" dirty="0" smtClean="0"/>
-              <a:t>Part 3</a:t>
+              <a:t>homemodelenginemachinist.com</a:t>
             </a:r>
             <a:endParaRPr lang="en-US" dirty="0"/>
           </a:p>
@@ -3408,7 +4831,7 @@
     </p:spTree>
     <p:extLst>
       <p:ext uri="{BB962C8B-B14F-4D97-AF65-F5344CB8AC3E}">
-        <p14:creationId xmlns:p14="http://schemas.microsoft.com/office/powerpoint/2010/main" val="2631882233"/>
+        <p14:creationId xmlns:p14="http://schemas.microsoft.com/office/powerpoint/2010/main" val="2270914895"/>
       </p:ext>
     </p:extLst>
   </p:cSld>
@@ -3452,30 +4875,55 @@
           <a:p>
             <a:r>
               <a:rPr lang="en-US" dirty="0" smtClean="0"/>
-              <a:t>refinement</a:t>
+              <a:t>1903 Mill Engine</a:t>
             </a:r>
             <a:endParaRPr lang="en-US" dirty="0"/>
           </a:p>
         </p:txBody>
       </p:sp>
-      <p:sp>
-        <p:nvSpPr>
-          <p:cNvPr id="3" name="Text Placeholder 2"/>
-          <p:cNvSpPr>
-            <a:spLocks noGrp="1"/>
-          </p:cNvSpPr>
-          <p:nvPr>
-            <p:ph type="body" idx="1"/>
-          </p:nvPr>
-        </p:nvSpPr>
-        <p:spPr/>
-        <p:txBody>
-          <a:bodyPr/>
-          <a:lstStyle/>
-          <a:p>
-            <a:r>
-              <a:rPr lang="en-US" dirty="0" smtClean="0"/>
-              <a:t>Part 4</a:t>
+      <p:pic>
+        <p:nvPicPr>
+          <p:cNvPr id="5" name="Picture Placeholder 4"/>
+          <p:cNvPicPr>
+            <a:picLocks noGrp="1" noChangeAspect="1"/>
+          </p:cNvPicPr>
+          <p:nvPr>
+            <p:ph type="pic" idx="1"/>
+          </p:nvPr>
+        </p:nvPicPr>
+        <p:blipFill>
+          <a:blip r:embed="rId2"/>
+          <a:srcRect l="12500" r="12500"/>
+          <a:stretch>
+            <a:fillRect/>
+          </a:stretch>
+        </p:blipFill>
+        <p:spPr/>
+      </p:pic>
+      <p:sp>
+        <p:nvSpPr>
+          <p:cNvPr id="4" name="Text Placeholder 3"/>
+          <p:cNvSpPr>
+            <a:spLocks noGrp="1"/>
+          </p:cNvSpPr>
+          <p:nvPr>
+            <p:ph type="body" sz="half" idx="2"/>
+          </p:nvPr>
+        </p:nvSpPr>
+        <p:spPr/>
+        <p:txBody>
+          <a:bodyPr/>
+          <a:lstStyle/>
+          <a:p>
+            <a:r>
+              <a:rPr lang="en-US" dirty="0" smtClean="0"/>
+              <a:t>London Science Museum</a:t>
+            </a:r>
+          </a:p>
+          <a:p>
+            <a:r>
+              <a:rPr lang="en-US" dirty="0" smtClean="0"/>
+              <a:t>Source: Wikimedia Commons</a:t>
             </a:r>
             <a:endParaRPr lang="en-US" dirty="0"/>
           </a:p>
@@ -3484,7 +4932,7 @@
     </p:spTree>
     <p:extLst>
       <p:ext uri="{BB962C8B-B14F-4D97-AF65-F5344CB8AC3E}">
-        <p14:creationId xmlns:p14="http://schemas.microsoft.com/office/powerpoint/2010/main" val="2206402057"/>
+        <p14:creationId xmlns:p14="http://schemas.microsoft.com/office/powerpoint/2010/main" val="2175834004"/>
       </p:ext>
     </p:extLst>
   </p:cSld>
@@ -3513,7 +4961,7 @@
       </p:grpSpPr>
       <p:sp>
         <p:nvSpPr>
-          <p:cNvPr id="2" name="Title 1"/>
+          <p:cNvPr id="5" name="Title 4"/>
           <p:cNvSpPr>
             <a:spLocks noGrp="1"/>
           </p:cNvSpPr>
@@ -3527,8 +4975,8 @@
           <a:lstStyle/>
           <a:p>
             <a:r>
-              <a:rPr lang="en-US" dirty="0" smtClean="0"/>
-              <a:t>Verification and tools</a:t>
+              <a:rPr lang="en-US" dirty="0" err="1" smtClean="0"/>
+              <a:t>Modelling</a:t>
             </a:r>
             <a:endParaRPr lang="en-US" dirty="0"/>
           </a:p>
@@ -3536,22 +4984,50 @@
       </p:sp>
       <p:sp>
         <p:nvSpPr>
-          <p:cNvPr id="3" name="Text Placeholder 2"/>
-          <p:cNvSpPr>
-            <a:spLocks noGrp="1"/>
-          </p:cNvSpPr>
-          <p:nvPr>
-            <p:ph type="body" idx="1"/>
-          </p:nvPr>
-        </p:nvSpPr>
-        <p:spPr/>
-        <p:txBody>
-          <a:bodyPr/>
-          <a:lstStyle/>
-          <a:p>
-            <a:r>
-              <a:rPr lang="en-US" dirty="0" smtClean="0"/>
-              <a:t>Part 5</a:t>
+          <p:cNvPr id="6" name="Content Placeholder 5"/>
+          <p:cNvSpPr>
+            <a:spLocks noGrp="1"/>
+          </p:cNvSpPr>
+          <p:nvPr>
+            <p:ph idx="1"/>
+          </p:nvPr>
+        </p:nvSpPr>
+        <p:spPr/>
+        <p:txBody>
+          <a:bodyPr/>
+          <a:lstStyle/>
+          <a:p>
+            <a:r>
+              <a:rPr lang="en-US" dirty="0" smtClean="0"/>
+              <a:t>A system can be too complex to understand or </a:t>
+            </a:r>
+            <a:r>
+              <a:rPr lang="en-US" dirty="0" err="1" smtClean="0"/>
+              <a:t>analyse</a:t>
+            </a:r>
+            <a:r>
+              <a:rPr lang="en-US" dirty="0" smtClean="0"/>
+              <a:t> directly</a:t>
+            </a:r>
+          </a:p>
+          <a:p>
+            <a:r>
+              <a:rPr lang="en-US" dirty="0" smtClean="0"/>
+              <a:t>A model can be a simplification or an abstraction</a:t>
+            </a:r>
+          </a:p>
+          <a:p>
+            <a:r>
+              <a:rPr lang="en-US" dirty="0" smtClean="0"/>
+              <a:t>… or simply a blueprint that can be </a:t>
+            </a:r>
+            <a:r>
+              <a:rPr lang="en-US" dirty="0" err="1" smtClean="0"/>
+              <a:t>analysed</a:t>
+            </a:r>
+            <a:r>
+              <a:rPr lang="en-US" dirty="0" smtClean="0"/>
+              <a:t> prior to constructing something larger</a:t>
             </a:r>
             <a:endParaRPr lang="en-US" dirty="0"/>
           </a:p>
@@ -3560,7 +5036,7 @@
     </p:spTree>
     <p:extLst>
       <p:ext uri="{BB962C8B-B14F-4D97-AF65-F5344CB8AC3E}">
-        <p14:creationId xmlns:p14="http://schemas.microsoft.com/office/powerpoint/2010/main" val="2741296036"/>
+        <p14:creationId xmlns:p14="http://schemas.microsoft.com/office/powerpoint/2010/main" val="1014213082"/>
       </p:ext>
     </p:extLst>
   </p:cSld>
@@ -3589,7 +5065,7 @@
       </p:grpSpPr>
       <p:sp>
         <p:nvSpPr>
-          <p:cNvPr id="2" name="Title 1"/>
+          <p:cNvPr id="4" name="Title 3"/>
           <p:cNvSpPr>
             <a:spLocks noGrp="1"/>
           </p:cNvSpPr>
@@ -3604,30 +5080,53 @@
           <a:p>
             <a:r>
               <a:rPr lang="en-US" dirty="0" smtClean="0"/>
-              <a:t>modularity</a:t>
+              <a:t>Simplifying assumptions</a:t>
             </a:r>
             <a:endParaRPr lang="en-US" dirty="0"/>
           </a:p>
         </p:txBody>
       </p:sp>
-      <p:sp>
-        <p:nvSpPr>
-          <p:cNvPr id="3" name="Text Placeholder 2"/>
-          <p:cNvSpPr>
-            <a:spLocks noGrp="1"/>
-          </p:cNvSpPr>
-          <p:nvPr>
-            <p:ph type="body" idx="1"/>
-          </p:nvPr>
-        </p:nvSpPr>
-        <p:spPr/>
-        <p:txBody>
-          <a:bodyPr/>
-          <a:lstStyle/>
-          <a:p>
-            <a:r>
-              <a:rPr lang="en-US" dirty="0" smtClean="0"/>
-              <a:t>Part 6</a:t>
+      <p:pic>
+        <p:nvPicPr>
+          <p:cNvPr id="7" name="Picture Placeholder 6"/>
+          <p:cNvPicPr>
+            <a:picLocks noGrp="1" noChangeAspect="1"/>
+          </p:cNvPicPr>
+          <p:nvPr>
+            <p:ph type="pic" idx="1"/>
+          </p:nvPr>
+        </p:nvPicPr>
+        <p:blipFill>
+          <a:blip r:embed="rId2"/>
+          <a:srcRect t="3125" b="3125"/>
+          <a:stretch>
+            <a:fillRect/>
+          </a:stretch>
+        </p:blipFill>
+        <p:spPr/>
+      </p:pic>
+      <p:sp>
+        <p:nvSpPr>
+          <p:cNvPr id="6" name="Text Placeholder 5"/>
+          <p:cNvSpPr>
+            <a:spLocks noGrp="1"/>
+          </p:cNvSpPr>
+          <p:nvPr>
+            <p:ph type="body" sz="half" idx="2"/>
+          </p:nvPr>
+        </p:nvSpPr>
+        <p:spPr/>
+        <p:txBody>
+          <a:bodyPr/>
+          <a:lstStyle/>
+          <a:p>
+            <a:r>
+              <a:rPr lang="en-US" dirty="0" smtClean="0"/>
+              <a:t>Source: </a:t>
+            </a:r>
+            <a:r>
+              <a:rPr lang="en-US" dirty="0" err="1" smtClean="0"/>
+              <a:t>Boeing.com</a:t>
             </a:r>
             <a:endParaRPr lang="en-US" dirty="0"/>
           </a:p>
@@ -3636,7 +5135,7 @@
     </p:spTree>
     <p:extLst>
       <p:ext uri="{BB962C8B-B14F-4D97-AF65-F5344CB8AC3E}">
-        <p14:creationId xmlns:p14="http://schemas.microsoft.com/office/powerpoint/2010/main" val="1810853861"/>
+        <p14:creationId xmlns:p14="http://schemas.microsoft.com/office/powerpoint/2010/main" val="1798547780"/>
       </p:ext>
     </p:extLst>
   </p:cSld>
@@ -3665,7 +5164,7 @@
       </p:grpSpPr>
       <p:sp>
         <p:nvSpPr>
-          <p:cNvPr id="2" name="Title 1"/>
+          <p:cNvPr id="6" name="Title 5"/>
           <p:cNvSpPr>
             <a:spLocks noGrp="1"/>
           </p:cNvSpPr>
@@ -3680,7 +5179,7 @@
           <a:p>
             <a:r>
               <a:rPr lang="en-US" dirty="0" smtClean="0"/>
-              <a:t>Conclusion</a:t>
+              <a:t>Simplifying Assumptions</a:t>
             </a:r>
             <a:endParaRPr lang="en-US" dirty="0"/>
           </a:p>
@@ -3688,22 +5187,28 @@
       </p:sp>
       <p:sp>
         <p:nvSpPr>
-          <p:cNvPr id="3" name="Text Placeholder 2"/>
-          <p:cNvSpPr>
-            <a:spLocks noGrp="1"/>
-          </p:cNvSpPr>
-          <p:nvPr>
-            <p:ph type="body" idx="1"/>
-          </p:nvPr>
-        </p:nvSpPr>
-        <p:spPr/>
-        <p:txBody>
-          <a:bodyPr/>
-          <a:lstStyle/>
-          <a:p>
-            <a:r>
-              <a:rPr lang="en-US" dirty="0" smtClean="0"/>
-              <a:t>Part 7</a:t>
+          <p:cNvPr id="7" name="Content Placeholder 6"/>
+          <p:cNvSpPr>
+            <a:spLocks noGrp="1"/>
+          </p:cNvSpPr>
+          <p:nvPr>
+            <p:ph idx="1"/>
+          </p:nvPr>
+        </p:nvSpPr>
+        <p:spPr/>
+        <p:txBody>
+          <a:bodyPr/>
+          <a:lstStyle/>
+          <a:p>
+            <a:r>
+              <a:rPr lang="en-US" dirty="0" smtClean="0"/>
+              <a:t>When testing the aerodynamic properties of a plane, it’s not necessary that the seats be comfortable.</a:t>
+            </a:r>
+          </a:p>
+          <a:p>
+            <a:r>
+              <a:rPr lang="en-US" dirty="0" smtClean="0"/>
+              <a:t>A model may ignore or simplify some properties in order to focus attention on the interesting or important properties</a:t>
             </a:r>
             <a:endParaRPr lang="en-US" dirty="0"/>
           </a:p>
@@ -3712,7 +5217,105 @@
     </p:spTree>
     <p:extLst>
       <p:ext uri="{BB962C8B-B14F-4D97-AF65-F5344CB8AC3E}">
-        <p14:creationId xmlns:p14="http://schemas.microsoft.com/office/powerpoint/2010/main" val="1628651473"/>
+        <p14:creationId xmlns:p14="http://schemas.microsoft.com/office/powerpoint/2010/main" val="1759835831"/>
+      </p:ext>
+    </p:extLst>
+  </p:cSld>
+  <p:clrMapOvr>
+    <a:masterClrMapping/>
+  </p:clrMapOvr>
+</p:sld>
+</file>
+
+<file path=ppt/slides/slide9.xml><?xml version="1.0" encoding="utf-8"?>
+<p:sld xmlns:a="http://schemas.openxmlformats.org/drawingml/2006/main" xmlns:r="http://schemas.openxmlformats.org/officeDocument/2006/relationships" xmlns:p="http://schemas.openxmlformats.org/presentationml/2006/main">
+  <p:cSld>
+    <p:spTree>
+      <p:nvGrpSpPr>
+        <p:cNvPr id="1" name=""/>
+        <p:cNvGrpSpPr/>
+        <p:nvPr/>
+      </p:nvGrpSpPr>
+      <p:grpSpPr>
+        <a:xfrm>
+          <a:off x="0" y="0"/>
+          <a:ext cx="0" cy="0"/>
+          <a:chOff x="0" y="0"/>
+          <a:chExt cx="0" cy="0"/>
+        </a:xfrm>
+      </p:grpSpPr>
+      <p:sp>
+        <p:nvSpPr>
+          <p:cNvPr id="2" name="Title 1"/>
+          <p:cNvSpPr>
+            <a:spLocks noGrp="1"/>
+          </p:cNvSpPr>
+          <p:nvPr>
+            <p:ph type="title"/>
+          </p:nvPr>
+        </p:nvSpPr>
+        <p:spPr/>
+        <p:txBody>
+          <a:bodyPr/>
+          <a:lstStyle/>
+          <a:p>
+            <a:r>
+              <a:rPr lang="en-US" dirty="0" smtClean="0"/>
+              <a:t>Communicating Systems</a:t>
+            </a:r>
+            <a:endParaRPr lang="en-US" dirty="0"/>
+          </a:p>
+        </p:txBody>
+      </p:sp>
+      <p:sp>
+        <p:nvSpPr>
+          <p:cNvPr id="3" name="Content Placeholder 2"/>
+          <p:cNvSpPr>
+            <a:spLocks noGrp="1"/>
+          </p:cNvSpPr>
+          <p:nvPr>
+            <p:ph idx="1"/>
+          </p:nvPr>
+        </p:nvSpPr>
+        <p:spPr/>
+        <p:txBody>
+          <a:bodyPr/>
+          <a:lstStyle/>
+          <a:p>
+            <a:r>
+              <a:rPr lang="en-US" dirty="0" smtClean="0"/>
+              <a:t>Software systems are some of the most complex systems we build today</a:t>
+            </a:r>
+          </a:p>
+          <a:p>
+            <a:r>
+              <a:rPr lang="en-US" dirty="0" smtClean="0"/>
+              <a:t>We struggle to understand them</a:t>
+            </a:r>
+          </a:p>
+          <a:p>
+            <a:r>
+              <a:rPr lang="en-US" dirty="0" smtClean="0"/>
+              <a:t>These systems must communicate persistently in order to achieve outcomes</a:t>
+            </a:r>
+          </a:p>
+          <a:p>
+            <a:r>
+              <a:rPr lang="en-US" dirty="0"/>
+              <a:t>e</a:t>
+            </a:r>
+            <a:r>
+              <a:rPr lang="en-US" dirty="0" smtClean="0"/>
+              <a:t>.g., a simple banking transaction must communicate with multiple parties.</a:t>
+            </a:r>
+            <a:endParaRPr lang="en-US" dirty="0"/>
+          </a:p>
+        </p:txBody>
+      </p:sp>
+    </p:spTree>
+    <p:extLst>
+      <p:ext uri="{BB962C8B-B14F-4D97-AF65-F5344CB8AC3E}">
+        <p14:creationId xmlns:p14="http://schemas.microsoft.com/office/powerpoint/2010/main" val="1175472045"/>
       </p:ext>
     </p:extLst>
   </p:cSld>

--- a/PhDDefense.pptx
+++ b/PhDDefense.pptx
@@ -4053,7 +4053,7 @@
           <a:p>
             <a:r>
               <a:rPr lang="en-US" dirty="0" smtClean="0"/>
-              <a:t>Instead, describe models in the language of the domain!</a:t>
+              <a:t>Instead, describe models in the language of the domain</a:t>
             </a:r>
           </a:p>
           <a:p>

--- a/PhDDefense.pptx
+++ b/PhDDefense.pptx
@@ -10,24 +10,61 @@
     <p:sldId id="267" r:id="rId4"/>
     <p:sldId id="265" r:id="rId5"/>
     <p:sldId id="266" r:id="rId6"/>
-    <p:sldId id="268" r:id="rId7"/>
-    <p:sldId id="269" r:id="rId8"/>
-    <p:sldId id="264" r:id="rId9"/>
-    <p:sldId id="270" r:id="rId10"/>
-    <p:sldId id="271" r:id="rId11"/>
-    <p:sldId id="272" r:id="rId12"/>
-    <p:sldId id="273" r:id="rId13"/>
-    <p:sldId id="277" r:id="rId14"/>
-    <p:sldId id="278" r:id="rId15"/>
-    <p:sldId id="275" r:id="rId16"/>
-    <p:sldId id="276" r:id="rId17"/>
-    <p:sldId id="279" r:id="rId18"/>
-    <p:sldId id="258" r:id="rId19"/>
-    <p:sldId id="259" r:id="rId20"/>
-    <p:sldId id="260" r:id="rId21"/>
-    <p:sldId id="261" r:id="rId22"/>
-    <p:sldId id="262" r:id="rId23"/>
-    <p:sldId id="263" r:id="rId24"/>
+    <p:sldId id="312" r:id="rId7"/>
+    <p:sldId id="268" r:id="rId8"/>
+    <p:sldId id="269" r:id="rId9"/>
+    <p:sldId id="264" r:id="rId10"/>
+    <p:sldId id="313" r:id="rId11"/>
+    <p:sldId id="270" r:id="rId12"/>
+    <p:sldId id="271" r:id="rId13"/>
+    <p:sldId id="272" r:id="rId14"/>
+    <p:sldId id="273" r:id="rId15"/>
+    <p:sldId id="314" r:id="rId16"/>
+    <p:sldId id="277" r:id="rId17"/>
+    <p:sldId id="278" r:id="rId18"/>
+    <p:sldId id="275" r:id="rId19"/>
+    <p:sldId id="276" r:id="rId20"/>
+    <p:sldId id="279" r:id="rId21"/>
+    <p:sldId id="315" r:id="rId22"/>
+    <p:sldId id="258" r:id="rId23"/>
+    <p:sldId id="280" r:id="rId24"/>
+    <p:sldId id="281" r:id="rId25"/>
+    <p:sldId id="316" r:id="rId26"/>
+    <p:sldId id="282" r:id="rId27"/>
+    <p:sldId id="284" r:id="rId28"/>
+    <p:sldId id="285" r:id="rId29"/>
+    <p:sldId id="286" r:id="rId30"/>
+    <p:sldId id="283" r:id="rId31"/>
+    <p:sldId id="259" r:id="rId32"/>
+    <p:sldId id="287" r:id="rId33"/>
+    <p:sldId id="288" r:id="rId34"/>
+    <p:sldId id="289" r:id="rId35"/>
+    <p:sldId id="260" r:id="rId36"/>
+    <p:sldId id="290" r:id="rId37"/>
+    <p:sldId id="291" r:id="rId38"/>
+    <p:sldId id="292" r:id="rId39"/>
+    <p:sldId id="293" r:id="rId40"/>
+    <p:sldId id="294" r:id="rId41"/>
+    <p:sldId id="295" r:id="rId42"/>
+    <p:sldId id="296" r:id="rId43"/>
+    <p:sldId id="261" r:id="rId44"/>
+    <p:sldId id="297" r:id="rId45"/>
+    <p:sldId id="298" r:id="rId46"/>
+    <p:sldId id="299" r:id="rId47"/>
+    <p:sldId id="300" r:id="rId48"/>
+    <p:sldId id="301" r:id="rId49"/>
+    <p:sldId id="302" r:id="rId50"/>
+    <p:sldId id="303" r:id="rId51"/>
+    <p:sldId id="262" r:id="rId52"/>
+    <p:sldId id="304" r:id="rId53"/>
+    <p:sldId id="305" r:id="rId54"/>
+    <p:sldId id="306" r:id="rId55"/>
+    <p:sldId id="263" r:id="rId56"/>
+    <p:sldId id="307" r:id="rId57"/>
+    <p:sldId id="308" r:id="rId58"/>
+    <p:sldId id="309" r:id="rId59"/>
+    <p:sldId id="310" r:id="rId60"/>
+    <p:sldId id="311" r:id="rId61"/>
   </p:sldIdLst>
   <p:sldSz cx="9144000" cy="6858000" type="screen4x3"/>
   <p:notesSz cx="6858000" cy="9144000"/>
@@ -3229,11 +3266,7 @@
           <a:bodyPr/>
           <a:lstStyle/>
           <a:p>
-            <a:r>
-              <a:rPr lang="en-US" dirty="0" smtClean="0"/>
-              <a:t>Communicating Systems</a:t>
-            </a:r>
-            <a:endParaRPr lang="en-US" dirty="0"/>
+            <a:endParaRPr lang="en-US"/>
           </a:p>
         </p:txBody>
       </p:sp>
@@ -3254,19 +3287,38 @@
           <a:p>
             <a:r>
               <a:rPr lang="en-US" dirty="0" smtClean="0"/>
-              <a:t>Approach: build models that capture interaction and communication</a:t>
-            </a:r>
-          </a:p>
-          <a:p>
-            <a:r>
-              <a:rPr lang="en-US" dirty="0" smtClean="0"/>
-              <a:t>We don’t care why a system communicates, merely that it can communicate in certain ways</a:t>
-            </a:r>
-          </a:p>
-          <a:p>
-            <a:r>
-              <a:rPr lang="en-US" dirty="0" smtClean="0"/>
-              <a:t>Effective way to model software, business processes, systems biology, financial transactions, network protocols, …</a:t>
+              <a:t>Those are concrete models of concrete things (e.g., planes, steam engines)</a:t>
+            </a:r>
+          </a:p>
+          <a:p>
+            <a:r>
+              <a:rPr lang="en-US" dirty="0" smtClean="0"/>
+              <a:t>What about abstracted models of entire systems that don’t necessarily have a concrete presence in the world?</a:t>
+            </a:r>
+          </a:p>
+          <a:p>
+            <a:pPr lvl="1"/>
+            <a:r>
+              <a:rPr lang="en-US" dirty="0" smtClean="0"/>
+              <a:t>Or which only have a partial presence in the world</a:t>
+            </a:r>
+          </a:p>
+          <a:p>
+            <a:r>
+              <a:rPr lang="en-US" dirty="0" err="1" smtClean="0"/>
+              <a:t>e.g</a:t>
+            </a:r>
+            <a:r>
+              <a:rPr lang="en-US" dirty="0" smtClean="0"/>
+              <a:t>, money, social interactions, the Internet, politics, business,</a:t>
+            </a:r>
+            <a:r>
+              <a:rPr lang="en-US" dirty="0"/>
+              <a:t> </a:t>
+            </a:r>
+            <a:r>
+              <a:rPr lang="en-US" dirty="0" smtClean="0"/>
+              <a:t>a transport system</a:t>
             </a:r>
             <a:endParaRPr lang="en-US" dirty="0"/>
           </a:p>
@@ -3275,7 +3327,7 @@
     </p:spTree>
     <p:extLst>
       <p:ext uri="{BB962C8B-B14F-4D97-AF65-F5344CB8AC3E}">
-        <p14:creationId xmlns:p14="http://schemas.microsoft.com/office/powerpoint/2010/main" val="1369272996"/>
+        <p14:creationId xmlns:p14="http://schemas.microsoft.com/office/powerpoint/2010/main" val="649280750"/>
       </p:ext>
     </p:extLst>
   </p:cSld>
@@ -3319,7 +3371,7 @@
           <a:p>
             <a:r>
               <a:rPr lang="en-US" dirty="0" smtClean="0"/>
-              <a:t>Process Languages</a:t>
+              <a:t>Communicating Systems</a:t>
             </a:r>
             <a:endParaRPr lang="en-US" dirty="0"/>
           </a:p>
@@ -3337,75 +3389,50 @@
         </p:nvSpPr>
         <p:spPr/>
         <p:txBody>
-          <a:bodyPr>
-            <a:normAutofit lnSpcReduction="10000"/>
-          </a:bodyPr>
-          <a:lstStyle/>
-          <a:p>
-            <a:r>
-              <a:rPr lang="en-US" dirty="0" err="1" smtClean="0"/>
-              <a:t>Modelling</a:t>
-            </a:r>
-            <a:r>
-              <a:rPr lang="en-US" dirty="0" smtClean="0"/>
-              <a:t> interaction and communication gives rise to very small </a:t>
-            </a:r>
-            <a:r>
-              <a:rPr lang="en-US" b="1" dirty="0" smtClean="0"/>
-              <a:t>process languages</a:t>
-            </a:r>
-          </a:p>
-          <a:p>
-            <a:r>
-              <a:rPr lang="en-US" dirty="0" smtClean="0"/>
-              <a:t>A few common constructs:</a:t>
+          <a:bodyPr/>
+          <a:lstStyle/>
+          <a:p>
+            <a:r>
+              <a:rPr lang="en-US" dirty="0" smtClean="0"/>
+              <a:t>Software systems are some of the most complex systems we build today</a:t>
             </a:r>
           </a:p>
           <a:p>
             <a:pPr lvl="1"/>
             <a:r>
               <a:rPr lang="en-US" dirty="0" smtClean="0"/>
-              <a:t>Send a message</a:t>
-            </a:r>
-          </a:p>
-          <a:p>
-            <a:pPr lvl="1"/>
-            <a:r>
-              <a:rPr lang="en-US" dirty="0" smtClean="0"/>
-              <a:t>Receive a message</a:t>
-            </a:r>
-          </a:p>
-          <a:p>
-            <a:pPr lvl="1"/>
-            <a:r>
-              <a:rPr lang="en-US" dirty="0" smtClean="0"/>
-              <a:t>Choose between different possible actions</a:t>
-            </a:r>
-          </a:p>
-          <a:p>
-            <a:pPr lvl="1"/>
-            <a:r>
-              <a:rPr lang="en-US" dirty="0" smtClean="0"/>
-              <a:t>Combine two processes in parallel</a:t>
-            </a:r>
-          </a:p>
-          <a:p>
-            <a:r>
-              <a:rPr lang="en-US" dirty="0" smtClean="0"/>
-              <a:t>Mathematically precise description of </a:t>
-            </a:r>
-            <a:r>
-              <a:rPr lang="en-US" dirty="0" err="1" smtClean="0"/>
-              <a:t>behaviour</a:t>
-            </a:r>
-            <a:endParaRPr lang="en-US" dirty="0" smtClean="0"/>
+              <a:t>(get numbers on 747 parts)</a:t>
+            </a:r>
+          </a:p>
+          <a:p>
+            <a:r>
+              <a:rPr lang="en-US" dirty="0" smtClean="0"/>
+              <a:t>We struggle to understand them</a:t>
+            </a:r>
+          </a:p>
+          <a:p>
+            <a:r>
+              <a:rPr lang="en-US" dirty="0" smtClean="0"/>
+              <a:t>These systems must communicate persistently in order to achieve outcomes</a:t>
+            </a:r>
+          </a:p>
+          <a:p>
+            <a:r>
+              <a:rPr lang="en-US" dirty="0"/>
+              <a:t>e</a:t>
+            </a:r>
+            <a:r>
+              <a:rPr lang="en-US" dirty="0" smtClean="0"/>
+              <a:t>.g., a simple banking transaction must communicate with multiple parties.</a:t>
+            </a:r>
+            <a:endParaRPr lang="en-US" dirty="0"/>
           </a:p>
         </p:txBody>
       </p:sp>
     </p:spTree>
     <p:extLst>
       <p:ext uri="{BB962C8B-B14F-4D97-AF65-F5344CB8AC3E}">
-        <p14:creationId xmlns:p14="http://schemas.microsoft.com/office/powerpoint/2010/main" val="2446690835"/>
+        <p14:creationId xmlns:p14="http://schemas.microsoft.com/office/powerpoint/2010/main" val="1175472045"/>
       </p:ext>
     </p:extLst>
   </p:cSld>
@@ -3449,7 +3476,7 @@
           <a:p>
             <a:r>
               <a:rPr lang="en-US" dirty="0" smtClean="0"/>
-              <a:t>Process Languages</a:t>
+              <a:t>Communicating Systems</a:t>
             </a:r>
             <a:endParaRPr lang="en-US" dirty="0"/>
           </a:p>
@@ -3467,46 +3494,38 @@
         </p:nvSpPr>
         <p:spPr/>
         <p:txBody>
-          <a:bodyPr/>
-          <a:lstStyle/>
-          <a:p>
-            <a:r>
-              <a:rPr lang="en-US" dirty="0" smtClean="0"/>
-              <a:t>General purpose (sometimes…)</a:t>
-            </a:r>
-          </a:p>
-          <a:p>
-            <a:r>
-              <a:rPr lang="en-US" dirty="0" smtClean="0"/>
-              <a:t>Structured and precise</a:t>
-            </a:r>
-          </a:p>
-          <a:p>
-            <a:r>
-              <a:rPr lang="en-US" dirty="0" smtClean="0"/>
-              <a:t>Assumes different participants (processes) can reliably and instantaneously send messages to one another using </a:t>
+          <a:bodyPr>
+            <a:normAutofit/>
+          </a:bodyPr>
+          <a:lstStyle/>
+          <a:p>
+            <a:r>
+              <a:rPr lang="en-US" b="1" dirty="0" smtClean="0"/>
+              <a:t>Simplifying assumption</a:t>
+            </a:r>
+            <a:r>
+              <a:rPr lang="en-US" dirty="0" smtClean="0"/>
+              <a:t>: build models that capture </a:t>
             </a:r>
             <a:r>
               <a:rPr lang="en-US" i="1" dirty="0" smtClean="0"/>
-              <a:t>channels</a:t>
-            </a:r>
-          </a:p>
-          <a:p>
-            <a:r>
-              <a:rPr lang="en-US" dirty="0" smtClean="0"/>
-              <a:t>Understand the overall </a:t>
-            </a:r>
-            <a:r>
-              <a:rPr lang="en-US" dirty="0" err="1" smtClean="0"/>
-              <a:t>behaviour</a:t>
-            </a:r>
-            <a:r>
-              <a:rPr lang="en-US" dirty="0" smtClean="0"/>
-              <a:t> of many processes behaving together in terms of their individual and composite </a:t>
-            </a:r>
-            <a:r>
-              <a:rPr lang="en-US" dirty="0" err="1" smtClean="0"/>
-              <a:t>behaviour</a:t>
+              <a:t>only</a:t>
+            </a:r>
+            <a:r>
+              <a:rPr lang="en-US" dirty="0" smtClean="0"/>
+              <a:t> interaction and communication</a:t>
+            </a:r>
+          </a:p>
+          <a:p>
+            <a:r>
+              <a:rPr lang="en-US" dirty="0" smtClean="0"/>
+              <a:t>We don’t care why a system communicates, merely that it can communicate in certain ways</a:t>
+            </a:r>
+          </a:p>
+          <a:p>
+            <a:r>
+              <a:rPr lang="en-US" dirty="0" smtClean="0"/>
+              <a:t>Effective way to model software, business processes, systems biology, financial transactions, network protocols, …</a:t>
             </a:r>
             <a:endParaRPr lang="en-US" dirty="0"/>
           </a:p>
@@ -3515,7 +3534,7 @@
     </p:spTree>
     <p:extLst>
       <p:ext uri="{BB962C8B-B14F-4D97-AF65-F5344CB8AC3E}">
-        <p14:creationId xmlns:p14="http://schemas.microsoft.com/office/powerpoint/2010/main" val="2442709587"/>
+        <p14:creationId xmlns:p14="http://schemas.microsoft.com/office/powerpoint/2010/main" val="1369272996"/>
       </p:ext>
     </p:extLst>
   </p:cSld>
@@ -3577,6 +3596,318 @@
         </p:nvSpPr>
         <p:spPr/>
         <p:txBody>
+          <a:bodyPr>
+            <a:normAutofit lnSpcReduction="10000"/>
+          </a:bodyPr>
+          <a:lstStyle/>
+          <a:p>
+            <a:r>
+              <a:rPr lang="en-US" dirty="0" err="1" smtClean="0"/>
+              <a:t>Modelling</a:t>
+            </a:r>
+            <a:r>
+              <a:rPr lang="en-US" dirty="0" smtClean="0"/>
+              <a:t> interaction and communication gives rise to very small </a:t>
+            </a:r>
+            <a:r>
+              <a:rPr lang="en-US" b="1" dirty="0" smtClean="0"/>
+              <a:t>process languages</a:t>
+            </a:r>
+          </a:p>
+          <a:p>
+            <a:r>
+              <a:rPr lang="en-US" dirty="0" smtClean="0"/>
+              <a:t>A few common constructs:</a:t>
+            </a:r>
+          </a:p>
+          <a:p>
+            <a:pPr lvl="1"/>
+            <a:r>
+              <a:rPr lang="en-US" dirty="0" smtClean="0"/>
+              <a:t>Send a message</a:t>
+            </a:r>
+          </a:p>
+          <a:p>
+            <a:pPr lvl="1"/>
+            <a:r>
+              <a:rPr lang="en-US" dirty="0" smtClean="0"/>
+              <a:t>Receive a message</a:t>
+            </a:r>
+          </a:p>
+          <a:p>
+            <a:pPr lvl="1"/>
+            <a:r>
+              <a:rPr lang="en-US" dirty="0" smtClean="0"/>
+              <a:t>Choose between different possible actions</a:t>
+            </a:r>
+          </a:p>
+          <a:p>
+            <a:pPr lvl="1"/>
+            <a:r>
+              <a:rPr lang="en-US" dirty="0" smtClean="0"/>
+              <a:t>Combine two processes in parallel</a:t>
+            </a:r>
+          </a:p>
+          <a:p>
+            <a:r>
+              <a:rPr lang="en-US" dirty="0" smtClean="0"/>
+              <a:t>Mathematically precise description of </a:t>
+            </a:r>
+            <a:r>
+              <a:rPr lang="en-US" dirty="0" err="1" smtClean="0"/>
+              <a:t>behaviour</a:t>
+            </a:r>
+            <a:endParaRPr lang="en-US" dirty="0" smtClean="0"/>
+          </a:p>
+        </p:txBody>
+      </p:sp>
+    </p:spTree>
+    <p:extLst>
+      <p:ext uri="{BB962C8B-B14F-4D97-AF65-F5344CB8AC3E}">
+        <p14:creationId xmlns:p14="http://schemas.microsoft.com/office/powerpoint/2010/main" val="2446690835"/>
+      </p:ext>
+    </p:extLst>
+  </p:cSld>
+  <p:clrMapOvr>
+    <a:masterClrMapping/>
+  </p:clrMapOvr>
+</p:sld>
+</file>
+
+<file path=ppt/slides/slide14.xml><?xml version="1.0" encoding="utf-8"?>
+<p:sld xmlns:a="http://schemas.openxmlformats.org/drawingml/2006/main" xmlns:r="http://schemas.openxmlformats.org/officeDocument/2006/relationships" xmlns:p="http://schemas.openxmlformats.org/presentationml/2006/main">
+  <p:cSld>
+    <p:spTree>
+      <p:nvGrpSpPr>
+        <p:cNvPr id="1" name=""/>
+        <p:cNvGrpSpPr/>
+        <p:nvPr/>
+      </p:nvGrpSpPr>
+      <p:grpSpPr>
+        <a:xfrm>
+          <a:off x="0" y="0"/>
+          <a:ext cx="0" cy="0"/>
+          <a:chOff x="0" y="0"/>
+          <a:chExt cx="0" cy="0"/>
+        </a:xfrm>
+      </p:grpSpPr>
+      <p:sp>
+        <p:nvSpPr>
+          <p:cNvPr id="2" name="Title 1"/>
+          <p:cNvSpPr>
+            <a:spLocks noGrp="1"/>
+          </p:cNvSpPr>
+          <p:nvPr>
+            <p:ph type="title"/>
+          </p:nvPr>
+        </p:nvSpPr>
+        <p:spPr/>
+        <p:txBody>
+          <a:bodyPr/>
+          <a:lstStyle/>
+          <a:p>
+            <a:r>
+              <a:rPr lang="en-US" dirty="0" smtClean="0"/>
+              <a:t>Process Languages</a:t>
+            </a:r>
+            <a:endParaRPr lang="en-US" dirty="0"/>
+          </a:p>
+        </p:txBody>
+      </p:sp>
+      <p:sp>
+        <p:nvSpPr>
+          <p:cNvPr id="3" name="Content Placeholder 2"/>
+          <p:cNvSpPr>
+            <a:spLocks noGrp="1"/>
+          </p:cNvSpPr>
+          <p:nvPr>
+            <p:ph idx="1"/>
+          </p:nvPr>
+        </p:nvSpPr>
+        <p:spPr/>
+        <p:txBody>
+          <a:bodyPr/>
+          <a:lstStyle/>
+          <a:p>
+            <a:r>
+              <a:rPr lang="en-US" dirty="0" smtClean="0"/>
+              <a:t>General purpose (sometimes…)</a:t>
+            </a:r>
+          </a:p>
+          <a:p>
+            <a:r>
+              <a:rPr lang="en-US" dirty="0" smtClean="0"/>
+              <a:t>Structured and precise</a:t>
+            </a:r>
+          </a:p>
+          <a:p>
+            <a:r>
+              <a:rPr lang="en-US" dirty="0" smtClean="0"/>
+              <a:t>Assumes different participants (processes) can reliably and instantaneously send messages to one another using </a:t>
+            </a:r>
+            <a:r>
+              <a:rPr lang="en-US" i="1" dirty="0" smtClean="0"/>
+              <a:t>channels</a:t>
+            </a:r>
+          </a:p>
+          <a:p>
+            <a:r>
+              <a:rPr lang="en-US" dirty="0" smtClean="0"/>
+              <a:t>Understand the overall </a:t>
+            </a:r>
+            <a:r>
+              <a:rPr lang="en-US" dirty="0" err="1" smtClean="0"/>
+              <a:t>behaviour</a:t>
+            </a:r>
+            <a:r>
+              <a:rPr lang="en-US" dirty="0" smtClean="0"/>
+              <a:t> of many processes behaving together in terms of their individual and composite </a:t>
+            </a:r>
+            <a:r>
+              <a:rPr lang="en-US" dirty="0" err="1" smtClean="0"/>
+              <a:t>behaviour</a:t>
+            </a:r>
+            <a:endParaRPr lang="en-US" dirty="0"/>
+          </a:p>
+        </p:txBody>
+      </p:sp>
+    </p:spTree>
+    <p:extLst>
+      <p:ext uri="{BB962C8B-B14F-4D97-AF65-F5344CB8AC3E}">
+        <p14:creationId xmlns:p14="http://schemas.microsoft.com/office/powerpoint/2010/main" val="2442709587"/>
+      </p:ext>
+    </p:extLst>
+  </p:cSld>
+  <p:clrMapOvr>
+    <a:masterClrMapping/>
+  </p:clrMapOvr>
+</p:sld>
+</file>
+
+<file path=ppt/slides/slide15.xml><?xml version="1.0" encoding="utf-8"?>
+<p:sld xmlns:a="http://schemas.openxmlformats.org/drawingml/2006/main" xmlns:r="http://schemas.openxmlformats.org/officeDocument/2006/relationships" xmlns:p="http://schemas.openxmlformats.org/presentationml/2006/main">
+  <p:cSld>
+    <p:spTree>
+      <p:nvGrpSpPr>
+        <p:cNvPr id="1" name=""/>
+        <p:cNvGrpSpPr/>
+        <p:nvPr/>
+      </p:nvGrpSpPr>
+      <p:grpSpPr>
+        <a:xfrm>
+          <a:off x="0" y="0"/>
+          <a:ext cx="0" cy="0"/>
+          <a:chOff x="0" y="0"/>
+          <a:chExt cx="0" cy="0"/>
+        </a:xfrm>
+      </p:grpSpPr>
+      <p:sp>
+        <p:nvSpPr>
+          <p:cNvPr id="2" name="Title 1"/>
+          <p:cNvSpPr>
+            <a:spLocks noGrp="1"/>
+          </p:cNvSpPr>
+          <p:nvPr>
+            <p:ph type="title"/>
+          </p:nvPr>
+        </p:nvSpPr>
+        <p:spPr/>
+        <p:txBody>
+          <a:bodyPr/>
+          <a:lstStyle/>
+          <a:p>
+            <a:endParaRPr lang="en-US"/>
+          </a:p>
+        </p:txBody>
+      </p:sp>
+      <p:sp>
+        <p:nvSpPr>
+          <p:cNvPr id="3" name="Content Placeholder 2"/>
+          <p:cNvSpPr>
+            <a:spLocks noGrp="1"/>
+          </p:cNvSpPr>
+          <p:nvPr>
+            <p:ph idx="1"/>
+          </p:nvPr>
+        </p:nvSpPr>
+        <p:spPr/>
+        <p:txBody>
+          <a:bodyPr/>
+          <a:lstStyle/>
+          <a:p>
+            <a:r>
+              <a:rPr lang="en-US" dirty="0" smtClean="0"/>
+              <a:t>LTS diagram</a:t>
+            </a:r>
+            <a:endParaRPr lang="en-US" dirty="0"/>
+          </a:p>
+        </p:txBody>
+      </p:sp>
+    </p:spTree>
+    <p:extLst>
+      <p:ext uri="{BB962C8B-B14F-4D97-AF65-F5344CB8AC3E}">
+        <p14:creationId xmlns:p14="http://schemas.microsoft.com/office/powerpoint/2010/main" val="1391444388"/>
+      </p:ext>
+    </p:extLst>
+  </p:cSld>
+  <p:clrMapOvr>
+    <a:masterClrMapping/>
+  </p:clrMapOvr>
+</p:sld>
+</file>
+
+<file path=ppt/slides/slide16.xml><?xml version="1.0" encoding="utf-8"?>
+<p:sld xmlns:a="http://schemas.openxmlformats.org/drawingml/2006/main" xmlns:r="http://schemas.openxmlformats.org/officeDocument/2006/relationships" xmlns:p="http://schemas.openxmlformats.org/presentationml/2006/main">
+  <p:cSld>
+    <p:spTree>
+      <p:nvGrpSpPr>
+        <p:cNvPr id="1" name=""/>
+        <p:cNvGrpSpPr/>
+        <p:nvPr/>
+      </p:nvGrpSpPr>
+      <p:grpSpPr>
+        <a:xfrm>
+          <a:off x="0" y="0"/>
+          <a:ext cx="0" cy="0"/>
+          <a:chOff x="0" y="0"/>
+          <a:chExt cx="0" cy="0"/>
+        </a:xfrm>
+      </p:grpSpPr>
+      <p:sp>
+        <p:nvSpPr>
+          <p:cNvPr id="2" name="Title 1"/>
+          <p:cNvSpPr>
+            <a:spLocks noGrp="1"/>
+          </p:cNvSpPr>
+          <p:nvPr>
+            <p:ph type="title"/>
+          </p:nvPr>
+        </p:nvSpPr>
+        <p:spPr/>
+        <p:txBody>
+          <a:bodyPr/>
+          <a:lstStyle/>
+          <a:p>
+            <a:r>
+              <a:rPr lang="en-US" dirty="0" smtClean="0"/>
+              <a:t>Process Languages</a:t>
+            </a:r>
+            <a:endParaRPr lang="en-US" dirty="0"/>
+          </a:p>
+        </p:txBody>
+      </p:sp>
+      <p:sp>
+        <p:nvSpPr>
+          <p:cNvPr id="3" name="Content Placeholder 2"/>
+          <p:cNvSpPr>
+            <a:spLocks noGrp="1"/>
+          </p:cNvSpPr>
+          <p:nvPr>
+            <p:ph idx="1"/>
+          </p:nvPr>
+        </p:nvSpPr>
+        <p:spPr/>
+        <p:txBody>
           <a:bodyPr/>
           <a:lstStyle/>
           <a:p>
@@ -3594,7 +3925,15 @@
           <a:p>
             <a:r>
               <a:rPr lang="en-US" dirty="0" smtClean="0"/>
-              <a:t>e.g., Pi-calculus, CCS, CSP, ACP, Actor Model, Petri nets, </a:t>
+              <a:t>e.g., CCS, CSP, ACP, Actor Model, </a:t>
+            </a:r>
+            <a:r>
+              <a:rPr lang="en-US" dirty="0" smtClean="0"/>
+              <a:t>Pi-calculus,  </a:t>
+            </a:r>
+            <a:r>
+              <a:rPr lang="en-US" dirty="0" smtClean="0"/>
+              <a:t>Petri nets, </a:t>
             </a:r>
             <a:r>
               <a:rPr lang="en-US" dirty="0" err="1" smtClean="0"/>
@@ -3626,7 +3965,7 @@
 </p:sld>
 </file>
 
-<file path=ppt/slides/slide14.xml><?xml version="1.0" encoding="utf-8"?>
+<file path=ppt/slides/slide17.xml><?xml version="1.0" encoding="utf-8"?>
 <p:sld xmlns:a="http://schemas.openxmlformats.org/drawingml/2006/main" xmlns:r="http://schemas.openxmlformats.org/officeDocument/2006/relationships" xmlns:p="http://schemas.openxmlformats.org/presentationml/2006/main">
   <p:cSld>
     <p:spTree>
@@ -3702,411 +4041,6 @@
 </p:sld>
 </file>
 
-<file path=ppt/slides/slide15.xml><?xml version="1.0" encoding="utf-8"?>
-<p:sld xmlns:a="http://schemas.openxmlformats.org/drawingml/2006/main" xmlns:r="http://schemas.openxmlformats.org/officeDocument/2006/relationships" xmlns:p="http://schemas.openxmlformats.org/presentationml/2006/main">
-  <p:cSld>
-    <p:spTree>
-      <p:nvGrpSpPr>
-        <p:cNvPr id="1" name=""/>
-        <p:cNvGrpSpPr/>
-        <p:nvPr/>
-      </p:nvGrpSpPr>
-      <p:grpSpPr>
-        <a:xfrm>
-          <a:off x="0" y="0"/>
-          <a:ext cx="0" cy="0"/>
-          <a:chOff x="0" y="0"/>
-          <a:chExt cx="0" cy="0"/>
-        </a:xfrm>
-      </p:grpSpPr>
-      <p:sp>
-        <p:nvSpPr>
-          <p:cNvPr id="2" name="Title 1"/>
-          <p:cNvSpPr>
-            <a:spLocks noGrp="1"/>
-          </p:cNvSpPr>
-          <p:nvPr>
-            <p:ph type="title"/>
-          </p:nvPr>
-        </p:nvSpPr>
-        <p:spPr/>
-        <p:txBody>
-          <a:bodyPr>
-            <a:normAutofit/>
-          </a:bodyPr>
-          <a:lstStyle/>
-          <a:p>
-            <a:r>
-              <a:rPr lang="en-US" dirty="0" smtClean="0"/>
-              <a:t>Proposing a New Process Language</a:t>
-            </a:r>
-            <a:endParaRPr lang="en-US" dirty="0"/>
-          </a:p>
-        </p:txBody>
-      </p:sp>
-      <p:sp>
-        <p:nvSpPr>
-          <p:cNvPr id="3" name="Content Placeholder 2"/>
-          <p:cNvSpPr>
-            <a:spLocks noGrp="1"/>
-          </p:cNvSpPr>
-          <p:nvPr>
-            <p:ph idx="1"/>
-          </p:nvPr>
-        </p:nvSpPr>
-        <p:spPr/>
-        <p:txBody>
-          <a:bodyPr/>
-          <a:lstStyle/>
-          <a:p>
-            <a:pPr marL="514350" indent="-514350">
-              <a:buFont typeface="+mj-lt"/>
-              <a:buAutoNum type="arabicPeriod"/>
-            </a:pPr>
-            <a:r>
-              <a:rPr lang="en-US" dirty="0" smtClean="0"/>
-              <a:t>Define syntax and semantics</a:t>
-            </a:r>
-          </a:p>
-          <a:p>
-            <a:pPr marL="514350" indent="-514350">
-              <a:buFont typeface="+mj-lt"/>
-              <a:buAutoNum type="arabicPeriod"/>
-            </a:pPr>
-            <a:r>
-              <a:rPr lang="en-US" dirty="0" smtClean="0"/>
-              <a:t>Prove a handful of interesting properties</a:t>
-            </a:r>
-          </a:p>
-          <a:p>
-            <a:pPr marL="514350" indent="-514350">
-              <a:buFont typeface="+mj-lt"/>
-              <a:buAutoNum type="arabicPeriod"/>
-            </a:pPr>
-            <a:r>
-              <a:rPr lang="en-US" dirty="0" smtClean="0"/>
-              <a:t>Use it once to solve a particular problem</a:t>
-            </a:r>
-          </a:p>
-          <a:p>
-            <a:pPr marL="514350" indent="-514350">
-              <a:buFont typeface="+mj-lt"/>
-              <a:buAutoNum type="arabicPeriod"/>
-            </a:pPr>
-            <a:r>
-              <a:rPr lang="en-US" dirty="0" smtClean="0"/>
-              <a:t>Claim generality</a:t>
-            </a:r>
-          </a:p>
-          <a:p>
-            <a:pPr marL="514350" indent="-514350">
-              <a:buFont typeface="+mj-lt"/>
-              <a:buAutoNum type="arabicPeriod"/>
-            </a:pPr>
-            <a:r>
-              <a:rPr lang="en-US" dirty="0" smtClean="0"/>
-              <a:t>Publish the paper</a:t>
-            </a:r>
-          </a:p>
-          <a:p>
-            <a:pPr marL="514350" indent="-514350">
-              <a:buFont typeface="+mj-lt"/>
-              <a:buAutoNum type="arabicPeriod"/>
-            </a:pPr>
-            <a:r>
-              <a:rPr lang="en-US" dirty="0" smtClean="0"/>
-              <a:t>Forget about it forever</a:t>
-            </a:r>
-          </a:p>
-          <a:p>
-            <a:pPr marL="514350" indent="-514350">
-              <a:buFont typeface="+mj-lt"/>
-              <a:buAutoNum type="arabicPeriod"/>
-            </a:pPr>
-            <a:r>
-              <a:rPr lang="en-US" dirty="0" smtClean="0"/>
-              <a:t>Go to Step 1</a:t>
-            </a:r>
-            <a:endParaRPr lang="en-US" dirty="0"/>
-          </a:p>
-        </p:txBody>
-      </p:sp>
-    </p:spTree>
-    <p:extLst>
-      <p:ext uri="{BB962C8B-B14F-4D97-AF65-F5344CB8AC3E}">
-        <p14:creationId xmlns:p14="http://schemas.microsoft.com/office/powerpoint/2010/main" val="1079476171"/>
-      </p:ext>
-    </p:extLst>
-  </p:cSld>
-  <p:clrMapOvr>
-    <a:masterClrMapping/>
-  </p:clrMapOvr>
-</p:sld>
-</file>
-
-<file path=ppt/slides/slide16.xml><?xml version="1.0" encoding="utf-8"?>
-<p:sld xmlns:a="http://schemas.openxmlformats.org/drawingml/2006/main" xmlns:r="http://schemas.openxmlformats.org/officeDocument/2006/relationships" xmlns:p="http://schemas.openxmlformats.org/presentationml/2006/main">
-  <p:cSld>
-    <p:spTree>
-      <p:nvGrpSpPr>
-        <p:cNvPr id="1" name=""/>
-        <p:cNvGrpSpPr/>
-        <p:nvPr/>
-      </p:nvGrpSpPr>
-      <p:grpSpPr>
-        <a:xfrm>
-          <a:off x="0" y="0"/>
-          <a:ext cx="0" cy="0"/>
-          <a:chOff x="0" y="0"/>
-          <a:chExt cx="0" cy="0"/>
-        </a:xfrm>
-      </p:grpSpPr>
-      <p:sp>
-        <p:nvSpPr>
-          <p:cNvPr id="2" name="Title 1"/>
-          <p:cNvSpPr>
-            <a:spLocks noGrp="1"/>
-          </p:cNvSpPr>
-          <p:nvPr>
-            <p:ph type="title"/>
-          </p:nvPr>
-        </p:nvSpPr>
-        <p:spPr/>
-        <p:txBody>
-          <a:bodyPr/>
-          <a:lstStyle/>
-          <a:p>
-            <a:r>
-              <a:rPr lang="en-US" dirty="0" smtClean="0"/>
-              <a:t>Proposing a New Process Language</a:t>
-            </a:r>
-            <a:endParaRPr lang="en-US" dirty="0"/>
-          </a:p>
-        </p:txBody>
-      </p:sp>
-      <p:sp>
-        <p:nvSpPr>
-          <p:cNvPr id="3" name="Content Placeholder 2"/>
-          <p:cNvSpPr>
-            <a:spLocks noGrp="1"/>
-          </p:cNvSpPr>
-          <p:nvPr>
-            <p:ph idx="1"/>
-          </p:nvPr>
-        </p:nvSpPr>
-        <p:spPr/>
-        <p:txBody>
-          <a:bodyPr>
-            <a:normAutofit fontScale="92500" lnSpcReduction="20000"/>
-          </a:bodyPr>
-          <a:lstStyle/>
-          <a:p>
-            <a:r>
-              <a:rPr lang="en-US" dirty="0" smtClean="0"/>
-              <a:t>New process languages are used to </a:t>
-            </a:r>
-            <a:r>
-              <a:rPr lang="en-US" dirty="0" err="1" smtClean="0"/>
-              <a:t>specialise</a:t>
-            </a:r>
-            <a:r>
-              <a:rPr lang="en-US" dirty="0" smtClean="0"/>
-              <a:t> to a given domain</a:t>
-            </a:r>
-          </a:p>
-          <a:p>
-            <a:r>
-              <a:rPr lang="en-US" dirty="0" smtClean="0"/>
-              <a:t>Not cynical – there are good reasons to </a:t>
-            </a:r>
-            <a:r>
-              <a:rPr lang="en-US" dirty="0" err="1" smtClean="0"/>
-              <a:t>specialise</a:t>
-            </a:r>
-            <a:r>
-              <a:rPr lang="en-US" dirty="0"/>
-              <a:t> </a:t>
-            </a:r>
-            <a:r>
-              <a:rPr lang="en-US" dirty="0" smtClean="0"/>
-              <a:t>to a domain!</a:t>
-            </a:r>
-          </a:p>
-          <a:p>
-            <a:r>
-              <a:rPr lang="en-US" dirty="0" smtClean="0"/>
-              <a:t>Instead of trying to stop proliferation of new languages, we should support reuse</a:t>
-            </a:r>
-          </a:p>
-          <a:p>
-            <a:r>
-              <a:rPr lang="en-US" dirty="0" smtClean="0"/>
-              <a:t>… and provide better ways of </a:t>
-            </a:r>
-            <a:r>
-              <a:rPr lang="en-US" dirty="0" err="1" smtClean="0"/>
-              <a:t>specialising</a:t>
-            </a:r>
-            <a:r>
-              <a:rPr lang="en-US" dirty="0" smtClean="0"/>
-              <a:t> languages to a given domain</a:t>
-            </a:r>
-          </a:p>
-          <a:p>
-            <a:r>
-              <a:rPr lang="en-US" dirty="0" smtClean="0"/>
-              <a:t>Ephemeral, disposable process languages for every occasion!</a:t>
-            </a:r>
-            <a:endParaRPr lang="en-US" dirty="0"/>
-          </a:p>
-        </p:txBody>
-      </p:sp>
-    </p:spTree>
-    <p:extLst>
-      <p:ext uri="{BB962C8B-B14F-4D97-AF65-F5344CB8AC3E}">
-        <p14:creationId xmlns:p14="http://schemas.microsoft.com/office/powerpoint/2010/main" val="3013490313"/>
-      </p:ext>
-    </p:extLst>
-  </p:cSld>
-  <p:clrMapOvr>
-    <a:masterClrMapping/>
-  </p:clrMapOvr>
-</p:sld>
-</file>
-
-<file path=ppt/slides/slide17.xml><?xml version="1.0" encoding="utf-8"?>
-<p:sld xmlns:a="http://schemas.openxmlformats.org/drawingml/2006/main" xmlns:r="http://schemas.openxmlformats.org/officeDocument/2006/relationships" xmlns:p="http://schemas.openxmlformats.org/presentationml/2006/main">
-  <p:cSld>
-    <p:spTree>
-      <p:nvGrpSpPr>
-        <p:cNvPr id="1" name=""/>
-        <p:cNvGrpSpPr/>
-        <p:nvPr/>
-      </p:nvGrpSpPr>
-      <p:grpSpPr>
-        <a:xfrm>
-          <a:off x="0" y="0"/>
-          <a:ext cx="0" cy="0"/>
-          <a:chOff x="0" y="0"/>
-          <a:chExt cx="0" cy="0"/>
-        </a:xfrm>
-      </p:grpSpPr>
-      <p:sp>
-        <p:nvSpPr>
-          <p:cNvPr id="2" name="Title 1"/>
-          <p:cNvSpPr>
-            <a:spLocks noGrp="1"/>
-          </p:cNvSpPr>
-          <p:nvPr>
-            <p:ph type="title"/>
-          </p:nvPr>
-        </p:nvSpPr>
-        <p:spPr/>
-        <p:txBody>
-          <a:bodyPr/>
-          <a:lstStyle/>
-          <a:p>
-            <a:r>
-              <a:rPr lang="en-US" dirty="0" smtClean="0"/>
-              <a:t>Domain-Specificity</a:t>
-            </a:r>
-            <a:endParaRPr lang="en-US" dirty="0"/>
-          </a:p>
-        </p:txBody>
-      </p:sp>
-      <p:sp>
-        <p:nvSpPr>
-          <p:cNvPr id="3" name="Content Placeholder 2"/>
-          <p:cNvSpPr>
-            <a:spLocks noGrp="1"/>
-          </p:cNvSpPr>
-          <p:nvPr>
-            <p:ph idx="1"/>
-          </p:nvPr>
-        </p:nvSpPr>
-        <p:spPr/>
-        <p:txBody>
-          <a:bodyPr>
-            <a:normAutofit fontScale="85000" lnSpcReduction="10000"/>
-          </a:bodyPr>
-          <a:lstStyle/>
-          <a:p>
-            <a:r>
-              <a:rPr lang="en-US" dirty="0" smtClean="0"/>
-              <a:t>Moving the language constructs with which we can express models closer to the domain of interest makes models better!</a:t>
-            </a:r>
-          </a:p>
-          <a:p>
-            <a:r>
-              <a:rPr lang="en-US" dirty="0" smtClean="0"/>
-              <a:t>Domain-experts are not necessarily </a:t>
-            </a:r>
-            <a:r>
-              <a:rPr lang="en-US" dirty="0" err="1" smtClean="0"/>
-              <a:t>modelling</a:t>
-            </a:r>
-            <a:r>
-              <a:rPr lang="en-US" dirty="0" smtClean="0"/>
-              <a:t> experts</a:t>
-            </a:r>
-          </a:p>
-          <a:p>
-            <a:r>
-              <a:rPr lang="en-US" dirty="0" smtClean="0"/>
-              <a:t>Instead, describe models in the language of the domain</a:t>
-            </a:r>
-          </a:p>
-          <a:p>
-            <a:pPr lvl="1"/>
-            <a:r>
-              <a:rPr lang="en-US" dirty="0" smtClean="0"/>
-              <a:t>Business processes in the language of the business</a:t>
-            </a:r>
-          </a:p>
-          <a:p>
-            <a:pPr lvl="1"/>
-            <a:r>
-              <a:rPr lang="en-US" dirty="0" smtClean="0"/>
-              <a:t>And systems biology in the language of biologists</a:t>
-            </a:r>
-          </a:p>
-          <a:p>
-            <a:pPr lvl="1"/>
-            <a:r>
-              <a:rPr lang="en-US" dirty="0" smtClean="0"/>
-              <a:t>And security protocols in the language of security experts</a:t>
-            </a:r>
-          </a:p>
-          <a:p>
-            <a:pPr lvl="1"/>
-            <a:r>
-              <a:rPr lang="en-US" dirty="0" err="1" smtClean="0"/>
-              <a:t>etc</a:t>
-            </a:r>
-            <a:r>
-              <a:rPr lang="en-US" dirty="0" smtClean="0"/>
-              <a:t> etc.</a:t>
-            </a:r>
-          </a:p>
-          <a:p>
-            <a:pPr lvl="1"/>
-            <a:endParaRPr lang="en-US" dirty="0"/>
-          </a:p>
-        </p:txBody>
-      </p:sp>
-    </p:spTree>
-    <p:extLst>
-      <p:ext uri="{BB962C8B-B14F-4D97-AF65-F5344CB8AC3E}">
-        <p14:creationId xmlns:p14="http://schemas.microsoft.com/office/powerpoint/2010/main" val="1575677617"/>
-      </p:ext>
-    </p:extLst>
-  </p:cSld>
-  <p:clrMapOvr>
-    <a:masterClrMapping/>
-  </p:clrMapOvr>
-</p:sld>
-</file>
-
 <file path=ppt/slides/slide18.xml><?xml version="1.0" encoding="utf-8"?>
 <p:sld xmlns:a="http://schemas.openxmlformats.org/drawingml/2006/main" xmlns:r="http://schemas.openxmlformats.org/officeDocument/2006/relationships" xmlns:p="http://schemas.openxmlformats.org/presentationml/2006/main">
   <p:cSld>
@@ -4136,35 +4070,101 @@
         </p:nvSpPr>
         <p:spPr/>
         <p:txBody>
-          <a:bodyPr/>
-          <a:lstStyle/>
-          <a:p>
-            <a:r>
-              <a:rPr lang="en-US" dirty="0" err="1" smtClean="0"/>
-              <a:t>Bigraphs</a:t>
-            </a:r>
-            <a:endParaRPr lang="en-US" dirty="0"/>
-          </a:p>
-        </p:txBody>
-      </p:sp>
-      <p:sp>
-        <p:nvSpPr>
-          <p:cNvPr id="3" name="Text Placeholder 2"/>
-          <p:cNvSpPr>
-            <a:spLocks noGrp="1"/>
-          </p:cNvSpPr>
-          <p:nvPr>
-            <p:ph type="body" idx="1"/>
-          </p:nvPr>
-        </p:nvSpPr>
-        <p:spPr/>
-        <p:txBody>
-          <a:bodyPr/>
-          <a:lstStyle/>
-          <a:p>
-            <a:r>
-              <a:rPr lang="en-US" dirty="0" smtClean="0"/>
-              <a:t>Part 2</a:t>
+          <a:bodyPr>
+            <a:normAutofit/>
+          </a:bodyPr>
+          <a:lstStyle/>
+          <a:p>
+            <a:r>
+              <a:rPr lang="en-US" dirty="0" smtClean="0"/>
+              <a:t>Proposing a New Process Language</a:t>
+            </a:r>
+            <a:endParaRPr lang="en-US" dirty="0"/>
+          </a:p>
+        </p:txBody>
+      </p:sp>
+      <p:sp>
+        <p:nvSpPr>
+          <p:cNvPr id="3" name="Content Placeholder 2"/>
+          <p:cNvSpPr>
+            <a:spLocks noGrp="1"/>
+          </p:cNvSpPr>
+          <p:nvPr>
+            <p:ph idx="1"/>
+          </p:nvPr>
+        </p:nvSpPr>
+        <p:spPr/>
+        <p:txBody>
+          <a:bodyPr/>
+          <a:lstStyle/>
+          <a:p>
+            <a:pPr marL="514350" indent="-514350">
+              <a:buFont typeface="+mj-lt"/>
+              <a:buAutoNum type="arabicPeriod"/>
+            </a:pPr>
+            <a:r>
+              <a:rPr lang="en-US" dirty="0" smtClean="0"/>
+              <a:t>Define syntax and semantics</a:t>
+            </a:r>
+          </a:p>
+          <a:p>
+            <a:pPr marL="514350" indent="-514350">
+              <a:buFont typeface="+mj-lt"/>
+              <a:buAutoNum type="arabicPeriod"/>
+            </a:pPr>
+            <a:r>
+              <a:rPr lang="en-US" dirty="0" smtClean="0"/>
+              <a:t>Prove a handful of interesting properties</a:t>
+            </a:r>
+          </a:p>
+          <a:p>
+            <a:pPr marL="514350" indent="-514350">
+              <a:buFont typeface="+mj-lt"/>
+              <a:buAutoNum type="arabicPeriod"/>
+            </a:pPr>
+            <a:r>
+              <a:rPr lang="en-US" dirty="0" smtClean="0"/>
+              <a:t>Use it once to solve a particular problem</a:t>
+            </a:r>
+          </a:p>
+          <a:p>
+            <a:pPr marL="514350" indent="-514350">
+              <a:buFont typeface="+mj-lt"/>
+              <a:buAutoNum type="arabicPeriod"/>
+            </a:pPr>
+            <a:r>
+              <a:rPr lang="en-US" dirty="0" smtClean="0"/>
+              <a:t>Claim generality</a:t>
+            </a:r>
+          </a:p>
+          <a:p>
+            <a:pPr marL="514350" indent="-514350">
+              <a:buFont typeface="+mj-lt"/>
+              <a:buAutoNum type="arabicPeriod"/>
+            </a:pPr>
+            <a:r>
+              <a:rPr lang="en-US" dirty="0" smtClean="0"/>
+              <a:t>Publish the paper</a:t>
+            </a:r>
+          </a:p>
+          <a:p>
+            <a:pPr marL="514350" indent="-514350">
+              <a:buFont typeface="+mj-lt"/>
+              <a:buAutoNum type="arabicPeriod"/>
+            </a:pPr>
+            <a:r>
+              <a:rPr lang="en-US" dirty="0" smtClean="0"/>
+              <a:t>Forget about it forever</a:t>
+            </a:r>
+          </a:p>
+          <a:p>
+            <a:pPr marL="514350" indent="-514350">
+              <a:buFont typeface="+mj-lt"/>
+              <a:buAutoNum type="arabicPeriod"/>
+            </a:pPr>
+            <a:r>
+              <a:rPr lang="en-US" dirty="0" smtClean="0"/>
+              <a:t>Go to Step 1</a:t>
             </a:r>
             <a:endParaRPr lang="en-US" dirty="0"/>
           </a:p>
@@ -4173,7 +4173,7 @@
     </p:spTree>
     <p:extLst>
       <p:ext uri="{BB962C8B-B14F-4D97-AF65-F5344CB8AC3E}">
-        <p14:creationId xmlns:p14="http://schemas.microsoft.com/office/powerpoint/2010/main" val="958105602"/>
+        <p14:creationId xmlns:p14="http://schemas.microsoft.com/office/powerpoint/2010/main" val="1079476171"/>
       </p:ext>
     </p:extLst>
   </p:cSld>
@@ -4216,35 +4216,93 @@
           <a:lstStyle/>
           <a:p>
             <a:r>
+              <a:rPr lang="en-US" dirty="0" smtClean="0"/>
+              <a:t>Proposing a New Process Language</a:t>
+            </a:r>
+            <a:endParaRPr lang="en-US" dirty="0"/>
+          </a:p>
+        </p:txBody>
+      </p:sp>
+      <p:sp>
+        <p:nvSpPr>
+          <p:cNvPr id="3" name="Content Placeholder 2"/>
+          <p:cNvSpPr>
+            <a:spLocks noGrp="1"/>
+          </p:cNvSpPr>
+          <p:nvPr>
+            <p:ph idx="1"/>
+          </p:nvPr>
+        </p:nvSpPr>
+        <p:spPr/>
+        <p:txBody>
+          <a:bodyPr>
+            <a:normAutofit fontScale="92500" lnSpcReduction="20000"/>
+          </a:bodyPr>
+          <a:lstStyle/>
+          <a:p>
+            <a:r>
+              <a:rPr lang="en-US" dirty="0" smtClean="0"/>
+              <a:t>New process languages are used to </a:t>
+            </a:r>
+            <a:r>
               <a:rPr lang="en-US" dirty="0" err="1" smtClean="0"/>
-              <a:t>Bigraphical</a:t>
-            </a:r>
-            <a:r>
-              <a:rPr lang="en-US" dirty="0" smtClean="0"/>
-              <a:t> languages</a:t>
-            </a:r>
-            <a:endParaRPr lang="en-US" dirty="0"/>
-          </a:p>
-        </p:txBody>
-      </p:sp>
-      <p:sp>
-        <p:nvSpPr>
-          <p:cNvPr id="3" name="Text Placeholder 2"/>
-          <p:cNvSpPr>
-            <a:spLocks noGrp="1"/>
-          </p:cNvSpPr>
-          <p:nvPr>
-            <p:ph type="body" idx="1"/>
-          </p:nvPr>
-        </p:nvSpPr>
-        <p:spPr/>
-        <p:txBody>
-          <a:bodyPr/>
-          <a:lstStyle/>
-          <a:p>
-            <a:r>
-              <a:rPr lang="en-US" dirty="0" smtClean="0"/>
-              <a:t>Part 3</a:t>
+              <a:t>specialise</a:t>
+            </a:r>
+            <a:r>
+              <a:rPr lang="en-US" dirty="0" smtClean="0"/>
+              <a:t> to a given domain</a:t>
+            </a:r>
+          </a:p>
+          <a:p>
+            <a:r>
+              <a:rPr lang="en-US" dirty="0" smtClean="0"/>
+              <a:t>Not cynical – there are good reasons to </a:t>
+            </a:r>
+            <a:r>
+              <a:rPr lang="en-US" dirty="0" err="1" smtClean="0"/>
+              <a:t>specialise</a:t>
+            </a:r>
+            <a:r>
+              <a:rPr lang="en-US" dirty="0"/>
+              <a:t> </a:t>
+            </a:r>
+            <a:r>
+              <a:rPr lang="en-US" dirty="0" smtClean="0"/>
+              <a:t>to a domain!</a:t>
+            </a:r>
+          </a:p>
+          <a:p>
+            <a:r>
+              <a:rPr lang="en-US" dirty="0" smtClean="0"/>
+              <a:t>Instead of trying to stop proliferation of new languages, we should support reuse</a:t>
+            </a:r>
+          </a:p>
+          <a:p>
+            <a:r>
+              <a:rPr lang="en-US" dirty="0" smtClean="0"/>
+              <a:t>… and provide better ways of </a:t>
+            </a:r>
+            <a:r>
+              <a:rPr lang="en-US" dirty="0" err="1" smtClean="0"/>
+              <a:t>specialising</a:t>
+            </a:r>
+            <a:r>
+              <a:rPr lang="en-US" dirty="0" smtClean="0"/>
+              <a:t> languages to a given domain</a:t>
+            </a:r>
+          </a:p>
+          <a:p>
+            <a:r>
+              <a:rPr lang="en-US" dirty="0" smtClean="0"/>
+              <a:t>Ephemeral, disposable process languages for every occasion – </a:t>
+            </a:r>
+            <a:r>
+              <a:rPr lang="en-US" dirty="0" err="1" smtClean="0"/>
+              <a:t>specialised</a:t>
+            </a:r>
+            <a:r>
+              <a:rPr lang="en-US" dirty="0" smtClean="0"/>
+              <a:t> to a domain.</a:t>
             </a:r>
             <a:endParaRPr lang="en-US" dirty="0"/>
           </a:p>
@@ -4253,7 +4311,7 @@
     </p:spTree>
     <p:extLst>
       <p:ext uri="{BB962C8B-B14F-4D97-AF65-F5344CB8AC3E}">
-        <p14:creationId xmlns:p14="http://schemas.microsoft.com/office/powerpoint/2010/main" val="2631882233"/>
+        <p14:creationId xmlns:p14="http://schemas.microsoft.com/office/powerpoint/2010/main" val="3013490313"/>
       </p:ext>
     </p:extLst>
   </p:cSld>
@@ -4377,39 +4435,94 @@
           <a:p>
             <a:r>
               <a:rPr lang="en-US" dirty="0" smtClean="0"/>
-              <a:t>refinement</a:t>
-            </a:r>
-            <a:endParaRPr lang="en-US" dirty="0"/>
-          </a:p>
-        </p:txBody>
-      </p:sp>
-      <p:sp>
-        <p:nvSpPr>
-          <p:cNvPr id="3" name="Text Placeholder 2"/>
-          <p:cNvSpPr>
-            <a:spLocks noGrp="1"/>
-          </p:cNvSpPr>
-          <p:nvPr>
-            <p:ph type="body" idx="1"/>
-          </p:nvPr>
-        </p:nvSpPr>
-        <p:spPr/>
-        <p:txBody>
-          <a:bodyPr/>
-          <a:lstStyle/>
-          <a:p>
-            <a:r>
-              <a:rPr lang="en-US" dirty="0" smtClean="0"/>
-              <a:t>Part 4</a:t>
-            </a:r>
-            <a:endParaRPr lang="en-US" dirty="0"/>
+              <a:t>Domain-Specificity</a:t>
+            </a:r>
+            <a:endParaRPr lang="en-US" dirty="0"/>
+          </a:p>
+        </p:txBody>
+      </p:sp>
+      <p:sp>
+        <p:nvSpPr>
+          <p:cNvPr id="3" name="Content Placeholder 2"/>
+          <p:cNvSpPr>
+            <a:spLocks noGrp="1"/>
+          </p:cNvSpPr>
+          <p:nvPr>
+            <p:ph idx="1"/>
+          </p:nvPr>
+        </p:nvSpPr>
+        <p:spPr/>
+        <p:txBody>
+          <a:bodyPr>
+            <a:normAutofit fontScale="77500" lnSpcReduction="20000"/>
+          </a:bodyPr>
+          <a:lstStyle/>
+          <a:p>
+            <a:r>
+              <a:rPr lang="en-US" dirty="0" smtClean="0"/>
+              <a:t>Moving the language constructs with which we can express models closer to the domain of interest makes models better!</a:t>
+            </a:r>
+          </a:p>
+          <a:p>
+            <a:pPr lvl="1"/>
+            <a:r>
+              <a:rPr lang="en-US" dirty="0" smtClean="0"/>
+              <a:t>Familiar (natural) language is good!  Photography terms from the dark room still used in digital photography</a:t>
+            </a:r>
+          </a:p>
+          <a:p>
+            <a:r>
+              <a:rPr lang="en-US" dirty="0" smtClean="0"/>
+              <a:t>Domain-experts are not necessarily </a:t>
+            </a:r>
+            <a:r>
+              <a:rPr lang="en-US" dirty="0" err="1" smtClean="0"/>
+              <a:t>modelling</a:t>
+            </a:r>
+            <a:r>
+              <a:rPr lang="en-US" dirty="0" smtClean="0"/>
+              <a:t> experts</a:t>
+            </a:r>
+          </a:p>
+          <a:p>
+            <a:r>
+              <a:rPr lang="en-US" dirty="0" smtClean="0"/>
+              <a:t>Instead, describe models in the language of the domain</a:t>
+            </a:r>
+          </a:p>
+          <a:p>
+            <a:pPr lvl="1"/>
+            <a:r>
+              <a:rPr lang="en-US" dirty="0" smtClean="0"/>
+              <a:t>Business processes in the language of the business</a:t>
+            </a:r>
+          </a:p>
+          <a:p>
+            <a:pPr lvl="1"/>
+            <a:r>
+              <a:rPr lang="en-US" dirty="0" smtClean="0"/>
+              <a:t>And systems biology in the language of biologists</a:t>
+            </a:r>
+          </a:p>
+          <a:p>
+            <a:pPr lvl="1"/>
+            <a:r>
+              <a:rPr lang="en-US" dirty="0" smtClean="0"/>
+              <a:t>And security protocols in the language of security experts</a:t>
+            </a:r>
+          </a:p>
+          <a:p>
+            <a:r>
+              <a:rPr lang="en-US" dirty="0" smtClean="0"/>
+              <a:t>The outcome is often of more interest to the domain-expert than the mechanism of the process itself</a:t>
+            </a:r>
           </a:p>
         </p:txBody>
       </p:sp>
     </p:spTree>
     <p:extLst>
       <p:ext uri="{BB962C8B-B14F-4D97-AF65-F5344CB8AC3E}">
-        <p14:creationId xmlns:p14="http://schemas.microsoft.com/office/powerpoint/2010/main" val="2206402057"/>
+        <p14:creationId xmlns:p14="http://schemas.microsoft.com/office/powerpoint/2010/main" val="1575677617"/>
       </p:ext>
     </p:extLst>
   </p:cSld>
@@ -4453,39 +4566,111 @@
           <a:p>
             <a:r>
               <a:rPr lang="en-US" dirty="0" smtClean="0"/>
-              <a:t>Verification and tools</a:t>
-            </a:r>
-            <a:endParaRPr lang="en-US" dirty="0"/>
-          </a:p>
-        </p:txBody>
-      </p:sp>
-      <p:sp>
-        <p:nvSpPr>
-          <p:cNvPr id="3" name="Text Placeholder 2"/>
-          <p:cNvSpPr>
-            <a:spLocks noGrp="1"/>
-          </p:cNvSpPr>
-          <p:nvPr>
-            <p:ph type="body" idx="1"/>
-          </p:nvPr>
-        </p:nvSpPr>
-        <p:spPr/>
-        <p:txBody>
-          <a:bodyPr/>
-          <a:lstStyle/>
-          <a:p>
-            <a:r>
-              <a:rPr lang="en-US" dirty="0" smtClean="0"/>
-              <a:t>Part 5</a:t>
-            </a:r>
-            <a:endParaRPr lang="en-US" dirty="0"/>
-          </a:p>
-        </p:txBody>
-      </p:sp>
+              <a:t>Domain-Specificity at work</a:t>
+            </a:r>
+            <a:endParaRPr lang="en-US" dirty="0"/>
+          </a:p>
+        </p:txBody>
+      </p:sp>
+      <p:sp>
+        <p:nvSpPr>
+          <p:cNvPr id="3" name="Content Placeholder 2"/>
+          <p:cNvSpPr>
+            <a:spLocks noGrp="1"/>
+          </p:cNvSpPr>
+          <p:nvPr>
+            <p:ph idx="1"/>
+          </p:nvPr>
+        </p:nvSpPr>
+        <p:spPr>
+          <a:xfrm>
+            <a:off x="457200" y="1600200"/>
+            <a:ext cx="8229600" cy="4790768"/>
+          </a:xfrm>
+        </p:spPr>
+        <p:txBody>
+          <a:bodyPr>
+            <a:normAutofit fontScale="85000" lnSpcReduction="20000"/>
+          </a:bodyPr>
+          <a:lstStyle/>
+          <a:p>
+            <a:r>
+              <a:rPr lang="en-US" dirty="0" smtClean="0"/>
+              <a:t>We’re in the baked bean factory with</a:t>
+            </a:r>
+            <a:br>
+              <a:rPr lang="en-US" dirty="0" smtClean="0"/>
+            </a:br>
+            <a:r>
+              <a:rPr lang="en-US" dirty="0" smtClean="0"/>
+              <a:t>many machines employed to make our</a:t>
+            </a:r>
+            <a:r>
+              <a:rPr lang="en-US" dirty="0"/>
+              <a:t/>
+            </a:r>
+            <a:br>
+              <a:rPr lang="en-US" dirty="0"/>
+            </a:br>
+            <a:r>
+              <a:rPr lang="en-US" dirty="0" smtClean="0"/>
+              <a:t>baked beans</a:t>
+            </a:r>
+          </a:p>
+          <a:p>
+            <a:r>
+              <a:rPr lang="en-US" dirty="0" smtClean="0"/>
+              <a:t>The component closing the tins needs to apply a specific voltage for a given time and with specific force</a:t>
+            </a:r>
+          </a:p>
+          <a:p>
+            <a:r>
+              <a:rPr lang="en-US" dirty="0" smtClean="0"/>
+              <a:t>… but that’s not what it is doing!  The language of the domain is “closing the tin” – not how the tin is closed</a:t>
+            </a:r>
+          </a:p>
+          <a:p>
+            <a:r>
+              <a:rPr lang="en-US" dirty="0" smtClean="0"/>
+              <a:t>Which allows us to replace one component with another functionally equivalent component (of which we will see more later…)</a:t>
+            </a:r>
+          </a:p>
+          <a:p>
+            <a:r>
+              <a:rPr lang="en-US" dirty="0" smtClean="0"/>
+              <a:t>Or reuse our baked bean tin-closing component to press logos into bars of soap at the soap factory!</a:t>
+            </a:r>
+          </a:p>
+        </p:txBody>
+      </p:sp>
+      <p:pic>
+        <p:nvPicPr>
+          <p:cNvPr id="4" name="Picture 3"/>
+          <p:cNvPicPr>
+            <a:picLocks noChangeAspect="1"/>
+          </p:cNvPicPr>
+          <p:nvPr/>
+        </p:nvPicPr>
+        <p:blipFill>
+          <a:blip r:embed="rId2"/>
+          <a:stretch>
+            <a:fillRect/>
+          </a:stretch>
+        </p:blipFill>
+        <p:spPr>
+          <a:xfrm>
+            <a:off x="6614241" y="1282290"/>
+            <a:ext cx="1356032" cy="1356032"/>
+          </a:xfrm>
+          <a:prstGeom prst="rect">
+            <a:avLst/>
+          </a:prstGeom>
+        </p:spPr>
+      </p:pic>
     </p:spTree>
     <p:extLst>
       <p:ext uri="{BB962C8B-B14F-4D97-AF65-F5344CB8AC3E}">
-        <p14:creationId xmlns:p14="http://schemas.microsoft.com/office/powerpoint/2010/main" val="2741296036"/>
+        <p14:creationId xmlns:p14="http://schemas.microsoft.com/office/powerpoint/2010/main" val="157110785"/>
       </p:ext>
     </p:extLst>
   </p:cSld>
@@ -4528,8 +4713,8 @@
           <a:lstStyle/>
           <a:p>
             <a:r>
-              <a:rPr lang="en-US" dirty="0" smtClean="0"/>
-              <a:t>modularity</a:t>
+              <a:rPr lang="en-US" dirty="0" err="1" smtClean="0"/>
+              <a:t>Bigraphs</a:t>
             </a:r>
             <a:endParaRPr lang="en-US" dirty="0"/>
           </a:p>
@@ -4552,7 +4737,7 @@
           <a:p>
             <a:r>
               <a:rPr lang="en-US" dirty="0" smtClean="0"/>
-              <a:t>Part 6</a:t>
+              <a:t>Part 2</a:t>
             </a:r>
             <a:endParaRPr lang="en-US" dirty="0"/>
           </a:p>
@@ -4561,7 +4746,7 @@
     </p:spTree>
     <p:extLst>
       <p:ext uri="{BB962C8B-B14F-4D97-AF65-F5344CB8AC3E}">
-        <p14:creationId xmlns:p14="http://schemas.microsoft.com/office/powerpoint/2010/main" val="1810853861"/>
+        <p14:creationId xmlns:p14="http://schemas.microsoft.com/office/powerpoint/2010/main" val="958105602"/>
       </p:ext>
     </p:extLst>
   </p:cSld>
@@ -4590,7 +4775,7 @@
       </p:grpSpPr>
       <p:sp>
         <p:nvSpPr>
-          <p:cNvPr id="2" name="Title 1"/>
+          <p:cNvPr id="4" name="Title 3"/>
           <p:cNvSpPr>
             <a:spLocks noGrp="1"/>
           </p:cNvSpPr>
@@ -4605,30 +4790,74 @@
           <a:p>
             <a:r>
               <a:rPr lang="en-US" dirty="0" smtClean="0"/>
-              <a:t>Conclusion</a:t>
-            </a:r>
-            <a:endParaRPr lang="en-US" dirty="0"/>
-          </a:p>
-        </p:txBody>
-      </p:sp>
-      <p:sp>
-        <p:nvSpPr>
-          <p:cNvPr id="3" name="Text Placeholder 2"/>
-          <p:cNvSpPr>
-            <a:spLocks noGrp="1"/>
-          </p:cNvSpPr>
-          <p:nvPr>
-            <p:ph type="body" idx="1"/>
-          </p:nvPr>
-        </p:nvSpPr>
-        <p:spPr/>
-        <p:txBody>
-          <a:bodyPr/>
-          <a:lstStyle/>
-          <a:p>
-            <a:r>
-              <a:rPr lang="en-US" dirty="0" smtClean="0"/>
-              <a:t>Part 7</a:t>
+              <a:t>A </a:t>
+            </a:r>
+            <a:r>
+              <a:rPr lang="en-US" dirty="0" err="1" smtClean="0"/>
+              <a:t>Bigraph</a:t>
+            </a:r>
+            <a:endParaRPr lang="en-US" dirty="0"/>
+          </a:p>
+        </p:txBody>
+      </p:sp>
+      <p:pic>
+        <p:nvPicPr>
+          <p:cNvPr id="6" name="Content Placeholder 5" descr="anatomy.png"/>
+          <p:cNvPicPr>
+            <a:picLocks noGrp="1" noChangeAspect="1"/>
+          </p:cNvPicPr>
+          <p:nvPr>
+            <p:ph idx="1"/>
+          </p:nvPr>
+        </p:nvPicPr>
+        <p:blipFill>
+          <a:blip r:embed="rId2">
+            <a:extLst>
+              <a:ext uri="{28A0092B-C50C-407E-A947-70E740481C1C}">
+                <a14:useLocalDpi xmlns:a14="http://schemas.microsoft.com/office/drawing/2010/main" val="0"/>
+              </a:ext>
+            </a:extLst>
+          </a:blip>
+          <a:srcRect l="-15731" r="-15731"/>
+          <a:stretch>
+            <a:fillRect/>
+          </a:stretch>
+        </p:blipFill>
+        <p:spPr/>
+      </p:pic>
+      <p:sp>
+        <p:nvSpPr>
+          <p:cNvPr id="7" name="TextBox 6"/>
+          <p:cNvSpPr txBox="1"/>
+          <p:nvPr/>
+        </p:nvSpPr>
+        <p:spPr>
+          <a:xfrm>
+            <a:off x="457200" y="6375400"/>
+            <a:ext cx="8509000" cy="369332"/>
+          </a:xfrm>
+          <a:prstGeom prst="rect">
+            <a:avLst/>
+          </a:prstGeom>
+          <a:noFill/>
+        </p:spPr>
+        <p:txBody>
+          <a:bodyPr wrap="square" rtlCol="0">
+            <a:spAutoFit/>
+          </a:bodyPr>
+          <a:lstStyle/>
+          <a:p>
+            <a:r>
+              <a:rPr lang="en-US" dirty="0" smtClean="0"/>
+              <a:t>Source: Milner, R. </a:t>
+            </a:r>
+            <a:r>
+              <a:rPr lang="en-US" dirty="0"/>
+              <a:t> </a:t>
+            </a:r>
+            <a:r>
+              <a:rPr lang="en-US" dirty="0" smtClean="0"/>
+              <a:t>The Space and Motion of Communicating Agents (2009)</a:t>
             </a:r>
             <a:endParaRPr lang="en-US" dirty="0"/>
           </a:p>
@@ -4637,7 +4866,578 @@
     </p:spTree>
     <p:extLst>
       <p:ext uri="{BB962C8B-B14F-4D97-AF65-F5344CB8AC3E}">
-        <p14:creationId xmlns:p14="http://schemas.microsoft.com/office/powerpoint/2010/main" val="1628651473"/>
+        <p14:creationId xmlns:p14="http://schemas.microsoft.com/office/powerpoint/2010/main" val="112464326"/>
+      </p:ext>
+    </p:extLst>
+  </p:cSld>
+  <p:clrMapOvr>
+    <a:masterClrMapping/>
+  </p:clrMapOvr>
+</p:sld>
+</file>
+
+<file path=ppt/slides/slide24.xml><?xml version="1.0" encoding="utf-8"?>
+<p:sld xmlns:a="http://schemas.openxmlformats.org/drawingml/2006/main" xmlns:r="http://schemas.openxmlformats.org/officeDocument/2006/relationships" xmlns:p="http://schemas.openxmlformats.org/presentationml/2006/main">
+  <p:cSld>
+    <p:spTree>
+      <p:nvGrpSpPr>
+        <p:cNvPr id="1" name=""/>
+        <p:cNvGrpSpPr/>
+        <p:nvPr/>
+      </p:nvGrpSpPr>
+      <p:grpSpPr>
+        <a:xfrm>
+          <a:off x="0" y="0"/>
+          <a:ext cx="0" cy="0"/>
+          <a:chOff x="0" y="0"/>
+          <a:chExt cx="0" cy="0"/>
+        </a:xfrm>
+      </p:grpSpPr>
+      <p:sp>
+        <p:nvSpPr>
+          <p:cNvPr id="2" name="Title 1"/>
+          <p:cNvSpPr>
+            <a:spLocks noGrp="1"/>
+          </p:cNvSpPr>
+          <p:nvPr>
+            <p:ph type="title"/>
+          </p:nvPr>
+        </p:nvSpPr>
+        <p:spPr/>
+        <p:txBody>
+          <a:bodyPr/>
+          <a:lstStyle/>
+          <a:p>
+            <a:r>
+              <a:rPr lang="en-US" dirty="0" err="1" smtClean="0"/>
+              <a:t>Bigraphs</a:t>
+            </a:r>
+            <a:endParaRPr lang="en-US" dirty="0"/>
+          </a:p>
+        </p:txBody>
+      </p:sp>
+      <p:sp>
+        <p:nvSpPr>
+          <p:cNvPr id="3" name="Content Placeholder 2"/>
+          <p:cNvSpPr>
+            <a:spLocks noGrp="1"/>
+          </p:cNvSpPr>
+          <p:nvPr>
+            <p:ph idx="1"/>
+          </p:nvPr>
+        </p:nvSpPr>
+        <p:spPr/>
+        <p:txBody>
+          <a:bodyPr>
+            <a:normAutofit lnSpcReduction="10000"/>
+          </a:bodyPr>
+          <a:lstStyle/>
+          <a:p>
+            <a:r>
+              <a:rPr lang="en-US" dirty="0" smtClean="0"/>
+              <a:t>Formal, mathematical objects</a:t>
+            </a:r>
+          </a:p>
+          <a:p>
+            <a:r>
+              <a:rPr lang="en-US" dirty="0" smtClean="0"/>
+              <a:t>Represent orthogonal notions of </a:t>
+            </a:r>
+            <a:r>
+              <a:rPr lang="en-US" b="1" dirty="0" smtClean="0"/>
+              <a:t>locality</a:t>
+            </a:r>
+            <a:r>
+              <a:rPr lang="en-US" dirty="0" smtClean="0"/>
+              <a:t> and </a:t>
+            </a:r>
+            <a:r>
+              <a:rPr lang="en-US" b="1" dirty="0" smtClean="0"/>
+              <a:t>connectivity</a:t>
+            </a:r>
+          </a:p>
+          <a:p>
+            <a:r>
+              <a:rPr lang="en-US" dirty="0" smtClean="0"/>
+              <a:t>Which are ubiquitous in </a:t>
+            </a:r>
+            <a:r>
+              <a:rPr lang="en-US" dirty="0" err="1" smtClean="0"/>
+              <a:t>modelling</a:t>
+            </a:r>
+            <a:r>
+              <a:rPr lang="en-US" dirty="0" smtClean="0"/>
+              <a:t> activities</a:t>
+            </a:r>
+          </a:p>
+          <a:p>
+            <a:r>
+              <a:rPr lang="en-US" dirty="0" smtClean="0"/>
+              <a:t>Locality: physical environments, logical containment, tree structures, </a:t>
+            </a:r>
+            <a:r>
+              <a:rPr lang="en-US" dirty="0" err="1" smtClean="0"/>
+              <a:t>filesystems</a:t>
+            </a:r>
+            <a:r>
+              <a:rPr lang="en-US" dirty="0" smtClean="0"/>
+              <a:t>, ownership</a:t>
+            </a:r>
+          </a:p>
+          <a:p>
+            <a:r>
+              <a:rPr lang="en-US" dirty="0" smtClean="0"/>
+              <a:t>Connectivity: association, relationships, networks, name binding</a:t>
+            </a:r>
+            <a:endParaRPr lang="en-US" dirty="0"/>
+          </a:p>
+        </p:txBody>
+      </p:sp>
+    </p:spTree>
+    <p:extLst>
+      <p:ext uri="{BB962C8B-B14F-4D97-AF65-F5344CB8AC3E}">
+        <p14:creationId xmlns:p14="http://schemas.microsoft.com/office/powerpoint/2010/main" val="2654423041"/>
+      </p:ext>
+    </p:extLst>
+  </p:cSld>
+  <p:clrMapOvr>
+    <a:masterClrMapping/>
+  </p:clrMapOvr>
+</p:sld>
+</file>
+
+<file path=ppt/slides/slide25.xml><?xml version="1.0" encoding="utf-8"?>
+<p:sld xmlns:a="http://schemas.openxmlformats.org/drawingml/2006/main" xmlns:r="http://schemas.openxmlformats.org/officeDocument/2006/relationships" xmlns:p="http://schemas.openxmlformats.org/presentationml/2006/main">
+  <p:cSld>
+    <p:spTree>
+      <p:nvGrpSpPr>
+        <p:cNvPr id="1" name=""/>
+        <p:cNvGrpSpPr/>
+        <p:nvPr/>
+      </p:nvGrpSpPr>
+      <p:grpSpPr>
+        <a:xfrm>
+          <a:off x="0" y="0"/>
+          <a:ext cx="0" cy="0"/>
+          <a:chOff x="0" y="0"/>
+          <a:chExt cx="0" cy="0"/>
+        </a:xfrm>
+      </p:grpSpPr>
+      <p:sp>
+        <p:nvSpPr>
+          <p:cNvPr id="2" name="Title 1"/>
+          <p:cNvSpPr>
+            <a:spLocks noGrp="1"/>
+          </p:cNvSpPr>
+          <p:nvPr>
+            <p:ph type="title"/>
+          </p:nvPr>
+        </p:nvSpPr>
+        <p:spPr/>
+        <p:txBody>
+          <a:bodyPr/>
+          <a:lstStyle/>
+          <a:p>
+            <a:r>
+              <a:rPr lang="en-US" dirty="0" smtClean="0"/>
+              <a:t>In the internet cafe</a:t>
+            </a:r>
+            <a:endParaRPr lang="en-US" dirty="0"/>
+          </a:p>
+        </p:txBody>
+      </p:sp>
+      <p:sp>
+        <p:nvSpPr>
+          <p:cNvPr id="3" name="Content Placeholder 2"/>
+          <p:cNvSpPr>
+            <a:spLocks noGrp="1"/>
+          </p:cNvSpPr>
+          <p:nvPr>
+            <p:ph idx="1"/>
+          </p:nvPr>
+        </p:nvSpPr>
+        <p:spPr/>
+        <p:txBody>
+          <a:bodyPr/>
+          <a:lstStyle/>
+          <a:p>
+            <a:r>
+              <a:rPr lang="en-US" dirty="0" smtClean="0"/>
+              <a:t>Draw picture (location: in the same room, connectivity to many different social networks, computer networks </a:t>
+            </a:r>
+            <a:r>
+              <a:rPr lang="en-US" dirty="0" err="1" smtClean="0"/>
+              <a:t>etc</a:t>
+            </a:r>
+            <a:r>
+              <a:rPr lang="en-US" dirty="0" smtClean="0"/>
+              <a:t>)</a:t>
+            </a:r>
+          </a:p>
+          <a:p>
+            <a:r>
+              <a:rPr lang="en-US" dirty="0" smtClean="0"/>
+              <a:t>The reveal: it’s a </a:t>
+            </a:r>
+            <a:r>
+              <a:rPr lang="en-US" dirty="0" err="1" smtClean="0"/>
+              <a:t>bigraph</a:t>
+            </a:r>
+            <a:endParaRPr lang="en-US" dirty="0"/>
+          </a:p>
+        </p:txBody>
+      </p:sp>
+    </p:spTree>
+    <p:extLst>
+      <p:ext uri="{BB962C8B-B14F-4D97-AF65-F5344CB8AC3E}">
+        <p14:creationId xmlns:p14="http://schemas.microsoft.com/office/powerpoint/2010/main" val="2078764899"/>
+      </p:ext>
+    </p:extLst>
+  </p:cSld>
+  <p:clrMapOvr>
+    <a:masterClrMapping/>
+  </p:clrMapOvr>
+</p:sld>
+</file>
+
+<file path=ppt/slides/slide26.xml><?xml version="1.0" encoding="utf-8"?>
+<p:sld xmlns:a="http://schemas.openxmlformats.org/drawingml/2006/main" xmlns:r="http://schemas.openxmlformats.org/officeDocument/2006/relationships" xmlns:p="http://schemas.openxmlformats.org/presentationml/2006/main">
+  <p:cSld>
+    <p:spTree>
+      <p:nvGrpSpPr>
+        <p:cNvPr id="1" name=""/>
+        <p:cNvGrpSpPr/>
+        <p:nvPr/>
+      </p:nvGrpSpPr>
+      <p:grpSpPr>
+        <a:xfrm>
+          <a:off x="0" y="0"/>
+          <a:ext cx="0" cy="0"/>
+          <a:chOff x="0" y="0"/>
+          <a:chExt cx="0" cy="0"/>
+        </a:xfrm>
+      </p:grpSpPr>
+      <p:sp>
+        <p:nvSpPr>
+          <p:cNvPr id="2" name="Title 1"/>
+          <p:cNvSpPr>
+            <a:spLocks noGrp="1"/>
+          </p:cNvSpPr>
+          <p:nvPr>
+            <p:ph type="title"/>
+          </p:nvPr>
+        </p:nvSpPr>
+        <p:spPr/>
+        <p:txBody>
+          <a:bodyPr/>
+          <a:lstStyle/>
+          <a:p>
+            <a:r>
+              <a:rPr lang="en-US" dirty="0" err="1" smtClean="0"/>
+              <a:t>Bigraphs</a:t>
+            </a:r>
+            <a:endParaRPr lang="en-US" dirty="0"/>
+          </a:p>
+        </p:txBody>
+      </p:sp>
+      <p:sp>
+        <p:nvSpPr>
+          <p:cNvPr id="3" name="Content Placeholder 2"/>
+          <p:cNvSpPr>
+            <a:spLocks noGrp="1"/>
+          </p:cNvSpPr>
+          <p:nvPr>
+            <p:ph idx="1"/>
+          </p:nvPr>
+        </p:nvSpPr>
+        <p:spPr/>
+        <p:txBody>
+          <a:bodyPr/>
+          <a:lstStyle/>
+          <a:p>
+            <a:r>
+              <a:rPr lang="en-US" dirty="0" smtClean="0"/>
+              <a:t>Unambiguous, formal visual presentation</a:t>
+            </a:r>
+          </a:p>
+          <a:p>
+            <a:r>
+              <a:rPr lang="en-US" dirty="0" smtClean="0"/>
+              <a:t>A categorical presentation in terms of interfaces</a:t>
+            </a:r>
+          </a:p>
+          <a:p>
+            <a:r>
+              <a:rPr lang="en-US" dirty="0" smtClean="0"/>
+              <a:t>Reaction semantics</a:t>
+            </a:r>
+          </a:p>
+          <a:p>
+            <a:pPr lvl="1"/>
+            <a:r>
+              <a:rPr lang="en-US" dirty="0" smtClean="0"/>
+              <a:t>A single </a:t>
+            </a:r>
+            <a:r>
+              <a:rPr lang="en-US" dirty="0" err="1" smtClean="0"/>
+              <a:t>bigraph</a:t>
+            </a:r>
+            <a:r>
+              <a:rPr lang="en-US" dirty="0" smtClean="0"/>
+              <a:t> defines the state of some system</a:t>
+            </a:r>
+          </a:p>
+          <a:p>
+            <a:pPr lvl="1"/>
+            <a:r>
+              <a:rPr lang="en-US" dirty="0" smtClean="0"/>
+              <a:t>A set of reaction rules describe how the system may behave and evolve over time</a:t>
+            </a:r>
+            <a:endParaRPr lang="en-US" dirty="0"/>
+          </a:p>
+        </p:txBody>
+      </p:sp>
+    </p:spTree>
+    <p:extLst>
+      <p:ext uri="{BB962C8B-B14F-4D97-AF65-F5344CB8AC3E}">
+        <p14:creationId xmlns:p14="http://schemas.microsoft.com/office/powerpoint/2010/main" val="3647486255"/>
+      </p:ext>
+    </p:extLst>
+  </p:cSld>
+  <p:clrMapOvr>
+    <a:masterClrMapping/>
+  </p:clrMapOvr>
+</p:sld>
+</file>
+
+<file path=ppt/slides/slide27.xml><?xml version="1.0" encoding="utf-8"?>
+<p:sld xmlns:a="http://schemas.openxmlformats.org/drawingml/2006/main" xmlns:r="http://schemas.openxmlformats.org/officeDocument/2006/relationships" xmlns:p="http://schemas.openxmlformats.org/presentationml/2006/main">
+  <p:cSld>
+    <p:spTree>
+      <p:nvGrpSpPr>
+        <p:cNvPr id="1" name=""/>
+        <p:cNvGrpSpPr/>
+        <p:nvPr/>
+      </p:nvGrpSpPr>
+      <p:grpSpPr>
+        <a:xfrm>
+          <a:off x="0" y="0"/>
+          <a:ext cx="0" cy="0"/>
+          <a:chOff x="0" y="0"/>
+          <a:chExt cx="0" cy="0"/>
+        </a:xfrm>
+      </p:grpSpPr>
+      <p:sp>
+        <p:nvSpPr>
+          <p:cNvPr id="2" name="Title 1"/>
+          <p:cNvSpPr>
+            <a:spLocks noGrp="1"/>
+          </p:cNvSpPr>
+          <p:nvPr>
+            <p:ph type="title"/>
+          </p:nvPr>
+        </p:nvSpPr>
+        <p:spPr/>
+        <p:txBody>
+          <a:bodyPr>
+            <a:normAutofit fontScale="90000"/>
+          </a:bodyPr>
+          <a:lstStyle/>
+          <a:p>
+            <a:r>
+              <a:rPr lang="en-US" dirty="0" err="1" smtClean="0"/>
+              <a:t>Bigraph</a:t>
+            </a:r>
+            <a:r>
+              <a:rPr lang="en-US" dirty="0" smtClean="0"/>
+              <a:t> example</a:t>
+            </a:r>
+            <a:br>
+              <a:rPr lang="en-US" dirty="0" smtClean="0"/>
+            </a:br>
+            <a:endParaRPr lang="en-US" dirty="0"/>
+          </a:p>
+        </p:txBody>
+      </p:sp>
+      <p:sp>
+        <p:nvSpPr>
+          <p:cNvPr id="3" name="Content Placeholder 2"/>
+          <p:cNvSpPr>
+            <a:spLocks noGrp="1"/>
+          </p:cNvSpPr>
+          <p:nvPr>
+            <p:ph idx="1"/>
+          </p:nvPr>
+        </p:nvSpPr>
+        <p:spPr/>
+        <p:txBody>
+          <a:bodyPr/>
+          <a:lstStyle/>
+          <a:p>
+            <a:r>
+              <a:rPr lang="en-US" dirty="0" smtClean="0"/>
+              <a:t>Picture here bean factory tins moving between components</a:t>
+            </a:r>
+            <a:endParaRPr lang="en-US" dirty="0"/>
+          </a:p>
+        </p:txBody>
+      </p:sp>
+    </p:spTree>
+    <p:extLst>
+      <p:ext uri="{BB962C8B-B14F-4D97-AF65-F5344CB8AC3E}">
+        <p14:creationId xmlns:p14="http://schemas.microsoft.com/office/powerpoint/2010/main" val="3506776386"/>
+      </p:ext>
+    </p:extLst>
+  </p:cSld>
+  <p:clrMapOvr>
+    <a:masterClrMapping/>
+  </p:clrMapOvr>
+</p:sld>
+</file>
+
+<file path=ppt/slides/slide28.xml><?xml version="1.0" encoding="utf-8"?>
+<p:sld xmlns:a="http://schemas.openxmlformats.org/drawingml/2006/main" xmlns:r="http://schemas.openxmlformats.org/officeDocument/2006/relationships" xmlns:p="http://schemas.openxmlformats.org/presentationml/2006/main">
+  <p:cSld>
+    <p:spTree>
+      <p:nvGrpSpPr>
+        <p:cNvPr id="1" name=""/>
+        <p:cNvGrpSpPr/>
+        <p:nvPr/>
+      </p:nvGrpSpPr>
+      <p:grpSpPr>
+        <a:xfrm>
+          <a:off x="0" y="0"/>
+          <a:ext cx="0" cy="0"/>
+          <a:chOff x="0" y="0"/>
+          <a:chExt cx="0" cy="0"/>
+        </a:xfrm>
+      </p:grpSpPr>
+      <p:sp>
+        <p:nvSpPr>
+          <p:cNvPr id="2" name="Title 1"/>
+          <p:cNvSpPr>
+            <a:spLocks noGrp="1"/>
+          </p:cNvSpPr>
+          <p:nvPr>
+            <p:ph type="title"/>
+          </p:nvPr>
+        </p:nvSpPr>
+        <p:spPr/>
+        <p:txBody>
+          <a:bodyPr/>
+          <a:lstStyle/>
+          <a:p>
+            <a:r>
+              <a:rPr lang="en-US" dirty="0" smtClean="0"/>
+              <a:t>Reaction Rules</a:t>
+            </a:r>
+            <a:endParaRPr lang="en-US" dirty="0"/>
+          </a:p>
+        </p:txBody>
+      </p:sp>
+      <p:sp>
+        <p:nvSpPr>
+          <p:cNvPr id="3" name="Content Placeholder 2"/>
+          <p:cNvSpPr>
+            <a:spLocks noGrp="1"/>
+          </p:cNvSpPr>
+          <p:nvPr>
+            <p:ph idx="1"/>
+          </p:nvPr>
+        </p:nvSpPr>
+        <p:spPr/>
+        <p:txBody>
+          <a:bodyPr/>
+          <a:lstStyle/>
+          <a:p>
+            <a:r>
+              <a:rPr lang="en-US" dirty="0" smtClean="0"/>
+              <a:t>Picture here</a:t>
+            </a:r>
+            <a:endParaRPr lang="en-US" dirty="0"/>
+          </a:p>
+        </p:txBody>
+      </p:sp>
+    </p:spTree>
+    <p:extLst>
+      <p:ext uri="{BB962C8B-B14F-4D97-AF65-F5344CB8AC3E}">
+        <p14:creationId xmlns:p14="http://schemas.microsoft.com/office/powerpoint/2010/main" val="3151115840"/>
+      </p:ext>
+    </p:extLst>
+  </p:cSld>
+  <p:clrMapOvr>
+    <a:masterClrMapping/>
+  </p:clrMapOvr>
+</p:sld>
+</file>
+
+<file path=ppt/slides/slide29.xml><?xml version="1.0" encoding="utf-8"?>
+<p:sld xmlns:a="http://schemas.openxmlformats.org/drawingml/2006/main" xmlns:r="http://schemas.openxmlformats.org/officeDocument/2006/relationships" xmlns:p="http://schemas.openxmlformats.org/presentationml/2006/main">
+  <p:cSld>
+    <p:spTree>
+      <p:nvGrpSpPr>
+        <p:cNvPr id="1" name=""/>
+        <p:cNvGrpSpPr/>
+        <p:nvPr/>
+      </p:nvGrpSpPr>
+      <p:grpSpPr>
+        <a:xfrm>
+          <a:off x="0" y="0"/>
+          <a:ext cx="0" cy="0"/>
+          <a:chOff x="0" y="0"/>
+          <a:chExt cx="0" cy="0"/>
+        </a:xfrm>
+      </p:grpSpPr>
+      <p:sp>
+        <p:nvSpPr>
+          <p:cNvPr id="2" name="Title 1"/>
+          <p:cNvSpPr>
+            <a:spLocks noGrp="1"/>
+          </p:cNvSpPr>
+          <p:nvPr>
+            <p:ph type="title"/>
+          </p:nvPr>
+        </p:nvSpPr>
+        <p:spPr/>
+        <p:txBody>
+          <a:bodyPr/>
+          <a:lstStyle/>
+          <a:p>
+            <a:r>
+              <a:rPr lang="en-US" dirty="0" smtClean="0"/>
+              <a:t>Reaction</a:t>
+            </a:r>
+            <a:endParaRPr lang="en-US" dirty="0"/>
+          </a:p>
+        </p:txBody>
+      </p:sp>
+      <p:sp>
+        <p:nvSpPr>
+          <p:cNvPr id="3" name="Content Placeholder 2"/>
+          <p:cNvSpPr>
+            <a:spLocks noGrp="1"/>
+          </p:cNvSpPr>
+          <p:nvPr>
+            <p:ph idx="1"/>
+          </p:nvPr>
+        </p:nvSpPr>
+        <p:spPr/>
+        <p:txBody>
+          <a:bodyPr/>
+          <a:lstStyle/>
+          <a:p>
+            <a:r>
+              <a:rPr lang="en-US" dirty="0" smtClean="0"/>
+              <a:t>Picture results</a:t>
+            </a:r>
+            <a:endParaRPr lang="en-US" dirty="0"/>
+          </a:p>
+        </p:txBody>
+      </p:sp>
+    </p:spTree>
+    <p:extLst>
+      <p:ext uri="{BB962C8B-B14F-4D97-AF65-F5344CB8AC3E}">
+        <p14:creationId xmlns:p14="http://schemas.microsoft.com/office/powerpoint/2010/main" val="2135594312"/>
       </p:ext>
     </p:extLst>
   </p:cSld>
@@ -4704,7 +5504,9 @@
           </a:xfrm>
         </p:spPr>
         <p:txBody>
-          <a:bodyPr/>
+          <a:bodyPr>
+            <a:normAutofit fontScale="85000" lnSpcReduction="20000"/>
+          </a:bodyPr>
           <a:lstStyle/>
           <a:p>
             <a:pPr marL="0" indent="0">
@@ -4725,6 +5527,15 @@
             <a:r>
               <a:rPr lang="en-US" b="1" dirty="0" smtClean="0"/>
               <a:t>understand</a:t>
+            </a:r>
+          </a:p>
+          <a:p>
+            <a:pPr marL="0" indent="0">
+              <a:buNone/>
+            </a:pPr>
+            <a:r>
+              <a:rPr lang="en-US" b="1" dirty="0" smtClean="0"/>
+              <a:t>(…)</a:t>
             </a:r>
           </a:p>
         </p:txBody>
@@ -4733,6 +5544,1067 @@
     <p:extLst>
       <p:ext uri="{BB962C8B-B14F-4D97-AF65-F5344CB8AC3E}">
         <p14:creationId xmlns:p14="http://schemas.microsoft.com/office/powerpoint/2010/main" val="308731303"/>
+      </p:ext>
+    </p:extLst>
+  </p:cSld>
+  <p:clrMapOvr>
+    <a:masterClrMapping/>
+  </p:clrMapOvr>
+</p:sld>
+</file>
+
+<file path=ppt/slides/slide30.xml><?xml version="1.0" encoding="utf-8"?>
+<p:sld xmlns:a="http://schemas.openxmlformats.org/drawingml/2006/main" xmlns:r="http://schemas.openxmlformats.org/officeDocument/2006/relationships" xmlns:p="http://schemas.openxmlformats.org/presentationml/2006/main">
+  <p:cSld>
+    <p:spTree>
+      <p:nvGrpSpPr>
+        <p:cNvPr id="1" name=""/>
+        <p:cNvGrpSpPr/>
+        <p:nvPr/>
+      </p:nvGrpSpPr>
+      <p:grpSpPr>
+        <a:xfrm>
+          <a:off x="0" y="0"/>
+          <a:ext cx="0" cy="0"/>
+          <a:chOff x="0" y="0"/>
+          <a:chExt cx="0" cy="0"/>
+        </a:xfrm>
+      </p:grpSpPr>
+      <p:sp>
+        <p:nvSpPr>
+          <p:cNvPr id="2" name="Title 1"/>
+          <p:cNvSpPr>
+            <a:spLocks noGrp="1"/>
+          </p:cNvSpPr>
+          <p:nvPr>
+            <p:ph type="title"/>
+          </p:nvPr>
+        </p:nvSpPr>
+        <p:spPr/>
+        <p:txBody>
+          <a:bodyPr/>
+          <a:lstStyle/>
+          <a:p>
+            <a:r>
+              <a:rPr lang="en-US" dirty="0" smtClean="0"/>
+              <a:t>BMC</a:t>
+            </a:r>
+            <a:endParaRPr lang="en-US" dirty="0"/>
+          </a:p>
+        </p:txBody>
+      </p:sp>
+      <p:sp>
+        <p:nvSpPr>
+          <p:cNvPr id="3" name="Content Placeholder 2"/>
+          <p:cNvSpPr>
+            <a:spLocks noGrp="1"/>
+          </p:cNvSpPr>
+          <p:nvPr>
+            <p:ph idx="1"/>
+          </p:nvPr>
+        </p:nvSpPr>
+        <p:spPr/>
+        <p:txBody>
+          <a:bodyPr/>
+          <a:lstStyle/>
+          <a:p>
+            <a:r>
+              <a:rPr lang="en-US" dirty="0" smtClean="0"/>
+              <a:t>Presenting </a:t>
+            </a:r>
+            <a:r>
+              <a:rPr lang="en-US" dirty="0" err="1" smtClean="0"/>
+              <a:t>bigraphs</a:t>
+            </a:r>
+            <a:r>
+              <a:rPr lang="en-US" dirty="0" smtClean="0"/>
+              <a:t> in a way that is familiar to process calculus experts.</a:t>
+            </a:r>
+          </a:p>
+          <a:p>
+            <a:endParaRPr lang="en-US" dirty="0"/>
+          </a:p>
+          <a:p>
+            <a:r>
+              <a:rPr lang="en-US" dirty="0" smtClean="0"/>
+              <a:t>Introduce signatures, </a:t>
+            </a:r>
+            <a:r>
+              <a:rPr lang="en-US" dirty="0" err="1" smtClean="0"/>
+              <a:t>sortings</a:t>
+            </a:r>
+            <a:r>
+              <a:rPr lang="en-US" dirty="0" smtClean="0"/>
+              <a:t>, reaction rules</a:t>
+            </a:r>
+          </a:p>
+        </p:txBody>
+      </p:sp>
+    </p:spTree>
+    <p:extLst>
+      <p:ext uri="{BB962C8B-B14F-4D97-AF65-F5344CB8AC3E}">
+        <p14:creationId xmlns:p14="http://schemas.microsoft.com/office/powerpoint/2010/main" val="2966911294"/>
+      </p:ext>
+    </p:extLst>
+  </p:cSld>
+  <p:clrMapOvr>
+    <a:masterClrMapping/>
+  </p:clrMapOvr>
+</p:sld>
+</file>
+
+<file path=ppt/slides/slide31.xml><?xml version="1.0" encoding="utf-8"?>
+<p:sld xmlns:a="http://schemas.openxmlformats.org/drawingml/2006/main" xmlns:r="http://schemas.openxmlformats.org/officeDocument/2006/relationships" xmlns:p="http://schemas.openxmlformats.org/presentationml/2006/main">
+  <p:cSld>
+    <p:spTree>
+      <p:nvGrpSpPr>
+        <p:cNvPr id="1" name=""/>
+        <p:cNvGrpSpPr/>
+        <p:nvPr/>
+      </p:nvGrpSpPr>
+      <p:grpSpPr>
+        <a:xfrm>
+          <a:off x="0" y="0"/>
+          <a:ext cx="0" cy="0"/>
+          <a:chOff x="0" y="0"/>
+          <a:chExt cx="0" cy="0"/>
+        </a:xfrm>
+      </p:grpSpPr>
+      <p:sp>
+        <p:nvSpPr>
+          <p:cNvPr id="2" name="Title 1"/>
+          <p:cNvSpPr>
+            <a:spLocks noGrp="1"/>
+          </p:cNvSpPr>
+          <p:nvPr>
+            <p:ph type="title"/>
+          </p:nvPr>
+        </p:nvSpPr>
+        <p:spPr/>
+        <p:txBody>
+          <a:bodyPr/>
+          <a:lstStyle/>
+          <a:p>
+            <a:r>
+              <a:rPr lang="en-US" dirty="0" err="1" smtClean="0"/>
+              <a:t>Bigraphical</a:t>
+            </a:r>
+            <a:r>
+              <a:rPr lang="en-US" dirty="0" smtClean="0"/>
+              <a:t> languages</a:t>
+            </a:r>
+            <a:endParaRPr lang="en-US" dirty="0"/>
+          </a:p>
+        </p:txBody>
+      </p:sp>
+      <p:sp>
+        <p:nvSpPr>
+          <p:cNvPr id="3" name="Text Placeholder 2"/>
+          <p:cNvSpPr>
+            <a:spLocks noGrp="1"/>
+          </p:cNvSpPr>
+          <p:nvPr>
+            <p:ph type="body" idx="1"/>
+          </p:nvPr>
+        </p:nvSpPr>
+        <p:spPr/>
+        <p:txBody>
+          <a:bodyPr/>
+          <a:lstStyle/>
+          <a:p>
+            <a:r>
+              <a:rPr lang="en-US" dirty="0" smtClean="0"/>
+              <a:t>Part 3</a:t>
+            </a:r>
+            <a:endParaRPr lang="en-US" dirty="0"/>
+          </a:p>
+        </p:txBody>
+      </p:sp>
+    </p:spTree>
+    <p:extLst>
+      <p:ext uri="{BB962C8B-B14F-4D97-AF65-F5344CB8AC3E}">
+        <p14:creationId xmlns:p14="http://schemas.microsoft.com/office/powerpoint/2010/main" val="2631882233"/>
+      </p:ext>
+    </p:extLst>
+  </p:cSld>
+  <p:clrMapOvr>
+    <a:masterClrMapping/>
+  </p:clrMapOvr>
+</p:sld>
+</file>
+
+<file path=ppt/slides/slide32.xml><?xml version="1.0" encoding="utf-8"?>
+<p:sld xmlns:a="http://schemas.openxmlformats.org/drawingml/2006/main" xmlns:r="http://schemas.openxmlformats.org/officeDocument/2006/relationships" xmlns:p="http://schemas.openxmlformats.org/presentationml/2006/main">
+  <p:cSld>
+    <p:spTree>
+      <p:nvGrpSpPr>
+        <p:cNvPr id="1" name=""/>
+        <p:cNvGrpSpPr/>
+        <p:nvPr/>
+      </p:nvGrpSpPr>
+      <p:grpSpPr>
+        <a:xfrm>
+          <a:off x="0" y="0"/>
+          <a:ext cx="0" cy="0"/>
+          <a:chOff x="0" y="0"/>
+          <a:chExt cx="0" cy="0"/>
+        </a:xfrm>
+      </p:grpSpPr>
+      <p:sp>
+        <p:nvSpPr>
+          <p:cNvPr id="4" name="Title 3"/>
+          <p:cNvSpPr>
+            <a:spLocks noGrp="1"/>
+          </p:cNvSpPr>
+          <p:nvPr>
+            <p:ph type="title"/>
+          </p:nvPr>
+        </p:nvSpPr>
+        <p:spPr/>
+        <p:txBody>
+          <a:bodyPr/>
+          <a:lstStyle/>
+          <a:p>
+            <a:r>
+              <a:rPr lang="en-US" dirty="0" smtClean="0"/>
+              <a:t>Defining a language</a:t>
+            </a:r>
+            <a:endParaRPr lang="en-US" dirty="0"/>
+          </a:p>
+        </p:txBody>
+      </p:sp>
+      <p:sp>
+        <p:nvSpPr>
+          <p:cNvPr id="5" name="Content Placeholder 4"/>
+          <p:cNvSpPr>
+            <a:spLocks noGrp="1"/>
+          </p:cNvSpPr>
+          <p:nvPr>
+            <p:ph idx="1"/>
+          </p:nvPr>
+        </p:nvSpPr>
+        <p:spPr/>
+        <p:txBody>
+          <a:bodyPr>
+            <a:normAutofit lnSpcReduction="10000"/>
+          </a:bodyPr>
+          <a:lstStyle/>
+          <a:p>
+            <a:r>
+              <a:rPr lang="en-US" b="1" dirty="0" smtClean="0"/>
+              <a:t>Syntax</a:t>
+            </a:r>
+            <a:r>
+              <a:rPr lang="en-US" dirty="0" smtClean="0"/>
+              <a:t>: What is the structure of sentences in the language?</a:t>
+            </a:r>
+            <a:r>
+              <a:rPr lang="en-US" dirty="0"/>
+              <a:t> </a:t>
+            </a:r>
+            <a:endParaRPr lang="en-US" dirty="0" smtClean="0"/>
+          </a:p>
+          <a:p>
+            <a:pPr lvl="1"/>
+            <a:r>
+              <a:rPr lang="en-US" dirty="0" smtClean="0"/>
+              <a:t>Our syntax consists of: Tins, Soap, Component, Lid, Beans, Logo</a:t>
+            </a:r>
+          </a:p>
+          <a:p>
+            <a:endParaRPr lang="en-US" dirty="0"/>
+          </a:p>
+          <a:p>
+            <a:r>
+              <a:rPr lang="en-US" b="1" dirty="0" smtClean="0"/>
+              <a:t>Semantics</a:t>
+            </a:r>
+            <a:r>
+              <a:rPr lang="en-US" dirty="0" smtClean="0"/>
+              <a:t>: What do these sentences mean?</a:t>
+            </a:r>
+          </a:p>
+          <a:p>
+            <a:pPr lvl="1"/>
+            <a:r>
+              <a:rPr lang="en-US" dirty="0" smtClean="0"/>
+              <a:t>How do the components operate on the Tins, Beans, Lids, Soap etc. to transform raw materials to finished products?</a:t>
+            </a:r>
+          </a:p>
+        </p:txBody>
+      </p:sp>
+    </p:spTree>
+    <p:extLst>
+      <p:ext uri="{BB962C8B-B14F-4D97-AF65-F5344CB8AC3E}">
+        <p14:creationId xmlns:p14="http://schemas.microsoft.com/office/powerpoint/2010/main" val="2736724981"/>
+      </p:ext>
+    </p:extLst>
+  </p:cSld>
+  <p:clrMapOvr>
+    <a:masterClrMapping/>
+  </p:clrMapOvr>
+</p:sld>
+</file>
+
+<file path=ppt/slides/slide33.xml><?xml version="1.0" encoding="utf-8"?>
+<p:sld xmlns:a="http://schemas.openxmlformats.org/drawingml/2006/main" xmlns:r="http://schemas.openxmlformats.org/officeDocument/2006/relationships" xmlns:p="http://schemas.openxmlformats.org/presentationml/2006/main">
+  <p:cSld>
+    <p:spTree>
+      <p:nvGrpSpPr>
+        <p:cNvPr id="1" name=""/>
+        <p:cNvGrpSpPr/>
+        <p:nvPr/>
+      </p:nvGrpSpPr>
+      <p:grpSpPr>
+        <a:xfrm>
+          <a:off x="0" y="0"/>
+          <a:ext cx="0" cy="0"/>
+          <a:chOff x="0" y="0"/>
+          <a:chExt cx="0" cy="0"/>
+        </a:xfrm>
+      </p:grpSpPr>
+      <p:sp>
+        <p:nvSpPr>
+          <p:cNvPr id="2" name="Title 1"/>
+          <p:cNvSpPr>
+            <a:spLocks noGrp="1"/>
+          </p:cNvSpPr>
+          <p:nvPr>
+            <p:ph type="title"/>
+          </p:nvPr>
+        </p:nvSpPr>
+        <p:spPr/>
+        <p:txBody>
+          <a:bodyPr/>
+          <a:lstStyle/>
+          <a:p>
+            <a:r>
+              <a:rPr lang="en-US" dirty="0" err="1" smtClean="0"/>
+              <a:t>Bigraphical</a:t>
+            </a:r>
+            <a:r>
+              <a:rPr lang="en-US" dirty="0" smtClean="0"/>
+              <a:t> Languages</a:t>
+            </a:r>
+            <a:endParaRPr lang="en-US" dirty="0"/>
+          </a:p>
+        </p:txBody>
+      </p:sp>
+      <p:sp>
+        <p:nvSpPr>
+          <p:cNvPr id="3" name="Content Placeholder 2"/>
+          <p:cNvSpPr>
+            <a:spLocks noGrp="1"/>
+          </p:cNvSpPr>
+          <p:nvPr>
+            <p:ph idx="1"/>
+          </p:nvPr>
+        </p:nvSpPr>
+        <p:spPr/>
+        <p:txBody>
+          <a:bodyPr>
+            <a:normAutofit fontScale="92500" lnSpcReduction="10000"/>
+          </a:bodyPr>
+          <a:lstStyle/>
+          <a:p>
+            <a:r>
+              <a:rPr lang="en-US" dirty="0" smtClean="0"/>
+              <a:t>Syntax: Signatures + </a:t>
+            </a:r>
+            <a:r>
+              <a:rPr lang="en-US" dirty="0" err="1" smtClean="0"/>
+              <a:t>Sortings</a:t>
+            </a:r>
+            <a:endParaRPr lang="en-US" dirty="0" smtClean="0"/>
+          </a:p>
+          <a:p>
+            <a:pPr lvl="1"/>
+            <a:r>
+              <a:rPr lang="en-US" dirty="0" smtClean="0"/>
+              <a:t>What constructors and values are available?</a:t>
+            </a:r>
+          </a:p>
+          <a:p>
+            <a:pPr lvl="1"/>
+            <a:r>
+              <a:rPr lang="en-US" dirty="0" smtClean="0"/>
+              <a:t>How may these be combined to form valid expressions?</a:t>
+            </a:r>
+            <a:endParaRPr lang="en-US" dirty="0"/>
+          </a:p>
+          <a:p>
+            <a:pPr lvl="1"/>
+            <a:r>
+              <a:rPr lang="en-US" dirty="0" smtClean="0"/>
+              <a:t>How may names interact and be shared?</a:t>
+            </a:r>
+            <a:endParaRPr lang="en-US" dirty="0"/>
+          </a:p>
+          <a:p>
+            <a:pPr marL="514350" indent="-457200"/>
+            <a:r>
+              <a:rPr lang="en-US" dirty="0" smtClean="0"/>
+              <a:t>Semantics: Reaction rules</a:t>
+            </a:r>
+          </a:p>
+          <a:p>
+            <a:pPr marL="914400" lvl="1" indent="-457200"/>
+            <a:r>
+              <a:rPr lang="en-US" dirty="0" smtClean="0"/>
+              <a:t>Given a state of a system, what does the system look like after we evaluate one step of an expression?</a:t>
+            </a:r>
+            <a:endParaRPr lang="en-US" dirty="0"/>
+          </a:p>
+          <a:p>
+            <a:r>
+              <a:rPr lang="en-US" dirty="0" smtClean="0"/>
+              <a:t>Captures exactly the properties we need to define a language</a:t>
+            </a:r>
+            <a:endParaRPr lang="en-US" dirty="0"/>
+          </a:p>
+        </p:txBody>
+      </p:sp>
+    </p:spTree>
+    <p:extLst>
+      <p:ext uri="{BB962C8B-B14F-4D97-AF65-F5344CB8AC3E}">
+        <p14:creationId xmlns:p14="http://schemas.microsoft.com/office/powerpoint/2010/main" val="1028091753"/>
+      </p:ext>
+    </p:extLst>
+  </p:cSld>
+  <p:clrMapOvr>
+    <a:masterClrMapping/>
+  </p:clrMapOvr>
+</p:sld>
+</file>
+
+<file path=ppt/slides/slide34.xml><?xml version="1.0" encoding="utf-8"?>
+<p:sld xmlns:a="http://schemas.openxmlformats.org/drawingml/2006/main" xmlns:r="http://schemas.openxmlformats.org/officeDocument/2006/relationships" xmlns:p="http://schemas.openxmlformats.org/presentationml/2006/main">
+  <p:cSld>
+    <p:spTree>
+      <p:nvGrpSpPr>
+        <p:cNvPr id="1" name=""/>
+        <p:cNvGrpSpPr/>
+        <p:nvPr/>
+      </p:nvGrpSpPr>
+      <p:grpSpPr>
+        <a:xfrm>
+          <a:off x="0" y="0"/>
+          <a:ext cx="0" cy="0"/>
+          <a:chOff x="0" y="0"/>
+          <a:chExt cx="0" cy="0"/>
+        </a:xfrm>
+      </p:grpSpPr>
+      <p:sp>
+        <p:nvSpPr>
+          <p:cNvPr id="2" name="Title 1"/>
+          <p:cNvSpPr>
+            <a:spLocks noGrp="1"/>
+          </p:cNvSpPr>
+          <p:nvPr>
+            <p:ph type="title"/>
+          </p:nvPr>
+        </p:nvSpPr>
+        <p:spPr/>
+        <p:txBody>
+          <a:bodyPr/>
+          <a:lstStyle/>
+          <a:p>
+            <a:r>
+              <a:rPr lang="en-US" dirty="0" err="1" smtClean="0"/>
+              <a:t>Bigraphical</a:t>
+            </a:r>
+            <a:r>
+              <a:rPr lang="en-US" dirty="0" smtClean="0"/>
+              <a:t> Languages</a:t>
+            </a:r>
+            <a:endParaRPr lang="en-US" dirty="0"/>
+          </a:p>
+        </p:txBody>
+      </p:sp>
+      <p:sp>
+        <p:nvSpPr>
+          <p:cNvPr id="3" name="Content Placeholder 2"/>
+          <p:cNvSpPr>
+            <a:spLocks noGrp="1"/>
+          </p:cNvSpPr>
+          <p:nvPr>
+            <p:ph idx="1"/>
+          </p:nvPr>
+        </p:nvSpPr>
+        <p:spPr/>
+        <p:txBody>
+          <a:bodyPr/>
+          <a:lstStyle/>
+          <a:p>
+            <a:r>
+              <a:rPr lang="en-US" dirty="0" smtClean="0"/>
+              <a:t>Example (addition + multiplication)</a:t>
+            </a:r>
+            <a:endParaRPr lang="en-US" dirty="0"/>
+          </a:p>
+        </p:txBody>
+      </p:sp>
+    </p:spTree>
+    <p:extLst>
+      <p:ext uri="{BB962C8B-B14F-4D97-AF65-F5344CB8AC3E}">
+        <p14:creationId xmlns:p14="http://schemas.microsoft.com/office/powerpoint/2010/main" val="2679492738"/>
+      </p:ext>
+    </p:extLst>
+  </p:cSld>
+  <p:clrMapOvr>
+    <a:masterClrMapping/>
+  </p:clrMapOvr>
+</p:sld>
+</file>
+
+<file path=ppt/slides/slide35.xml><?xml version="1.0" encoding="utf-8"?>
+<p:sld xmlns:a="http://schemas.openxmlformats.org/drawingml/2006/main" xmlns:r="http://schemas.openxmlformats.org/officeDocument/2006/relationships" xmlns:p="http://schemas.openxmlformats.org/presentationml/2006/main">
+  <p:cSld>
+    <p:spTree>
+      <p:nvGrpSpPr>
+        <p:cNvPr id="1" name=""/>
+        <p:cNvGrpSpPr/>
+        <p:nvPr/>
+      </p:nvGrpSpPr>
+      <p:grpSpPr>
+        <a:xfrm>
+          <a:off x="0" y="0"/>
+          <a:ext cx="0" cy="0"/>
+          <a:chOff x="0" y="0"/>
+          <a:chExt cx="0" cy="0"/>
+        </a:xfrm>
+      </p:grpSpPr>
+      <p:sp>
+        <p:nvSpPr>
+          <p:cNvPr id="2" name="Title 1"/>
+          <p:cNvSpPr>
+            <a:spLocks noGrp="1"/>
+          </p:cNvSpPr>
+          <p:nvPr>
+            <p:ph type="title"/>
+          </p:nvPr>
+        </p:nvSpPr>
+        <p:spPr/>
+        <p:txBody>
+          <a:bodyPr/>
+          <a:lstStyle/>
+          <a:p>
+            <a:r>
+              <a:rPr lang="en-US" dirty="0" smtClean="0"/>
+              <a:t>refinement</a:t>
+            </a:r>
+            <a:endParaRPr lang="en-US" dirty="0"/>
+          </a:p>
+        </p:txBody>
+      </p:sp>
+      <p:sp>
+        <p:nvSpPr>
+          <p:cNvPr id="3" name="Text Placeholder 2"/>
+          <p:cNvSpPr>
+            <a:spLocks noGrp="1"/>
+          </p:cNvSpPr>
+          <p:nvPr>
+            <p:ph type="body" idx="1"/>
+          </p:nvPr>
+        </p:nvSpPr>
+        <p:spPr/>
+        <p:txBody>
+          <a:bodyPr/>
+          <a:lstStyle/>
+          <a:p>
+            <a:r>
+              <a:rPr lang="en-US" dirty="0" smtClean="0"/>
+              <a:t>Part 4</a:t>
+            </a:r>
+            <a:endParaRPr lang="en-US" dirty="0"/>
+          </a:p>
+        </p:txBody>
+      </p:sp>
+    </p:spTree>
+    <p:extLst>
+      <p:ext uri="{BB962C8B-B14F-4D97-AF65-F5344CB8AC3E}">
+        <p14:creationId xmlns:p14="http://schemas.microsoft.com/office/powerpoint/2010/main" val="2206402057"/>
+      </p:ext>
+    </p:extLst>
+  </p:cSld>
+  <p:clrMapOvr>
+    <a:masterClrMapping/>
+  </p:clrMapOvr>
+</p:sld>
+</file>
+
+<file path=ppt/slides/slide36.xml><?xml version="1.0" encoding="utf-8"?>
+<p:sld xmlns:a="http://schemas.openxmlformats.org/drawingml/2006/main" xmlns:r="http://schemas.openxmlformats.org/officeDocument/2006/relationships" xmlns:p="http://schemas.openxmlformats.org/presentationml/2006/main">
+  <p:cSld>
+    <p:spTree>
+      <p:nvGrpSpPr>
+        <p:cNvPr id="1" name=""/>
+        <p:cNvGrpSpPr/>
+        <p:nvPr/>
+      </p:nvGrpSpPr>
+      <p:grpSpPr>
+        <a:xfrm>
+          <a:off x="0" y="0"/>
+          <a:ext cx="0" cy="0"/>
+          <a:chOff x="0" y="0"/>
+          <a:chExt cx="0" cy="0"/>
+        </a:xfrm>
+      </p:grpSpPr>
+      <p:sp>
+        <p:nvSpPr>
+          <p:cNvPr id="4" name="Title 3"/>
+          <p:cNvSpPr>
+            <a:spLocks noGrp="1"/>
+          </p:cNvSpPr>
+          <p:nvPr>
+            <p:ph type="title"/>
+          </p:nvPr>
+        </p:nvSpPr>
+        <p:spPr/>
+        <p:txBody>
+          <a:bodyPr/>
+          <a:lstStyle/>
+          <a:p>
+            <a:r>
+              <a:rPr lang="en-US" dirty="0" smtClean="0"/>
+              <a:t>Equivalence</a:t>
+            </a:r>
+            <a:endParaRPr lang="en-US" dirty="0"/>
+          </a:p>
+        </p:txBody>
+      </p:sp>
+      <p:sp>
+        <p:nvSpPr>
+          <p:cNvPr id="5" name="Content Placeholder 4"/>
+          <p:cNvSpPr>
+            <a:spLocks noGrp="1"/>
+          </p:cNvSpPr>
+          <p:nvPr>
+            <p:ph idx="1"/>
+          </p:nvPr>
+        </p:nvSpPr>
+        <p:spPr/>
+        <p:txBody>
+          <a:bodyPr/>
+          <a:lstStyle/>
+          <a:p>
+            <a:r>
+              <a:rPr lang="en-US" dirty="0" smtClean="0"/>
+              <a:t>Refinement is a ubiquitous activity in software engineering</a:t>
+            </a:r>
+          </a:p>
+          <a:p>
+            <a:r>
+              <a:rPr lang="en-US" dirty="0" smtClean="0"/>
+              <a:t>Given a high-level specification, move towards an eventual implementation</a:t>
+            </a:r>
+          </a:p>
+          <a:p>
+            <a:r>
+              <a:rPr lang="en-US" dirty="0" smtClean="0"/>
+              <a:t>Preserving </a:t>
+            </a:r>
+            <a:r>
+              <a:rPr lang="en-US" dirty="0" err="1" smtClean="0"/>
+              <a:t>behaviour</a:t>
+            </a:r>
+            <a:r>
+              <a:rPr lang="en-US" dirty="0" smtClean="0"/>
+              <a:t> and properties of interest at every step</a:t>
+            </a:r>
+            <a:endParaRPr lang="en-US" dirty="0"/>
+          </a:p>
+        </p:txBody>
+      </p:sp>
+    </p:spTree>
+    <p:extLst>
+      <p:ext uri="{BB962C8B-B14F-4D97-AF65-F5344CB8AC3E}">
+        <p14:creationId xmlns:p14="http://schemas.microsoft.com/office/powerpoint/2010/main" val="1899611807"/>
+      </p:ext>
+    </p:extLst>
+  </p:cSld>
+  <p:clrMapOvr>
+    <a:masterClrMapping/>
+  </p:clrMapOvr>
+</p:sld>
+</file>
+
+<file path=ppt/slides/slide37.xml><?xml version="1.0" encoding="utf-8"?>
+<p:sld xmlns:a="http://schemas.openxmlformats.org/drawingml/2006/main" xmlns:r="http://schemas.openxmlformats.org/officeDocument/2006/relationships" xmlns:p="http://schemas.openxmlformats.org/presentationml/2006/main">
+  <p:cSld>
+    <p:spTree>
+      <p:nvGrpSpPr>
+        <p:cNvPr id="1" name=""/>
+        <p:cNvGrpSpPr/>
+        <p:nvPr/>
+      </p:nvGrpSpPr>
+      <p:grpSpPr>
+        <a:xfrm>
+          <a:off x="0" y="0"/>
+          <a:ext cx="0" cy="0"/>
+          <a:chOff x="0" y="0"/>
+          <a:chExt cx="0" cy="0"/>
+        </a:xfrm>
+      </p:grpSpPr>
+      <p:sp>
+        <p:nvSpPr>
+          <p:cNvPr id="2" name="Title 1"/>
+          <p:cNvSpPr>
+            <a:spLocks noGrp="1"/>
+          </p:cNvSpPr>
+          <p:nvPr>
+            <p:ph type="title"/>
+          </p:nvPr>
+        </p:nvSpPr>
+        <p:spPr/>
+        <p:txBody>
+          <a:bodyPr/>
+          <a:lstStyle/>
+          <a:p>
+            <a:r>
+              <a:rPr lang="en-US" dirty="0" smtClean="0"/>
+              <a:t>Vertical Refinement</a:t>
+            </a:r>
+            <a:endParaRPr lang="en-US" dirty="0"/>
+          </a:p>
+        </p:txBody>
+      </p:sp>
+      <p:sp>
+        <p:nvSpPr>
+          <p:cNvPr id="3" name="Content Placeholder 2"/>
+          <p:cNvSpPr>
+            <a:spLocks noGrp="1"/>
+          </p:cNvSpPr>
+          <p:nvPr>
+            <p:ph idx="1"/>
+          </p:nvPr>
+        </p:nvSpPr>
+        <p:spPr/>
+        <p:txBody>
+          <a:bodyPr>
+            <a:normAutofit fontScale="92500" lnSpcReduction="10000"/>
+          </a:bodyPr>
+          <a:lstStyle/>
+          <a:p>
+            <a:r>
+              <a:rPr lang="en-US" dirty="0" smtClean="0"/>
+              <a:t>Given a language </a:t>
+            </a:r>
+            <a:r>
+              <a:rPr lang="en-US" b="1" dirty="0" smtClean="0"/>
+              <a:t>L1</a:t>
+            </a:r>
+            <a:r>
+              <a:rPr lang="en-US" dirty="0" smtClean="0"/>
+              <a:t>, and a model </a:t>
+            </a:r>
+            <a:r>
+              <a:rPr lang="en-US" b="1" dirty="0" smtClean="0"/>
+              <a:t>M </a:t>
+            </a:r>
+            <a:r>
+              <a:rPr lang="en-US" dirty="0" smtClean="0"/>
+              <a:t>constructed in that language…</a:t>
+            </a:r>
+          </a:p>
+          <a:p>
+            <a:r>
+              <a:rPr lang="en-US" dirty="0" smtClean="0"/>
+              <a:t>For another language </a:t>
+            </a:r>
+            <a:r>
+              <a:rPr lang="en-US" b="1" dirty="0" smtClean="0"/>
+              <a:t>L2</a:t>
+            </a:r>
+            <a:r>
+              <a:rPr lang="en-US" dirty="0" smtClean="0"/>
+              <a:t>, is </a:t>
+            </a:r>
+            <a:r>
+              <a:rPr lang="en-US" b="1" dirty="0" smtClean="0"/>
+              <a:t>M</a:t>
+            </a:r>
+            <a:r>
+              <a:rPr lang="en-US" dirty="0" smtClean="0"/>
+              <a:t> still a meaningful model?</a:t>
+            </a:r>
+          </a:p>
+          <a:p>
+            <a:pPr lvl="1"/>
+            <a:r>
+              <a:rPr lang="en-US" dirty="0" smtClean="0"/>
+              <a:t>Does it still capture the properties of interest?</a:t>
+            </a:r>
+          </a:p>
+          <a:p>
+            <a:pPr lvl="1"/>
+            <a:r>
+              <a:rPr lang="en-US" dirty="0" smtClean="0"/>
+              <a:t>Does it exhibit any extra, undesirable </a:t>
+            </a:r>
+            <a:r>
+              <a:rPr lang="en-US" dirty="0" err="1" smtClean="0"/>
+              <a:t>behaviour</a:t>
+            </a:r>
+            <a:r>
+              <a:rPr lang="en-US" dirty="0" smtClean="0"/>
+              <a:t> in this new setting?</a:t>
+            </a:r>
+          </a:p>
+          <a:p>
+            <a:r>
+              <a:rPr lang="en-US" dirty="0" smtClean="0"/>
+              <a:t>This is captured by enforcing a vertical refinement relation between the languages </a:t>
+            </a:r>
+            <a:r>
+              <a:rPr lang="en-US" b="1" dirty="0" smtClean="0"/>
+              <a:t>L1</a:t>
+            </a:r>
+            <a:r>
+              <a:rPr lang="en-US" dirty="0" smtClean="0"/>
+              <a:t> and </a:t>
+            </a:r>
+            <a:r>
+              <a:rPr lang="en-US" b="1" dirty="0" smtClean="0"/>
+              <a:t>L2</a:t>
+            </a:r>
+          </a:p>
+        </p:txBody>
+      </p:sp>
+    </p:spTree>
+    <p:extLst>
+      <p:ext uri="{BB962C8B-B14F-4D97-AF65-F5344CB8AC3E}">
+        <p14:creationId xmlns:p14="http://schemas.microsoft.com/office/powerpoint/2010/main" val="604997072"/>
+      </p:ext>
+    </p:extLst>
+  </p:cSld>
+  <p:clrMapOvr>
+    <a:masterClrMapping/>
+  </p:clrMapOvr>
+</p:sld>
+</file>
+
+<file path=ppt/slides/slide38.xml><?xml version="1.0" encoding="utf-8"?>
+<p:sld xmlns:a="http://schemas.openxmlformats.org/drawingml/2006/main" xmlns:r="http://schemas.openxmlformats.org/officeDocument/2006/relationships" xmlns:p="http://schemas.openxmlformats.org/presentationml/2006/main">
+  <p:cSld>
+    <p:spTree>
+      <p:nvGrpSpPr>
+        <p:cNvPr id="1" name=""/>
+        <p:cNvGrpSpPr/>
+        <p:nvPr/>
+      </p:nvGrpSpPr>
+      <p:grpSpPr>
+        <a:xfrm>
+          <a:off x="0" y="0"/>
+          <a:ext cx="0" cy="0"/>
+          <a:chOff x="0" y="0"/>
+          <a:chExt cx="0" cy="0"/>
+        </a:xfrm>
+      </p:grpSpPr>
+      <p:sp>
+        <p:nvSpPr>
+          <p:cNvPr id="2" name="Title 1"/>
+          <p:cNvSpPr>
+            <a:spLocks noGrp="1"/>
+          </p:cNvSpPr>
+          <p:nvPr>
+            <p:ph type="title"/>
+          </p:nvPr>
+        </p:nvSpPr>
+        <p:spPr/>
+        <p:txBody>
+          <a:bodyPr/>
+          <a:lstStyle/>
+          <a:p>
+            <a:r>
+              <a:rPr lang="en-US" dirty="0" smtClean="0"/>
+              <a:t>Observation</a:t>
+            </a:r>
+            <a:endParaRPr lang="en-US" dirty="0"/>
+          </a:p>
+        </p:txBody>
+      </p:sp>
+      <p:sp>
+        <p:nvSpPr>
+          <p:cNvPr id="3" name="Content Placeholder 2"/>
+          <p:cNvSpPr>
+            <a:spLocks noGrp="1"/>
+          </p:cNvSpPr>
+          <p:nvPr>
+            <p:ph idx="1"/>
+          </p:nvPr>
+        </p:nvSpPr>
+        <p:spPr/>
+        <p:txBody>
+          <a:bodyPr>
+            <a:normAutofit lnSpcReduction="10000"/>
+          </a:bodyPr>
+          <a:lstStyle/>
+          <a:p>
+            <a:r>
+              <a:rPr lang="en-US" dirty="0" smtClean="0"/>
+              <a:t>Reeves and </a:t>
+            </a:r>
+            <a:r>
+              <a:rPr lang="en-US" dirty="0" err="1" smtClean="0"/>
+              <a:t>Streader</a:t>
+            </a:r>
+            <a:r>
+              <a:rPr lang="en-US" dirty="0" smtClean="0"/>
+              <a:t> (2008) use notions of what we can observe of all entities of a language to demonstrate vertical refinement</a:t>
+            </a:r>
+          </a:p>
+          <a:p>
+            <a:r>
+              <a:rPr lang="en-US" dirty="0" smtClean="0"/>
+              <a:t>For many process languages, “observation” is obvious (i.e., the inputs and outputs that the process sends and receives)</a:t>
+            </a:r>
+          </a:p>
+          <a:p>
+            <a:r>
+              <a:rPr lang="en-US" dirty="0" err="1" smtClean="0"/>
+              <a:t>Bigraphs</a:t>
+            </a:r>
+            <a:r>
+              <a:rPr lang="en-US" dirty="0" smtClean="0"/>
+              <a:t> have no primitive notion of input or output, so we can’t rely on it to construct a useful notion of observation</a:t>
+            </a:r>
+            <a:endParaRPr lang="en-US" dirty="0"/>
+          </a:p>
+        </p:txBody>
+      </p:sp>
+    </p:spTree>
+    <p:extLst>
+      <p:ext uri="{BB962C8B-B14F-4D97-AF65-F5344CB8AC3E}">
+        <p14:creationId xmlns:p14="http://schemas.microsoft.com/office/powerpoint/2010/main" val="1849142375"/>
+      </p:ext>
+    </p:extLst>
+  </p:cSld>
+  <p:clrMapOvr>
+    <a:masterClrMapping/>
+  </p:clrMapOvr>
+</p:sld>
+</file>
+
+<file path=ppt/slides/slide39.xml><?xml version="1.0" encoding="utf-8"?>
+<p:sld xmlns:a="http://schemas.openxmlformats.org/drawingml/2006/main" xmlns:r="http://schemas.openxmlformats.org/officeDocument/2006/relationships" xmlns:p="http://schemas.openxmlformats.org/presentationml/2006/main">
+  <p:cSld>
+    <p:spTree>
+      <p:nvGrpSpPr>
+        <p:cNvPr id="1" name=""/>
+        <p:cNvGrpSpPr/>
+        <p:nvPr/>
+      </p:nvGrpSpPr>
+      <p:grpSpPr>
+        <a:xfrm>
+          <a:off x="0" y="0"/>
+          <a:ext cx="0" cy="0"/>
+          <a:chOff x="0" y="0"/>
+          <a:chExt cx="0" cy="0"/>
+        </a:xfrm>
+      </p:grpSpPr>
+      <p:sp>
+        <p:nvSpPr>
+          <p:cNvPr id="2" name="Title 1"/>
+          <p:cNvSpPr>
+            <a:spLocks noGrp="1"/>
+          </p:cNvSpPr>
+          <p:nvPr>
+            <p:ph type="title"/>
+          </p:nvPr>
+        </p:nvSpPr>
+        <p:spPr/>
+        <p:txBody>
+          <a:bodyPr/>
+          <a:lstStyle/>
+          <a:p>
+            <a:r>
+              <a:rPr lang="en-US" dirty="0" smtClean="0"/>
+              <a:t>Observation continued</a:t>
+            </a:r>
+            <a:endParaRPr lang="en-US" dirty="0"/>
+          </a:p>
+        </p:txBody>
+      </p:sp>
+      <p:sp>
+        <p:nvSpPr>
+          <p:cNvPr id="3" name="Content Placeholder 2"/>
+          <p:cNvSpPr>
+            <a:spLocks noGrp="1"/>
+          </p:cNvSpPr>
+          <p:nvPr>
+            <p:ph idx="1"/>
+          </p:nvPr>
+        </p:nvSpPr>
+        <p:spPr/>
+        <p:txBody>
+          <a:bodyPr>
+            <a:normAutofit lnSpcReduction="10000"/>
+          </a:bodyPr>
+          <a:lstStyle/>
+          <a:p>
+            <a:r>
+              <a:rPr lang="en-US" dirty="0" smtClean="0"/>
+              <a:t>We use an entire model as a single observation</a:t>
+            </a:r>
+          </a:p>
+          <a:p>
+            <a:r>
+              <a:rPr lang="en-US" dirty="0" smtClean="0"/>
+              <a:t>Many observations, related by steps of reaction form a </a:t>
+            </a:r>
+            <a:r>
+              <a:rPr lang="en-US" b="1" dirty="0" smtClean="0"/>
+              <a:t>trace</a:t>
+            </a:r>
+            <a:r>
+              <a:rPr lang="en-US" dirty="0" smtClean="0"/>
+              <a:t> of a process</a:t>
+            </a:r>
+          </a:p>
+          <a:p>
+            <a:r>
+              <a:rPr lang="en-US" dirty="0" smtClean="0"/>
+              <a:t>And all such traces of all processes of a language </a:t>
+            </a:r>
+            <a:r>
+              <a:rPr lang="en-US" dirty="0" err="1" smtClean="0"/>
+              <a:t>characterise</a:t>
+            </a:r>
+            <a:r>
+              <a:rPr lang="en-US" dirty="0" smtClean="0"/>
+              <a:t> completely the </a:t>
+            </a:r>
+            <a:r>
+              <a:rPr lang="en-US" dirty="0" err="1" smtClean="0"/>
+              <a:t>behaviour</a:t>
+            </a:r>
+            <a:r>
+              <a:rPr lang="en-US" dirty="0" smtClean="0"/>
+              <a:t> present in that language</a:t>
+            </a:r>
+          </a:p>
+          <a:p>
+            <a:r>
+              <a:rPr lang="en-US" dirty="0" smtClean="0"/>
+              <a:t>Which allows us to relate the </a:t>
+            </a:r>
+            <a:r>
+              <a:rPr lang="en-US" dirty="0" err="1" smtClean="0"/>
+              <a:t>behaviour</a:t>
+            </a:r>
+            <a:r>
+              <a:rPr lang="en-US" dirty="0" smtClean="0"/>
+              <a:t> of one language to that of another</a:t>
+            </a:r>
+            <a:endParaRPr lang="en-US" dirty="0"/>
+          </a:p>
+        </p:txBody>
+      </p:sp>
+    </p:spTree>
+    <p:extLst>
+      <p:ext uri="{BB962C8B-B14F-4D97-AF65-F5344CB8AC3E}">
+        <p14:creationId xmlns:p14="http://schemas.microsoft.com/office/powerpoint/2010/main" val="3230047335"/>
       </p:ext>
     </p:extLst>
   </p:cSld>
@@ -4841,6 +6713,1016 @@
 </p:sld>
 </file>
 
+<file path=ppt/slides/slide40.xml><?xml version="1.0" encoding="utf-8"?>
+<p:sld xmlns:a="http://schemas.openxmlformats.org/drawingml/2006/main" xmlns:r="http://schemas.openxmlformats.org/officeDocument/2006/relationships" xmlns:p="http://schemas.openxmlformats.org/presentationml/2006/main">
+  <p:cSld>
+    <p:spTree>
+      <p:nvGrpSpPr>
+        <p:cNvPr id="1" name=""/>
+        <p:cNvGrpSpPr/>
+        <p:nvPr/>
+      </p:nvGrpSpPr>
+      <p:grpSpPr>
+        <a:xfrm>
+          <a:off x="0" y="0"/>
+          <a:ext cx="0" cy="0"/>
+          <a:chOff x="0" y="0"/>
+          <a:chExt cx="0" cy="0"/>
+        </a:xfrm>
+      </p:grpSpPr>
+      <p:sp>
+        <p:nvSpPr>
+          <p:cNvPr id="2" name="Title 1"/>
+          <p:cNvSpPr>
+            <a:spLocks noGrp="1"/>
+          </p:cNvSpPr>
+          <p:nvPr>
+            <p:ph type="title"/>
+          </p:nvPr>
+        </p:nvSpPr>
+        <p:spPr/>
+        <p:txBody>
+          <a:bodyPr>
+            <a:normAutofit fontScale="90000"/>
+          </a:bodyPr>
+          <a:lstStyle/>
+          <a:p>
+            <a:r>
+              <a:rPr lang="en-US" dirty="0" smtClean="0"/>
+              <a:t>Safe Vertical </a:t>
+            </a:r>
+            <a:r>
+              <a:rPr lang="en-US" dirty="0" err="1" smtClean="0"/>
+              <a:t>Bigraphical</a:t>
+            </a:r>
+            <a:r>
+              <a:rPr lang="en-US" dirty="0" smtClean="0"/>
+              <a:t> Refinement</a:t>
+            </a:r>
+            <a:endParaRPr lang="en-US" dirty="0"/>
+          </a:p>
+        </p:txBody>
+      </p:sp>
+      <p:sp>
+        <p:nvSpPr>
+          <p:cNvPr id="3" name="Content Placeholder 2"/>
+          <p:cNvSpPr>
+            <a:spLocks noGrp="1"/>
+          </p:cNvSpPr>
+          <p:nvPr>
+            <p:ph idx="1"/>
+          </p:nvPr>
+        </p:nvSpPr>
+        <p:spPr/>
+        <p:txBody>
+          <a:bodyPr/>
+          <a:lstStyle/>
+          <a:p>
+            <a:r>
+              <a:rPr lang="en-US" dirty="0" smtClean="0"/>
+              <a:t>Safety: “Nothing bad will happen”</a:t>
+            </a:r>
+          </a:p>
+          <a:p>
+            <a:r>
+              <a:rPr lang="en-US" dirty="0" smtClean="0"/>
+              <a:t>(Give definition from paper)</a:t>
+            </a:r>
+          </a:p>
+          <a:p>
+            <a:r>
+              <a:rPr lang="en-US" dirty="0" err="1" smtClean="0"/>
+              <a:t>Parameterised</a:t>
+            </a:r>
+            <a:r>
+              <a:rPr lang="en-US" dirty="0" smtClean="0"/>
+              <a:t> by an abstraction </a:t>
+            </a:r>
+            <a:r>
+              <a:rPr lang="en-US" dirty="0" err="1" smtClean="0"/>
+              <a:t>functor</a:t>
+            </a:r>
+            <a:r>
+              <a:rPr lang="en-US" dirty="0" smtClean="0"/>
+              <a:t> that allows us to pick the appropriate observations for the task at hand</a:t>
+            </a:r>
+            <a:endParaRPr lang="en-US" dirty="0"/>
+          </a:p>
+        </p:txBody>
+      </p:sp>
+    </p:spTree>
+    <p:extLst>
+      <p:ext uri="{BB962C8B-B14F-4D97-AF65-F5344CB8AC3E}">
+        <p14:creationId xmlns:p14="http://schemas.microsoft.com/office/powerpoint/2010/main" val="141133645"/>
+      </p:ext>
+    </p:extLst>
+  </p:cSld>
+  <p:clrMapOvr>
+    <a:masterClrMapping/>
+  </p:clrMapOvr>
+</p:sld>
+</file>
+
+<file path=ppt/slides/slide41.xml><?xml version="1.0" encoding="utf-8"?>
+<p:sld xmlns:a="http://schemas.openxmlformats.org/drawingml/2006/main" xmlns:r="http://schemas.openxmlformats.org/officeDocument/2006/relationships" xmlns:p="http://schemas.openxmlformats.org/presentationml/2006/main">
+  <p:cSld>
+    <p:spTree>
+      <p:nvGrpSpPr>
+        <p:cNvPr id="1" name=""/>
+        <p:cNvGrpSpPr/>
+        <p:nvPr/>
+      </p:nvGrpSpPr>
+      <p:grpSpPr>
+        <a:xfrm>
+          <a:off x="0" y="0"/>
+          <a:ext cx="0" cy="0"/>
+          <a:chOff x="0" y="0"/>
+          <a:chExt cx="0" cy="0"/>
+        </a:xfrm>
+      </p:grpSpPr>
+      <p:sp>
+        <p:nvSpPr>
+          <p:cNvPr id="2" name="Title 1"/>
+          <p:cNvSpPr>
+            <a:spLocks noGrp="1"/>
+          </p:cNvSpPr>
+          <p:nvPr>
+            <p:ph type="title"/>
+          </p:nvPr>
+        </p:nvSpPr>
+        <p:spPr/>
+        <p:txBody>
+          <a:bodyPr/>
+          <a:lstStyle/>
+          <a:p>
+            <a:r>
+              <a:rPr lang="en-US" dirty="0" smtClean="0"/>
+              <a:t>Making it easier</a:t>
+            </a:r>
+            <a:endParaRPr lang="en-US" dirty="0"/>
+          </a:p>
+        </p:txBody>
+      </p:sp>
+      <p:sp>
+        <p:nvSpPr>
+          <p:cNvPr id="3" name="Content Placeholder 2"/>
+          <p:cNvSpPr>
+            <a:spLocks noGrp="1"/>
+          </p:cNvSpPr>
+          <p:nvPr>
+            <p:ph idx="1"/>
+          </p:nvPr>
+        </p:nvSpPr>
+        <p:spPr/>
+        <p:txBody>
+          <a:bodyPr>
+            <a:normAutofit fontScale="92500" lnSpcReduction="20000"/>
+          </a:bodyPr>
+          <a:lstStyle/>
+          <a:p>
+            <a:r>
+              <a:rPr lang="en-US" dirty="0" smtClean="0"/>
+              <a:t>The guarantee that our abstraction </a:t>
+            </a:r>
+            <a:r>
+              <a:rPr lang="en-US" dirty="0" err="1" smtClean="0"/>
+              <a:t>functor</a:t>
+            </a:r>
+            <a:r>
+              <a:rPr lang="en-US" dirty="0" smtClean="0"/>
+              <a:t> preserves </a:t>
+            </a:r>
+            <a:r>
+              <a:rPr lang="en-US" dirty="0" err="1" smtClean="0"/>
+              <a:t>behaviour</a:t>
+            </a:r>
+            <a:r>
+              <a:rPr lang="en-US" dirty="0" smtClean="0"/>
+              <a:t> (reaction) need not be simple to establish</a:t>
+            </a:r>
+          </a:p>
+          <a:p>
+            <a:r>
+              <a:rPr lang="en-US" dirty="0" smtClean="0"/>
+              <a:t>But if it preserves reaction rules and active contexts, we have an abstraction </a:t>
+            </a:r>
+            <a:r>
+              <a:rPr lang="en-US" dirty="0" err="1" smtClean="0"/>
+              <a:t>functor</a:t>
+            </a:r>
+            <a:r>
+              <a:rPr lang="en-US" dirty="0" smtClean="0"/>
+              <a:t> that will give rise to a safe vertical refinement</a:t>
+            </a:r>
+          </a:p>
+          <a:p>
+            <a:r>
+              <a:rPr lang="en-US" dirty="0" smtClean="0"/>
+              <a:t>Which guarantees the concrete system is a valid implementation of the abstract system</a:t>
+            </a:r>
+          </a:p>
+          <a:p>
+            <a:r>
+              <a:rPr lang="en-US" dirty="0" smtClean="0"/>
+              <a:t>This has found use in the work of others (e.g., Henson et al., “</a:t>
+            </a:r>
+            <a:r>
+              <a:rPr lang="en-US" dirty="0" err="1" smtClean="0"/>
+              <a:t>FollowMe</a:t>
+            </a:r>
+            <a:r>
+              <a:rPr lang="en-US" dirty="0" smtClean="0"/>
+              <a:t>: a </a:t>
+            </a:r>
+            <a:r>
+              <a:rPr lang="en-US" dirty="0" err="1" smtClean="0"/>
+              <a:t>bigraphical</a:t>
+            </a:r>
+            <a:r>
+              <a:rPr lang="en-US" dirty="0" smtClean="0"/>
+              <a:t> approach”, 2012).</a:t>
+            </a:r>
+            <a:endParaRPr lang="en-US" dirty="0"/>
+          </a:p>
+        </p:txBody>
+      </p:sp>
+    </p:spTree>
+    <p:extLst>
+      <p:ext uri="{BB962C8B-B14F-4D97-AF65-F5344CB8AC3E}">
+        <p14:creationId xmlns:p14="http://schemas.microsoft.com/office/powerpoint/2010/main" val="3511204753"/>
+      </p:ext>
+    </p:extLst>
+  </p:cSld>
+  <p:clrMapOvr>
+    <a:masterClrMapping/>
+  </p:clrMapOvr>
+</p:sld>
+</file>
+
+<file path=ppt/slides/slide42.xml><?xml version="1.0" encoding="utf-8"?>
+<p:sld xmlns:a="http://schemas.openxmlformats.org/drawingml/2006/main" xmlns:r="http://schemas.openxmlformats.org/officeDocument/2006/relationships" xmlns:p="http://schemas.openxmlformats.org/presentationml/2006/main">
+  <p:cSld>
+    <p:spTree>
+      <p:nvGrpSpPr>
+        <p:cNvPr id="1" name=""/>
+        <p:cNvGrpSpPr/>
+        <p:nvPr/>
+      </p:nvGrpSpPr>
+      <p:grpSpPr>
+        <a:xfrm>
+          <a:off x="0" y="0"/>
+          <a:ext cx="0" cy="0"/>
+          <a:chOff x="0" y="0"/>
+          <a:chExt cx="0" cy="0"/>
+        </a:xfrm>
+      </p:grpSpPr>
+      <p:sp>
+        <p:nvSpPr>
+          <p:cNvPr id="2" name="Title 1"/>
+          <p:cNvSpPr>
+            <a:spLocks noGrp="1"/>
+          </p:cNvSpPr>
+          <p:nvPr>
+            <p:ph type="title"/>
+          </p:nvPr>
+        </p:nvSpPr>
+        <p:spPr/>
+        <p:txBody>
+          <a:bodyPr/>
+          <a:lstStyle/>
+          <a:p>
+            <a:r>
+              <a:rPr lang="en-US" dirty="0" smtClean="0"/>
+              <a:t>Live Vertical Refinement</a:t>
+            </a:r>
+            <a:endParaRPr lang="en-US" dirty="0"/>
+          </a:p>
+        </p:txBody>
+      </p:sp>
+      <p:sp>
+        <p:nvSpPr>
+          <p:cNvPr id="3" name="Content Placeholder 2"/>
+          <p:cNvSpPr>
+            <a:spLocks noGrp="1"/>
+          </p:cNvSpPr>
+          <p:nvPr>
+            <p:ph idx="1"/>
+          </p:nvPr>
+        </p:nvSpPr>
+        <p:spPr/>
+        <p:txBody>
+          <a:bodyPr>
+            <a:normAutofit lnSpcReduction="10000"/>
+          </a:bodyPr>
+          <a:lstStyle/>
+          <a:p>
+            <a:r>
+              <a:rPr lang="en-US" dirty="0" err="1" smtClean="0"/>
+              <a:t>Liveness</a:t>
+            </a:r>
+            <a:r>
+              <a:rPr lang="en-US" dirty="0" smtClean="0"/>
+              <a:t> is more subtle, and often ignored in refinement literature (or considered a special case of safety)</a:t>
+            </a:r>
+          </a:p>
+          <a:p>
+            <a:r>
+              <a:rPr lang="en-US" dirty="0" smtClean="0"/>
+              <a:t>Essentially the guarantee that “something good will happen eventually” (</a:t>
+            </a:r>
+            <a:r>
+              <a:rPr lang="en-US" dirty="0" err="1" smtClean="0"/>
+              <a:t>Lamport</a:t>
+            </a:r>
+            <a:r>
+              <a:rPr lang="en-US" dirty="0" smtClean="0"/>
+              <a:t>)</a:t>
+            </a:r>
+          </a:p>
+          <a:p>
+            <a:r>
+              <a:rPr lang="en-US" dirty="0" smtClean="0"/>
+              <a:t>Our vertical refinement notion can also ensure that a concrete implementation preserves enough </a:t>
+            </a:r>
+            <a:r>
+              <a:rPr lang="en-US" dirty="0" err="1" smtClean="0"/>
+              <a:t>behaviour</a:t>
+            </a:r>
+            <a:r>
+              <a:rPr lang="en-US" dirty="0"/>
+              <a:t> </a:t>
+            </a:r>
+            <a:r>
+              <a:rPr lang="en-US" dirty="0" smtClean="0"/>
+              <a:t>from the abstract system to guarantee </a:t>
+            </a:r>
+            <a:r>
+              <a:rPr lang="en-US" dirty="0" err="1" smtClean="0"/>
+              <a:t>liveness</a:t>
+            </a:r>
+            <a:endParaRPr lang="en-US" dirty="0"/>
+          </a:p>
+        </p:txBody>
+      </p:sp>
+    </p:spTree>
+    <p:extLst>
+      <p:ext uri="{BB962C8B-B14F-4D97-AF65-F5344CB8AC3E}">
+        <p14:creationId xmlns:p14="http://schemas.microsoft.com/office/powerpoint/2010/main" val="738272915"/>
+      </p:ext>
+    </p:extLst>
+  </p:cSld>
+  <p:clrMapOvr>
+    <a:masterClrMapping/>
+  </p:clrMapOvr>
+</p:sld>
+</file>
+
+<file path=ppt/slides/slide43.xml><?xml version="1.0" encoding="utf-8"?>
+<p:sld xmlns:a="http://schemas.openxmlformats.org/drawingml/2006/main" xmlns:r="http://schemas.openxmlformats.org/officeDocument/2006/relationships" xmlns:p="http://schemas.openxmlformats.org/presentationml/2006/main">
+  <p:cSld>
+    <p:spTree>
+      <p:nvGrpSpPr>
+        <p:cNvPr id="1" name=""/>
+        <p:cNvGrpSpPr/>
+        <p:nvPr/>
+      </p:nvGrpSpPr>
+      <p:grpSpPr>
+        <a:xfrm>
+          <a:off x="0" y="0"/>
+          <a:ext cx="0" cy="0"/>
+          <a:chOff x="0" y="0"/>
+          <a:chExt cx="0" cy="0"/>
+        </a:xfrm>
+      </p:grpSpPr>
+      <p:sp>
+        <p:nvSpPr>
+          <p:cNvPr id="2" name="Title 1"/>
+          <p:cNvSpPr>
+            <a:spLocks noGrp="1"/>
+          </p:cNvSpPr>
+          <p:nvPr>
+            <p:ph type="title"/>
+          </p:nvPr>
+        </p:nvSpPr>
+        <p:spPr/>
+        <p:txBody>
+          <a:bodyPr/>
+          <a:lstStyle/>
+          <a:p>
+            <a:r>
+              <a:rPr lang="en-US" dirty="0" smtClean="0"/>
+              <a:t>Verification and tools</a:t>
+            </a:r>
+            <a:endParaRPr lang="en-US" dirty="0"/>
+          </a:p>
+        </p:txBody>
+      </p:sp>
+      <p:sp>
+        <p:nvSpPr>
+          <p:cNvPr id="3" name="Text Placeholder 2"/>
+          <p:cNvSpPr>
+            <a:spLocks noGrp="1"/>
+          </p:cNvSpPr>
+          <p:nvPr>
+            <p:ph type="body" idx="1"/>
+          </p:nvPr>
+        </p:nvSpPr>
+        <p:spPr/>
+        <p:txBody>
+          <a:bodyPr/>
+          <a:lstStyle/>
+          <a:p>
+            <a:r>
+              <a:rPr lang="en-US" dirty="0" smtClean="0"/>
+              <a:t>Part 5</a:t>
+            </a:r>
+            <a:endParaRPr lang="en-US" dirty="0"/>
+          </a:p>
+        </p:txBody>
+      </p:sp>
+    </p:spTree>
+    <p:extLst>
+      <p:ext uri="{BB962C8B-B14F-4D97-AF65-F5344CB8AC3E}">
+        <p14:creationId xmlns:p14="http://schemas.microsoft.com/office/powerpoint/2010/main" val="2741296036"/>
+      </p:ext>
+    </p:extLst>
+  </p:cSld>
+  <p:clrMapOvr>
+    <a:masterClrMapping/>
+  </p:clrMapOvr>
+</p:sld>
+</file>
+
+<file path=ppt/slides/slide44.xml><?xml version="1.0" encoding="utf-8"?>
+<p:sld xmlns:a="http://schemas.openxmlformats.org/drawingml/2006/main" xmlns:r="http://schemas.openxmlformats.org/officeDocument/2006/relationships" xmlns:p="http://schemas.openxmlformats.org/presentationml/2006/main">
+  <p:cSld>
+    <p:spTree>
+      <p:nvGrpSpPr>
+        <p:cNvPr id="1" name=""/>
+        <p:cNvGrpSpPr/>
+        <p:nvPr/>
+      </p:nvGrpSpPr>
+      <p:grpSpPr>
+        <a:xfrm>
+          <a:off x="0" y="0"/>
+          <a:ext cx="0" cy="0"/>
+          <a:chOff x="0" y="0"/>
+          <a:chExt cx="0" cy="0"/>
+        </a:xfrm>
+      </p:grpSpPr>
+      <p:sp>
+        <p:nvSpPr>
+          <p:cNvPr id="4" name="Title 3"/>
+          <p:cNvSpPr>
+            <a:spLocks noGrp="1"/>
+          </p:cNvSpPr>
+          <p:nvPr>
+            <p:ph type="title"/>
+          </p:nvPr>
+        </p:nvSpPr>
+        <p:spPr/>
+        <p:txBody>
+          <a:bodyPr/>
+          <a:lstStyle/>
+          <a:p>
+            <a:r>
+              <a:rPr lang="en-US" dirty="0" err="1" smtClean="0"/>
+              <a:t>BigMC</a:t>
+            </a:r>
+            <a:endParaRPr lang="en-US" dirty="0"/>
+          </a:p>
+        </p:txBody>
+      </p:sp>
+      <p:sp>
+        <p:nvSpPr>
+          <p:cNvPr id="5" name="Content Placeholder 4"/>
+          <p:cNvSpPr>
+            <a:spLocks noGrp="1"/>
+          </p:cNvSpPr>
+          <p:nvPr>
+            <p:ph idx="1"/>
+          </p:nvPr>
+        </p:nvSpPr>
+        <p:spPr/>
+        <p:txBody>
+          <a:bodyPr>
+            <a:normAutofit lnSpcReduction="10000"/>
+          </a:bodyPr>
+          <a:lstStyle/>
+          <a:p>
+            <a:r>
+              <a:rPr lang="en-US" dirty="0" smtClean="0"/>
+              <a:t>Provide a tool that allows one to check properties of </a:t>
+            </a:r>
+            <a:r>
+              <a:rPr lang="en-US" dirty="0" err="1" smtClean="0"/>
+              <a:t>bigraphical</a:t>
+            </a:r>
+            <a:r>
+              <a:rPr lang="en-US" dirty="0" smtClean="0"/>
+              <a:t> models</a:t>
+            </a:r>
+          </a:p>
+          <a:p>
+            <a:r>
+              <a:rPr lang="en-US" dirty="0" smtClean="0"/>
+              <a:t>By defining a single </a:t>
+            </a:r>
+            <a:r>
+              <a:rPr lang="en-US" dirty="0" err="1" smtClean="0"/>
+              <a:t>bigraphical</a:t>
+            </a:r>
+            <a:r>
+              <a:rPr lang="en-US" dirty="0" smtClean="0"/>
+              <a:t> language, we gain a tool for any model expressed in that language</a:t>
+            </a:r>
+          </a:p>
+          <a:p>
+            <a:r>
+              <a:rPr lang="en-US" dirty="0" err="1" smtClean="0"/>
+              <a:t>BigMC</a:t>
+            </a:r>
+            <a:r>
+              <a:rPr lang="en-US" dirty="0" smtClean="0"/>
+              <a:t> was a prototype tool designed to achieve this</a:t>
+            </a:r>
+          </a:p>
+          <a:p>
+            <a:r>
+              <a:rPr lang="en-US" dirty="0" smtClean="0"/>
+              <a:t>Also has been used to simulate and experiment with </a:t>
+            </a:r>
+            <a:r>
+              <a:rPr lang="en-US" dirty="0" err="1" smtClean="0"/>
+              <a:t>bigraphs</a:t>
+            </a:r>
+            <a:endParaRPr lang="en-US" dirty="0" smtClean="0"/>
+          </a:p>
+        </p:txBody>
+      </p:sp>
+    </p:spTree>
+    <p:extLst>
+      <p:ext uri="{BB962C8B-B14F-4D97-AF65-F5344CB8AC3E}">
+        <p14:creationId xmlns:p14="http://schemas.microsoft.com/office/powerpoint/2010/main" val="2207214243"/>
+      </p:ext>
+    </p:extLst>
+  </p:cSld>
+  <p:clrMapOvr>
+    <a:masterClrMapping/>
+  </p:clrMapOvr>
+</p:sld>
+</file>
+
+<file path=ppt/slides/slide45.xml><?xml version="1.0" encoding="utf-8"?>
+<p:sld xmlns:a="http://schemas.openxmlformats.org/drawingml/2006/main" xmlns:r="http://schemas.openxmlformats.org/officeDocument/2006/relationships" xmlns:p="http://schemas.openxmlformats.org/presentationml/2006/main">
+  <p:cSld>
+    <p:spTree>
+      <p:nvGrpSpPr>
+        <p:cNvPr id="1" name=""/>
+        <p:cNvGrpSpPr/>
+        <p:nvPr/>
+      </p:nvGrpSpPr>
+      <p:grpSpPr>
+        <a:xfrm>
+          <a:off x="0" y="0"/>
+          <a:ext cx="0" cy="0"/>
+          <a:chOff x="0" y="0"/>
+          <a:chExt cx="0" cy="0"/>
+        </a:xfrm>
+      </p:grpSpPr>
+      <p:sp>
+        <p:nvSpPr>
+          <p:cNvPr id="2" name="Title 1"/>
+          <p:cNvSpPr>
+            <a:spLocks noGrp="1"/>
+          </p:cNvSpPr>
+          <p:nvPr>
+            <p:ph type="title"/>
+          </p:nvPr>
+        </p:nvSpPr>
+        <p:spPr/>
+        <p:txBody>
+          <a:bodyPr/>
+          <a:lstStyle/>
+          <a:p>
+            <a:r>
+              <a:rPr lang="en-US" dirty="0" smtClean="0"/>
+              <a:t>Example: Dining philosophers</a:t>
+            </a:r>
+            <a:endParaRPr lang="en-US" dirty="0"/>
+          </a:p>
+        </p:txBody>
+      </p:sp>
+      <p:sp>
+        <p:nvSpPr>
+          <p:cNvPr id="3" name="Content Placeholder 2"/>
+          <p:cNvSpPr>
+            <a:spLocks noGrp="1"/>
+          </p:cNvSpPr>
+          <p:nvPr>
+            <p:ph idx="1"/>
+          </p:nvPr>
+        </p:nvSpPr>
+        <p:spPr/>
+        <p:txBody>
+          <a:bodyPr/>
+          <a:lstStyle/>
+          <a:p>
+            <a:r>
+              <a:rPr lang="en-US" dirty="0" smtClean="0"/>
+              <a:t>Give example from paper</a:t>
+            </a:r>
+            <a:endParaRPr lang="en-US" dirty="0"/>
+          </a:p>
+        </p:txBody>
+      </p:sp>
+    </p:spTree>
+    <p:extLst>
+      <p:ext uri="{BB962C8B-B14F-4D97-AF65-F5344CB8AC3E}">
+        <p14:creationId xmlns:p14="http://schemas.microsoft.com/office/powerpoint/2010/main" val="495464687"/>
+      </p:ext>
+    </p:extLst>
+  </p:cSld>
+  <p:clrMapOvr>
+    <a:masterClrMapping/>
+  </p:clrMapOvr>
+</p:sld>
+</file>
+
+<file path=ppt/slides/slide46.xml><?xml version="1.0" encoding="utf-8"?>
+<p:sld xmlns:a="http://schemas.openxmlformats.org/drawingml/2006/main" xmlns:r="http://schemas.openxmlformats.org/officeDocument/2006/relationships" xmlns:p="http://schemas.openxmlformats.org/presentationml/2006/main">
+  <p:cSld>
+    <p:spTree>
+      <p:nvGrpSpPr>
+        <p:cNvPr id="1" name=""/>
+        <p:cNvGrpSpPr/>
+        <p:nvPr/>
+      </p:nvGrpSpPr>
+      <p:grpSpPr>
+        <a:xfrm>
+          <a:off x="0" y="0"/>
+          <a:ext cx="0" cy="0"/>
+          <a:chOff x="0" y="0"/>
+          <a:chExt cx="0" cy="0"/>
+        </a:xfrm>
+      </p:grpSpPr>
+      <p:sp>
+        <p:nvSpPr>
+          <p:cNvPr id="2" name="Title 1"/>
+          <p:cNvSpPr>
+            <a:spLocks noGrp="1"/>
+          </p:cNvSpPr>
+          <p:nvPr>
+            <p:ph type="title"/>
+          </p:nvPr>
+        </p:nvSpPr>
+        <p:spPr/>
+        <p:txBody>
+          <a:bodyPr/>
+          <a:lstStyle/>
+          <a:p>
+            <a:r>
+              <a:rPr lang="en-US" dirty="0" smtClean="0"/>
+              <a:t>The state explosion problem</a:t>
+            </a:r>
+            <a:endParaRPr lang="en-US" dirty="0"/>
+          </a:p>
+        </p:txBody>
+      </p:sp>
+      <p:sp>
+        <p:nvSpPr>
+          <p:cNvPr id="3" name="Content Placeholder 2"/>
+          <p:cNvSpPr>
+            <a:spLocks noGrp="1"/>
+          </p:cNvSpPr>
+          <p:nvPr>
+            <p:ph idx="1"/>
+          </p:nvPr>
+        </p:nvSpPr>
+        <p:spPr/>
+        <p:txBody>
+          <a:bodyPr>
+            <a:normAutofit fontScale="85000" lnSpcReduction="10000"/>
+          </a:bodyPr>
+          <a:lstStyle/>
+          <a:p>
+            <a:r>
+              <a:rPr lang="en-US" dirty="0" smtClean="0"/>
+              <a:t>Potentially infinitely many distinct states to explore</a:t>
+            </a:r>
+          </a:p>
+          <a:p>
+            <a:pPr lvl="1"/>
+            <a:r>
+              <a:rPr lang="en-US" dirty="0" smtClean="0"/>
+              <a:t>… which will run forever if we just try to check them</a:t>
+            </a:r>
+          </a:p>
+          <a:p>
+            <a:r>
+              <a:rPr lang="en-US" dirty="0" smtClean="0"/>
+              <a:t>What can we do better?  Attempt to use the semantic clues provided by the system designer in defining reaction rules</a:t>
+            </a:r>
+          </a:p>
+          <a:p>
+            <a:r>
+              <a:rPr lang="en-US" dirty="0" smtClean="0"/>
+              <a:t>Approximate (conservatively) the causation relation between reaction rules, groups of reaction rules, and the properties of interest</a:t>
+            </a:r>
+          </a:p>
+          <a:p>
+            <a:r>
+              <a:rPr lang="en-US" dirty="0" smtClean="0"/>
+              <a:t>Attempt to address the question: </a:t>
+            </a:r>
+            <a:r>
+              <a:rPr lang="en-US" i="1" dirty="0" smtClean="0"/>
+              <a:t>which of these rules could cause us to reach a state that would violate our property?</a:t>
+            </a:r>
+            <a:endParaRPr lang="en-US" i="1" dirty="0"/>
+          </a:p>
+        </p:txBody>
+      </p:sp>
+    </p:spTree>
+    <p:extLst>
+      <p:ext uri="{BB962C8B-B14F-4D97-AF65-F5344CB8AC3E}">
+        <p14:creationId xmlns:p14="http://schemas.microsoft.com/office/powerpoint/2010/main" val="1526398388"/>
+      </p:ext>
+    </p:extLst>
+  </p:cSld>
+  <p:clrMapOvr>
+    <a:masterClrMapping/>
+  </p:clrMapOvr>
+</p:sld>
+</file>
+
+<file path=ppt/slides/slide47.xml><?xml version="1.0" encoding="utf-8"?>
+<p:sld xmlns:a="http://schemas.openxmlformats.org/drawingml/2006/main" xmlns:r="http://schemas.openxmlformats.org/officeDocument/2006/relationships" xmlns:p="http://schemas.openxmlformats.org/presentationml/2006/main">
+  <p:cSld>
+    <p:spTree>
+      <p:nvGrpSpPr>
+        <p:cNvPr id="1" name=""/>
+        <p:cNvGrpSpPr/>
+        <p:nvPr/>
+      </p:nvGrpSpPr>
+      <p:grpSpPr>
+        <a:xfrm>
+          <a:off x="0" y="0"/>
+          <a:ext cx="0" cy="0"/>
+          <a:chOff x="0" y="0"/>
+          <a:chExt cx="0" cy="0"/>
+        </a:xfrm>
+      </p:grpSpPr>
+      <p:sp>
+        <p:nvSpPr>
+          <p:cNvPr id="2" name="Title 1"/>
+          <p:cNvSpPr>
+            <a:spLocks noGrp="1"/>
+          </p:cNvSpPr>
+          <p:nvPr>
+            <p:ph type="title"/>
+          </p:nvPr>
+        </p:nvSpPr>
+        <p:spPr/>
+        <p:txBody>
+          <a:bodyPr/>
+          <a:lstStyle/>
+          <a:p>
+            <a:r>
+              <a:rPr lang="en-US" dirty="0" smtClean="0"/>
+              <a:t>Computing Causation</a:t>
+            </a:r>
+            <a:endParaRPr lang="en-US" dirty="0"/>
+          </a:p>
+        </p:txBody>
+      </p:sp>
+      <p:sp>
+        <p:nvSpPr>
+          <p:cNvPr id="3" name="Content Placeholder 2"/>
+          <p:cNvSpPr>
+            <a:spLocks noGrp="1"/>
+          </p:cNvSpPr>
+          <p:nvPr>
+            <p:ph idx="1"/>
+          </p:nvPr>
+        </p:nvSpPr>
+        <p:spPr/>
+        <p:txBody>
+          <a:bodyPr>
+            <a:normAutofit lnSpcReduction="10000"/>
+          </a:bodyPr>
+          <a:lstStyle/>
+          <a:p>
+            <a:r>
+              <a:rPr lang="en-US" dirty="0" smtClean="0"/>
+              <a:t>Prior art: </a:t>
+            </a:r>
+            <a:r>
+              <a:rPr lang="en-US" dirty="0" err="1" smtClean="0"/>
+              <a:t>Højsgaard</a:t>
+            </a:r>
+            <a:r>
+              <a:rPr lang="en-US" dirty="0" smtClean="0"/>
+              <a:t> &amp; </a:t>
+            </a:r>
+            <a:r>
+              <a:rPr lang="en-US" dirty="0" err="1" smtClean="0"/>
+              <a:t>Krivine</a:t>
+            </a:r>
+            <a:r>
+              <a:rPr lang="en-US" dirty="0" smtClean="0"/>
+              <a:t> (2011) </a:t>
+            </a:r>
+          </a:p>
+          <a:p>
+            <a:pPr lvl="1"/>
+            <a:r>
+              <a:rPr lang="en-US" dirty="0" smtClean="0"/>
+              <a:t>Gives a nice </a:t>
+            </a:r>
+            <a:r>
+              <a:rPr lang="en-US" dirty="0" err="1" smtClean="0"/>
+              <a:t>characterisation</a:t>
+            </a:r>
+            <a:r>
+              <a:rPr lang="en-US" dirty="0" smtClean="0"/>
+              <a:t> of how rules may interfere with one another</a:t>
+            </a:r>
+          </a:p>
+          <a:p>
+            <a:pPr lvl="1"/>
+            <a:r>
+              <a:rPr lang="en-US" dirty="0" smtClean="0"/>
+              <a:t>But not necessarily easy to compute!</a:t>
+            </a:r>
+          </a:p>
+          <a:p>
+            <a:r>
+              <a:rPr lang="en-US" dirty="0" smtClean="0"/>
+              <a:t>We presented a simple heuristic that approximates reaction rule causation for rules obeying a few simple structural conditions</a:t>
+            </a:r>
+          </a:p>
+          <a:p>
+            <a:r>
+              <a:rPr lang="en-US" dirty="0" smtClean="0"/>
+              <a:t>Simple and fast to compute, based on examining the place graph only</a:t>
+            </a:r>
+            <a:endParaRPr lang="en-US" dirty="0"/>
+          </a:p>
+          <a:p>
+            <a:endParaRPr lang="en-US" dirty="0" smtClean="0"/>
+          </a:p>
+        </p:txBody>
+      </p:sp>
+    </p:spTree>
+    <p:extLst>
+      <p:ext uri="{BB962C8B-B14F-4D97-AF65-F5344CB8AC3E}">
+        <p14:creationId xmlns:p14="http://schemas.microsoft.com/office/powerpoint/2010/main" val="3528386923"/>
+      </p:ext>
+    </p:extLst>
+  </p:cSld>
+  <p:clrMapOvr>
+    <a:masterClrMapping/>
+  </p:clrMapOvr>
+</p:sld>
+</file>
+
+<file path=ppt/slides/slide48.xml><?xml version="1.0" encoding="utf-8"?>
+<p:sld xmlns:a="http://schemas.openxmlformats.org/drawingml/2006/main" xmlns:r="http://schemas.openxmlformats.org/officeDocument/2006/relationships" xmlns:p="http://schemas.openxmlformats.org/presentationml/2006/main">
+  <p:cSld>
+    <p:spTree>
+      <p:nvGrpSpPr>
+        <p:cNvPr id="1" name=""/>
+        <p:cNvGrpSpPr/>
+        <p:nvPr/>
+      </p:nvGrpSpPr>
+      <p:grpSpPr>
+        <a:xfrm>
+          <a:off x="0" y="0"/>
+          <a:ext cx="0" cy="0"/>
+          <a:chOff x="0" y="0"/>
+          <a:chExt cx="0" cy="0"/>
+        </a:xfrm>
+      </p:grpSpPr>
+      <p:sp>
+        <p:nvSpPr>
+          <p:cNvPr id="2" name="Title 1"/>
+          <p:cNvSpPr>
+            <a:spLocks noGrp="1"/>
+          </p:cNvSpPr>
+          <p:nvPr>
+            <p:ph type="title"/>
+          </p:nvPr>
+        </p:nvSpPr>
+        <p:spPr/>
+        <p:txBody>
+          <a:bodyPr/>
+          <a:lstStyle/>
+          <a:p>
+            <a:endParaRPr lang="en-US"/>
+          </a:p>
+        </p:txBody>
+      </p:sp>
+      <p:sp>
+        <p:nvSpPr>
+          <p:cNvPr id="3" name="Content Placeholder 2"/>
+          <p:cNvSpPr>
+            <a:spLocks noGrp="1"/>
+          </p:cNvSpPr>
+          <p:nvPr>
+            <p:ph idx="1"/>
+          </p:nvPr>
+        </p:nvSpPr>
+        <p:spPr/>
+        <p:txBody>
+          <a:bodyPr/>
+          <a:lstStyle/>
+          <a:p>
+            <a:endParaRPr lang="en-US"/>
+          </a:p>
+        </p:txBody>
+      </p:sp>
+    </p:spTree>
+    <p:extLst>
+      <p:ext uri="{BB962C8B-B14F-4D97-AF65-F5344CB8AC3E}">
+        <p14:creationId xmlns:p14="http://schemas.microsoft.com/office/powerpoint/2010/main" val="2107944064"/>
+      </p:ext>
+    </p:extLst>
+  </p:cSld>
+  <p:clrMapOvr>
+    <a:masterClrMapping/>
+  </p:clrMapOvr>
+</p:sld>
+</file>
+
+<file path=ppt/slides/slide49.xml><?xml version="1.0" encoding="utf-8"?>
+<p:sld xmlns:a="http://schemas.openxmlformats.org/drawingml/2006/main" xmlns:r="http://schemas.openxmlformats.org/officeDocument/2006/relationships" xmlns:p="http://schemas.openxmlformats.org/presentationml/2006/main">
+  <p:cSld>
+    <p:spTree>
+      <p:nvGrpSpPr>
+        <p:cNvPr id="1" name=""/>
+        <p:cNvGrpSpPr/>
+        <p:nvPr/>
+      </p:nvGrpSpPr>
+      <p:grpSpPr>
+        <a:xfrm>
+          <a:off x="0" y="0"/>
+          <a:ext cx="0" cy="0"/>
+          <a:chOff x="0" y="0"/>
+          <a:chExt cx="0" cy="0"/>
+        </a:xfrm>
+      </p:grpSpPr>
+      <p:sp>
+        <p:nvSpPr>
+          <p:cNvPr id="2" name="Title 1"/>
+          <p:cNvSpPr>
+            <a:spLocks noGrp="1"/>
+          </p:cNvSpPr>
+          <p:nvPr>
+            <p:ph type="title"/>
+          </p:nvPr>
+        </p:nvSpPr>
+        <p:spPr/>
+        <p:txBody>
+          <a:bodyPr/>
+          <a:lstStyle/>
+          <a:p>
+            <a:endParaRPr lang="en-US"/>
+          </a:p>
+        </p:txBody>
+      </p:sp>
+      <p:sp>
+        <p:nvSpPr>
+          <p:cNvPr id="3" name="Content Placeholder 2"/>
+          <p:cNvSpPr>
+            <a:spLocks noGrp="1"/>
+          </p:cNvSpPr>
+          <p:nvPr>
+            <p:ph idx="1"/>
+          </p:nvPr>
+        </p:nvSpPr>
+        <p:spPr/>
+        <p:txBody>
+          <a:bodyPr/>
+          <a:lstStyle/>
+          <a:p>
+            <a:endParaRPr lang="en-US"/>
+          </a:p>
+        </p:txBody>
+      </p:sp>
+    </p:spTree>
+    <p:extLst>
+      <p:ext uri="{BB962C8B-B14F-4D97-AF65-F5344CB8AC3E}">
+        <p14:creationId xmlns:p14="http://schemas.microsoft.com/office/powerpoint/2010/main" val="1460485654"/>
+      </p:ext>
+    </p:extLst>
+  </p:cSld>
+  <p:clrMapOvr>
+    <a:masterClrMapping/>
+  </p:clrMapOvr>
+</p:sld>
+</file>
+
 <file path=ppt/slides/slide5.xml><?xml version="1.0" encoding="utf-8"?>
 <p:sld xmlns:a="http://schemas.openxmlformats.org/drawingml/2006/main" xmlns:r="http://schemas.openxmlformats.org/officeDocument/2006/relationships" xmlns:p="http://schemas.openxmlformats.org/presentationml/2006/main">
   <p:cSld>
@@ -4933,6 +7815,766 @@
     <p:extLst>
       <p:ext uri="{BB962C8B-B14F-4D97-AF65-F5344CB8AC3E}">
         <p14:creationId xmlns:p14="http://schemas.microsoft.com/office/powerpoint/2010/main" val="2175834004"/>
+      </p:ext>
+    </p:extLst>
+  </p:cSld>
+  <p:clrMapOvr>
+    <a:masterClrMapping/>
+  </p:clrMapOvr>
+</p:sld>
+</file>
+
+<file path=ppt/slides/slide50.xml><?xml version="1.0" encoding="utf-8"?>
+<p:sld xmlns:a="http://schemas.openxmlformats.org/drawingml/2006/main" xmlns:r="http://schemas.openxmlformats.org/officeDocument/2006/relationships" xmlns:p="http://schemas.openxmlformats.org/presentationml/2006/main">
+  <p:cSld>
+    <p:spTree>
+      <p:nvGrpSpPr>
+        <p:cNvPr id="1" name=""/>
+        <p:cNvGrpSpPr/>
+        <p:nvPr/>
+      </p:nvGrpSpPr>
+      <p:grpSpPr>
+        <a:xfrm>
+          <a:off x="0" y="0"/>
+          <a:ext cx="0" cy="0"/>
+          <a:chOff x="0" y="0"/>
+          <a:chExt cx="0" cy="0"/>
+        </a:xfrm>
+      </p:grpSpPr>
+      <p:sp>
+        <p:nvSpPr>
+          <p:cNvPr id="2" name="Title 1"/>
+          <p:cNvSpPr>
+            <a:spLocks noGrp="1"/>
+          </p:cNvSpPr>
+          <p:nvPr>
+            <p:ph type="title"/>
+          </p:nvPr>
+        </p:nvSpPr>
+        <p:spPr/>
+        <p:txBody>
+          <a:bodyPr/>
+          <a:lstStyle/>
+          <a:p>
+            <a:endParaRPr lang="en-US"/>
+          </a:p>
+        </p:txBody>
+      </p:sp>
+      <p:sp>
+        <p:nvSpPr>
+          <p:cNvPr id="3" name="Content Placeholder 2"/>
+          <p:cNvSpPr>
+            <a:spLocks noGrp="1"/>
+          </p:cNvSpPr>
+          <p:nvPr>
+            <p:ph idx="1"/>
+          </p:nvPr>
+        </p:nvSpPr>
+        <p:spPr/>
+        <p:txBody>
+          <a:bodyPr/>
+          <a:lstStyle/>
+          <a:p>
+            <a:endParaRPr lang="en-US"/>
+          </a:p>
+        </p:txBody>
+      </p:sp>
+    </p:spTree>
+    <p:extLst>
+      <p:ext uri="{BB962C8B-B14F-4D97-AF65-F5344CB8AC3E}">
+        <p14:creationId xmlns:p14="http://schemas.microsoft.com/office/powerpoint/2010/main" val="2909597286"/>
+      </p:ext>
+    </p:extLst>
+  </p:cSld>
+  <p:clrMapOvr>
+    <a:masterClrMapping/>
+  </p:clrMapOvr>
+</p:sld>
+</file>
+
+<file path=ppt/slides/slide51.xml><?xml version="1.0" encoding="utf-8"?>
+<p:sld xmlns:a="http://schemas.openxmlformats.org/drawingml/2006/main" xmlns:r="http://schemas.openxmlformats.org/officeDocument/2006/relationships" xmlns:p="http://schemas.openxmlformats.org/presentationml/2006/main">
+  <p:cSld>
+    <p:spTree>
+      <p:nvGrpSpPr>
+        <p:cNvPr id="1" name=""/>
+        <p:cNvGrpSpPr/>
+        <p:nvPr/>
+      </p:nvGrpSpPr>
+      <p:grpSpPr>
+        <a:xfrm>
+          <a:off x="0" y="0"/>
+          <a:ext cx="0" cy="0"/>
+          <a:chOff x="0" y="0"/>
+          <a:chExt cx="0" cy="0"/>
+        </a:xfrm>
+      </p:grpSpPr>
+      <p:sp>
+        <p:nvSpPr>
+          <p:cNvPr id="2" name="Title 1"/>
+          <p:cNvSpPr>
+            <a:spLocks noGrp="1"/>
+          </p:cNvSpPr>
+          <p:nvPr>
+            <p:ph type="title"/>
+          </p:nvPr>
+        </p:nvSpPr>
+        <p:spPr/>
+        <p:txBody>
+          <a:bodyPr/>
+          <a:lstStyle/>
+          <a:p>
+            <a:r>
+              <a:rPr lang="en-US" dirty="0" smtClean="0"/>
+              <a:t>modularity</a:t>
+            </a:r>
+            <a:endParaRPr lang="en-US" dirty="0"/>
+          </a:p>
+        </p:txBody>
+      </p:sp>
+      <p:sp>
+        <p:nvSpPr>
+          <p:cNvPr id="3" name="Text Placeholder 2"/>
+          <p:cNvSpPr>
+            <a:spLocks noGrp="1"/>
+          </p:cNvSpPr>
+          <p:nvPr>
+            <p:ph type="body" idx="1"/>
+          </p:nvPr>
+        </p:nvSpPr>
+        <p:spPr/>
+        <p:txBody>
+          <a:bodyPr/>
+          <a:lstStyle/>
+          <a:p>
+            <a:r>
+              <a:rPr lang="en-US" dirty="0" smtClean="0"/>
+              <a:t>Part 6</a:t>
+            </a:r>
+            <a:endParaRPr lang="en-US" dirty="0"/>
+          </a:p>
+        </p:txBody>
+      </p:sp>
+    </p:spTree>
+    <p:extLst>
+      <p:ext uri="{BB962C8B-B14F-4D97-AF65-F5344CB8AC3E}">
+        <p14:creationId xmlns:p14="http://schemas.microsoft.com/office/powerpoint/2010/main" val="1810853861"/>
+      </p:ext>
+    </p:extLst>
+  </p:cSld>
+  <p:clrMapOvr>
+    <a:masterClrMapping/>
+  </p:clrMapOvr>
+</p:sld>
+</file>
+
+<file path=ppt/slides/slide52.xml><?xml version="1.0" encoding="utf-8"?>
+<p:sld xmlns:a="http://schemas.openxmlformats.org/drawingml/2006/main" xmlns:r="http://schemas.openxmlformats.org/officeDocument/2006/relationships" xmlns:p="http://schemas.openxmlformats.org/presentationml/2006/main">
+  <p:cSld>
+    <p:spTree>
+      <p:nvGrpSpPr>
+        <p:cNvPr id="1" name=""/>
+        <p:cNvGrpSpPr/>
+        <p:nvPr/>
+      </p:nvGrpSpPr>
+      <p:grpSpPr>
+        <a:xfrm>
+          <a:off x="0" y="0"/>
+          <a:ext cx="0" cy="0"/>
+          <a:chOff x="0" y="0"/>
+          <a:chExt cx="0" cy="0"/>
+        </a:xfrm>
+      </p:grpSpPr>
+      <p:sp>
+        <p:nvSpPr>
+          <p:cNvPr id="4" name="Title 3"/>
+          <p:cNvSpPr>
+            <a:spLocks noGrp="1"/>
+          </p:cNvSpPr>
+          <p:nvPr>
+            <p:ph type="title"/>
+          </p:nvPr>
+        </p:nvSpPr>
+        <p:spPr/>
+        <p:txBody>
+          <a:bodyPr/>
+          <a:lstStyle/>
+          <a:p>
+            <a:endParaRPr lang="en-US"/>
+          </a:p>
+        </p:txBody>
+      </p:sp>
+      <p:sp>
+        <p:nvSpPr>
+          <p:cNvPr id="5" name="Content Placeholder 4"/>
+          <p:cNvSpPr>
+            <a:spLocks noGrp="1"/>
+          </p:cNvSpPr>
+          <p:nvPr>
+            <p:ph idx="1"/>
+          </p:nvPr>
+        </p:nvSpPr>
+        <p:spPr/>
+        <p:txBody>
+          <a:bodyPr/>
+          <a:lstStyle/>
+          <a:p>
+            <a:endParaRPr lang="en-US"/>
+          </a:p>
+        </p:txBody>
+      </p:sp>
+    </p:spTree>
+    <p:extLst>
+      <p:ext uri="{BB962C8B-B14F-4D97-AF65-F5344CB8AC3E}">
+        <p14:creationId xmlns:p14="http://schemas.microsoft.com/office/powerpoint/2010/main" val="2623949808"/>
+      </p:ext>
+    </p:extLst>
+  </p:cSld>
+  <p:clrMapOvr>
+    <a:masterClrMapping/>
+  </p:clrMapOvr>
+</p:sld>
+</file>
+
+<file path=ppt/slides/slide53.xml><?xml version="1.0" encoding="utf-8"?>
+<p:sld xmlns:a="http://schemas.openxmlformats.org/drawingml/2006/main" xmlns:r="http://schemas.openxmlformats.org/officeDocument/2006/relationships" xmlns:p="http://schemas.openxmlformats.org/presentationml/2006/main">
+  <p:cSld>
+    <p:spTree>
+      <p:nvGrpSpPr>
+        <p:cNvPr id="1" name=""/>
+        <p:cNvGrpSpPr/>
+        <p:nvPr/>
+      </p:nvGrpSpPr>
+      <p:grpSpPr>
+        <a:xfrm>
+          <a:off x="0" y="0"/>
+          <a:ext cx="0" cy="0"/>
+          <a:chOff x="0" y="0"/>
+          <a:chExt cx="0" cy="0"/>
+        </a:xfrm>
+      </p:grpSpPr>
+      <p:sp>
+        <p:nvSpPr>
+          <p:cNvPr id="4" name="Title 3"/>
+          <p:cNvSpPr>
+            <a:spLocks noGrp="1"/>
+          </p:cNvSpPr>
+          <p:nvPr>
+            <p:ph type="title"/>
+          </p:nvPr>
+        </p:nvSpPr>
+        <p:spPr/>
+        <p:txBody>
+          <a:bodyPr/>
+          <a:lstStyle/>
+          <a:p>
+            <a:endParaRPr lang="en-US"/>
+          </a:p>
+        </p:txBody>
+      </p:sp>
+      <p:sp>
+        <p:nvSpPr>
+          <p:cNvPr id="5" name="Content Placeholder 4"/>
+          <p:cNvSpPr>
+            <a:spLocks noGrp="1"/>
+          </p:cNvSpPr>
+          <p:nvPr>
+            <p:ph idx="1"/>
+          </p:nvPr>
+        </p:nvSpPr>
+        <p:spPr/>
+        <p:txBody>
+          <a:bodyPr/>
+          <a:lstStyle/>
+          <a:p>
+            <a:endParaRPr lang="en-US"/>
+          </a:p>
+        </p:txBody>
+      </p:sp>
+    </p:spTree>
+    <p:extLst>
+      <p:ext uri="{BB962C8B-B14F-4D97-AF65-F5344CB8AC3E}">
+        <p14:creationId xmlns:p14="http://schemas.microsoft.com/office/powerpoint/2010/main" val="3732886353"/>
+      </p:ext>
+    </p:extLst>
+  </p:cSld>
+  <p:clrMapOvr>
+    <a:masterClrMapping/>
+  </p:clrMapOvr>
+</p:sld>
+</file>
+
+<file path=ppt/slides/slide54.xml><?xml version="1.0" encoding="utf-8"?>
+<p:sld xmlns:a="http://schemas.openxmlformats.org/drawingml/2006/main" xmlns:r="http://schemas.openxmlformats.org/officeDocument/2006/relationships" xmlns:p="http://schemas.openxmlformats.org/presentationml/2006/main">
+  <p:cSld>
+    <p:spTree>
+      <p:nvGrpSpPr>
+        <p:cNvPr id="1" name=""/>
+        <p:cNvGrpSpPr/>
+        <p:nvPr/>
+      </p:nvGrpSpPr>
+      <p:grpSpPr>
+        <a:xfrm>
+          <a:off x="0" y="0"/>
+          <a:ext cx="0" cy="0"/>
+          <a:chOff x="0" y="0"/>
+          <a:chExt cx="0" cy="0"/>
+        </a:xfrm>
+      </p:grpSpPr>
+      <p:sp>
+        <p:nvSpPr>
+          <p:cNvPr id="4" name="Title 3"/>
+          <p:cNvSpPr>
+            <a:spLocks noGrp="1"/>
+          </p:cNvSpPr>
+          <p:nvPr>
+            <p:ph type="title"/>
+          </p:nvPr>
+        </p:nvSpPr>
+        <p:spPr/>
+        <p:txBody>
+          <a:bodyPr/>
+          <a:lstStyle/>
+          <a:p>
+            <a:endParaRPr lang="en-US"/>
+          </a:p>
+        </p:txBody>
+      </p:sp>
+      <p:sp>
+        <p:nvSpPr>
+          <p:cNvPr id="5" name="Content Placeholder 4"/>
+          <p:cNvSpPr>
+            <a:spLocks noGrp="1"/>
+          </p:cNvSpPr>
+          <p:nvPr>
+            <p:ph idx="1"/>
+          </p:nvPr>
+        </p:nvSpPr>
+        <p:spPr/>
+        <p:txBody>
+          <a:bodyPr/>
+          <a:lstStyle/>
+          <a:p>
+            <a:endParaRPr lang="en-US"/>
+          </a:p>
+        </p:txBody>
+      </p:sp>
+    </p:spTree>
+    <p:extLst>
+      <p:ext uri="{BB962C8B-B14F-4D97-AF65-F5344CB8AC3E}">
+        <p14:creationId xmlns:p14="http://schemas.microsoft.com/office/powerpoint/2010/main" val="2583514469"/>
+      </p:ext>
+    </p:extLst>
+  </p:cSld>
+  <p:clrMapOvr>
+    <a:masterClrMapping/>
+  </p:clrMapOvr>
+</p:sld>
+</file>
+
+<file path=ppt/slides/slide55.xml><?xml version="1.0" encoding="utf-8"?>
+<p:sld xmlns:a="http://schemas.openxmlformats.org/drawingml/2006/main" xmlns:r="http://schemas.openxmlformats.org/officeDocument/2006/relationships" xmlns:p="http://schemas.openxmlformats.org/presentationml/2006/main">
+  <p:cSld>
+    <p:spTree>
+      <p:nvGrpSpPr>
+        <p:cNvPr id="1" name=""/>
+        <p:cNvGrpSpPr/>
+        <p:nvPr/>
+      </p:nvGrpSpPr>
+      <p:grpSpPr>
+        <a:xfrm>
+          <a:off x="0" y="0"/>
+          <a:ext cx="0" cy="0"/>
+          <a:chOff x="0" y="0"/>
+          <a:chExt cx="0" cy="0"/>
+        </a:xfrm>
+      </p:grpSpPr>
+      <p:sp>
+        <p:nvSpPr>
+          <p:cNvPr id="2" name="Title 1"/>
+          <p:cNvSpPr>
+            <a:spLocks noGrp="1"/>
+          </p:cNvSpPr>
+          <p:nvPr>
+            <p:ph type="title"/>
+          </p:nvPr>
+        </p:nvSpPr>
+        <p:spPr/>
+        <p:txBody>
+          <a:bodyPr/>
+          <a:lstStyle/>
+          <a:p>
+            <a:r>
+              <a:rPr lang="en-US" dirty="0" smtClean="0"/>
+              <a:t>Conclusion</a:t>
+            </a:r>
+            <a:endParaRPr lang="en-US" dirty="0"/>
+          </a:p>
+        </p:txBody>
+      </p:sp>
+      <p:sp>
+        <p:nvSpPr>
+          <p:cNvPr id="3" name="Text Placeholder 2"/>
+          <p:cNvSpPr>
+            <a:spLocks noGrp="1"/>
+          </p:cNvSpPr>
+          <p:nvPr>
+            <p:ph type="body" idx="1"/>
+          </p:nvPr>
+        </p:nvSpPr>
+        <p:spPr/>
+        <p:txBody>
+          <a:bodyPr/>
+          <a:lstStyle/>
+          <a:p>
+            <a:r>
+              <a:rPr lang="en-US" dirty="0" smtClean="0"/>
+              <a:t>Part 7</a:t>
+            </a:r>
+            <a:endParaRPr lang="en-US" dirty="0"/>
+          </a:p>
+        </p:txBody>
+      </p:sp>
+    </p:spTree>
+    <p:extLst>
+      <p:ext uri="{BB962C8B-B14F-4D97-AF65-F5344CB8AC3E}">
+        <p14:creationId xmlns:p14="http://schemas.microsoft.com/office/powerpoint/2010/main" val="1628651473"/>
+      </p:ext>
+    </p:extLst>
+  </p:cSld>
+  <p:clrMapOvr>
+    <a:masterClrMapping/>
+  </p:clrMapOvr>
+</p:sld>
+</file>
+
+<file path=ppt/slides/slide56.xml><?xml version="1.0" encoding="utf-8"?>
+<p:sld xmlns:a="http://schemas.openxmlformats.org/drawingml/2006/main" xmlns:r="http://schemas.openxmlformats.org/officeDocument/2006/relationships" xmlns:p="http://schemas.openxmlformats.org/presentationml/2006/main">
+  <p:cSld>
+    <p:spTree>
+      <p:nvGrpSpPr>
+        <p:cNvPr id="1" name=""/>
+        <p:cNvGrpSpPr/>
+        <p:nvPr/>
+      </p:nvGrpSpPr>
+      <p:grpSpPr>
+        <a:xfrm>
+          <a:off x="0" y="0"/>
+          <a:ext cx="0" cy="0"/>
+          <a:chOff x="0" y="0"/>
+          <a:chExt cx="0" cy="0"/>
+        </a:xfrm>
+      </p:grpSpPr>
+      <p:sp>
+        <p:nvSpPr>
+          <p:cNvPr id="2" name="Title 1"/>
+          <p:cNvSpPr>
+            <a:spLocks noGrp="1"/>
+          </p:cNvSpPr>
+          <p:nvPr>
+            <p:ph type="title"/>
+          </p:nvPr>
+        </p:nvSpPr>
+        <p:spPr/>
+        <p:txBody>
+          <a:bodyPr/>
+          <a:lstStyle/>
+          <a:p>
+            <a:r>
+              <a:rPr lang="en-US" dirty="0" smtClean="0"/>
+              <a:t>Conclusion</a:t>
+            </a:r>
+            <a:endParaRPr lang="en-US" dirty="0"/>
+          </a:p>
+        </p:txBody>
+      </p:sp>
+      <p:sp>
+        <p:nvSpPr>
+          <p:cNvPr id="3" name="Text Placeholder 2"/>
+          <p:cNvSpPr>
+            <a:spLocks noGrp="1"/>
+          </p:cNvSpPr>
+          <p:nvPr>
+            <p:ph idx="1"/>
+          </p:nvPr>
+        </p:nvSpPr>
+        <p:spPr/>
+        <p:txBody>
+          <a:bodyPr/>
+          <a:lstStyle/>
+          <a:p>
+            <a:endParaRPr lang="en-US" dirty="0"/>
+          </a:p>
+        </p:txBody>
+      </p:sp>
+    </p:spTree>
+    <p:extLst>
+      <p:ext uri="{BB962C8B-B14F-4D97-AF65-F5344CB8AC3E}">
+        <p14:creationId xmlns:p14="http://schemas.microsoft.com/office/powerpoint/2010/main" val="3672349921"/>
+      </p:ext>
+    </p:extLst>
+  </p:cSld>
+  <p:clrMapOvr>
+    <a:masterClrMapping/>
+  </p:clrMapOvr>
+</p:sld>
+</file>
+
+<file path=ppt/slides/slide57.xml><?xml version="1.0" encoding="utf-8"?>
+<p:sld xmlns:a="http://schemas.openxmlformats.org/drawingml/2006/main" xmlns:r="http://schemas.openxmlformats.org/officeDocument/2006/relationships" xmlns:p="http://schemas.openxmlformats.org/presentationml/2006/main">
+  <p:cSld>
+    <p:spTree>
+      <p:nvGrpSpPr>
+        <p:cNvPr id="1" name=""/>
+        <p:cNvGrpSpPr/>
+        <p:nvPr/>
+      </p:nvGrpSpPr>
+      <p:grpSpPr>
+        <a:xfrm>
+          <a:off x="0" y="0"/>
+          <a:ext cx="0" cy="0"/>
+          <a:chOff x="0" y="0"/>
+          <a:chExt cx="0" cy="0"/>
+        </a:xfrm>
+      </p:grpSpPr>
+      <p:sp>
+        <p:nvSpPr>
+          <p:cNvPr id="2" name="Title 1"/>
+          <p:cNvSpPr>
+            <a:spLocks noGrp="1"/>
+          </p:cNvSpPr>
+          <p:nvPr>
+            <p:ph type="title"/>
+          </p:nvPr>
+        </p:nvSpPr>
+        <p:spPr/>
+        <p:txBody>
+          <a:bodyPr/>
+          <a:lstStyle/>
+          <a:p>
+            <a:r>
+              <a:rPr lang="en-US" dirty="0" smtClean="0"/>
+              <a:t>Conclusion</a:t>
+            </a:r>
+            <a:endParaRPr lang="en-US" dirty="0"/>
+          </a:p>
+        </p:txBody>
+      </p:sp>
+      <p:sp>
+        <p:nvSpPr>
+          <p:cNvPr id="3" name="Text Placeholder 2"/>
+          <p:cNvSpPr>
+            <a:spLocks noGrp="1"/>
+          </p:cNvSpPr>
+          <p:nvPr>
+            <p:ph idx="1"/>
+          </p:nvPr>
+        </p:nvSpPr>
+        <p:spPr/>
+        <p:txBody>
+          <a:bodyPr/>
+          <a:lstStyle/>
+          <a:p>
+            <a:endParaRPr lang="en-US" dirty="0"/>
+          </a:p>
+        </p:txBody>
+      </p:sp>
+    </p:spTree>
+    <p:extLst>
+      <p:ext uri="{BB962C8B-B14F-4D97-AF65-F5344CB8AC3E}">
+        <p14:creationId xmlns:p14="http://schemas.microsoft.com/office/powerpoint/2010/main" val="1269034346"/>
+      </p:ext>
+    </p:extLst>
+  </p:cSld>
+  <p:clrMapOvr>
+    <a:masterClrMapping/>
+  </p:clrMapOvr>
+</p:sld>
+</file>
+
+<file path=ppt/slides/slide58.xml><?xml version="1.0" encoding="utf-8"?>
+<p:sld xmlns:a="http://schemas.openxmlformats.org/drawingml/2006/main" xmlns:r="http://schemas.openxmlformats.org/officeDocument/2006/relationships" xmlns:p="http://schemas.openxmlformats.org/presentationml/2006/main">
+  <p:cSld>
+    <p:spTree>
+      <p:nvGrpSpPr>
+        <p:cNvPr id="1" name=""/>
+        <p:cNvGrpSpPr/>
+        <p:nvPr/>
+      </p:nvGrpSpPr>
+      <p:grpSpPr>
+        <a:xfrm>
+          <a:off x="0" y="0"/>
+          <a:ext cx="0" cy="0"/>
+          <a:chOff x="0" y="0"/>
+          <a:chExt cx="0" cy="0"/>
+        </a:xfrm>
+      </p:grpSpPr>
+      <p:sp>
+        <p:nvSpPr>
+          <p:cNvPr id="2" name="Title 1"/>
+          <p:cNvSpPr>
+            <a:spLocks noGrp="1"/>
+          </p:cNvSpPr>
+          <p:nvPr>
+            <p:ph type="title"/>
+          </p:nvPr>
+        </p:nvSpPr>
+        <p:spPr/>
+        <p:txBody>
+          <a:bodyPr/>
+          <a:lstStyle/>
+          <a:p>
+            <a:r>
+              <a:rPr lang="en-US" dirty="0" smtClean="0"/>
+              <a:t>Conclusion</a:t>
+            </a:r>
+            <a:endParaRPr lang="en-US" dirty="0"/>
+          </a:p>
+        </p:txBody>
+      </p:sp>
+      <p:sp>
+        <p:nvSpPr>
+          <p:cNvPr id="3" name="Text Placeholder 2"/>
+          <p:cNvSpPr>
+            <a:spLocks noGrp="1"/>
+          </p:cNvSpPr>
+          <p:nvPr>
+            <p:ph idx="1"/>
+          </p:nvPr>
+        </p:nvSpPr>
+        <p:spPr/>
+        <p:txBody>
+          <a:bodyPr/>
+          <a:lstStyle/>
+          <a:p>
+            <a:endParaRPr lang="en-US" dirty="0"/>
+          </a:p>
+        </p:txBody>
+      </p:sp>
+    </p:spTree>
+    <p:extLst>
+      <p:ext uri="{BB962C8B-B14F-4D97-AF65-F5344CB8AC3E}">
+        <p14:creationId xmlns:p14="http://schemas.microsoft.com/office/powerpoint/2010/main" val="2789539266"/>
+      </p:ext>
+    </p:extLst>
+  </p:cSld>
+  <p:clrMapOvr>
+    <a:masterClrMapping/>
+  </p:clrMapOvr>
+</p:sld>
+</file>
+
+<file path=ppt/slides/slide59.xml><?xml version="1.0" encoding="utf-8"?>
+<p:sld xmlns:a="http://schemas.openxmlformats.org/drawingml/2006/main" xmlns:r="http://schemas.openxmlformats.org/officeDocument/2006/relationships" xmlns:p="http://schemas.openxmlformats.org/presentationml/2006/main">
+  <p:cSld>
+    <p:spTree>
+      <p:nvGrpSpPr>
+        <p:cNvPr id="1" name=""/>
+        <p:cNvGrpSpPr/>
+        <p:nvPr/>
+      </p:nvGrpSpPr>
+      <p:grpSpPr>
+        <a:xfrm>
+          <a:off x="0" y="0"/>
+          <a:ext cx="0" cy="0"/>
+          <a:chOff x="0" y="0"/>
+          <a:chExt cx="0" cy="0"/>
+        </a:xfrm>
+      </p:grpSpPr>
+      <p:sp>
+        <p:nvSpPr>
+          <p:cNvPr id="2" name="Title 1"/>
+          <p:cNvSpPr>
+            <a:spLocks noGrp="1"/>
+          </p:cNvSpPr>
+          <p:nvPr>
+            <p:ph type="title"/>
+          </p:nvPr>
+        </p:nvSpPr>
+        <p:spPr/>
+        <p:txBody>
+          <a:bodyPr/>
+          <a:lstStyle/>
+          <a:p>
+            <a:r>
+              <a:rPr lang="en-US" dirty="0" smtClean="0"/>
+              <a:t>Thanks</a:t>
+            </a:r>
+            <a:endParaRPr lang="en-US" dirty="0"/>
+          </a:p>
+        </p:txBody>
+      </p:sp>
+      <p:sp>
+        <p:nvSpPr>
+          <p:cNvPr id="3" name="Text Placeholder 2"/>
+          <p:cNvSpPr>
+            <a:spLocks noGrp="1"/>
+          </p:cNvSpPr>
+          <p:nvPr>
+            <p:ph idx="1"/>
+          </p:nvPr>
+        </p:nvSpPr>
+        <p:spPr/>
+        <p:txBody>
+          <a:bodyPr/>
+          <a:lstStyle/>
+          <a:p>
+            <a:r>
+              <a:rPr lang="en-US" dirty="0" smtClean="0"/>
+              <a:t>Supervisors:</a:t>
+            </a:r>
+          </a:p>
+          <a:p>
+            <a:pPr lvl="1"/>
+            <a:r>
+              <a:rPr lang="en-US" dirty="0" smtClean="0"/>
+              <a:t>Thomas Hildebrandt</a:t>
+            </a:r>
+          </a:p>
+          <a:p>
+            <a:pPr lvl="1"/>
+            <a:r>
+              <a:rPr lang="en-US" dirty="0" err="1" smtClean="0"/>
+              <a:t>Søren</a:t>
+            </a:r>
+            <a:r>
+              <a:rPr lang="en-US" dirty="0" smtClean="0"/>
+              <a:t> </a:t>
+            </a:r>
+            <a:r>
+              <a:rPr lang="en-US" dirty="0" err="1" smtClean="0"/>
+              <a:t>Debois</a:t>
+            </a:r>
+            <a:endParaRPr lang="en-US" dirty="0"/>
+          </a:p>
+          <a:p>
+            <a:pPr lvl="1"/>
+            <a:endParaRPr lang="en-US" dirty="0" smtClean="0"/>
+          </a:p>
+          <a:p>
+            <a:r>
+              <a:rPr lang="en-US" dirty="0" smtClean="0"/>
+              <a:t>Supported by: The Danish </a:t>
+            </a:r>
+            <a:r>
+              <a:rPr lang="en-US" dirty="0"/>
+              <a:t>Research Agency (grant no.: 2106-080046) and the IT University of </a:t>
+            </a:r>
+            <a:r>
+              <a:rPr lang="en-US" dirty="0" smtClean="0"/>
+              <a:t>Copenhagen </a:t>
+            </a:r>
+            <a:r>
+              <a:rPr lang="en-US" dirty="0"/>
+              <a:t>(the Jingling Genies project)</a:t>
+            </a:r>
+          </a:p>
+        </p:txBody>
+      </p:sp>
+    </p:spTree>
+    <p:extLst>
+      <p:ext uri="{BB962C8B-B14F-4D97-AF65-F5344CB8AC3E}">
+        <p14:creationId xmlns:p14="http://schemas.microsoft.com/office/powerpoint/2010/main" val="1596540724"/>
       </p:ext>
     </p:extLst>
   </p:cSld>
@@ -4961,7 +8603,7 @@
       </p:grpSpPr>
       <p:sp>
         <p:nvSpPr>
-          <p:cNvPr id="5" name="Title 4"/>
+          <p:cNvPr id="2" name="Title 1"/>
           <p:cNvSpPr>
             <a:spLocks noGrp="1"/>
           </p:cNvSpPr>
@@ -4975,59 +8617,43 @@
           <a:lstStyle/>
           <a:p>
             <a:r>
-              <a:rPr lang="en-US" dirty="0" err="1" smtClean="0"/>
-              <a:t>Modelling</a:t>
-            </a:r>
-            <a:endParaRPr lang="en-US" dirty="0"/>
-          </a:p>
-        </p:txBody>
-      </p:sp>
-      <p:sp>
-        <p:nvSpPr>
-          <p:cNvPr id="6" name="Content Placeholder 5"/>
-          <p:cNvSpPr>
-            <a:spLocks noGrp="1"/>
-          </p:cNvSpPr>
-          <p:nvPr>
-            <p:ph idx="1"/>
-          </p:nvPr>
-        </p:nvSpPr>
-        <p:spPr/>
-        <p:txBody>
-          <a:bodyPr/>
-          <a:lstStyle/>
-          <a:p>
-            <a:r>
-              <a:rPr lang="en-US" dirty="0" smtClean="0"/>
-              <a:t>A system can be too complex to understand or </a:t>
-            </a:r>
-            <a:r>
-              <a:rPr lang="en-US" dirty="0" err="1" smtClean="0"/>
-              <a:t>analyse</a:t>
-            </a:r>
-            <a:r>
-              <a:rPr lang="en-US" dirty="0" smtClean="0"/>
-              <a:t> directly</a:t>
-            </a:r>
-          </a:p>
-          <a:p>
-            <a:r>
-              <a:rPr lang="en-US" dirty="0" smtClean="0"/>
-              <a:t>A model can be a simplification or an abstraction</a:t>
-            </a:r>
-          </a:p>
-          <a:p>
-            <a:r>
-              <a:rPr lang="en-US" dirty="0" smtClean="0"/>
-              <a:t>… or simply a blueprint that can be </a:t>
-            </a:r>
-            <a:r>
-              <a:rPr lang="en-US" dirty="0" err="1" smtClean="0"/>
-              <a:t>analysed</a:t>
-            </a:r>
-            <a:r>
-              <a:rPr lang="en-US" dirty="0" smtClean="0"/>
-              <a:t> prior to constructing something larger</a:t>
+              <a:rPr lang="en-US" dirty="0" smtClean="0"/>
+              <a:t>Plato ideal forms abstracted commonality</a:t>
+            </a:r>
+            <a:endParaRPr lang="en-US" dirty="0"/>
+          </a:p>
+        </p:txBody>
+      </p:sp>
+      <p:sp>
+        <p:nvSpPr>
+          <p:cNvPr id="3" name="Picture Placeholder 2"/>
+          <p:cNvSpPr>
+            <a:spLocks noGrp="1"/>
+          </p:cNvSpPr>
+          <p:nvPr>
+            <p:ph type="pic" idx="1"/>
+          </p:nvPr>
+        </p:nvSpPr>
+        <p:spPr/>
+      </p:sp>
+      <p:sp>
+        <p:nvSpPr>
+          <p:cNvPr id="4" name="Text Placeholder 3"/>
+          <p:cNvSpPr>
+            <a:spLocks noGrp="1"/>
+          </p:cNvSpPr>
+          <p:nvPr>
+            <p:ph type="body" sz="half" idx="2"/>
+          </p:nvPr>
+        </p:nvSpPr>
+        <p:spPr/>
+        <p:txBody>
+          <a:bodyPr/>
+          <a:lstStyle/>
+          <a:p>
+            <a:r>
+              <a:rPr lang="en-US" dirty="0" smtClean="0"/>
+              <a:t>Function and scale at which common explanation can occur</a:t>
             </a:r>
             <a:endParaRPr lang="en-US" dirty="0"/>
           </a:p>
@@ -5036,7 +8662,65 @@
     </p:spTree>
     <p:extLst>
       <p:ext uri="{BB962C8B-B14F-4D97-AF65-F5344CB8AC3E}">
-        <p14:creationId xmlns:p14="http://schemas.microsoft.com/office/powerpoint/2010/main" val="1014213082"/>
+        <p14:creationId xmlns:p14="http://schemas.microsoft.com/office/powerpoint/2010/main" val="2973820197"/>
+      </p:ext>
+    </p:extLst>
+  </p:cSld>
+  <p:clrMapOvr>
+    <a:masterClrMapping/>
+  </p:clrMapOvr>
+</p:sld>
+</file>
+
+<file path=ppt/slides/slide60.xml><?xml version="1.0" encoding="utf-8"?>
+<p:sld xmlns:a="http://schemas.openxmlformats.org/drawingml/2006/main" xmlns:r="http://schemas.openxmlformats.org/officeDocument/2006/relationships" xmlns:p="http://schemas.openxmlformats.org/presentationml/2006/main">
+  <p:cSld>
+    <p:spTree>
+      <p:nvGrpSpPr>
+        <p:cNvPr id="1" name=""/>
+        <p:cNvGrpSpPr/>
+        <p:nvPr/>
+      </p:nvGrpSpPr>
+      <p:grpSpPr>
+        <a:xfrm>
+          <a:off x="0" y="0"/>
+          <a:ext cx="0" cy="0"/>
+          <a:chOff x="0" y="0"/>
+          <a:chExt cx="0" cy="0"/>
+        </a:xfrm>
+      </p:grpSpPr>
+      <p:sp>
+        <p:nvSpPr>
+          <p:cNvPr id="2" name="Title 1"/>
+          <p:cNvSpPr>
+            <a:spLocks noGrp="1"/>
+          </p:cNvSpPr>
+          <p:nvPr>
+            <p:ph type="title"/>
+          </p:nvPr>
+        </p:nvSpPr>
+        <p:spPr>
+          <a:xfrm>
+            <a:off x="457200" y="2536057"/>
+            <a:ext cx="8229600" cy="1143000"/>
+          </a:xfrm>
+        </p:spPr>
+        <p:txBody>
+          <a:bodyPr/>
+          <a:lstStyle/>
+          <a:p>
+            <a:r>
+              <a:rPr lang="en-US" dirty="0" smtClean="0"/>
+              <a:t>Thank You!</a:t>
+            </a:r>
+            <a:endParaRPr lang="en-US" dirty="0"/>
+          </a:p>
+        </p:txBody>
+      </p:sp>
+    </p:spTree>
+    <p:extLst>
+      <p:ext uri="{BB962C8B-B14F-4D97-AF65-F5344CB8AC3E}">
+        <p14:creationId xmlns:p14="http://schemas.microsoft.com/office/powerpoint/2010/main" val="3826351237"/>
       </p:ext>
     </p:extLst>
   </p:cSld>
@@ -5065,7 +8749,7 @@
       </p:grpSpPr>
       <p:sp>
         <p:nvSpPr>
-          <p:cNvPr id="4" name="Title 3"/>
+          <p:cNvPr id="5" name="Title 4"/>
           <p:cNvSpPr>
             <a:spLocks noGrp="1"/>
           </p:cNvSpPr>
@@ -5079,54 +8763,59 @@
           <a:lstStyle/>
           <a:p>
             <a:r>
-              <a:rPr lang="en-US" dirty="0" smtClean="0"/>
-              <a:t>Simplifying assumptions</a:t>
-            </a:r>
-            <a:endParaRPr lang="en-US" dirty="0"/>
-          </a:p>
-        </p:txBody>
-      </p:sp>
-      <p:pic>
-        <p:nvPicPr>
-          <p:cNvPr id="7" name="Picture Placeholder 6"/>
-          <p:cNvPicPr>
-            <a:picLocks noGrp="1" noChangeAspect="1"/>
-          </p:cNvPicPr>
-          <p:nvPr>
-            <p:ph type="pic" idx="1"/>
-          </p:nvPr>
-        </p:nvPicPr>
-        <p:blipFill>
-          <a:blip r:embed="rId2"/>
-          <a:srcRect t="3125" b="3125"/>
-          <a:stretch>
-            <a:fillRect/>
-          </a:stretch>
-        </p:blipFill>
-        <p:spPr/>
-      </p:pic>
-      <p:sp>
-        <p:nvSpPr>
-          <p:cNvPr id="6" name="Text Placeholder 5"/>
-          <p:cNvSpPr>
-            <a:spLocks noGrp="1"/>
-          </p:cNvSpPr>
-          <p:nvPr>
-            <p:ph type="body" sz="half" idx="2"/>
-          </p:nvPr>
-        </p:nvSpPr>
-        <p:spPr/>
-        <p:txBody>
-          <a:bodyPr/>
-          <a:lstStyle/>
-          <a:p>
-            <a:r>
-              <a:rPr lang="en-US" dirty="0" smtClean="0"/>
-              <a:t>Source: </a:t>
-            </a:r>
-            <a:r>
               <a:rPr lang="en-US" dirty="0" err="1" smtClean="0"/>
-              <a:t>Boeing.com</a:t>
+              <a:t>Modelling</a:t>
+            </a:r>
+            <a:endParaRPr lang="en-US" dirty="0"/>
+          </a:p>
+        </p:txBody>
+      </p:sp>
+      <p:sp>
+        <p:nvSpPr>
+          <p:cNvPr id="6" name="Content Placeholder 5"/>
+          <p:cNvSpPr>
+            <a:spLocks noGrp="1"/>
+          </p:cNvSpPr>
+          <p:nvPr>
+            <p:ph idx="1"/>
+          </p:nvPr>
+        </p:nvSpPr>
+        <p:spPr/>
+        <p:txBody>
+          <a:bodyPr/>
+          <a:lstStyle/>
+          <a:p>
+            <a:r>
+              <a:rPr lang="en-US" dirty="0" smtClean="0"/>
+              <a:t>A system can be too complex to understand or </a:t>
+            </a:r>
+            <a:r>
+              <a:rPr lang="en-US" dirty="0" err="1" smtClean="0"/>
+              <a:t>analyse</a:t>
+            </a:r>
+            <a:r>
+              <a:rPr lang="en-US" dirty="0" smtClean="0"/>
+              <a:t> directly</a:t>
+            </a:r>
+          </a:p>
+          <a:p>
+            <a:r>
+              <a:rPr lang="en-US" dirty="0" smtClean="0"/>
+              <a:t>A model can be a simplification or an abstraction</a:t>
+            </a:r>
+          </a:p>
+          <a:p>
+            <a:r>
+              <a:rPr lang="en-US" dirty="0" smtClean="0"/>
+              <a:t>… or simply a blueprint that can be </a:t>
+            </a:r>
+            <a:r>
+              <a:rPr lang="en-US" dirty="0" err="1" smtClean="0"/>
+              <a:t>analysed</a:t>
+            </a:r>
+            <a:r>
+              <a:rPr lang="en-US" dirty="0" smtClean="0"/>
+              <a:t> prior to constructing something larger</a:t>
             </a:r>
             <a:endParaRPr lang="en-US" dirty="0"/>
           </a:p>
@@ -5135,7 +8824,7 @@
     </p:spTree>
     <p:extLst>
       <p:ext uri="{BB962C8B-B14F-4D97-AF65-F5344CB8AC3E}">
-        <p14:creationId xmlns:p14="http://schemas.microsoft.com/office/powerpoint/2010/main" val="1798547780"/>
+        <p14:creationId xmlns:p14="http://schemas.microsoft.com/office/powerpoint/2010/main" val="1014213082"/>
       </p:ext>
     </p:extLst>
   </p:cSld>
@@ -5164,7 +8853,7 @@
       </p:grpSpPr>
       <p:sp>
         <p:nvSpPr>
-          <p:cNvPr id="6" name="Title 5"/>
+          <p:cNvPr id="4" name="Title 3"/>
           <p:cNvSpPr>
             <a:spLocks noGrp="1"/>
           </p:cNvSpPr>
@@ -5179,36 +8868,53 @@
           <a:p>
             <a:r>
               <a:rPr lang="en-US" dirty="0" smtClean="0"/>
-              <a:t>Simplifying Assumptions</a:t>
-            </a:r>
-            <a:endParaRPr lang="en-US" dirty="0"/>
-          </a:p>
-        </p:txBody>
-      </p:sp>
-      <p:sp>
-        <p:nvSpPr>
-          <p:cNvPr id="7" name="Content Placeholder 6"/>
-          <p:cNvSpPr>
-            <a:spLocks noGrp="1"/>
-          </p:cNvSpPr>
-          <p:nvPr>
-            <p:ph idx="1"/>
-          </p:nvPr>
-        </p:nvSpPr>
-        <p:spPr/>
-        <p:txBody>
-          <a:bodyPr/>
-          <a:lstStyle/>
-          <a:p>
-            <a:r>
-              <a:rPr lang="en-US" dirty="0" smtClean="0"/>
-              <a:t>When testing the aerodynamic properties of a plane, it’s not necessary that the seats be comfortable.</a:t>
-            </a:r>
-          </a:p>
-          <a:p>
-            <a:r>
-              <a:rPr lang="en-US" dirty="0" smtClean="0"/>
-              <a:t>A model may ignore or simplify some properties in order to focus attention on the interesting or important properties</a:t>
+              <a:t>Simplifying assumptions</a:t>
+            </a:r>
+            <a:endParaRPr lang="en-US" dirty="0"/>
+          </a:p>
+        </p:txBody>
+      </p:sp>
+      <p:pic>
+        <p:nvPicPr>
+          <p:cNvPr id="7" name="Picture Placeholder 6"/>
+          <p:cNvPicPr>
+            <a:picLocks noGrp="1" noChangeAspect="1"/>
+          </p:cNvPicPr>
+          <p:nvPr>
+            <p:ph type="pic" idx="1"/>
+          </p:nvPr>
+        </p:nvPicPr>
+        <p:blipFill>
+          <a:blip r:embed="rId2"/>
+          <a:srcRect t="3125" b="3125"/>
+          <a:stretch>
+            <a:fillRect/>
+          </a:stretch>
+        </p:blipFill>
+        <p:spPr/>
+      </p:pic>
+      <p:sp>
+        <p:nvSpPr>
+          <p:cNvPr id="6" name="Text Placeholder 5"/>
+          <p:cNvSpPr>
+            <a:spLocks noGrp="1"/>
+          </p:cNvSpPr>
+          <p:nvPr>
+            <p:ph type="body" sz="half" idx="2"/>
+          </p:nvPr>
+        </p:nvSpPr>
+        <p:spPr/>
+        <p:txBody>
+          <a:bodyPr/>
+          <a:lstStyle/>
+          <a:p>
+            <a:r>
+              <a:rPr lang="en-US" dirty="0" smtClean="0"/>
+              <a:t>Source: </a:t>
+            </a:r>
+            <a:r>
+              <a:rPr lang="en-US" dirty="0" err="1" smtClean="0"/>
+              <a:t>Boeing.com</a:t>
             </a:r>
             <a:endParaRPr lang="en-US" dirty="0"/>
           </a:p>
@@ -5217,7 +8923,7 @@
     </p:spTree>
     <p:extLst>
       <p:ext uri="{BB962C8B-B14F-4D97-AF65-F5344CB8AC3E}">
-        <p14:creationId xmlns:p14="http://schemas.microsoft.com/office/powerpoint/2010/main" val="1759835831"/>
+        <p14:creationId xmlns:p14="http://schemas.microsoft.com/office/powerpoint/2010/main" val="1798547780"/>
       </p:ext>
     </p:extLst>
   </p:cSld>
@@ -5246,7 +8952,7 @@
       </p:grpSpPr>
       <p:sp>
         <p:nvSpPr>
-          <p:cNvPr id="2" name="Title 1"/>
+          <p:cNvPr id="6" name="Title 5"/>
           <p:cNvSpPr>
             <a:spLocks noGrp="1"/>
           </p:cNvSpPr>
@@ -5261,15 +8967,15 @@
           <a:p>
             <a:r>
               <a:rPr lang="en-US" dirty="0" smtClean="0"/>
-              <a:t>Communicating Systems</a:t>
-            </a:r>
-            <a:endParaRPr lang="en-US" dirty="0"/>
-          </a:p>
-        </p:txBody>
-      </p:sp>
-      <p:sp>
-        <p:nvSpPr>
-          <p:cNvPr id="3" name="Content Placeholder 2"/>
+              <a:t>Simplifying Assumptions</a:t>
+            </a:r>
+            <a:endParaRPr lang="en-US" dirty="0"/>
+          </a:p>
+        </p:txBody>
+      </p:sp>
+      <p:sp>
+        <p:nvSpPr>
+          <p:cNvPr id="7" name="Content Placeholder 6"/>
           <p:cNvSpPr>
             <a:spLocks noGrp="1"/>
           </p:cNvSpPr>
@@ -5284,29 +8990,20 @@
           <a:p>
             <a:r>
               <a:rPr lang="en-US" dirty="0" smtClean="0"/>
-              <a:t>Software systems are some of the most complex systems we build today</a:t>
-            </a:r>
-          </a:p>
-          <a:p>
-            <a:r>
-              <a:rPr lang="en-US" dirty="0" smtClean="0"/>
-              <a:t>We struggle to understand them</a:t>
-            </a:r>
-          </a:p>
-          <a:p>
-            <a:r>
-              <a:rPr lang="en-US" dirty="0" smtClean="0"/>
-              <a:t>These systems must communicate persistently in order to achieve outcomes</a:t>
-            </a:r>
-          </a:p>
-          <a:p>
-            <a:r>
-              <a:rPr lang="en-US" dirty="0"/>
-              <a:t>e</a:t>
-            </a:r>
-            <a:r>
-              <a:rPr lang="en-US" dirty="0" smtClean="0"/>
-              <a:t>.g., a simple banking transaction must communicate with multiple parties.</a:t>
+              <a:t>When testing the aerodynamic properties of a plane, it’s not necessary that the seats be comfortable.</a:t>
+            </a:r>
+          </a:p>
+          <a:p>
+            <a:r>
+              <a:rPr lang="en-US" dirty="0" smtClean="0"/>
+              <a:t>A model may ignore or simplify some properties in order to focus attention on the interesting or important properties</a:t>
+            </a:r>
+          </a:p>
+          <a:p>
+            <a:pPr lvl="1"/>
+            <a:r>
+              <a:rPr lang="en-US" dirty="0" smtClean="0"/>
+              <a:t>(scientific method – control (i.e., eliminate) some factors in order to understand the interplay and functioning of others)</a:t>
             </a:r>
             <a:endParaRPr lang="en-US" dirty="0"/>
           </a:p>
@@ -5315,7 +9012,7 @@
     </p:spTree>
     <p:extLst>
       <p:ext uri="{BB962C8B-B14F-4D97-AF65-F5344CB8AC3E}">
-        <p14:creationId xmlns:p14="http://schemas.microsoft.com/office/powerpoint/2010/main" val="1175472045"/>
+        <p14:creationId xmlns:p14="http://schemas.microsoft.com/office/powerpoint/2010/main" val="1759835831"/>
       </p:ext>
     </p:extLst>
   </p:cSld>

--- a/PhDDefense.pptx
+++ b/PhDDefense.pptx
@@ -7,73 +7,79 @@
   <p:sldIdLst>
     <p:sldId id="256" r:id="rId2"/>
     <p:sldId id="317" r:id="rId3"/>
-    <p:sldId id="257" r:id="rId4"/>
-    <p:sldId id="267" r:id="rId5"/>
-    <p:sldId id="268" r:id="rId6"/>
-    <p:sldId id="265" r:id="rId7"/>
-    <p:sldId id="266" r:id="rId8"/>
-    <p:sldId id="312" r:id="rId9"/>
-    <p:sldId id="269" r:id="rId10"/>
-    <p:sldId id="264" r:id="rId11"/>
+    <p:sldId id="329" r:id="rId4"/>
+    <p:sldId id="257" r:id="rId5"/>
+    <p:sldId id="267" r:id="rId6"/>
+    <p:sldId id="268" r:id="rId7"/>
+    <p:sldId id="265" r:id="rId8"/>
+    <p:sldId id="266" r:id="rId9"/>
+    <p:sldId id="264" r:id="rId10"/>
+    <p:sldId id="269" r:id="rId11"/>
     <p:sldId id="313" r:id="rId12"/>
     <p:sldId id="270" r:id="rId13"/>
     <p:sldId id="271" r:id="rId14"/>
-    <p:sldId id="272" r:id="rId15"/>
-    <p:sldId id="273" r:id="rId16"/>
-    <p:sldId id="314" r:id="rId17"/>
-    <p:sldId id="277" r:id="rId18"/>
-    <p:sldId id="278" r:id="rId19"/>
-    <p:sldId id="275" r:id="rId20"/>
-    <p:sldId id="276" r:id="rId21"/>
-    <p:sldId id="279" r:id="rId22"/>
-    <p:sldId id="315" r:id="rId23"/>
-    <p:sldId id="258" r:id="rId24"/>
-    <p:sldId id="280" r:id="rId25"/>
-    <p:sldId id="281" r:id="rId26"/>
-    <p:sldId id="316" r:id="rId27"/>
-    <p:sldId id="282" r:id="rId28"/>
-    <p:sldId id="284" r:id="rId29"/>
-    <p:sldId id="285" r:id="rId30"/>
-    <p:sldId id="286" r:id="rId31"/>
-    <p:sldId id="283" r:id="rId32"/>
-    <p:sldId id="259" r:id="rId33"/>
-    <p:sldId id="287" r:id="rId34"/>
-    <p:sldId id="288" r:id="rId35"/>
-    <p:sldId id="289" r:id="rId36"/>
-    <p:sldId id="260" r:id="rId37"/>
-    <p:sldId id="290" r:id="rId38"/>
-    <p:sldId id="291" r:id="rId39"/>
-    <p:sldId id="292" r:id="rId40"/>
-    <p:sldId id="293" r:id="rId41"/>
-    <p:sldId id="319" r:id="rId42"/>
-    <p:sldId id="321" r:id="rId43"/>
-    <p:sldId id="322" r:id="rId44"/>
-    <p:sldId id="323" r:id="rId45"/>
-    <p:sldId id="324" r:id="rId46"/>
-    <p:sldId id="318" r:id="rId47"/>
-    <p:sldId id="325" r:id="rId48"/>
-    <p:sldId id="326" r:id="rId49"/>
-    <p:sldId id="327" r:id="rId50"/>
-    <p:sldId id="294" r:id="rId51"/>
-    <p:sldId id="295" r:id="rId52"/>
-    <p:sldId id="296" r:id="rId53"/>
-    <p:sldId id="261" r:id="rId54"/>
-    <p:sldId id="297" r:id="rId55"/>
-    <p:sldId id="298" r:id="rId56"/>
-    <p:sldId id="299" r:id="rId57"/>
-    <p:sldId id="300" r:id="rId58"/>
-    <p:sldId id="301" r:id="rId59"/>
-    <p:sldId id="302" r:id="rId60"/>
-    <p:sldId id="303" r:id="rId61"/>
-    <p:sldId id="262" r:id="rId62"/>
-    <p:sldId id="304" r:id="rId63"/>
-    <p:sldId id="305" r:id="rId64"/>
-    <p:sldId id="306" r:id="rId65"/>
-    <p:sldId id="263" r:id="rId66"/>
-    <p:sldId id="307" r:id="rId67"/>
-    <p:sldId id="308" r:id="rId68"/>
-    <p:sldId id="309" r:id="rId69"/>
-    <p:sldId id="310" r:id="rId70"/>
+    <p:sldId id="330" r:id="rId15"/>
+    <p:sldId id="331" r:id="rId16"/>
+    <p:sldId id="332" r:id="rId17"/>
+    <p:sldId id="333" r:id="rId18"/>
+    <p:sldId id="314" r:id="rId19"/>
+    <p:sldId id="272" r:id="rId20"/>
+    <p:sldId id="273" r:id="rId21"/>
+    <p:sldId id="334" r:id="rId22"/>
+    <p:sldId id="335" r:id="rId23"/>
+    <p:sldId id="277" r:id="rId24"/>
+    <p:sldId id="275" r:id="rId25"/>
+    <p:sldId id="276" r:id="rId26"/>
+    <p:sldId id="279" r:id="rId27"/>
+    <p:sldId id="315" r:id="rId28"/>
+    <p:sldId id="328" r:id="rId29"/>
+    <p:sldId id="258" r:id="rId30"/>
+    <p:sldId id="280" r:id="rId31"/>
+    <p:sldId id="281" r:id="rId32"/>
+    <p:sldId id="316" r:id="rId33"/>
+    <p:sldId id="282" r:id="rId34"/>
+    <p:sldId id="284" r:id="rId35"/>
+    <p:sldId id="285" r:id="rId36"/>
+    <p:sldId id="286" r:id="rId37"/>
+    <p:sldId id="283" r:id="rId38"/>
+    <p:sldId id="259" r:id="rId39"/>
+    <p:sldId id="287" r:id="rId40"/>
+    <p:sldId id="288" r:id="rId41"/>
+    <p:sldId id="289" r:id="rId42"/>
+    <p:sldId id="260" r:id="rId43"/>
+    <p:sldId id="290" r:id="rId44"/>
+    <p:sldId id="291" r:id="rId45"/>
+    <p:sldId id="292" r:id="rId46"/>
+    <p:sldId id="293" r:id="rId47"/>
+    <p:sldId id="319" r:id="rId48"/>
+    <p:sldId id="321" r:id="rId49"/>
+    <p:sldId id="322" r:id="rId50"/>
+    <p:sldId id="323" r:id="rId51"/>
+    <p:sldId id="324" r:id="rId52"/>
+    <p:sldId id="318" r:id="rId53"/>
+    <p:sldId id="325" r:id="rId54"/>
+    <p:sldId id="326" r:id="rId55"/>
+    <p:sldId id="327" r:id="rId56"/>
+    <p:sldId id="294" r:id="rId57"/>
+    <p:sldId id="295" r:id="rId58"/>
+    <p:sldId id="296" r:id="rId59"/>
+    <p:sldId id="261" r:id="rId60"/>
+    <p:sldId id="297" r:id="rId61"/>
+    <p:sldId id="298" r:id="rId62"/>
+    <p:sldId id="299" r:id="rId63"/>
+    <p:sldId id="300" r:id="rId64"/>
+    <p:sldId id="301" r:id="rId65"/>
+    <p:sldId id="302" r:id="rId66"/>
+    <p:sldId id="303" r:id="rId67"/>
+    <p:sldId id="262" r:id="rId68"/>
+    <p:sldId id="304" r:id="rId69"/>
+    <p:sldId id="305" r:id="rId70"/>
+    <p:sldId id="306" r:id="rId71"/>
+    <p:sldId id="263" r:id="rId72"/>
+    <p:sldId id="307" r:id="rId73"/>
+    <p:sldId id="308" r:id="rId74"/>
+    <p:sldId id="309" r:id="rId75"/>
+    <p:sldId id="310" r:id="rId76"/>
   </p:sldIdLst>
   <p:sldSz cx="9144000" cy="6858000" type="screen4x3"/>
   <p:notesSz cx="6858000" cy="9144000"/>
@@ -179,6 +185,7 @@
           <p14:sldIdLst>
             <p14:sldId id="256"/>
             <p14:sldId id="317"/>
+            <p14:sldId id="329"/>
           </p14:sldIdLst>
         </p14:section>
         <p14:section name="Modelling and Motivation" id="{C0A07AC9-03D3-6F4B-BA23-EAD42E4DCFD5}">
@@ -188,21 +195,26 @@
             <p14:sldId id="268"/>
             <p14:sldId id="265"/>
             <p14:sldId id="266"/>
-            <p14:sldId id="312"/>
+            <p14:sldId id="264"/>
             <p14:sldId id="269"/>
-            <p14:sldId id="264"/>
             <p14:sldId id="313"/>
             <p14:sldId id="270"/>
             <p14:sldId id="271"/>
+            <p14:sldId id="330"/>
+            <p14:sldId id="331"/>
+            <p14:sldId id="332"/>
+            <p14:sldId id="333"/>
+            <p14:sldId id="314"/>
             <p14:sldId id="272"/>
             <p14:sldId id="273"/>
-            <p14:sldId id="314"/>
+            <p14:sldId id="334"/>
+            <p14:sldId id="335"/>
             <p14:sldId id="277"/>
-            <p14:sldId id="278"/>
             <p14:sldId id="275"/>
             <p14:sldId id="276"/>
             <p14:sldId id="279"/>
             <p14:sldId id="315"/>
+            <p14:sldId id="328"/>
           </p14:sldIdLst>
         </p14:section>
         <p14:section name="Bigraphs" id="{0EC90A8C-094F-EE48-96A1-3BBFF24322A7}">
@@ -5325,6 +5337,13 @@
   <p:clrMapOvr>
     <a:masterClrMapping/>
   </p:clrMapOvr>
+  <p:timing>
+    <p:tnLst>
+      <p:par>
+        <p:cTn xmlns:p14="http://schemas.microsoft.com/office/powerpoint/2010/main" id="1" dur="indefinite" restart="never" nodeType="tmRoot"/>
+      </p:par>
+    </p:tnLst>
+  </p:timing>
 </p:sld>
 </file>
 
@@ -5347,7 +5366,7 @@
       </p:grpSpPr>
       <p:sp>
         <p:nvSpPr>
-          <p:cNvPr id="6" name="Title 5"/>
+          <p:cNvPr id="4" name="Title 3"/>
           <p:cNvSpPr>
             <a:spLocks noGrp="1"/>
           </p:cNvSpPr>
@@ -5362,7 +5381,7 @@
           <a:p>
             <a:r>
               <a:rPr lang="en-US" dirty="0" smtClean="0"/>
-              <a:t>Simplifying Assumptions</a:t>
+              <a:t>Simplifying assumptions</a:t>
             </a:r>
             <a:endParaRPr lang="en-US" dirty="0"/>
           </a:p>
@@ -5370,50 +5389,67 @@
       </p:sp>
       <p:sp>
         <p:nvSpPr>
-          <p:cNvPr id="7" name="Content Placeholder 6"/>
-          <p:cNvSpPr>
-            <a:spLocks noGrp="1"/>
-          </p:cNvSpPr>
-          <p:nvPr>
-            <p:ph idx="1"/>
+          <p:cNvPr id="6" name="Text Placeholder 5"/>
+          <p:cNvSpPr>
+            <a:spLocks noGrp="1"/>
+          </p:cNvSpPr>
+          <p:nvPr>
+            <p:ph type="body" sz="half" idx="2"/>
           </p:nvPr>
         </p:nvSpPr>
         <p:spPr/>
         <p:txBody>
-          <a:bodyPr/>
+          <a:bodyPr>
+            <a:normAutofit/>
+          </a:bodyPr>
           <a:lstStyle/>
           <a:p>
             <a:r>
-              <a:rPr lang="en-US" dirty="0" smtClean="0"/>
-              <a:t>When testing the aerodynamic properties of a plane, it’s not necessary that the seats be comfortable.</a:t>
-            </a:r>
-          </a:p>
-          <a:p>
-            <a:r>
-              <a:rPr lang="en-US" dirty="0" smtClean="0"/>
-              <a:t>A model may ignore or simplify some properties in order to focus attention on the interesting or important properties</a:t>
-            </a:r>
-          </a:p>
-          <a:p>
-            <a:pPr lvl="1"/>
-            <a:r>
-              <a:rPr lang="en-US" dirty="0" smtClean="0"/>
-              <a:t>(scientific method – control (i.e., eliminate) some factors in order to understand the interplay and functioning of others)</a:t>
-            </a:r>
-            <a:endParaRPr lang="en-US" dirty="0"/>
-          </a:p>
-        </p:txBody>
-      </p:sp>
+              <a:rPr lang="en-US" sz="1600" dirty="0" smtClean="0"/>
+              <a:t>Source: </a:t>
+            </a:r>
+            <a:r>
+              <a:rPr lang="en-US" sz="1600" dirty="0" err="1" smtClean="0"/>
+              <a:t>Boeing.com</a:t>
+            </a:r>
+            <a:endParaRPr lang="en-US" sz="1600" dirty="0"/>
+          </a:p>
+        </p:txBody>
+      </p:sp>
+      <p:pic>
+        <p:nvPicPr>
+          <p:cNvPr id="7" name="Picture Placeholder 6"/>
+          <p:cNvPicPr>
+            <a:picLocks noGrp="1" noChangeAspect="1"/>
+          </p:cNvPicPr>
+          <p:nvPr>
+            <p:ph type="pic" sz="quarter" idx="13"/>
+          </p:nvPr>
+        </p:nvPicPr>
+        <p:blipFill rotWithShape="1">
+          <a:blip r:embed="rId2"/>
+          <a:srcRect l="20000"/>
+          <a:stretch/>
+        </p:blipFill>
+        <p:spPr/>
+      </p:pic>
     </p:spTree>
     <p:extLst>
       <p:ext uri="{BB962C8B-B14F-4D97-AF65-F5344CB8AC3E}">
-        <p14:creationId xmlns:p14="http://schemas.microsoft.com/office/powerpoint/2010/main" val="1759835831"/>
+        <p14:creationId xmlns:p14="http://schemas.microsoft.com/office/powerpoint/2010/main" val="1798547780"/>
       </p:ext>
     </p:extLst>
   </p:cSld>
   <p:clrMapOvr>
     <a:masterClrMapping/>
   </p:clrMapOvr>
+  <p:timing>
+    <p:tnLst>
+      <p:par>
+        <p:cTn xmlns:p14="http://schemas.microsoft.com/office/powerpoint/2010/main" id="1" dur="indefinite" restart="never" nodeType="tmRoot"/>
+      </p:par>
+    </p:tnLst>
+  </p:timing>
 </p:sld>
 </file>
 
@@ -5449,7 +5485,11 @@
           <a:bodyPr/>
           <a:lstStyle/>
           <a:p>
-            <a:endParaRPr lang="en-US"/>
+            <a:r>
+              <a:rPr lang="en-US" dirty="0" smtClean="0"/>
+              <a:t>Abstract Models</a:t>
+            </a:r>
+            <a:endParaRPr lang="en-US" dirty="0"/>
           </a:p>
         </p:txBody>
       </p:sp>
@@ -5472,8 +5512,21 @@
           <a:p>
             <a:r>
               <a:rPr lang="en-US" dirty="0" smtClean="0"/>
-              <a:t>Those are concrete models of concrete things (e.g., planes, steam engines)</a:t>
-            </a:r>
+              <a:t>Those are concrete models of concrete things (e.g., planes, steam engines</a:t>
+            </a:r>
+            <a:r>
+              <a:rPr lang="en-US" dirty="0" smtClean="0"/>
+              <a:t>) with obvious </a:t>
+            </a:r>
+            <a:r>
+              <a:rPr lang="en-US" dirty="0" err="1" smtClean="0"/>
+              <a:t>modelling</a:t>
+            </a:r>
+            <a:r>
+              <a:rPr lang="en-US" dirty="0" smtClean="0"/>
+              <a:t> techniques</a:t>
+            </a:r>
+            <a:endParaRPr lang="en-US" dirty="0" smtClean="0"/>
           </a:p>
           <a:p>
             <a:r>
@@ -5485,8 +5538,13 @@
             <a:pPr lvl="1"/>
             <a:r>
               <a:rPr lang="en-US" dirty="0" smtClean="0"/>
-              <a:t>Or which only have a partial presence in the world</a:t>
-            </a:r>
+              <a:t>Or which only have a partial presence in the </a:t>
+            </a:r>
+            <a:r>
+              <a:rPr lang="en-US" dirty="0" smtClean="0"/>
+              <a:t>world?</a:t>
+            </a:r>
+            <a:endParaRPr lang="en-US" dirty="0" smtClean="0"/>
           </a:p>
           <a:p>
             <a:r>
@@ -5495,15 +5553,19 @@
             </a:r>
             <a:r>
               <a:rPr lang="en-US" dirty="0" smtClean="0"/>
-              <a:t>, money, social interactions, the Internet, politics, business,</a:t>
-            </a:r>
-            <a:r>
-              <a:rPr lang="en-US" dirty="0"/>
-              <a:t> </a:t>
-            </a:r>
-            <a:r>
-              <a:rPr lang="en-US" dirty="0" smtClean="0"/>
-              <a:t>a transport system</a:t>
+              <a:t>, </a:t>
+            </a:r>
+            <a:r>
+              <a:rPr lang="en-US" dirty="0" smtClean="0"/>
+              <a:t>Software, financial systems, </a:t>
+            </a:r>
+            <a:r>
+              <a:rPr lang="en-US" dirty="0" smtClean="0"/>
+              <a:t>social interactions, </a:t>
+            </a:r>
+            <a:r>
+              <a:rPr lang="en-US" dirty="0" smtClean="0"/>
+              <a:t>computer networks, transport systems</a:t>
             </a:r>
             <a:endParaRPr lang="en-US" dirty="0"/>
           </a:p>
@@ -5519,6 +5581,13 @@
   <p:clrMapOvr>
     <a:masterClrMapping/>
   </p:clrMapOvr>
+  <p:timing>
+    <p:tnLst>
+      <p:par>
+        <p:cTn xmlns:p14="http://schemas.microsoft.com/office/powerpoint/2010/main" id="1" dur="indefinite" restart="never" nodeType="tmRoot"/>
+      </p:par>
+    </p:tnLst>
+  </p:timing>
 </p:sld>
 </file>
 
@@ -5575,42 +5644,44 @@
         <p:spPr/>
         <p:txBody>
           <a:bodyPr>
-            <a:normAutofit fontScale="92500" lnSpcReduction="10000"/>
+            <a:normAutofit fontScale="92500"/>
           </a:bodyPr>
           <a:lstStyle/>
           <a:p>
             <a:r>
               <a:rPr lang="en-US" dirty="0" smtClean="0"/>
+              <a:t>Most interesting systems involve communication and interaction</a:t>
+            </a:r>
+          </a:p>
+          <a:p>
+            <a:r>
+              <a:rPr lang="en-US" dirty="0" smtClean="0"/>
+              <a:t>Claim: We </a:t>
+            </a:r>
+            <a:r>
+              <a:rPr lang="en-US" dirty="0" smtClean="0"/>
+              <a:t>struggle to understand </a:t>
+            </a:r>
+            <a:r>
+              <a:rPr lang="en-US" dirty="0" smtClean="0"/>
+              <a:t>communicating systems at scale</a:t>
+            </a:r>
+            <a:endParaRPr lang="en-US" dirty="0" smtClean="0"/>
+          </a:p>
+          <a:p>
+            <a:r>
+              <a:rPr lang="en-US" dirty="0"/>
               <a:t>Software systems are some of the most complex systems we build today</a:t>
             </a:r>
           </a:p>
           <a:p>
-            <a:pPr lvl="1"/>
-            <a:r>
-              <a:rPr lang="en-US" dirty="0" smtClean="0"/>
-              <a:t>(get numbers on 747 parts)</a:t>
-            </a:r>
-          </a:p>
-          <a:p>
-            <a:r>
-              <a:rPr lang="en-US" dirty="0" smtClean="0"/>
-              <a:t>We struggle to understand them</a:t>
-            </a:r>
-          </a:p>
-          <a:p>
-            <a:r>
-              <a:rPr lang="en-US" dirty="0" smtClean="0"/>
-              <a:t>These systems must communicate persistently in order to achieve outcomes</a:t>
-            </a:r>
-          </a:p>
-          <a:p>
-            <a:r>
-              <a:rPr lang="en-US" dirty="0"/>
-              <a:t>e</a:t>
-            </a:r>
-            <a:r>
-              <a:rPr lang="en-US" dirty="0" smtClean="0"/>
-              <a:t>.g., a simple banking transaction must communicate with multiple parties.</a:t>
+            <a:r>
+              <a:rPr lang="en-US" dirty="0" smtClean="0"/>
+              <a:t>e.g</a:t>
+            </a:r>
+            <a:r>
+              <a:rPr lang="en-US" dirty="0" smtClean="0"/>
+              <a:t>., a simple banking transaction must communicate with multiple parties.</a:t>
             </a:r>
             <a:endParaRPr lang="en-US" dirty="0"/>
           </a:p>
@@ -5626,6 +5697,13 @@
   <p:clrMapOvr>
     <a:masterClrMapping/>
   </p:clrMapOvr>
+  <p:timing>
+    <p:tnLst>
+      <p:par>
+        <p:cTn xmlns:p14="http://schemas.microsoft.com/office/powerpoint/2010/main" id="1" dur="indefinite" restart="never" nodeType="tmRoot"/>
+      </p:par>
+    </p:tnLst>
+  </p:timing>
 </p:sld>
 </file>
 
@@ -5728,6 +5806,13 @@
   <p:clrMapOvr>
     <a:masterClrMapping/>
   </p:clrMapOvr>
+  <p:timing>
+    <p:tnLst>
+      <p:par>
+        <p:cTn xmlns:p14="http://schemas.microsoft.com/office/powerpoint/2010/main" id="1" dur="indefinite" restart="never" nodeType="tmRoot"/>
+      </p:par>
+    </p:tnLst>
+  </p:timing>
 </p:sld>
 </file>
 
@@ -5765,99 +5850,83 @@
           <a:p>
             <a:r>
               <a:rPr lang="en-US" dirty="0" smtClean="0"/>
-              <a:t>Process Languages</a:t>
+              <a:t>A Vending Machine</a:t>
             </a:r>
             <a:endParaRPr lang="en-US" dirty="0"/>
           </a:p>
         </p:txBody>
       </p:sp>
-      <p:sp>
-        <p:nvSpPr>
-          <p:cNvPr id="3" name="Content Placeholder 2"/>
-          <p:cNvSpPr>
-            <a:spLocks noGrp="1"/>
-          </p:cNvSpPr>
+      <p:pic>
+        <p:nvPicPr>
+          <p:cNvPr id="4" name="Content Placeholder 3"/>
+          <p:cNvPicPr>
+            <a:picLocks noGrp="1" noChangeAspect="1"/>
+          </p:cNvPicPr>
           <p:nvPr>
             <p:ph idx="1"/>
           </p:nvPr>
-        </p:nvSpPr>
-        <p:spPr/>
-        <p:txBody>
-          <a:bodyPr>
-            <a:normAutofit lnSpcReduction="10000"/>
+        </p:nvPicPr>
+        <p:blipFill>
+          <a:blip r:embed="rId2"/>
+          <a:srcRect l="-153465" r="-153465"/>
+          <a:stretch>
+            <a:fillRect/>
+          </a:stretch>
+        </p:blipFill>
+        <p:spPr>
+          <a:xfrm>
+            <a:off x="-614893" y="2310475"/>
+            <a:ext cx="9871515" cy="4208858"/>
+          </a:xfrm>
+        </p:spPr>
+      </p:pic>
+      <p:sp>
+        <p:nvSpPr>
+          <p:cNvPr id="5" name="TextBox 4"/>
+          <p:cNvSpPr txBox="1"/>
+          <p:nvPr/>
+        </p:nvSpPr>
+        <p:spPr>
+          <a:xfrm>
+            <a:off x="236577" y="6462645"/>
+            <a:ext cx="3262268" cy="369332"/>
+          </a:xfrm>
+          <a:prstGeom prst="rect">
+            <a:avLst/>
+          </a:prstGeom>
+          <a:noFill/>
+        </p:spPr>
+        <p:txBody>
+          <a:bodyPr wrap="square" rtlCol="0">
+            <a:spAutoFit/>
           </a:bodyPr>
           <a:lstStyle/>
           <a:p>
             <a:r>
-              <a:rPr lang="en-US" dirty="0" err="1" smtClean="0"/>
-              <a:t>Modelling</a:t>
-            </a:r>
-            <a:r>
-              <a:rPr lang="en-US" dirty="0" smtClean="0"/>
-              <a:t> interaction and communication gives rise to very small </a:t>
-            </a:r>
-            <a:r>
-              <a:rPr lang="en-US" b="1" dirty="0" smtClean="0"/>
-              <a:t>process languages</a:t>
-            </a:r>
-          </a:p>
-          <a:p>
-            <a:r>
-              <a:rPr lang="en-US" dirty="0" smtClean="0"/>
-              <a:t>A few common constructs:</a:t>
-            </a:r>
-          </a:p>
-          <a:p>
-            <a:pPr lvl="1"/>
-            <a:r>
-              <a:rPr lang="en-US" dirty="0" smtClean="0"/>
-              <a:t>Send a message</a:t>
-            </a:r>
-          </a:p>
-          <a:p>
-            <a:pPr lvl="1"/>
-            <a:r>
-              <a:rPr lang="en-US" dirty="0" smtClean="0"/>
-              <a:t>Receive a message</a:t>
-            </a:r>
-          </a:p>
-          <a:p>
-            <a:pPr lvl="1"/>
-            <a:r>
-              <a:rPr lang="en-US" dirty="0" smtClean="0"/>
-              <a:t>Choose between different possible actions</a:t>
-            </a:r>
-          </a:p>
-          <a:p>
-            <a:pPr lvl="1"/>
-            <a:r>
-              <a:rPr lang="en-US" dirty="0" smtClean="0"/>
-              <a:t>Combine two processes in parallel</a:t>
-            </a:r>
-          </a:p>
-          <a:p>
-            <a:r>
-              <a:rPr lang="en-US" dirty="0" smtClean="0"/>
-              <a:t>Mathematically precise description of </a:t>
-            </a:r>
-            <a:r>
-              <a:rPr lang="en-US" dirty="0" err="1" smtClean="0"/>
-              <a:t>behaviour</a:t>
-            </a:r>
-            <a:endParaRPr lang="en-US" dirty="0" smtClean="0"/>
+              <a:rPr lang="en-US" dirty="0" smtClean="0"/>
+              <a:t>Source: Coca-Cola Archive</a:t>
+            </a:r>
+            <a:endParaRPr lang="en-US" dirty="0"/>
           </a:p>
         </p:txBody>
       </p:sp>
     </p:spTree>
     <p:extLst>
       <p:ext uri="{BB962C8B-B14F-4D97-AF65-F5344CB8AC3E}">
-        <p14:creationId xmlns:p14="http://schemas.microsoft.com/office/powerpoint/2010/main" val="2446690835"/>
+        <p14:creationId xmlns:p14="http://schemas.microsoft.com/office/powerpoint/2010/main" val="2058180896"/>
       </p:ext>
     </p:extLst>
   </p:cSld>
   <p:clrMapOvr>
     <a:masterClrMapping/>
   </p:clrMapOvr>
+  <p:timing>
+    <p:tnLst>
+      <p:par>
+        <p:cTn xmlns:p14="http://schemas.microsoft.com/office/powerpoint/2010/main" id="1" dur="indefinite" restart="never" nodeType="tmRoot"/>
+      </p:par>
+    </p:tnLst>
+  </p:timing>
 </p:sld>
 </file>
 
@@ -5895,7 +5964,7 @@
           <a:p>
             <a:r>
               <a:rPr lang="en-US" dirty="0" smtClean="0"/>
-              <a:t>Process Languages</a:t>
+              <a:t>Another Vending Machine</a:t>
             </a:r>
             <a:endParaRPr lang="en-US" dirty="0"/>
           </a:p>
@@ -5913,61 +5982,63 @@
         </p:nvSpPr>
         <p:spPr/>
         <p:txBody>
-          <a:bodyPr/>
+          <a:bodyPr>
+            <a:normAutofit/>
+          </a:bodyPr>
           <a:lstStyle/>
           <a:p>
-            <a:r>
-              <a:rPr lang="en-US" dirty="0" smtClean="0"/>
-              <a:t>General purpose (sometimes…)</a:t>
-            </a:r>
-          </a:p>
-          <a:p>
-            <a:r>
-              <a:rPr lang="en-US" dirty="0" smtClean="0"/>
-              <a:t>Structured and precise</a:t>
-            </a:r>
-          </a:p>
-          <a:p>
-            <a:r>
-              <a:rPr lang="en-US" dirty="0" smtClean="0"/>
-              <a:t>Assumes different participants (processes) can reliably and instantaneously send messages to one another using </a:t>
-            </a:r>
-            <a:r>
-              <a:rPr lang="en-US" i="1" dirty="0" smtClean="0"/>
-              <a:t>channels</a:t>
-            </a:r>
-          </a:p>
-          <a:p>
-            <a:r>
-              <a:rPr lang="en-US" dirty="0" smtClean="0"/>
-              <a:t>Understand the overall </a:t>
-            </a:r>
-            <a:r>
-              <a:rPr lang="en-US" dirty="0" err="1" smtClean="0"/>
-              <a:t>behaviour</a:t>
-            </a:r>
-            <a:r>
-              <a:rPr lang="en-US" dirty="0" smtClean="0"/>
-              <a:t> of many processes behaving together in terms of their individual and composite </a:t>
-            </a:r>
-            <a:r>
-              <a:rPr lang="en-US" dirty="0" err="1" smtClean="0"/>
-              <a:t>behaviour</a:t>
-            </a:r>
-            <a:endParaRPr lang="en-US" dirty="0"/>
+            <a:pPr marL="0" indent="0">
+              <a:buNone/>
+            </a:pPr>
+            <a:r>
+              <a:rPr lang="en-US" sz="2800" dirty="0" smtClean="0"/>
+              <a:t>“</a:t>
+            </a:r>
+            <a:r>
+              <a:rPr lang="en-US" sz="2800" i="1" dirty="0" smtClean="0"/>
+              <a:t>A </a:t>
+            </a:r>
+            <a:r>
+              <a:rPr lang="en-US" sz="2800" i="1" dirty="0"/>
+              <a:t>vending machine is a machine which dispenses items such as snacks, beverages, alcohol, cigarettes, lottery tickets, cologne, consumer products and even gold and gems to customers automatically, after the customer inserts </a:t>
+            </a:r>
+            <a:r>
+              <a:rPr lang="en-US" sz="2800" i="1" dirty="0" smtClean="0"/>
+              <a:t>currency </a:t>
+            </a:r>
+            <a:r>
+              <a:rPr lang="en-US" sz="2800" i="1" dirty="0"/>
+              <a:t>or credit into the machine</a:t>
+            </a:r>
+            <a:r>
+              <a:rPr lang="en-US" sz="2800" i="1" dirty="0" smtClean="0"/>
+              <a:t>.</a:t>
+            </a:r>
+            <a:r>
+              <a:rPr lang="en-US" sz="2800" dirty="0" smtClean="0"/>
+              <a:t>” (Wikipedia)</a:t>
+            </a:r>
+            <a:endParaRPr lang="en-US" sz="2800" dirty="0"/>
           </a:p>
         </p:txBody>
       </p:sp>
     </p:spTree>
     <p:extLst>
       <p:ext uri="{BB962C8B-B14F-4D97-AF65-F5344CB8AC3E}">
-        <p14:creationId xmlns:p14="http://schemas.microsoft.com/office/powerpoint/2010/main" val="2442709587"/>
+        <p14:creationId xmlns:p14="http://schemas.microsoft.com/office/powerpoint/2010/main" val="1557272989"/>
       </p:ext>
     </p:extLst>
   </p:cSld>
   <p:clrMapOvr>
     <a:masterClrMapping/>
   </p:clrMapOvr>
+  <p:timing>
+    <p:tnLst>
+      <p:par>
+        <p:cTn xmlns:p14="http://schemas.microsoft.com/office/powerpoint/2010/main" id="1" dur="indefinite" restart="never" nodeType="tmRoot"/>
+      </p:par>
+    </p:tnLst>
+  </p:timing>
 </p:sld>
 </file>
 
@@ -6003,28 +6074,77 @@
           <a:bodyPr/>
           <a:lstStyle/>
           <a:p>
-            <a:endParaRPr lang="en-US"/>
-          </a:p>
-        </p:txBody>
-      </p:sp>
-      <p:sp>
-        <p:nvSpPr>
-          <p:cNvPr id="3" name="Content Placeholder 2"/>
-          <p:cNvSpPr>
-            <a:spLocks noGrp="1"/>
-          </p:cNvSpPr>
+            <a:r>
+              <a:rPr lang="en-US" dirty="0" smtClean="0"/>
+              <a:t>Another Vending Machine</a:t>
+            </a:r>
+            <a:endParaRPr lang="en-US" dirty="0"/>
+          </a:p>
+        </p:txBody>
+      </p:sp>
+      <p:pic>
+        <p:nvPicPr>
+          <p:cNvPr id="7" name="Content Placeholder 6" descr="Screen shot 2013-02-17 at 12.55.40 PM.png"/>
+          <p:cNvPicPr>
+            <a:picLocks noGrp="1" noChangeAspect="1"/>
+          </p:cNvPicPr>
           <p:nvPr>
             <p:ph idx="1"/>
           </p:nvPr>
-        </p:nvSpPr>
-        <p:spPr/>
-        <p:txBody>
-          <a:bodyPr/>
+        </p:nvPicPr>
+        <p:blipFill>
+          <a:blip r:embed="rId2">
+            <a:extLst>
+              <a:ext uri="{28A0092B-C50C-407E-A947-70E740481C1C}">
+                <a14:useLocalDpi xmlns:a14="http://schemas.microsoft.com/office/drawing/2010/main" val="0"/>
+              </a:ext>
+            </a:extLst>
+          </a:blip>
+          <a:srcRect l="-40460" r="-40460"/>
+          <a:stretch>
+            <a:fillRect/>
+          </a:stretch>
+        </p:blipFill>
+        <p:spPr>
+          <a:xfrm>
+            <a:off x="-567624" y="2072771"/>
+            <a:ext cx="10921144" cy="4656382"/>
+          </a:xfrm>
+        </p:spPr>
+      </p:pic>
+      <p:sp>
+        <p:nvSpPr>
+          <p:cNvPr id="8" name="TextBox 7"/>
+          <p:cNvSpPr txBox="1"/>
+          <p:nvPr/>
+        </p:nvSpPr>
+        <p:spPr>
+          <a:xfrm>
+            <a:off x="236577" y="6462645"/>
+            <a:ext cx="3262268" cy="369332"/>
+          </a:xfrm>
+          <a:prstGeom prst="rect">
+            <a:avLst/>
+          </a:prstGeom>
+          <a:noFill/>
+        </p:spPr>
+        <p:txBody>
+          <a:bodyPr wrap="square" rtlCol="0">
+            <a:spAutoFit/>
+          </a:bodyPr>
           <a:lstStyle/>
           <a:p>
             <a:r>
               <a:rPr lang="en-US" dirty="0" smtClean="0"/>
-              <a:t>LTS diagram</a:t>
+              <a:t>Source: </a:t>
+            </a:r>
+            <a:r>
+              <a:rPr lang="en-US" dirty="0" err="1" smtClean="0"/>
+              <a:t>Avago</a:t>
+            </a:r>
+            <a:r>
+              <a:rPr lang="en-US" dirty="0" smtClean="0"/>
+              <a:t> Technologies</a:t>
             </a:r>
             <a:endParaRPr lang="en-US" dirty="0"/>
           </a:p>
@@ -6033,13 +6153,20 @@
     </p:spTree>
     <p:extLst>
       <p:ext uri="{BB962C8B-B14F-4D97-AF65-F5344CB8AC3E}">
-        <p14:creationId xmlns:p14="http://schemas.microsoft.com/office/powerpoint/2010/main" val="1391444388"/>
+        <p14:creationId xmlns:p14="http://schemas.microsoft.com/office/powerpoint/2010/main" val="161655112"/>
       </p:ext>
     </p:extLst>
   </p:cSld>
   <p:clrMapOvr>
     <a:masterClrMapping/>
   </p:clrMapOvr>
+  <p:timing>
+    <p:tnLst>
+      <p:par>
+        <p:cTn xmlns:p14="http://schemas.microsoft.com/office/powerpoint/2010/main" id="1" dur="indefinite" restart="never" nodeType="tmRoot"/>
+      </p:par>
+    </p:tnLst>
+  </p:timing>
 </p:sld>
 </file>
 
@@ -6077,70 +6204,54 @@
           <a:p>
             <a:r>
               <a:rPr lang="en-US" dirty="0" smtClean="0"/>
-              <a:t>Process Languages</a:t>
+              <a:t>Another Vending Machine</a:t>
             </a:r>
             <a:endParaRPr lang="en-US" dirty="0"/>
           </a:p>
         </p:txBody>
       </p:sp>
-      <p:sp>
-        <p:nvSpPr>
-          <p:cNvPr id="3" name="Content Placeholder 2"/>
-          <p:cNvSpPr>
-            <a:spLocks noGrp="1"/>
-          </p:cNvSpPr>
+      <p:pic>
+        <p:nvPicPr>
+          <p:cNvPr id="4" name="Content Placeholder 3" descr="Screen shot 2013-02-17 at 12.58.22 PM.png"/>
+          <p:cNvPicPr>
+            <a:picLocks noGrp="1" noChangeAspect="1"/>
+          </p:cNvPicPr>
           <p:nvPr>
             <p:ph idx="1"/>
           </p:nvPr>
-        </p:nvSpPr>
+        </p:nvPicPr>
+        <p:blipFill>
+          <a:blip r:embed="rId2">
+            <a:extLst>
+              <a:ext uri="{28A0092B-C50C-407E-A947-70E740481C1C}">
+                <a14:useLocalDpi xmlns:a14="http://schemas.microsoft.com/office/drawing/2010/main" val="0"/>
+              </a:ext>
+            </a:extLst>
+          </a:blip>
+          <a:srcRect l="-12521" r="-12521"/>
+          <a:stretch>
+            <a:fillRect/>
+          </a:stretch>
+        </p:blipFill>
         <p:spPr/>
-        <p:txBody>
-          <a:bodyPr/>
-          <a:lstStyle/>
-          <a:p>
-            <a:r>
-              <a:rPr lang="en-US" dirty="0" smtClean="0"/>
-              <a:t>Dozens in common use</a:t>
-            </a:r>
-          </a:p>
-          <a:p>
-            <a:r>
-              <a:rPr lang="en-US" dirty="0" smtClean="0"/>
-              <a:t>Hundreds of variations</a:t>
-            </a:r>
-          </a:p>
-          <a:p>
-            <a:r>
-              <a:rPr lang="en-US" dirty="0" smtClean="0"/>
-              <a:t>e.g., CCS, CSP, ACP, Actor Model, Pi-calculus,  Petri nets, </a:t>
-            </a:r>
-            <a:r>
-              <a:rPr lang="en-US" dirty="0" err="1" smtClean="0"/>
-              <a:t>cham</a:t>
-            </a:r>
-            <a:r>
-              <a:rPr lang="en-US" dirty="0" smtClean="0"/>
-              <a:t>, Action calculi, …</a:t>
-            </a:r>
-          </a:p>
-          <a:p>
-            <a:r>
-              <a:rPr lang="en-US" dirty="0" smtClean="0"/>
-              <a:t>Endless proliferation of new variations and languages</a:t>
-            </a:r>
-          </a:p>
-        </p:txBody>
-      </p:sp>
+      </p:pic>
     </p:spTree>
     <p:extLst>
       <p:ext uri="{BB962C8B-B14F-4D97-AF65-F5344CB8AC3E}">
-        <p14:creationId xmlns:p14="http://schemas.microsoft.com/office/powerpoint/2010/main" val="2754938193"/>
+        <p14:creationId xmlns:p14="http://schemas.microsoft.com/office/powerpoint/2010/main" val="3741367733"/>
       </p:ext>
     </p:extLst>
   </p:cSld>
   <p:clrMapOvr>
     <a:masterClrMapping/>
   </p:clrMapOvr>
+  <p:timing>
+    <p:tnLst>
+      <p:par>
+        <p:cTn xmlns:p14="http://schemas.microsoft.com/office/powerpoint/2010/main" id="1" dur="indefinite" restart="never" nodeType="tmRoot"/>
+      </p:par>
+    </p:tnLst>
+  </p:timing>
 </p:sld>
 </file>
 
@@ -6178,7 +6289,7 @@
           <a:p>
             <a:r>
               <a:rPr lang="en-US" dirty="0" smtClean="0"/>
-              <a:t>Process Language Bingo</a:t>
+              <a:t>Another Vending Machine</a:t>
             </a:r>
             <a:endParaRPr lang="en-US" dirty="0"/>
           </a:p>
@@ -6186,7 +6297,7 @@
       </p:sp>
       <p:pic>
         <p:nvPicPr>
-          <p:cNvPr id="4" name="Content Placeholder 3"/>
+          <p:cNvPr id="5" name="Content Placeholder 4" descr="Screen shot 2013-02-17 at 12.29.09 PM.png"/>
           <p:cNvPicPr>
             <a:picLocks noGrp="1" noChangeAspect="1"/>
           </p:cNvPicPr>
@@ -6195,13 +6306,50 @@
           </p:nvPr>
         </p:nvPicPr>
         <p:blipFill>
-          <a:blip r:embed="rId2"/>
-          <a:srcRect t="20387" b="20387"/>
+          <a:blip r:embed="rId2">
+            <a:extLst>
+              <a:ext uri="{28A0092B-C50C-407E-A947-70E740481C1C}">
+                <a14:useLocalDpi xmlns:a14="http://schemas.microsoft.com/office/drawing/2010/main" val="0"/>
+              </a:ext>
+            </a:extLst>
+          </a:blip>
+          <a:srcRect l="-50226" r="-50226"/>
           <a:stretch>
             <a:fillRect/>
           </a:stretch>
         </p:blipFill>
         <p:spPr>
+          <a:xfrm>
+            <a:off x="206837" y="2244359"/>
+            <a:ext cx="8937163" cy="3810375"/>
+          </a:xfrm>
+        </p:spPr>
+      </p:pic>
+      <p:pic>
+        <p:nvPicPr>
+          <p:cNvPr id="6" name="Picture 5" descr="Screen shot 2013-02-17 at 12.31.01 PM.png"/>
+          <p:cNvPicPr>
+            <a:picLocks noChangeAspect="1"/>
+          </p:cNvPicPr>
+          <p:nvPr/>
+        </p:nvPicPr>
+        <p:blipFill>
+          <a:blip r:embed="rId3">
+            <a:extLst>
+              <a:ext uri="{28A0092B-C50C-407E-A947-70E740481C1C}">
+                <a14:useLocalDpi xmlns:a14="http://schemas.microsoft.com/office/drawing/2010/main" val="0"/>
+              </a:ext>
+            </a:extLst>
+          </a:blip>
+          <a:stretch>
+            <a:fillRect/>
+          </a:stretch>
+        </p:blipFill>
+        <p:spPr>
+          <a:xfrm>
+            <a:off x="834576" y="5970067"/>
+            <a:ext cx="7511143" cy="766250"/>
+          </a:xfrm>
           <a:prstGeom prst="rect">
             <a:avLst/>
           </a:prstGeom>
@@ -6210,13 +6358,20 @@
     </p:spTree>
     <p:extLst>
       <p:ext uri="{BB962C8B-B14F-4D97-AF65-F5344CB8AC3E}">
-        <p14:creationId xmlns:p14="http://schemas.microsoft.com/office/powerpoint/2010/main" val="779969149"/>
+        <p14:creationId xmlns:p14="http://schemas.microsoft.com/office/powerpoint/2010/main" val="1391444388"/>
       </p:ext>
     </p:extLst>
   </p:cSld>
   <p:clrMapOvr>
     <a:masterClrMapping/>
   </p:clrMapOvr>
+  <p:timing>
+    <p:tnLst>
+      <p:par>
+        <p:cTn xmlns:p14="http://schemas.microsoft.com/office/powerpoint/2010/main" id="1" dur="indefinite" restart="never" nodeType="tmRoot"/>
+      </p:par>
+    </p:tnLst>
+  </p:timing>
 </p:sld>
 </file>
 
@@ -6249,118 +6404,126 @@
         </p:nvSpPr>
         <p:spPr/>
         <p:txBody>
+          <a:bodyPr/>
+          <a:lstStyle/>
+          <a:p>
+            <a:r>
+              <a:rPr lang="en-US" dirty="0" smtClean="0"/>
+              <a:t>Process Languages</a:t>
+            </a:r>
+            <a:endParaRPr lang="en-US" dirty="0"/>
+          </a:p>
+        </p:txBody>
+      </p:sp>
+      <p:sp>
+        <p:nvSpPr>
+          <p:cNvPr id="3" name="Content Placeholder 2"/>
+          <p:cNvSpPr>
+            <a:spLocks noGrp="1"/>
+          </p:cNvSpPr>
+          <p:nvPr>
+            <p:ph idx="1"/>
+          </p:nvPr>
+        </p:nvSpPr>
+        <p:spPr/>
+        <p:txBody>
           <a:bodyPr>
-            <a:normAutofit fontScale="90000"/>
+            <a:normAutofit lnSpcReduction="10000"/>
           </a:bodyPr>
           <a:lstStyle/>
           <a:p>
             <a:r>
-              <a:rPr lang="en-US" dirty="0" smtClean="0"/>
-              <a:t>Proposing a New Process Language</a:t>
-            </a:r>
-            <a:endParaRPr lang="en-US" dirty="0"/>
-          </a:p>
-        </p:txBody>
-      </p:sp>
-      <p:sp>
-        <p:nvSpPr>
-          <p:cNvPr id="3" name="Content Placeholder 2"/>
-          <p:cNvSpPr>
-            <a:spLocks noGrp="1"/>
-          </p:cNvSpPr>
-          <p:nvPr>
-            <p:ph idx="1"/>
-          </p:nvPr>
-        </p:nvSpPr>
-        <p:spPr/>
-        <p:txBody>
-          <a:bodyPr>
-            <a:normAutofit fontScale="85000" lnSpcReduction="20000"/>
-          </a:bodyPr>
-          <a:lstStyle/>
-          <a:p>
-            <a:pPr marL="514350" indent="-514350">
-              <a:buFont typeface="+mj-lt"/>
-              <a:buAutoNum type="arabicPeriod"/>
-            </a:pPr>
-            <a:r>
-              <a:rPr lang="en-US" dirty="0" smtClean="0"/>
-              <a:t>Define syntax and semantics</a:t>
-            </a:r>
-          </a:p>
-          <a:p>
-            <a:pPr marL="514350" indent="-514350">
-              <a:buFont typeface="+mj-lt"/>
-              <a:buAutoNum type="arabicPeriod"/>
-            </a:pPr>
-            <a:r>
-              <a:rPr lang="en-US" dirty="0" smtClean="0"/>
-              <a:t>Prove a handful of interesting properties</a:t>
-            </a:r>
-          </a:p>
-          <a:p>
-            <a:pPr marL="514350" indent="-514350">
-              <a:buFont typeface="+mj-lt"/>
-              <a:buAutoNum type="arabicPeriod"/>
-            </a:pPr>
-            <a:r>
-              <a:rPr lang="en-US" dirty="0" smtClean="0"/>
-              <a:t>Use it once to solve a particular problem</a:t>
-            </a:r>
-          </a:p>
-          <a:p>
-            <a:pPr marL="514350" indent="-514350">
-              <a:buFont typeface="+mj-lt"/>
-              <a:buAutoNum type="arabicPeriod"/>
-            </a:pPr>
-            <a:r>
-              <a:rPr lang="en-US" dirty="0" smtClean="0"/>
-              <a:t>Claim generality</a:t>
-            </a:r>
-          </a:p>
-          <a:p>
-            <a:pPr marL="514350" indent="-514350">
-              <a:buFont typeface="+mj-lt"/>
-              <a:buAutoNum type="arabicPeriod"/>
-            </a:pPr>
-            <a:r>
-              <a:rPr lang="en-US" dirty="0" smtClean="0"/>
-              <a:t>Publish the paper</a:t>
-            </a:r>
-          </a:p>
-          <a:p>
-            <a:pPr marL="514350" indent="-514350">
-              <a:buFont typeface="+mj-lt"/>
-              <a:buAutoNum type="arabicPeriod"/>
-            </a:pPr>
-            <a:r>
-              <a:rPr lang="en-US" dirty="0" smtClean="0"/>
-              <a:t>Forget about it forever</a:t>
-            </a:r>
-          </a:p>
-          <a:p>
-            <a:pPr marL="514350" indent="-514350">
-              <a:buFont typeface="+mj-lt"/>
-              <a:buAutoNum type="arabicPeriod"/>
-            </a:pPr>
-            <a:r>
-              <a:rPr lang="en-US" dirty="0" smtClean="0"/>
-              <a:t>Go to Step 1</a:t>
-            </a:r>
-            <a:endParaRPr lang="en-US" dirty="0"/>
+              <a:rPr lang="en-US" dirty="0" err="1" smtClean="0"/>
+              <a:t>Modelling</a:t>
+            </a:r>
+            <a:r>
+              <a:rPr lang="en-US" dirty="0" smtClean="0"/>
+              <a:t> interaction and communication gives rise to very small </a:t>
+            </a:r>
+            <a:r>
+              <a:rPr lang="en-US" b="1" dirty="0" smtClean="0"/>
+              <a:t>process languages</a:t>
+            </a:r>
+          </a:p>
+          <a:p>
+            <a:r>
+              <a:rPr lang="en-US" dirty="0" smtClean="0"/>
+              <a:t>A few common constructs:</a:t>
+            </a:r>
+          </a:p>
+          <a:p>
+            <a:pPr lvl="1"/>
+            <a:r>
+              <a:rPr lang="en-US" dirty="0" smtClean="0"/>
+              <a:t>Send a </a:t>
+            </a:r>
+            <a:r>
+              <a:rPr lang="en-US" dirty="0" smtClean="0"/>
+              <a:t>message (e.g., push a button, dispense a drink)</a:t>
+            </a:r>
+            <a:endParaRPr lang="en-US" dirty="0" smtClean="0"/>
+          </a:p>
+          <a:p>
+            <a:pPr lvl="1"/>
+            <a:r>
+              <a:rPr lang="en-US" dirty="0" smtClean="0"/>
+              <a:t>Receive a </a:t>
+            </a:r>
+            <a:r>
+              <a:rPr lang="en-US" dirty="0" smtClean="0"/>
+              <a:t>message (e.g., receive a button press, receive a coin)</a:t>
+            </a:r>
+            <a:endParaRPr lang="en-US" dirty="0" smtClean="0"/>
+          </a:p>
+          <a:p>
+            <a:pPr lvl="1"/>
+            <a:r>
+              <a:rPr lang="en-US" dirty="0" smtClean="0"/>
+              <a:t>Choose between different possible </a:t>
+            </a:r>
+            <a:r>
+              <a:rPr lang="en-US" dirty="0" smtClean="0"/>
+              <a:t>actions (choose a drink)</a:t>
+            </a:r>
+            <a:endParaRPr lang="en-US" dirty="0" smtClean="0"/>
+          </a:p>
+          <a:p>
+            <a:pPr lvl="1"/>
+            <a:r>
+              <a:rPr lang="en-US" dirty="0" smtClean="0"/>
+              <a:t>Combine two processes in parallel</a:t>
+            </a:r>
+          </a:p>
+          <a:p>
+            <a:r>
+              <a:rPr lang="en-US" dirty="0" smtClean="0"/>
+              <a:t>Mathematically precise description of </a:t>
+            </a:r>
+            <a:r>
+              <a:rPr lang="en-US" dirty="0" err="1" smtClean="0"/>
+              <a:t>behaviour</a:t>
+            </a:r>
+            <a:endParaRPr lang="en-US" dirty="0" smtClean="0"/>
           </a:p>
         </p:txBody>
       </p:sp>
     </p:spTree>
     <p:extLst>
       <p:ext uri="{BB962C8B-B14F-4D97-AF65-F5344CB8AC3E}">
-        <p14:creationId xmlns:p14="http://schemas.microsoft.com/office/powerpoint/2010/main" val="1079476171"/>
+        <p14:creationId xmlns:p14="http://schemas.microsoft.com/office/powerpoint/2010/main" val="2446690835"/>
       </p:ext>
     </p:extLst>
   </p:cSld>
   <p:clrMapOvr>
     <a:masterClrMapping/>
   </p:clrMapOvr>
+  <p:timing>
+    <p:tnLst>
+      <p:par>
+        <p:cTn xmlns:p14="http://schemas.microsoft.com/office/powerpoint/2010/main" id="1" dur="indefinite" restart="never" nodeType="tmRoot"/>
+      </p:par>
+    </p:tnLst>
+  </p:timing>
 </p:sld>
 </file>
 
@@ -6489,6 +6652,13 @@
   <p:clrMapOvr>
     <a:masterClrMapping/>
   </p:clrMapOvr>
+  <p:timing>
+    <p:tnLst>
+      <p:par>
+        <p:cTn xmlns:p14="http://schemas.microsoft.com/office/powerpoint/2010/main" id="1" dur="indefinite" restart="never" nodeType="tmRoot"/>
+      </p:par>
+    </p:tnLst>
+  </p:timing>
 </p:sld>
 </file>
 
@@ -6521,14 +6691,12 @@
         </p:nvSpPr>
         <p:spPr/>
         <p:txBody>
-          <a:bodyPr>
-            <a:normAutofit fontScale="90000"/>
-          </a:bodyPr>
+          <a:bodyPr/>
           <a:lstStyle/>
           <a:p>
             <a:r>
               <a:rPr lang="en-US" dirty="0" smtClean="0"/>
-              <a:t>Proposing a New Process Language</a:t>
+              <a:t>Process Languages</a:t>
             </a:r>
             <a:endParaRPr lang="en-US" dirty="0"/>
           </a:p>
@@ -6546,74 +6714,46 @@
         </p:nvSpPr>
         <p:spPr/>
         <p:txBody>
-          <a:bodyPr>
-            <a:normAutofit fontScale="92500" lnSpcReduction="20000"/>
-          </a:bodyPr>
+          <a:bodyPr/>
           <a:lstStyle/>
           <a:p>
             <a:r>
               <a:rPr lang="en-US" dirty="0" smtClean="0"/>
-              <a:t>New process languages are used to </a:t>
+              <a:t>General purpose (sometimes…)</a:t>
+            </a:r>
+          </a:p>
+          <a:p>
+            <a:r>
+              <a:rPr lang="en-US" dirty="0" smtClean="0"/>
+              <a:t>Structured and precise</a:t>
+            </a:r>
+          </a:p>
+          <a:p>
+            <a:r>
+              <a:rPr lang="en-US" dirty="0" smtClean="0"/>
+              <a:t>Assumes different participants (processes) can reliably and instantaneously send messages to one another using </a:t>
+            </a:r>
+            <a:r>
+              <a:rPr lang="en-US" i="1" dirty="0" smtClean="0"/>
+              <a:t>channels</a:t>
+            </a:r>
+          </a:p>
+          <a:p>
+            <a:r>
+              <a:rPr lang="en-US" dirty="0" smtClean="0"/>
+              <a:t>Understand the overall </a:t>
             </a:r>
             <a:r>
               <a:rPr lang="en-US" dirty="0" err="1" smtClean="0"/>
-              <a:t>specialise</a:t>
-            </a:r>
-            <a:r>
-              <a:rPr lang="en-US" dirty="0" smtClean="0"/>
-              <a:t> to a given domain</a:t>
-            </a:r>
-          </a:p>
-          <a:p>
-            <a:r>
-              <a:rPr lang="en-US" dirty="0" smtClean="0"/>
-              <a:t>Not cynical – there are good reasons to </a:t>
+              <a:t>behaviour</a:t>
+            </a:r>
+            <a:r>
+              <a:rPr lang="en-US" dirty="0" smtClean="0"/>
+              <a:t> of many processes behaving together in terms of their individual and composite </a:t>
             </a:r>
             <a:r>
               <a:rPr lang="en-US" dirty="0" err="1" smtClean="0"/>
-              <a:t>specialise</a:t>
-            </a:r>
-            <a:r>
-              <a:rPr lang="en-US" dirty="0"/>
-              <a:t> </a:t>
-            </a:r>
-            <a:r>
-              <a:rPr lang="en-US" dirty="0" smtClean="0"/>
-              <a:t>to a domain!</a:t>
-            </a:r>
-          </a:p>
-          <a:p>
-            <a:r>
-              <a:rPr lang="en-US" dirty="0" smtClean="0"/>
-              <a:t>Instead of trying to stop proliferation of new languages, we should support reuse</a:t>
-            </a:r>
-          </a:p>
-          <a:p>
-            <a:r>
-              <a:rPr lang="en-US" dirty="0" smtClean="0"/>
-              <a:t>… and provide better ways of </a:t>
-            </a:r>
-            <a:r>
-              <a:rPr lang="en-US" dirty="0" err="1" smtClean="0"/>
-              <a:t>specialising</a:t>
-            </a:r>
-            <a:r>
-              <a:rPr lang="en-US" dirty="0" smtClean="0"/>
-              <a:t> languages to a given domain</a:t>
-            </a:r>
-          </a:p>
-          <a:p>
-            <a:r>
-              <a:rPr lang="en-US" dirty="0" smtClean="0"/>
-              <a:t>Ephemeral, disposable process languages for every occasion – </a:t>
-            </a:r>
-            <a:r>
-              <a:rPr lang="en-US" dirty="0" err="1" smtClean="0"/>
-              <a:t>specialised</a:t>
-            </a:r>
-            <a:r>
-              <a:rPr lang="en-US" dirty="0" smtClean="0"/>
-              <a:t> to a domain.</a:t>
+              <a:t>behaviour</a:t>
             </a:r>
             <a:endParaRPr lang="en-US" dirty="0"/>
           </a:p>
@@ -6622,13 +6762,20 @@
     </p:spTree>
     <p:extLst>
       <p:ext uri="{BB962C8B-B14F-4D97-AF65-F5344CB8AC3E}">
-        <p14:creationId xmlns:p14="http://schemas.microsoft.com/office/powerpoint/2010/main" val="3013490313"/>
+        <p14:creationId xmlns:p14="http://schemas.microsoft.com/office/powerpoint/2010/main" val="2442709587"/>
       </p:ext>
     </p:extLst>
   </p:cSld>
   <p:clrMapOvr>
     <a:masterClrMapping/>
   </p:clrMapOvr>
+  <p:timing>
+    <p:tnLst>
+      <p:par>
+        <p:cTn xmlns:p14="http://schemas.microsoft.com/office/powerpoint/2010/main" id="1" dur="indefinite" restart="never" nodeType="tmRoot"/>
+      </p:par>
+    </p:tnLst>
+  </p:timing>
 </p:sld>
 </file>
 
@@ -6666,100 +6813,54 @@
           <a:p>
             <a:r>
               <a:rPr lang="en-US" dirty="0" smtClean="0"/>
-              <a:t>Domain-Specificity</a:t>
+              <a:t>A Buyer</a:t>
             </a:r>
             <a:endParaRPr lang="en-US" dirty="0"/>
           </a:p>
         </p:txBody>
       </p:sp>
-      <p:sp>
-        <p:nvSpPr>
-          <p:cNvPr id="3" name="Content Placeholder 2"/>
-          <p:cNvSpPr>
-            <a:spLocks noGrp="1"/>
-          </p:cNvSpPr>
+      <p:pic>
+        <p:nvPicPr>
+          <p:cNvPr id="4" name="Content Placeholder 3" descr="buyer.png"/>
+          <p:cNvPicPr>
+            <a:picLocks noGrp="1" noChangeAspect="1"/>
+          </p:cNvPicPr>
           <p:nvPr>
             <p:ph idx="1"/>
           </p:nvPr>
-        </p:nvSpPr>
+        </p:nvPicPr>
+        <p:blipFill>
+          <a:blip r:embed="rId2">
+            <a:extLst>
+              <a:ext uri="{28A0092B-C50C-407E-A947-70E740481C1C}">
+                <a14:useLocalDpi xmlns:a14="http://schemas.microsoft.com/office/drawing/2010/main" val="0"/>
+              </a:ext>
+            </a:extLst>
+          </a:blip>
+          <a:srcRect t="-170340" b="-170340"/>
+          <a:stretch>
+            <a:fillRect/>
+          </a:stretch>
+        </p:blipFill>
         <p:spPr/>
-        <p:txBody>
-          <a:bodyPr>
-            <a:normAutofit fontScale="70000" lnSpcReduction="20000"/>
-          </a:bodyPr>
-          <a:lstStyle/>
-          <a:p>
-            <a:r>
-              <a:rPr lang="en-US" dirty="0" smtClean="0"/>
-              <a:t>Moving the language constructs with which we can express models closer to the domain of interest makes models better!</a:t>
-            </a:r>
-          </a:p>
-          <a:p>
-            <a:pPr lvl="1"/>
-            <a:r>
-              <a:rPr lang="en-US" dirty="0" smtClean="0"/>
-              <a:t>Familiar (natural) language is good!  Photography terms from the dark room still used in digital photography</a:t>
-            </a:r>
-          </a:p>
-          <a:p>
-            <a:r>
-              <a:rPr lang="en-US" dirty="0" smtClean="0"/>
-              <a:t>Domain-experts are not necessarily </a:t>
-            </a:r>
-            <a:r>
-              <a:rPr lang="en-US" dirty="0" err="1" smtClean="0"/>
-              <a:t>modelling</a:t>
-            </a:r>
-            <a:r>
-              <a:rPr lang="en-US" dirty="0" smtClean="0"/>
-              <a:t> experts</a:t>
-            </a:r>
-          </a:p>
-          <a:p>
-            <a:r>
-              <a:rPr lang="en-US" dirty="0" smtClean="0"/>
-              <a:t>Instead, describe models in the language of the domain</a:t>
-            </a:r>
-          </a:p>
-          <a:p>
-            <a:pPr lvl="1"/>
-            <a:r>
-              <a:rPr lang="en-US" dirty="0" smtClean="0"/>
-              <a:t>Business processes in the language of the business</a:t>
-            </a:r>
-          </a:p>
-          <a:p>
-            <a:pPr lvl="1"/>
-            <a:r>
-              <a:rPr lang="en-US" dirty="0" smtClean="0"/>
-              <a:t>And systems biology in the language of biologists</a:t>
-            </a:r>
-          </a:p>
-          <a:p>
-            <a:pPr lvl="1"/>
-            <a:r>
-              <a:rPr lang="en-US" dirty="0" smtClean="0"/>
-              <a:t>And security protocols in the language of security experts</a:t>
-            </a:r>
-          </a:p>
-          <a:p>
-            <a:r>
-              <a:rPr lang="en-US" dirty="0" smtClean="0"/>
-              <a:t>The outcome is often of more interest to the domain-expert than the mechanism of the process itself</a:t>
-            </a:r>
-          </a:p>
-        </p:txBody>
-      </p:sp>
+      </p:pic>
     </p:spTree>
     <p:extLst>
       <p:ext uri="{BB962C8B-B14F-4D97-AF65-F5344CB8AC3E}">
-        <p14:creationId xmlns:p14="http://schemas.microsoft.com/office/powerpoint/2010/main" val="1575677617"/>
+        <p14:creationId xmlns:p14="http://schemas.microsoft.com/office/powerpoint/2010/main" val="117124626"/>
       </p:ext>
     </p:extLst>
   </p:cSld>
   <p:clrMapOvr>
     <a:masterClrMapping/>
   </p:clrMapOvr>
+  <p:timing>
+    <p:tnLst>
+      <p:par>
+        <p:cTn xmlns:p14="http://schemas.microsoft.com/office/powerpoint/2010/main" id="1" dur="indefinite" restart="never" nodeType="tmRoot"/>
+      </p:par>
+    </p:tnLst>
+  </p:timing>
 </p:sld>
 </file>
 
@@ -6797,117 +6898,54 @@
           <a:p>
             <a:r>
               <a:rPr lang="en-US" dirty="0" smtClean="0"/>
-              <a:t>Domain-Specificity at work</a:t>
+              <a:t>Two Vending Machines</a:t>
             </a:r>
             <a:endParaRPr lang="en-US" dirty="0"/>
-          </a:p>
-        </p:txBody>
-      </p:sp>
-      <p:sp>
-        <p:nvSpPr>
-          <p:cNvPr id="3" name="Content Placeholder 2"/>
-          <p:cNvSpPr>
-            <a:spLocks noGrp="1"/>
-          </p:cNvSpPr>
-          <p:nvPr>
-            <p:ph idx="1"/>
-          </p:nvPr>
-        </p:nvSpPr>
-        <p:spPr>
-          <a:xfrm>
-            <a:off x="457200" y="1600200"/>
-            <a:ext cx="8229600" cy="4790768"/>
-          </a:xfrm>
-        </p:spPr>
-        <p:txBody>
-          <a:bodyPr>
-            <a:normAutofit lnSpcReduction="10000"/>
-          </a:bodyPr>
-          <a:lstStyle/>
-          <a:p>
-            <a:r>
-              <a:rPr lang="en-US" dirty="0" smtClean="0"/>
-              <a:t>We’re in the baked bean factory with</a:t>
-            </a:r>
-            <a:br>
-              <a:rPr lang="en-US" dirty="0" smtClean="0"/>
-            </a:br>
-            <a:r>
-              <a:rPr lang="en-US" dirty="0" smtClean="0"/>
-              <a:t>many machines employed to make our</a:t>
-            </a:r>
-            <a:r>
-              <a:rPr lang="en-US" dirty="0"/>
-              <a:t/>
-            </a:r>
-            <a:br>
-              <a:rPr lang="en-US" dirty="0"/>
-            </a:br>
-            <a:r>
-              <a:rPr lang="en-US" dirty="0" smtClean="0"/>
-              <a:t>baked beans</a:t>
-            </a:r>
-          </a:p>
-          <a:p>
-            <a:r>
-              <a:rPr lang="en-US" dirty="0" smtClean="0"/>
-              <a:t>The component closing the tins needs to apply a specific voltage for a given time and with specific force</a:t>
-            </a:r>
-          </a:p>
-          <a:p>
-            <a:r>
-              <a:rPr lang="en-US" dirty="0" smtClean="0"/>
-              <a:t>… but that’s not what it is doing!  The language of the domain is “closing the tin” – not how the tin is closed</a:t>
-            </a:r>
-          </a:p>
-          <a:p>
-            <a:r>
-              <a:rPr lang="en-US" dirty="0" smtClean="0"/>
-              <a:t>Which allows us to replace one component with another functionally equivalent component (of which we will see more later…)</a:t>
-            </a:r>
-          </a:p>
-          <a:p>
-            <a:r>
-              <a:rPr lang="en-US" dirty="0" smtClean="0"/>
-              <a:t>Or reuse our baked bean tin-closing component to press logos into bars of soap at the soap factory!</a:t>
-            </a:r>
           </a:p>
         </p:txBody>
       </p:sp>
       <p:pic>
         <p:nvPicPr>
-          <p:cNvPr id="4" name="Picture 3"/>
+          <p:cNvPr id="4" name="Content Placeholder 3" descr="vms.png"/>
           <p:cNvPicPr>
-            <a:picLocks noChangeAspect="1"/>
+            <a:picLocks noGrp="1" noChangeAspect="1"/>
           </p:cNvPicPr>
-          <p:nvPr/>
+          <p:nvPr>
+            <p:ph idx="1"/>
+          </p:nvPr>
         </p:nvPicPr>
         <p:blipFill>
-          <a:blip r:embed="rId2"/>
+          <a:blip r:embed="rId2">
+            <a:extLst>
+              <a:ext uri="{28A0092B-C50C-407E-A947-70E740481C1C}">
+                <a14:useLocalDpi xmlns:a14="http://schemas.microsoft.com/office/drawing/2010/main" val="0"/>
+              </a:ext>
+            </a:extLst>
+          </a:blip>
+          <a:srcRect l="-5467" r="-5467"/>
           <a:stretch>
             <a:fillRect/>
           </a:stretch>
         </p:blipFill>
-        <p:spPr>
-          <a:xfrm>
-            <a:off x="6614241" y="1282290"/>
-            <a:ext cx="1356032" cy="1356032"/>
-          </a:xfrm>
-          <a:prstGeom prst="rect">
-            <a:avLst/>
-          </a:prstGeom>
-        </p:spPr>
+        <p:spPr/>
       </p:pic>
     </p:spTree>
     <p:extLst>
       <p:ext uri="{BB962C8B-B14F-4D97-AF65-F5344CB8AC3E}">
-        <p14:creationId xmlns:p14="http://schemas.microsoft.com/office/powerpoint/2010/main" val="157110785"/>
+        <p14:creationId xmlns:p14="http://schemas.microsoft.com/office/powerpoint/2010/main" val="2055405317"/>
       </p:ext>
     </p:extLst>
   </p:cSld>
   <p:clrMapOvr>
     <a:masterClrMapping/>
   </p:clrMapOvr>
+  <p:timing>
+    <p:tnLst>
+      <p:par>
+        <p:cTn xmlns:p14="http://schemas.microsoft.com/office/powerpoint/2010/main" id="1" dur="indefinite" restart="never" nodeType="tmRoot"/>
+      </p:par>
+    </p:tnLst>
+  </p:timing>
 </p:sld>
 </file>
 
@@ -6944,8 +6982,8 @@
           <a:lstStyle/>
           <a:p>
             <a:r>
-              <a:rPr lang="en-US" dirty="0" err="1" smtClean="0"/>
-              <a:t>Bigraphs</a:t>
+              <a:rPr lang="en-US" dirty="0" smtClean="0"/>
+              <a:t>Process Languages</a:t>
             </a:r>
             <a:endParaRPr lang="en-US" dirty="0"/>
           </a:p>
@@ -6953,12 +6991,12 @@
       </p:sp>
       <p:sp>
         <p:nvSpPr>
-          <p:cNvPr id="3" name="Text Placeholder 2"/>
-          <p:cNvSpPr>
-            <a:spLocks noGrp="1"/>
-          </p:cNvSpPr>
-          <p:nvPr>
-            <p:ph type="body" idx="1"/>
+          <p:cNvPr id="3" name="Content Placeholder 2"/>
+          <p:cNvSpPr>
+            <a:spLocks noGrp="1"/>
+          </p:cNvSpPr>
+          <p:nvPr>
+            <p:ph idx="1"/>
           </p:nvPr>
         </p:nvSpPr>
         <p:spPr/>
@@ -6968,22 +7006,54 @@
           <a:p>
             <a:r>
               <a:rPr lang="en-US" dirty="0" smtClean="0"/>
-              <a:t>Part 2</a:t>
-            </a:r>
-            <a:endParaRPr lang="en-US" dirty="0"/>
+              <a:t>Dozens in common use</a:t>
+            </a:r>
+          </a:p>
+          <a:p>
+            <a:r>
+              <a:rPr lang="en-US" dirty="0" smtClean="0"/>
+              <a:t>Hundreds of variations</a:t>
+            </a:r>
+          </a:p>
+          <a:p>
+            <a:r>
+              <a:rPr lang="en-US" dirty="0" smtClean="0"/>
+              <a:t>e.g., CCS, CSP, ACP, Actor Model, Pi-calculus,  Petri nets, </a:t>
+            </a:r>
+            <a:r>
+              <a:rPr lang="en-US" dirty="0" err="1" smtClean="0"/>
+              <a:t>cham</a:t>
+            </a:r>
+            <a:r>
+              <a:rPr lang="en-US" dirty="0" smtClean="0"/>
+              <a:t>, Action calculi, …</a:t>
+            </a:r>
+          </a:p>
+          <a:p>
+            <a:r>
+              <a:rPr lang="en-US" dirty="0" smtClean="0"/>
+              <a:t>Endless proliferation of new variations and languages</a:t>
+            </a:r>
           </a:p>
         </p:txBody>
       </p:sp>
     </p:spTree>
     <p:extLst>
       <p:ext uri="{BB962C8B-B14F-4D97-AF65-F5344CB8AC3E}">
-        <p14:creationId xmlns:p14="http://schemas.microsoft.com/office/powerpoint/2010/main" val="958105602"/>
+        <p14:creationId xmlns:p14="http://schemas.microsoft.com/office/powerpoint/2010/main" val="2754938193"/>
       </p:ext>
     </p:extLst>
   </p:cSld>
   <p:clrMapOvr>
     <a:masterClrMapping/>
   </p:clrMapOvr>
+  <p:timing>
+    <p:tnLst>
+      <p:par>
+        <p:cTn xmlns:p14="http://schemas.microsoft.com/office/powerpoint/2010/main" id="1" dur="indefinite" restart="never" nodeType="tmRoot"/>
+      </p:par>
+    </p:tnLst>
+  </p:timing>
 </p:sld>
 </file>
 
@@ -7006,7 +7076,7 @@
       </p:grpSpPr>
       <p:sp>
         <p:nvSpPr>
-          <p:cNvPr id="4" name="Title 3"/>
+          <p:cNvPr id="2" name="Title 1"/>
           <p:cNvSpPr>
             <a:spLocks noGrp="1"/>
           </p:cNvSpPr>
@@ -7016,79 +7086,103 @@
         </p:nvSpPr>
         <p:spPr/>
         <p:txBody>
-          <a:bodyPr/>
-          <a:lstStyle/>
-          <a:p>
-            <a:r>
-              <a:rPr lang="en-US" dirty="0" smtClean="0"/>
-              <a:t>A </a:t>
-            </a:r>
-            <a:r>
-              <a:rPr lang="en-US" dirty="0" err="1" smtClean="0"/>
-              <a:t>Bigraph</a:t>
-            </a:r>
-            <a:endParaRPr lang="en-US" dirty="0"/>
-          </a:p>
-        </p:txBody>
-      </p:sp>
-      <p:pic>
-        <p:nvPicPr>
-          <p:cNvPr id="6" name="Content Placeholder 5" descr="anatomy.png"/>
-          <p:cNvPicPr>
-            <a:picLocks noGrp="1" noChangeAspect="1"/>
-          </p:cNvPicPr>
-          <p:nvPr>
-            <p:ph idx="1"/>
-          </p:nvPr>
-        </p:nvPicPr>
-        <p:blipFill>
-          <a:blip r:embed="rId2">
-            <a:extLst>
-              <a:ext uri="{28A0092B-C50C-407E-A947-70E740481C1C}">
-                <a14:useLocalDpi xmlns:a14="http://schemas.microsoft.com/office/drawing/2010/main" val="0"/>
-              </a:ext>
-            </a:extLst>
-          </a:blip>
-          <a:srcRect t="20515" b="20515"/>
-          <a:stretch>
-            <a:fillRect/>
-          </a:stretch>
-        </p:blipFill>
-        <p:spPr/>
-      </p:pic>
-      <p:sp>
-        <p:nvSpPr>
-          <p:cNvPr id="7" name="TextBox 6"/>
-          <p:cNvSpPr txBox="1"/>
-          <p:nvPr/>
-        </p:nvSpPr>
-        <p:spPr>
-          <a:xfrm>
-            <a:off x="457200" y="6375400"/>
-            <a:ext cx="8509000" cy="369332"/>
-          </a:xfrm>
-          <a:prstGeom prst="rect">
-            <a:avLst/>
-          </a:prstGeom>
-          <a:noFill/>
-        </p:spPr>
-        <p:txBody>
-          <a:bodyPr wrap="square" rtlCol="0">
-            <a:spAutoFit/>
+          <a:bodyPr>
+            <a:normAutofit fontScale="90000"/>
           </a:bodyPr>
           <a:lstStyle/>
           <a:p>
             <a:r>
               <a:rPr lang="en-US" dirty="0" smtClean="0"/>
-              <a:t>Source: Milner, R. </a:t>
-            </a:r>
-            <a:r>
-              <a:rPr lang="en-US" dirty="0"/>
-              <a:t> </a:t>
-            </a:r>
-            <a:r>
-              <a:rPr lang="en-US" dirty="0" smtClean="0"/>
-              <a:t>The Space and Motion of Communicating Agents (2009)</a:t>
+              <a:t>Proposing a New Process Language</a:t>
+            </a:r>
+            <a:endParaRPr lang="en-US" dirty="0"/>
+          </a:p>
+        </p:txBody>
+      </p:sp>
+      <p:sp>
+        <p:nvSpPr>
+          <p:cNvPr id="3" name="Content Placeholder 2"/>
+          <p:cNvSpPr>
+            <a:spLocks noGrp="1"/>
+          </p:cNvSpPr>
+          <p:nvPr>
+            <p:ph idx="1"/>
+          </p:nvPr>
+        </p:nvSpPr>
+        <p:spPr/>
+        <p:txBody>
+          <a:bodyPr>
+            <a:normAutofit fontScale="85000" lnSpcReduction="20000"/>
+          </a:bodyPr>
+          <a:lstStyle/>
+          <a:p>
+            <a:pPr marL="514350" indent="-514350">
+              <a:buFont typeface="+mj-lt"/>
+              <a:buAutoNum type="arabicPeriod"/>
+            </a:pPr>
+            <a:r>
+              <a:rPr lang="en-US" dirty="0" smtClean="0"/>
+              <a:t>Define syntax and semantics</a:t>
+            </a:r>
+          </a:p>
+          <a:p>
+            <a:pPr marL="514350" indent="-514350">
+              <a:buFont typeface="+mj-lt"/>
+              <a:buAutoNum type="arabicPeriod"/>
+            </a:pPr>
+            <a:r>
+              <a:rPr lang="en-US" dirty="0" smtClean="0"/>
+              <a:t>Prove a handful of interesting properties</a:t>
+            </a:r>
+          </a:p>
+          <a:p>
+            <a:pPr marL="514350" indent="-514350">
+              <a:buFont typeface="+mj-lt"/>
+              <a:buAutoNum type="arabicPeriod"/>
+            </a:pPr>
+            <a:r>
+              <a:rPr lang="en-US" dirty="0" smtClean="0"/>
+              <a:t>Use it once to solve a particular problem</a:t>
+            </a:r>
+          </a:p>
+          <a:p>
+            <a:pPr marL="514350" indent="-514350">
+              <a:buFont typeface="+mj-lt"/>
+              <a:buAutoNum type="arabicPeriod"/>
+            </a:pPr>
+            <a:r>
+              <a:rPr lang="en-US" dirty="0" smtClean="0"/>
+              <a:t>Claim generality</a:t>
+            </a:r>
+          </a:p>
+          <a:p>
+            <a:pPr marL="514350" indent="-514350">
+              <a:buFont typeface="+mj-lt"/>
+              <a:buAutoNum type="arabicPeriod"/>
+            </a:pPr>
+            <a:r>
+              <a:rPr lang="en-US" dirty="0" smtClean="0"/>
+              <a:t>Publish the paper</a:t>
+            </a:r>
+          </a:p>
+          <a:p>
+            <a:pPr marL="514350" indent="-514350">
+              <a:buFont typeface="+mj-lt"/>
+              <a:buAutoNum type="arabicPeriod"/>
+            </a:pPr>
+            <a:r>
+              <a:rPr lang="en-US" dirty="0" smtClean="0"/>
+              <a:t>Forget about it forever</a:t>
+            </a:r>
+          </a:p>
+          <a:p>
+            <a:pPr marL="514350" indent="-514350">
+              <a:buFont typeface="+mj-lt"/>
+              <a:buAutoNum type="arabicPeriod"/>
+            </a:pPr>
+            <a:r>
+              <a:rPr lang="en-US" dirty="0" smtClean="0"/>
+              <a:t>Go to Step 1</a:t>
             </a:r>
             <a:endParaRPr lang="en-US" dirty="0"/>
           </a:p>
@@ -7097,13 +7191,20 @@
     </p:spTree>
     <p:extLst>
       <p:ext uri="{BB962C8B-B14F-4D97-AF65-F5344CB8AC3E}">
-        <p14:creationId xmlns:p14="http://schemas.microsoft.com/office/powerpoint/2010/main" val="112464326"/>
+        <p14:creationId xmlns:p14="http://schemas.microsoft.com/office/powerpoint/2010/main" val="1079476171"/>
       </p:ext>
     </p:extLst>
   </p:cSld>
   <p:clrMapOvr>
     <a:masterClrMapping/>
   </p:clrMapOvr>
+  <p:timing>
+    <p:tnLst>
+      <p:par>
+        <p:cTn xmlns:p14="http://schemas.microsoft.com/office/powerpoint/2010/main" id="1" dur="indefinite" restart="never" nodeType="tmRoot"/>
+      </p:par>
+    </p:tnLst>
+  </p:timing>
 </p:sld>
 </file>
 
@@ -7136,89 +7237,99 @@
         </p:nvSpPr>
         <p:spPr/>
         <p:txBody>
-          <a:bodyPr/>
-          <a:lstStyle/>
-          <a:p>
-            <a:r>
-              <a:rPr lang="en-US" dirty="0" err="1" smtClean="0"/>
-              <a:t>Bigraphs</a:t>
-            </a:r>
-            <a:endParaRPr lang="en-US" dirty="0"/>
-          </a:p>
-        </p:txBody>
-      </p:sp>
-      <p:sp>
-        <p:nvSpPr>
-          <p:cNvPr id="3" name="Content Placeholder 2"/>
-          <p:cNvSpPr>
-            <a:spLocks noGrp="1"/>
-          </p:cNvSpPr>
-          <p:nvPr>
-            <p:ph idx="1"/>
-          </p:nvPr>
-        </p:nvSpPr>
-        <p:spPr/>
-        <p:txBody>
           <a:bodyPr>
-            <a:normAutofit lnSpcReduction="10000"/>
+            <a:normAutofit fontScale="90000"/>
           </a:bodyPr>
           <a:lstStyle/>
           <a:p>
             <a:r>
               <a:rPr lang="en-US" dirty="0" smtClean="0"/>
-              <a:t>Formal, mathematical objects</a:t>
-            </a:r>
-          </a:p>
-          <a:p>
-            <a:r>
-              <a:rPr lang="en-US" dirty="0" smtClean="0"/>
-              <a:t>Represent orthogonal notions of </a:t>
-            </a:r>
-            <a:r>
-              <a:rPr lang="en-US" b="1" dirty="0" smtClean="0"/>
-              <a:t>locality</a:t>
-            </a:r>
-            <a:r>
-              <a:rPr lang="en-US" dirty="0" smtClean="0"/>
-              <a:t> and </a:t>
-            </a:r>
-            <a:r>
-              <a:rPr lang="en-US" b="1" dirty="0" smtClean="0"/>
-              <a:t>connectivity</a:t>
-            </a:r>
-          </a:p>
-          <a:p>
-            <a:r>
-              <a:rPr lang="en-US" dirty="0" smtClean="0"/>
-              <a:t>Which are ubiquitous in </a:t>
+              <a:t>Proposing a New Process Language</a:t>
+            </a:r>
+            <a:endParaRPr lang="en-US" dirty="0"/>
+          </a:p>
+        </p:txBody>
+      </p:sp>
+      <p:sp>
+        <p:nvSpPr>
+          <p:cNvPr id="3" name="Content Placeholder 2"/>
+          <p:cNvSpPr>
+            <a:spLocks noGrp="1"/>
+          </p:cNvSpPr>
+          <p:nvPr>
+            <p:ph idx="1"/>
+          </p:nvPr>
+        </p:nvSpPr>
+        <p:spPr/>
+        <p:txBody>
+          <a:bodyPr>
+            <a:normAutofit fontScale="92500" lnSpcReduction="20000"/>
+          </a:bodyPr>
+          <a:lstStyle/>
+          <a:p>
+            <a:r>
+              <a:rPr lang="en-US" dirty="0" smtClean="0"/>
+              <a:t>New process languages are used to </a:t>
             </a:r>
             <a:r>
               <a:rPr lang="en-US" dirty="0" err="1" smtClean="0"/>
-              <a:t>modelling</a:t>
-            </a:r>
-            <a:r>
-              <a:rPr lang="en-US" dirty="0" smtClean="0"/>
-              <a:t> activities</a:t>
-            </a:r>
-          </a:p>
-          <a:p>
-            <a:r>
-              <a:rPr lang="en-US" dirty="0" smtClean="0"/>
-              <a:t>Locality: physical environments, logical containment, tree structures, </a:t>
+              <a:t>specialise</a:t>
+            </a:r>
+            <a:r>
+              <a:rPr lang="en-US" dirty="0" smtClean="0"/>
+              <a:t> to a given domain</a:t>
+            </a:r>
+          </a:p>
+          <a:p>
+            <a:r>
+              <a:rPr lang="en-US" dirty="0" smtClean="0"/>
+              <a:t>Not cynical – there are good reasons to </a:t>
             </a:r>
             <a:r>
               <a:rPr lang="en-US" dirty="0" err="1" smtClean="0"/>
-              <a:t>filesystems</a:t>
-            </a:r>
-            <a:r>
-              <a:rPr lang="en-US" dirty="0" smtClean="0"/>
-              <a:t>, ownership</a:t>
-            </a:r>
-          </a:p>
-          <a:p>
-            <a:r>
-              <a:rPr lang="en-US" dirty="0" smtClean="0"/>
-              <a:t>Connectivity: association, relationships, networks, name binding</a:t>
+              <a:t>specialise</a:t>
+            </a:r>
+            <a:r>
+              <a:rPr lang="en-US" dirty="0"/>
+              <a:t> </a:t>
+            </a:r>
+            <a:r>
+              <a:rPr lang="en-US" dirty="0" smtClean="0"/>
+              <a:t>to a domain!</a:t>
+            </a:r>
+          </a:p>
+          <a:p>
+            <a:r>
+              <a:rPr lang="en-US" dirty="0" smtClean="0"/>
+              <a:t>Instead of trying to stop proliferation of new languages, we should support reuse</a:t>
+            </a:r>
+          </a:p>
+          <a:p>
+            <a:r>
+              <a:rPr lang="en-US" dirty="0" smtClean="0"/>
+              <a:t>… and provide better ways of </a:t>
+            </a:r>
+            <a:r>
+              <a:rPr lang="en-US" dirty="0" err="1" smtClean="0"/>
+              <a:t>specialising</a:t>
+            </a:r>
+            <a:r>
+              <a:rPr lang="en-US" dirty="0" smtClean="0"/>
+              <a:t> languages to a given domain</a:t>
+            </a:r>
+          </a:p>
+          <a:p>
+            <a:r>
+              <a:rPr lang="en-US" dirty="0" smtClean="0"/>
+              <a:t>Ephemeral, disposable process languages for every occasion – </a:t>
+            </a:r>
+            <a:r>
+              <a:rPr lang="en-US" dirty="0" err="1" smtClean="0"/>
+              <a:t>specialised</a:t>
+            </a:r>
+            <a:r>
+              <a:rPr lang="en-US" dirty="0" smtClean="0"/>
+              <a:t> to a domain.</a:t>
             </a:r>
             <a:endParaRPr lang="en-US" dirty="0"/>
           </a:p>
@@ -7227,13 +7338,20 @@
     </p:spTree>
     <p:extLst>
       <p:ext uri="{BB962C8B-B14F-4D97-AF65-F5344CB8AC3E}">
-        <p14:creationId xmlns:p14="http://schemas.microsoft.com/office/powerpoint/2010/main" val="2654423041"/>
+        <p14:creationId xmlns:p14="http://schemas.microsoft.com/office/powerpoint/2010/main" val="3013490313"/>
       </p:ext>
     </p:extLst>
   </p:cSld>
   <p:clrMapOvr>
     <a:masterClrMapping/>
   </p:clrMapOvr>
+  <p:timing>
+    <p:tnLst>
+      <p:par>
+        <p:cTn xmlns:p14="http://schemas.microsoft.com/office/powerpoint/2010/main" id="1" dur="indefinite" restart="never" nodeType="tmRoot"/>
+      </p:par>
+    </p:tnLst>
+  </p:timing>
 </p:sld>
 </file>
 
@@ -7271,7 +7389,7 @@
           <a:p>
             <a:r>
               <a:rPr lang="en-US" dirty="0" smtClean="0"/>
-              <a:t>In the internet cafe</a:t>
+              <a:t>Domain-Specificity</a:t>
             </a:r>
             <a:endParaRPr lang="en-US" dirty="0"/>
           </a:p>
@@ -7289,45 +7407,95 @@
         </p:nvSpPr>
         <p:spPr/>
         <p:txBody>
-          <a:bodyPr/>
+          <a:bodyPr>
+            <a:normAutofit fontScale="85000" lnSpcReduction="20000"/>
+          </a:bodyPr>
           <a:lstStyle/>
           <a:p>
             <a:r>
               <a:rPr lang="en-US" dirty="0" smtClean="0"/>
-              <a:t>Draw picture (location: in the same room, connectivity to many different social networks, computer networks </a:t>
+              <a:t>Moving the language constructs with which we can express models closer to the domain of interest makes models better!</a:t>
+            </a:r>
+          </a:p>
+          <a:p>
+            <a:pPr lvl="1"/>
+            <a:r>
+              <a:rPr lang="en-US" dirty="0" smtClean="0"/>
+              <a:t>Familiar (natural) language is good! </a:t>
+            </a:r>
+            <a:endParaRPr lang="en-US" dirty="0" smtClean="0"/>
+          </a:p>
+          <a:p>
+            <a:pPr lvl="1"/>
+            <a:r>
+              <a:rPr lang="en-US" dirty="0" smtClean="0"/>
+              <a:t>Domain</a:t>
+            </a:r>
+            <a:r>
+              <a:rPr lang="en-US" dirty="0" smtClean="0"/>
+              <a:t>-experts are not necessarily </a:t>
             </a:r>
             <a:r>
               <a:rPr lang="en-US" dirty="0" err="1" smtClean="0"/>
-              <a:t>etc</a:t>
-            </a:r>
-            <a:r>
-              <a:rPr lang="en-US" dirty="0" smtClean="0"/>
-              <a:t>)</a:t>
-            </a:r>
-          </a:p>
-          <a:p>
-            <a:r>
-              <a:rPr lang="en-US" dirty="0" smtClean="0"/>
-              <a:t>The reveal: it’s a </a:t>
-            </a:r>
-            <a:r>
-              <a:rPr lang="en-US" dirty="0" err="1" smtClean="0"/>
-              <a:t>bigraph</a:t>
-            </a:r>
-            <a:endParaRPr lang="en-US" dirty="0"/>
+              <a:t>modelling</a:t>
+            </a:r>
+            <a:r>
+              <a:rPr lang="en-US" dirty="0" smtClean="0"/>
+              <a:t> experts</a:t>
+            </a:r>
+          </a:p>
+          <a:p>
+            <a:r>
+              <a:rPr lang="en-US" dirty="0" smtClean="0"/>
+              <a:t>Instead, describe models in the language of the domain</a:t>
+            </a:r>
+          </a:p>
+          <a:p>
+            <a:pPr lvl="1"/>
+            <a:r>
+              <a:rPr lang="en-US" dirty="0" smtClean="0"/>
+              <a:t>Business processes in the language of the business</a:t>
+            </a:r>
+          </a:p>
+          <a:p>
+            <a:pPr lvl="1"/>
+            <a:r>
+              <a:rPr lang="en-US" dirty="0" smtClean="0"/>
+              <a:t>And systems biology in the language of biologists</a:t>
+            </a:r>
+          </a:p>
+          <a:p>
+            <a:pPr lvl="1"/>
+            <a:r>
+              <a:rPr lang="en-US" dirty="0" smtClean="0"/>
+              <a:t>And security protocols in the language of security experts</a:t>
+            </a:r>
+          </a:p>
+          <a:p>
+            <a:r>
+              <a:rPr lang="en-US" dirty="0" smtClean="0"/>
+              <a:t>The outcome is often of more interest to the domain-expert than the mechanism of the process itself</a:t>
+            </a:r>
           </a:p>
         </p:txBody>
       </p:sp>
     </p:spTree>
     <p:extLst>
       <p:ext uri="{BB962C8B-B14F-4D97-AF65-F5344CB8AC3E}">
-        <p14:creationId xmlns:p14="http://schemas.microsoft.com/office/powerpoint/2010/main" val="2078764899"/>
+        <p14:creationId xmlns:p14="http://schemas.microsoft.com/office/powerpoint/2010/main" val="1575677617"/>
       </p:ext>
     </p:extLst>
   </p:cSld>
   <p:clrMapOvr>
     <a:masterClrMapping/>
   </p:clrMapOvr>
+  <p:timing>
+    <p:tnLst>
+      <p:par>
+        <p:cTn xmlns:p14="http://schemas.microsoft.com/office/powerpoint/2010/main" id="1" dur="indefinite" restart="never" nodeType="tmRoot"/>
+      </p:par>
+    </p:tnLst>
+  </p:timing>
 </p:sld>
 </file>
 
@@ -7364,8 +7532,8 @@
           <a:lstStyle/>
           <a:p>
             <a:r>
-              <a:rPr lang="en-US" dirty="0" err="1" smtClean="0"/>
-              <a:t>Bigraphs</a:t>
+              <a:rPr lang="en-US" dirty="0" smtClean="0"/>
+              <a:t>Domain-Specificity at work</a:t>
             </a:r>
             <a:endParaRPr lang="en-US" dirty="0"/>
           </a:p>
@@ -7381,63 +7549,60 @@
             <p:ph idx="1"/>
           </p:nvPr>
         </p:nvSpPr>
-        <p:spPr/>
-        <p:txBody>
-          <a:bodyPr/>
+        <p:spPr>
+          <a:xfrm>
+            <a:off x="457200" y="2484300"/>
+            <a:ext cx="8229600" cy="3891181"/>
+          </a:xfrm>
+        </p:spPr>
+        <p:txBody>
+          <a:bodyPr>
+            <a:normAutofit/>
+          </a:bodyPr>
           <a:lstStyle/>
           <a:p>
             <a:r>
               <a:rPr lang="en-US" dirty="0" smtClean="0"/>
-              <a:t>Unambiguous, formal visual presentation</a:t>
-            </a:r>
-          </a:p>
-          <a:p>
-            <a:r>
-              <a:rPr lang="en-US" dirty="0" smtClean="0"/>
-              <a:t>A categorical presentation in terms of interfaces</a:t>
-            </a:r>
-          </a:p>
-          <a:p>
-            <a:r>
-              <a:rPr lang="en-US" dirty="0" smtClean="0"/>
-              <a:t>Reaction semantics</a:t>
-            </a:r>
-          </a:p>
-          <a:p>
-            <a:pPr lvl="1"/>
-            <a:r>
-              <a:rPr lang="en-US" dirty="0" smtClean="0"/>
-              <a:t>A single </a:t>
-            </a:r>
-            <a:r>
-              <a:rPr lang="en-US" dirty="0" err="1" smtClean="0"/>
-              <a:t>bigraph</a:t>
-            </a:r>
-            <a:r>
-              <a:rPr lang="en-US" dirty="0" smtClean="0"/>
-              <a:t> defines the state of some system</a:t>
-            </a:r>
-          </a:p>
-          <a:p>
-            <a:pPr lvl="1"/>
-            <a:r>
-              <a:rPr lang="en-US" dirty="0" smtClean="0"/>
-              <a:t>A set of reaction rules describe how the system may behave and evolve over time</a:t>
-            </a:r>
-            <a:endParaRPr lang="en-US" dirty="0"/>
+              <a:t>When describing vending machines, we want to talk about drinks and coins and buttons</a:t>
+            </a:r>
+          </a:p>
+          <a:p>
+            <a:r>
+              <a:rPr lang="en-US" dirty="0" smtClean="0"/>
+              <a:t>When a car, we want to talk about wheels and drivers and roads</a:t>
+            </a:r>
+          </a:p>
+          <a:p>
+            <a:r>
+              <a:rPr lang="en-US" dirty="0" smtClean="0"/>
+              <a:t>Domains have different sets of entities they wish to describe</a:t>
+            </a:r>
+          </a:p>
+          <a:p>
+            <a:r>
+              <a:rPr lang="en-US" dirty="0" smtClean="0"/>
+              <a:t>And the meaning of the same entities can change between domains!</a:t>
+            </a:r>
           </a:p>
         </p:txBody>
       </p:sp>
     </p:spTree>
     <p:extLst>
       <p:ext uri="{BB962C8B-B14F-4D97-AF65-F5344CB8AC3E}">
-        <p14:creationId xmlns:p14="http://schemas.microsoft.com/office/powerpoint/2010/main" val="3647486255"/>
+        <p14:creationId xmlns:p14="http://schemas.microsoft.com/office/powerpoint/2010/main" val="157110785"/>
       </p:ext>
     </p:extLst>
   </p:cSld>
   <p:clrMapOvr>
     <a:masterClrMapping/>
   </p:clrMapOvr>
+  <p:timing>
+    <p:tnLst>
+      <p:par>
+        <p:cTn xmlns:p14="http://schemas.microsoft.com/office/powerpoint/2010/main" id="1" dur="indefinite" restart="never" nodeType="tmRoot"/>
+      </p:par>
+    </p:tnLst>
+  </p:timing>
 </p:sld>
 </file>
 
@@ -7470,59 +7635,109 @@
         </p:nvSpPr>
         <p:spPr/>
         <p:txBody>
+          <a:bodyPr/>
+          <a:lstStyle/>
+          <a:p>
+            <a:r>
+              <a:rPr lang="en-US" dirty="0" smtClean="0"/>
+              <a:t>Objective</a:t>
+            </a:r>
+            <a:endParaRPr lang="en-US" dirty="0"/>
+          </a:p>
+        </p:txBody>
+      </p:sp>
+      <p:sp>
+        <p:nvSpPr>
+          <p:cNvPr id="3" name="Content Placeholder 2"/>
+          <p:cNvSpPr>
+            <a:spLocks noGrp="1"/>
+          </p:cNvSpPr>
+          <p:nvPr>
+            <p:ph idx="1"/>
+          </p:nvPr>
+        </p:nvSpPr>
+        <p:spPr/>
+        <p:txBody>
           <a:bodyPr>
-            <a:normAutofit fontScale="90000"/>
+            <a:normAutofit lnSpcReduction="10000"/>
           </a:bodyPr>
           <a:lstStyle/>
           <a:p>
             <a:r>
-              <a:rPr lang="en-US" dirty="0" err="1" smtClean="0"/>
-              <a:t>Bigraph</a:t>
-            </a:r>
-            <a:r>
-              <a:rPr lang="en-US" dirty="0" smtClean="0"/>
-              <a:t> example</a:t>
-            </a:r>
-            <a:br>
-              <a:rPr lang="en-US" dirty="0" smtClean="0"/>
-            </a:br>
-            <a:endParaRPr lang="en-US" dirty="0"/>
-          </a:p>
-        </p:txBody>
-      </p:sp>
-      <p:sp>
-        <p:nvSpPr>
-          <p:cNvPr id="3" name="Content Placeholder 2"/>
-          <p:cNvSpPr>
-            <a:spLocks noGrp="1"/>
-          </p:cNvSpPr>
-          <p:nvPr>
-            <p:ph idx="1"/>
-          </p:nvPr>
-        </p:nvSpPr>
-        <p:spPr/>
-        <p:txBody>
-          <a:bodyPr/>
-          <a:lstStyle/>
-          <a:p>
-            <a:r>
-              <a:rPr lang="en-US" dirty="0" smtClean="0"/>
-              <a:t>Picture here bean factory tins moving between components</a:t>
-            </a:r>
-            <a:endParaRPr lang="en-US" dirty="0"/>
+              <a:rPr lang="en-US" sz="2800" dirty="0" smtClean="0"/>
+              <a:t>Make it easier to </a:t>
+            </a:r>
+            <a:r>
+              <a:rPr lang="en-US" sz="2800" dirty="0" err="1" smtClean="0"/>
+              <a:t>specialise</a:t>
+            </a:r>
+            <a:r>
+              <a:rPr lang="en-US" sz="2800" dirty="0" smtClean="0"/>
+              <a:t> a </a:t>
+            </a:r>
+            <a:r>
+              <a:rPr lang="en-US" sz="2800" dirty="0" err="1" smtClean="0"/>
+              <a:t>modelling</a:t>
+            </a:r>
+            <a:r>
+              <a:rPr lang="en-US" sz="2800" dirty="0" smtClean="0"/>
+              <a:t> language to a domain</a:t>
+            </a:r>
+          </a:p>
+          <a:p>
+            <a:r>
+              <a:rPr lang="en-US" sz="2800" dirty="0" smtClean="0"/>
+              <a:t>Promote re-use of components between </a:t>
+            </a:r>
+            <a:r>
+              <a:rPr lang="en-US" sz="2800" dirty="0" err="1" smtClean="0"/>
+              <a:t>modelling</a:t>
+            </a:r>
+            <a:r>
+              <a:rPr lang="en-US" sz="2800" dirty="0" smtClean="0"/>
+              <a:t> languages</a:t>
+            </a:r>
+          </a:p>
+          <a:p>
+            <a:r>
+              <a:rPr lang="en-US" sz="2800" dirty="0" smtClean="0"/>
+              <a:t>Make it easier to use </a:t>
+            </a:r>
+            <a:r>
+              <a:rPr lang="en-US" sz="2800" dirty="0" err="1" smtClean="0"/>
+              <a:t>modelling</a:t>
+            </a:r>
+            <a:r>
+              <a:rPr lang="en-US" sz="2800" dirty="0" smtClean="0"/>
+              <a:t> languages</a:t>
+            </a:r>
+          </a:p>
+          <a:p>
+            <a:r>
+              <a:rPr lang="en-US" sz="2800" dirty="0" smtClean="0"/>
+              <a:t>… which leads us to…</a:t>
+            </a:r>
+            <a:endParaRPr lang="en-US" sz="2800" dirty="0"/>
           </a:p>
         </p:txBody>
       </p:sp>
     </p:spTree>
     <p:extLst>
       <p:ext uri="{BB962C8B-B14F-4D97-AF65-F5344CB8AC3E}">
-        <p14:creationId xmlns:p14="http://schemas.microsoft.com/office/powerpoint/2010/main" val="3506776386"/>
+        <p14:creationId xmlns:p14="http://schemas.microsoft.com/office/powerpoint/2010/main" val="3166654159"/>
       </p:ext>
     </p:extLst>
   </p:cSld>
   <p:clrMapOvr>
     <a:masterClrMapping/>
   </p:clrMapOvr>
+  <p:timing>
+    <p:tnLst>
+      <p:par>
+        <p:cTn xmlns:p14="http://schemas.microsoft.com/office/powerpoint/2010/main" id="1" dur="indefinite" restart="never" nodeType="tmRoot"/>
+      </p:par>
+    </p:tnLst>
+  </p:timing>
 </p:sld>
 </file>
 
@@ -7559,8 +7774,8 @@
           <a:lstStyle/>
           <a:p>
             <a:r>
-              <a:rPr lang="en-US" dirty="0" smtClean="0"/>
-              <a:t>Reaction Rules</a:t>
+              <a:rPr lang="en-US" dirty="0" err="1" smtClean="0"/>
+              <a:t>Bigraphs</a:t>
             </a:r>
             <a:endParaRPr lang="en-US" dirty="0"/>
           </a:p>
@@ -7568,12 +7783,12 @@
       </p:sp>
       <p:sp>
         <p:nvSpPr>
-          <p:cNvPr id="3" name="Content Placeholder 2"/>
-          <p:cNvSpPr>
-            <a:spLocks noGrp="1"/>
-          </p:cNvSpPr>
-          <p:nvPr>
-            <p:ph idx="1"/>
+          <p:cNvPr id="3" name="Text Placeholder 2"/>
+          <p:cNvSpPr>
+            <a:spLocks noGrp="1"/>
+          </p:cNvSpPr>
+          <p:nvPr>
+            <p:ph type="body" idx="1"/>
           </p:nvPr>
         </p:nvSpPr>
         <p:spPr/>
@@ -7583,7 +7798,7 @@
           <a:p>
             <a:r>
               <a:rPr lang="en-US" dirty="0" smtClean="0"/>
-              <a:t>Picture here</a:t>
+              <a:t>Part 2</a:t>
             </a:r>
             <a:endParaRPr lang="en-US" dirty="0"/>
           </a:p>
@@ -7592,13 +7807,20 @@
     </p:spTree>
     <p:extLst>
       <p:ext uri="{BB962C8B-B14F-4D97-AF65-F5344CB8AC3E}">
-        <p14:creationId xmlns:p14="http://schemas.microsoft.com/office/powerpoint/2010/main" val="3151115840"/>
+        <p14:creationId xmlns:p14="http://schemas.microsoft.com/office/powerpoint/2010/main" val="958105602"/>
       </p:ext>
     </p:extLst>
   </p:cSld>
   <p:clrMapOvr>
     <a:masterClrMapping/>
   </p:clrMapOvr>
+  <p:timing>
+    <p:tnLst>
+      <p:par>
+        <p:cTn xmlns:p14="http://schemas.microsoft.com/office/powerpoint/2010/main" id="1" dur="indefinite" restart="never" nodeType="tmRoot"/>
+      </p:par>
+    </p:tnLst>
+  </p:timing>
 </p:sld>
 </file>
 
@@ -7621,7 +7843,7 @@
       </p:grpSpPr>
       <p:sp>
         <p:nvSpPr>
-          <p:cNvPr id="4" name="Title 3"/>
+          <p:cNvPr id="2" name="Title 1"/>
           <p:cNvSpPr>
             <a:spLocks noGrp="1"/>
           </p:cNvSpPr>
@@ -7635,12 +7857,8 @@
           <a:lstStyle/>
           <a:p>
             <a:r>
-              <a:rPr lang="en-US" dirty="0" err="1" smtClean="0"/>
-              <a:t>Modelling</a:t>
-            </a:r>
-            <a:r>
-              <a:rPr lang="en-US" dirty="0" smtClean="0"/>
-              <a:t> and Motivation</a:t>
+              <a:rPr lang="en-US" dirty="0" smtClean="0"/>
+              <a:t>Objectives</a:t>
             </a:r>
             <a:endParaRPr lang="en-US" dirty="0"/>
           </a:p>
@@ -7648,12 +7866,12 @@
       </p:sp>
       <p:sp>
         <p:nvSpPr>
-          <p:cNvPr id="5" name="Text Placeholder 4"/>
-          <p:cNvSpPr>
-            <a:spLocks noGrp="1"/>
-          </p:cNvSpPr>
-          <p:nvPr>
-            <p:ph type="body" idx="1"/>
+          <p:cNvPr id="3" name="Content Placeholder 2"/>
+          <p:cNvSpPr>
+            <a:spLocks noGrp="1"/>
+          </p:cNvSpPr>
+          <p:nvPr>
+            <p:ph idx="1"/>
           </p:nvPr>
         </p:nvSpPr>
         <p:spPr/>
@@ -7663,27 +7881,80 @@
           <a:p>
             <a:r>
               <a:rPr lang="en-US" dirty="0" smtClean="0"/>
-              <a:t>Part 1</a:t>
+              <a:t>Convince you that </a:t>
+            </a:r>
+            <a:r>
+              <a:rPr lang="en-US" dirty="0" err="1" smtClean="0"/>
+              <a:t>modelling</a:t>
+            </a:r>
+            <a:r>
+              <a:rPr lang="en-US" dirty="0" smtClean="0"/>
+              <a:t> is an important activity</a:t>
             </a:r>
             <a:endParaRPr lang="en-US" dirty="0"/>
+          </a:p>
+          <a:p>
+            <a:endParaRPr lang="en-US" dirty="0" smtClean="0"/>
+          </a:p>
+          <a:p>
+            <a:r>
+              <a:rPr lang="en-US" dirty="0" smtClean="0"/>
+              <a:t>Convince you that </a:t>
+            </a:r>
+            <a:r>
+              <a:rPr lang="en-US" dirty="0" err="1" smtClean="0"/>
+              <a:t>bigraphs</a:t>
+            </a:r>
+            <a:r>
+              <a:rPr lang="en-US" dirty="0" smtClean="0"/>
+              <a:t> are a good tool for constructing models and </a:t>
+            </a:r>
+            <a:r>
+              <a:rPr lang="en-US" dirty="0" err="1" smtClean="0"/>
+              <a:t>modelling</a:t>
+            </a:r>
+            <a:r>
+              <a:rPr lang="en-US" dirty="0" smtClean="0"/>
+              <a:t> languages</a:t>
+            </a:r>
+          </a:p>
+          <a:p>
+            <a:endParaRPr lang="en-US" dirty="0"/>
+          </a:p>
+          <a:p>
+            <a:r>
+              <a:rPr lang="en-US" dirty="0" err="1" smtClean="0"/>
+              <a:t>Summarise</a:t>
+            </a:r>
+            <a:r>
+              <a:rPr lang="en-US" dirty="0" smtClean="0"/>
+              <a:t> the contributions of my thesis</a:t>
+            </a:r>
           </a:p>
         </p:txBody>
       </p:sp>
     </p:spTree>
     <p:extLst>
       <p:ext uri="{BB962C8B-B14F-4D97-AF65-F5344CB8AC3E}">
-        <p14:creationId xmlns:p14="http://schemas.microsoft.com/office/powerpoint/2010/main" val="1588001827"/>
+        <p14:creationId xmlns:p14="http://schemas.microsoft.com/office/powerpoint/2010/main" val="1803984063"/>
       </p:ext>
     </p:extLst>
   </p:cSld>
   <p:clrMapOvr>
     <a:masterClrMapping/>
   </p:clrMapOvr>
+  <p:timing>
+    <p:tnLst>
+      <p:par>
+        <p:cTn xmlns:p14="http://schemas.microsoft.com/office/powerpoint/2010/main" id="1" dur="indefinite" restart="never" nodeType="tmRoot"/>
+      </p:par>
+    </p:tnLst>
+  </p:timing>
 </p:sld>
 </file>
 
 <file path=ppt/slides/slide30.xml><?xml version="1.0" encoding="utf-8"?>
-<p:sld xmlns:a="http://schemas.openxmlformats.org/drawingml/2006/main" xmlns:r="http://schemas.openxmlformats.org/officeDocument/2006/relationships" xmlns:p="http://schemas.openxmlformats.org/presentationml/2006/main">
+<p:sld xmlns:a="http://schemas.openxmlformats.org/drawingml/2006/main" xmlns:r="http://schemas.openxmlformats.org/officeDocument/2006/relationships" xmlns:p="http://schemas.openxmlformats.org/presentationml/2006/main" show="0">
   <p:cSld>
     <p:spTree>
       <p:nvGrpSpPr>
@@ -7701,7 +7972,7 @@
       </p:grpSpPr>
       <p:sp>
         <p:nvSpPr>
-          <p:cNvPr id="2" name="Title 1"/>
+          <p:cNvPr id="4" name="Title 3"/>
           <p:cNvSpPr>
             <a:spLocks noGrp="1"/>
           </p:cNvSpPr>
@@ -7716,30 +7987,74 @@
           <a:p>
             <a:r>
               <a:rPr lang="en-US" dirty="0" smtClean="0"/>
-              <a:t>Reaction</a:t>
+              <a:t>A </a:t>
+            </a:r>
+            <a:r>
+              <a:rPr lang="en-US" dirty="0" err="1" smtClean="0"/>
+              <a:t>Bigraph</a:t>
             </a:r>
             <a:endParaRPr lang="en-US" dirty="0"/>
           </a:p>
         </p:txBody>
       </p:sp>
-      <p:sp>
-        <p:nvSpPr>
-          <p:cNvPr id="3" name="Content Placeholder 2"/>
-          <p:cNvSpPr>
-            <a:spLocks noGrp="1"/>
-          </p:cNvSpPr>
+      <p:pic>
+        <p:nvPicPr>
+          <p:cNvPr id="6" name="Content Placeholder 5" descr="anatomy.png"/>
+          <p:cNvPicPr>
+            <a:picLocks noGrp="1" noChangeAspect="1"/>
+          </p:cNvPicPr>
           <p:nvPr>
             <p:ph idx="1"/>
           </p:nvPr>
-        </p:nvSpPr>
+        </p:nvPicPr>
+        <p:blipFill>
+          <a:blip r:embed="rId2">
+            <a:extLst>
+              <a:ext uri="{28A0092B-C50C-407E-A947-70E740481C1C}">
+                <a14:useLocalDpi xmlns:a14="http://schemas.microsoft.com/office/drawing/2010/main" val="0"/>
+              </a:ext>
+            </a:extLst>
+          </a:blip>
+          <a:srcRect t="20515" b="20515"/>
+          <a:stretch>
+            <a:fillRect/>
+          </a:stretch>
+        </p:blipFill>
         <p:spPr/>
-        <p:txBody>
-          <a:bodyPr/>
+      </p:pic>
+      <p:sp>
+        <p:nvSpPr>
+          <p:cNvPr id="7" name="TextBox 6"/>
+          <p:cNvSpPr txBox="1"/>
+          <p:nvPr/>
+        </p:nvSpPr>
+        <p:spPr>
+          <a:xfrm>
+            <a:off x="457200" y="6375400"/>
+            <a:ext cx="8509000" cy="369332"/>
+          </a:xfrm>
+          <a:prstGeom prst="rect">
+            <a:avLst/>
+          </a:prstGeom>
+          <a:noFill/>
+        </p:spPr>
+        <p:txBody>
+          <a:bodyPr wrap="square" rtlCol="0">
+            <a:spAutoFit/>
+          </a:bodyPr>
           <a:lstStyle/>
           <a:p>
             <a:r>
               <a:rPr lang="en-US" dirty="0" smtClean="0"/>
-              <a:t>Picture results</a:t>
+              <a:t>Source: Milner, R. </a:t>
+            </a:r>
+            <a:r>
+              <a:rPr lang="en-US" dirty="0"/>
+              <a:t> </a:t>
+            </a:r>
+            <a:r>
+              <a:rPr lang="en-US" dirty="0" smtClean="0"/>
+              <a:t>The Space and Motion of Communicating Agents (2009)</a:t>
             </a:r>
             <a:endParaRPr lang="en-US" dirty="0"/>
           </a:p>
@@ -7748,13 +8063,28 @@
     </p:spTree>
     <p:extLst>
       <p:ext uri="{BB962C8B-B14F-4D97-AF65-F5344CB8AC3E}">
-        <p14:creationId xmlns:p14="http://schemas.microsoft.com/office/powerpoint/2010/main" val="2135594312"/>
+        <p14:creationId xmlns:p14="http://schemas.microsoft.com/office/powerpoint/2010/main" val="112464326"/>
       </p:ext>
     </p:extLst>
   </p:cSld>
   <p:clrMapOvr>
     <a:masterClrMapping/>
   </p:clrMapOvr>
+  <mc:AlternateContent xmlns:mc="http://schemas.openxmlformats.org/markup-compatibility/2006">
+    <mc:Choice xmlns:p14="http://schemas.microsoft.com/office/powerpoint/2010/main" Requires="p14">
+      <p:transition spd="slow" p14:dur="2000"/>
+    </mc:Choice>
+    <mc:Fallback>
+      <p:transition xmlns:p14="http://schemas.microsoft.com/office/powerpoint/2010/main" spd="slow"/>
+    </mc:Fallback>
+  </mc:AlternateContent>
+  <p:timing>
+    <p:tnLst>
+      <p:par>
+        <p:cTn xmlns:p14="http://schemas.microsoft.com/office/powerpoint/2010/main" id="1" dur="indefinite" restart="never" nodeType="tmRoot"/>
+      </p:par>
+    </p:tnLst>
+  </p:timing>
 </p:sld>
 </file>
 
@@ -7791,8 +8121,8 @@
           <a:lstStyle/>
           <a:p>
             <a:r>
-              <a:rPr lang="en-US" dirty="0" smtClean="0"/>
-              <a:t>BMC</a:t>
+              <a:rPr lang="en-US" dirty="0" err="1" smtClean="0"/>
+              <a:t>Bigraphs</a:t>
             </a:r>
             <a:endParaRPr lang="en-US" dirty="0"/>
           </a:p>
@@ -7810,51 +8140,88 @@
         </p:nvSpPr>
         <p:spPr/>
         <p:txBody>
-          <a:bodyPr/>
+          <a:bodyPr>
+            <a:normAutofit lnSpcReduction="10000"/>
+          </a:bodyPr>
           <a:lstStyle/>
           <a:p>
             <a:r>
               <a:rPr lang="en-US" dirty="0" smtClean="0"/>
-              <a:t>Presenting </a:t>
+              <a:t>Formal, mathematical objects</a:t>
+            </a:r>
+          </a:p>
+          <a:p>
+            <a:r>
+              <a:rPr lang="en-US" dirty="0" smtClean="0"/>
+              <a:t>Represent orthogonal notions of </a:t>
+            </a:r>
+            <a:r>
+              <a:rPr lang="en-US" b="1" dirty="0" smtClean="0"/>
+              <a:t>locality</a:t>
+            </a:r>
+            <a:r>
+              <a:rPr lang="en-US" dirty="0" smtClean="0"/>
+              <a:t> and </a:t>
+            </a:r>
+            <a:r>
+              <a:rPr lang="en-US" b="1" dirty="0" smtClean="0"/>
+              <a:t>connectivity</a:t>
+            </a:r>
+          </a:p>
+          <a:p>
+            <a:r>
+              <a:rPr lang="en-US" dirty="0" smtClean="0"/>
+              <a:t>Which are ubiquitous in </a:t>
             </a:r>
             <a:r>
               <a:rPr lang="en-US" dirty="0" err="1" smtClean="0"/>
-              <a:t>bigraphs</a:t>
-            </a:r>
-            <a:r>
-              <a:rPr lang="en-US" dirty="0" smtClean="0"/>
-              <a:t> in a way that is familiar to process calculus experts.</a:t>
-            </a:r>
-          </a:p>
-          <a:p>
+              <a:t>modelling</a:t>
+            </a:r>
+            <a:r>
+              <a:rPr lang="en-US" dirty="0" smtClean="0"/>
+              <a:t> activities</a:t>
+            </a:r>
+          </a:p>
+          <a:p>
+            <a:r>
+              <a:rPr lang="en-US" dirty="0" smtClean="0"/>
+              <a:t>Locality: physical environments, logical containment, tree structures, </a:t>
+            </a:r>
+            <a:r>
+              <a:rPr lang="en-US" dirty="0" err="1" smtClean="0"/>
+              <a:t>filesystems</a:t>
+            </a:r>
+            <a:r>
+              <a:rPr lang="en-US" dirty="0" smtClean="0"/>
+              <a:t>, ownership</a:t>
+            </a:r>
+          </a:p>
+          <a:p>
+            <a:r>
+              <a:rPr lang="en-US" dirty="0" smtClean="0"/>
+              <a:t>Connectivity: association, relationships, networks, name binding</a:t>
+            </a:r>
             <a:endParaRPr lang="en-US" dirty="0"/>
-          </a:p>
-          <a:p>
-            <a:r>
-              <a:rPr lang="en-US" dirty="0" smtClean="0"/>
-              <a:t>Introduce signatures, </a:t>
-            </a:r>
-            <a:r>
-              <a:rPr lang="en-US" dirty="0" err="1" smtClean="0"/>
-              <a:t>sortings</a:t>
-            </a:r>
-            <a:r>
-              <a:rPr lang="en-US" dirty="0" smtClean="0"/>
-              <a:t>, reaction rules</a:t>
-            </a:r>
           </a:p>
         </p:txBody>
       </p:sp>
     </p:spTree>
     <p:extLst>
       <p:ext uri="{BB962C8B-B14F-4D97-AF65-F5344CB8AC3E}">
-        <p14:creationId xmlns:p14="http://schemas.microsoft.com/office/powerpoint/2010/main" val="2966911294"/>
+        <p14:creationId xmlns:p14="http://schemas.microsoft.com/office/powerpoint/2010/main" val="2654423041"/>
       </p:ext>
     </p:extLst>
   </p:cSld>
   <p:clrMapOvr>
     <a:masterClrMapping/>
   </p:clrMapOvr>
+  <p:timing>
+    <p:tnLst>
+      <p:par>
+        <p:cTn xmlns:p14="http://schemas.microsoft.com/office/powerpoint/2010/main" id="1" dur="indefinite" restart="never" nodeType="tmRoot"/>
+      </p:par>
+    </p:tnLst>
+  </p:timing>
 </p:sld>
 </file>
 
@@ -7891,12 +8258,8 @@
           <a:lstStyle/>
           <a:p>
             <a:r>
-              <a:rPr lang="en-US" dirty="0" err="1" smtClean="0"/>
-              <a:t>Bigraphical</a:t>
-            </a:r>
-            <a:r>
-              <a:rPr lang="en-US" dirty="0" smtClean="0"/>
-              <a:t> languages</a:t>
+              <a:rPr lang="en-US" dirty="0" smtClean="0"/>
+              <a:t>In the internet cafe</a:t>
             </a:r>
             <a:endParaRPr lang="en-US" dirty="0"/>
           </a:p>
@@ -7904,12 +8267,12 @@
       </p:sp>
       <p:sp>
         <p:nvSpPr>
-          <p:cNvPr id="3" name="Text Placeholder 2"/>
-          <p:cNvSpPr>
-            <a:spLocks noGrp="1"/>
-          </p:cNvSpPr>
-          <p:nvPr>
-            <p:ph type="body" idx="1"/>
+          <p:cNvPr id="3" name="Content Placeholder 2"/>
+          <p:cNvSpPr>
+            <a:spLocks noGrp="1"/>
+          </p:cNvSpPr>
+          <p:nvPr>
+            <p:ph idx="1"/>
           </p:nvPr>
         </p:nvSpPr>
         <p:spPr/>
@@ -7919,7 +8282,25 @@
           <a:p>
             <a:r>
               <a:rPr lang="en-US" dirty="0" smtClean="0"/>
-              <a:t>Part 3</a:t>
+              <a:t>Draw picture (location: in the same room, connectivity to many different social networks, computer networks </a:t>
+            </a:r>
+            <a:r>
+              <a:rPr lang="en-US" dirty="0" err="1" smtClean="0"/>
+              <a:t>etc</a:t>
+            </a:r>
+            <a:r>
+              <a:rPr lang="en-US" dirty="0" smtClean="0"/>
+              <a:t>)</a:t>
+            </a:r>
+          </a:p>
+          <a:p>
+            <a:r>
+              <a:rPr lang="en-US" dirty="0" smtClean="0"/>
+              <a:t>The reveal: it’s a </a:t>
+            </a:r>
+            <a:r>
+              <a:rPr lang="en-US" dirty="0" err="1" smtClean="0"/>
+              <a:t>bigraph</a:t>
             </a:r>
             <a:endParaRPr lang="en-US" dirty="0"/>
           </a:p>
@@ -7928,13 +8309,20 @@
     </p:spTree>
     <p:extLst>
       <p:ext uri="{BB962C8B-B14F-4D97-AF65-F5344CB8AC3E}">
-        <p14:creationId xmlns:p14="http://schemas.microsoft.com/office/powerpoint/2010/main" val="2631882233"/>
+        <p14:creationId xmlns:p14="http://schemas.microsoft.com/office/powerpoint/2010/main" val="2078764899"/>
       </p:ext>
     </p:extLst>
   </p:cSld>
   <p:clrMapOvr>
     <a:masterClrMapping/>
   </p:clrMapOvr>
+  <p:timing>
+    <p:tnLst>
+      <p:par>
+        <p:cTn xmlns:p14="http://schemas.microsoft.com/office/powerpoint/2010/main" id="1" dur="indefinite" restart="never" nodeType="tmRoot"/>
+      </p:par>
+    </p:tnLst>
+  </p:timing>
 </p:sld>
 </file>
 
@@ -7957,7 +8345,7 @@
       </p:grpSpPr>
       <p:sp>
         <p:nvSpPr>
-          <p:cNvPr id="4" name="Title 3"/>
+          <p:cNvPr id="2" name="Title 1"/>
           <p:cNvSpPr>
             <a:spLocks noGrp="1"/>
           </p:cNvSpPr>
@@ -7971,8 +8359,8 @@
           <a:lstStyle/>
           <a:p>
             <a:r>
-              <a:rPr lang="en-US" dirty="0" smtClean="0"/>
-              <a:t>Defining a language</a:t>
+              <a:rPr lang="en-US" dirty="0" err="1" smtClean="0"/>
+              <a:t>Bigraphs</a:t>
             </a:r>
             <a:endParaRPr lang="en-US" dirty="0"/>
           </a:p>
@@ -7980,7 +8368,7 @@
       </p:sp>
       <p:sp>
         <p:nvSpPr>
-          <p:cNvPr id="5" name="Content Placeholder 4"/>
+          <p:cNvPr id="3" name="Content Placeholder 2"/>
           <p:cNvSpPr>
             <a:spLocks noGrp="1"/>
           </p:cNvSpPr>
@@ -7990,64 +8378,68 @@
         </p:nvSpPr>
         <p:spPr/>
         <p:txBody>
-          <a:bodyPr>
-            <a:normAutofit/>
-          </a:bodyPr>
+          <a:bodyPr/>
           <a:lstStyle/>
           <a:p>
             <a:r>
-              <a:rPr lang="en-US" b="1" dirty="0" smtClean="0"/>
-              <a:t>Syntax</a:t>
-            </a:r>
-            <a:r>
-              <a:rPr lang="en-US" dirty="0" smtClean="0"/>
-              <a:t>: What is the structure of sentences in the language?</a:t>
-            </a:r>
-            <a:r>
-              <a:rPr lang="en-US" dirty="0"/>
-              <a:t> </a:t>
-            </a:r>
-            <a:endParaRPr lang="en-US" dirty="0" smtClean="0"/>
+              <a:rPr lang="en-US" dirty="0" smtClean="0"/>
+              <a:t>Unambiguous, formal visual presentation</a:t>
+            </a:r>
+          </a:p>
+          <a:p>
+            <a:r>
+              <a:rPr lang="en-US" dirty="0" smtClean="0"/>
+              <a:t>A categorical presentation in terms of interfaces</a:t>
+            </a:r>
+          </a:p>
+          <a:p>
+            <a:r>
+              <a:rPr lang="en-US" dirty="0" smtClean="0"/>
+              <a:t>Reaction semantics</a:t>
+            </a:r>
           </a:p>
           <a:p>
             <a:pPr lvl="1"/>
             <a:r>
               <a:rPr lang="en-US" dirty="0" smtClean="0"/>
-              <a:t>Our syntax consists of: Tins, Soap, Component, Lid, Beans, Logo</a:t>
-            </a:r>
-          </a:p>
-          <a:p>
+              <a:t>A single </a:t>
+            </a:r>
+            <a:r>
+              <a:rPr lang="en-US" dirty="0" err="1" smtClean="0"/>
+              <a:t>bigraph</a:t>
+            </a:r>
+            <a:r>
+              <a:rPr lang="en-US" dirty="0" smtClean="0"/>
+              <a:t> defines the state of some system</a:t>
+            </a:r>
+          </a:p>
+          <a:p>
+            <a:pPr lvl="1"/>
+            <a:r>
+              <a:rPr lang="en-US" dirty="0" smtClean="0"/>
+              <a:t>A set of reaction rules describe how the system may behave and evolve over time</a:t>
+            </a:r>
             <a:endParaRPr lang="en-US" dirty="0"/>
-          </a:p>
-          <a:p>
-            <a:r>
-              <a:rPr lang="en-US" b="1" dirty="0" smtClean="0"/>
-              <a:t>Semantics</a:t>
-            </a:r>
-            <a:r>
-              <a:rPr lang="en-US" dirty="0" smtClean="0"/>
-              <a:t>: What do these sentences mean?</a:t>
-            </a:r>
-          </a:p>
-          <a:p>
-            <a:pPr lvl="1"/>
-            <a:r>
-              <a:rPr lang="en-US" dirty="0" smtClean="0"/>
-              <a:t>How do the components operate on the Tins, Beans, Lids, Soap etc. to transform raw materials to finished products?</a:t>
-            </a:r>
           </a:p>
         </p:txBody>
       </p:sp>
     </p:spTree>
     <p:extLst>
       <p:ext uri="{BB962C8B-B14F-4D97-AF65-F5344CB8AC3E}">
-        <p14:creationId xmlns:p14="http://schemas.microsoft.com/office/powerpoint/2010/main" val="2736724981"/>
+        <p14:creationId xmlns:p14="http://schemas.microsoft.com/office/powerpoint/2010/main" val="3647486255"/>
       </p:ext>
     </p:extLst>
   </p:cSld>
   <p:clrMapOvr>
     <a:masterClrMapping/>
   </p:clrMapOvr>
+  <p:timing>
+    <p:tnLst>
+      <p:par>
+        <p:cTn xmlns:p14="http://schemas.microsoft.com/office/powerpoint/2010/main" id="1" dur="indefinite" restart="never" nodeType="tmRoot"/>
+      </p:par>
+    </p:tnLst>
+  </p:timing>
 </p:sld>
 </file>
 
@@ -8080,90 +8472,44 @@
         </p:nvSpPr>
         <p:spPr/>
         <p:txBody>
+          <a:bodyPr>
+            <a:normAutofit fontScale="90000"/>
+          </a:bodyPr>
+          <a:lstStyle/>
+          <a:p>
+            <a:r>
+              <a:rPr lang="en-US" dirty="0" err="1" smtClean="0"/>
+              <a:t>Bigraph</a:t>
+            </a:r>
+            <a:r>
+              <a:rPr lang="en-US" dirty="0" smtClean="0"/>
+              <a:t> example</a:t>
+            </a:r>
+            <a:br>
+              <a:rPr lang="en-US" dirty="0" smtClean="0"/>
+            </a:br>
+            <a:endParaRPr lang="en-US" dirty="0"/>
+          </a:p>
+        </p:txBody>
+      </p:sp>
+      <p:sp>
+        <p:nvSpPr>
+          <p:cNvPr id="3" name="Content Placeholder 2"/>
+          <p:cNvSpPr>
+            <a:spLocks noGrp="1"/>
+          </p:cNvSpPr>
+          <p:nvPr>
+            <p:ph idx="1"/>
+          </p:nvPr>
+        </p:nvSpPr>
+        <p:spPr/>
+        <p:txBody>
           <a:bodyPr/>
           <a:lstStyle/>
           <a:p>
             <a:r>
-              <a:rPr lang="en-US" dirty="0" err="1" smtClean="0"/>
-              <a:t>Bigraphical</a:t>
-            </a:r>
-            <a:r>
-              <a:rPr lang="en-US" dirty="0" smtClean="0"/>
-              <a:t> Languages</a:t>
-            </a:r>
-            <a:endParaRPr lang="en-US" dirty="0"/>
-          </a:p>
-        </p:txBody>
-      </p:sp>
-      <p:sp>
-        <p:nvSpPr>
-          <p:cNvPr id="3" name="Content Placeholder 2"/>
-          <p:cNvSpPr>
-            <a:spLocks noGrp="1"/>
-          </p:cNvSpPr>
-          <p:nvPr>
-            <p:ph idx="1"/>
-          </p:nvPr>
-        </p:nvSpPr>
-        <p:spPr/>
-        <p:txBody>
-          <a:bodyPr>
-            <a:normAutofit lnSpcReduction="10000"/>
-          </a:bodyPr>
-          <a:lstStyle/>
-          <a:p>
-            <a:r>
-              <a:rPr lang="en-US" dirty="0" smtClean="0"/>
-              <a:t>Syntax: Signatures + </a:t>
-            </a:r>
-            <a:r>
-              <a:rPr lang="en-US" dirty="0" err="1" smtClean="0"/>
-              <a:t>Sortings</a:t>
-            </a:r>
-            <a:endParaRPr lang="en-US" dirty="0" smtClean="0"/>
-          </a:p>
-          <a:p>
-            <a:pPr lvl="1"/>
-            <a:r>
-              <a:rPr lang="en-US" dirty="0" smtClean="0"/>
-              <a:t>What constructors and values are available?</a:t>
-            </a:r>
-          </a:p>
-          <a:p>
-            <a:pPr lvl="1"/>
-            <a:r>
-              <a:rPr lang="en-US" dirty="0" smtClean="0"/>
-              <a:t>How may these be combined to form valid expressions?</a:t>
-            </a:r>
-            <a:endParaRPr lang="en-US" dirty="0"/>
-          </a:p>
-          <a:p>
-            <a:pPr lvl="1"/>
-            <a:r>
-              <a:rPr lang="en-US" dirty="0" smtClean="0"/>
-              <a:t>How may names interact and be shared?</a:t>
-            </a:r>
-            <a:endParaRPr lang="en-US" dirty="0"/>
-          </a:p>
-          <a:p>
-            <a:pPr marL="514350" indent="-457200"/>
-            <a:r>
-              <a:rPr lang="en-US" dirty="0" smtClean="0"/>
-              <a:t>Semantics: Reaction rules</a:t>
-            </a:r>
-          </a:p>
-          <a:p>
-            <a:pPr marL="914400" lvl="1" indent="-457200"/>
-            <a:r>
-              <a:rPr lang="en-US" dirty="0" smtClean="0"/>
-              <a:t>Given a state of a system, what does the system look like after we evaluate one step of an expression?</a:t>
-            </a:r>
-            <a:endParaRPr lang="en-US" dirty="0"/>
-          </a:p>
-          <a:p>
-            <a:r>
-              <a:rPr lang="en-US" dirty="0" smtClean="0"/>
-              <a:t>Captures exactly the properties we need to define a language</a:t>
+              <a:rPr lang="en-US" dirty="0" smtClean="0"/>
+              <a:t>Picture here bean factory tins moving between components</a:t>
             </a:r>
             <a:endParaRPr lang="en-US" dirty="0"/>
           </a:p>
@@ -8172,13 +8518,20 @@
     </p:spTree>
     <p:extLst>
       <p:ext uri="{BB962C8B-B14F-4D97-AF65-F5344CB8AC3E}">
-        <p14:creationId xmlns:p14="http://schemas.microsoft.com/office/powerpoint/2010/main" val="1028091753"/>
+        <p14:creationId xmlns:p14="http://schemas.microsoft.com/office/powerpoint/2010/main" val="3506776386"/>
       </p:ext>
     </p:extLst>
   </p:cSld>
   <p:clrMapOvr>
     <a:masterClrMapping/>
   </p:clrMapOvr>
+  <p:timing>
+    <p:tnLst>
+      <p:par>
+        <p:cTn xmlns:p14="http://schemas.microsoft.com/office/powerpoint/2010/main" id="1" dur="indefinite" restart="never" nodeType="tmRoot"/>
+      </p:par>
+    </p:tnLst>
+  </p:timing>
 </p:sld>
 </file>
 
@@ -8215,12 +8568,8 @@
           <a:lstStyle/>
           <a:p>
             <a:r>
-              <a:rPr lang="en-US" dirty="0" err="1" smtClean="0"/>
-              <a:t>Bigraphical</a:t>
-            </a:r>
-            <a:r>
-              <a:rPr lang="en-US" dirty="0" smtClean="0"/>
-              <a:t> Languages</a:t>
+              <a:rPr lang="en-US" dirty="0" smtClean="0"/>
+              <a:t>Reaction Rules</a:t>
             </a:r>
             <a:endParaRPr lang="en-US" dirty="0"/>
           </a:p>
@@ -8243,7 +8592,7 @@
           <a:p>
             <a:r>
               <a:rPr lang="en-US" dirty="0" smtClean="0"/>
-              <a:t>Example (addition + multiplication)</a:t>
+              <a:t>Picture here</a:t>
             </a:r>
             <a:endParaRPr lang="en-US" dirty="0"/>
           </a:p>
@@ -8252,13 +8601,20 @@
     </p:spTree>
     <p:extLst>
       <p:ext uri="{BB962C8B-B14F-4D97-AF65-F5344CB8AC3E}">
-        <p14:creationId xmlns:p14="http://schemas.microsoft.com/office/powerpoint/2010/main" val="2679492738"/>
+        <p14:creationId xmlns:p14="http://schemas.microsoft.com/office/powerpoint/2010/main" val="3151115840"/>
       </p:ext>
     </p:extLst>
   </p:cSld>
   <p:clrMapOvr>
     <a:masterClrMapping/>
   </p:clrMapOvr>
+  <p:timing>
+    <p:tnLst>
+      <p:par>
+        <p:cTn xmlns:p14="http://schemas.microsoft.com/office/powerpoint/2010/main" id="1" dur="indefinite" restart="never" nodeType="tmRoot"/>
+      </p:par>
+    </p:tnLst>
+  </p:timing>
 </p:sld>
 </file>
 
@@ -8295,12 +8651,8 @@
           <a:lstStyle/>
           <a:p>
             <a:r>
-              <a:rPr lang="en-US" dirty="0"/>
-              <a:t>R</a:t>
-            </a:r>
-            <a:r>
-              <a:rPr lang="en-US" dirty="0" smtClean="0"/>
-              <a:t>efinement</a:t>
+              <a:rPr lang="en-US" dirty="0" smtClean="0"/>
+              <a:t>Reaction</a:t>
             </a:r>
             <a:endParaRPr lang="en-US" dirty="0"/>
           </a:p>
@@ -8308,12 +8660,12 @@
       </p:sp>
       <p:sp>
         <p:nvSpPr>
-          <p:cNvPr id="3" name="Text Placeholder 2"/>
-          <p:cNvSpPr>
-            <a:spLocks noGrp="1"/>
-          </p:cNvSpPr>
-          <p:nvPr>
-            <p:ph type="body" idx="1"/>
+          <p:cNvPr id="3" name="Content Placeholder 2"/>
+          <p:cNvSpPr>
+            <a:spLocks noGrp="1"/>
+          </p:cNvSpPr>
+          <p:nvPr>
+            <p:ph idx="1"/>
           </p:nvPr>
         </p:nvSpPr>
         <p:spPr/>
@@ -8323,7 +8675,7 @@
           <a:p>
             <a:r>
               <a:rPr lang="en-US" dirty="0" smtClean="0"/>
-              <a:t>Part 4</a:t>
+              <a:t>Picture results</a:t>
             </a:r>
             <a:endParaRPr lang="en-US" dirty="0"/>
           </a:p>
@@ -8332,13 +8684,20 @@
     </p:spTree>
     <p:extLst>
       <p:ext uri="{BB962C8B-B14F-4D97-AF65-F5344CB8AC3E}">
-        <p14:creationId xmlns:p14="http://schemas.microsoft.com/office/powerpoint/2010/main" val="2206402057"/>
+        <p14:creationId xmlns:p14="http://schemas.microsoft.com/office/powerpoint/2010/main" val="2135594312"/>
       </p:ext>
     </p:extLst>
   </p:cSld>
   <p:clrMapOvr>
     <a:masterClrMapping/>
   </p:clrMapOvr>
+  <p:timing>
+    <p:tnLst>
+      <p:par>
+        <p:cTn xmlns:p14="http://schemas.microsoft.com/office/powerpoint/2010/main" id="1" dur="indefinite" restart="never" nodeType="tmRoot"/>
+      </p:par>
+    </p:tnLst>
+  </p:timing>
 </p:sld>
 </file>
 
@@ -8361,7 +8720,7 @@
       </p:grpSpPr>
       <p:sp>
         <p:nvSpPr>
-          <p:cNvPr id="4" name="Title 3"/>
+          <p:cNvPr id="2" name="Title 1"/>
           <p:cNvSpPr>
             <a:spLocks noGrp="1"/>
           </p:cNvSpPr>
@@ -8376,7 +8735,7 @@
           <a:p>
             <a:r>
               <a:rPr lang="en-US" dirty="0" smtClean="0"/>
-              <a:t>Equivalence</a:t>
+              <a:t>BMC</a:t>
             </a:r>
             <a:endParaRPr lang="en-US" dirty="0"/>
           </a:p>
@@ -8384,7 +8743,7 @@
       </p:sp>
       <p:sp>
         <p:nvSpPr>
-          <p:cNvPr id="5" name="Content Placeholder 4"/>
+          <p:cNvPr id="3" name="Content Placeholder 2"/>
           <p:cNvSpPr>
             <a:spLocks noGrp="1"/>
           </p:cNvSpPr>
@@ -8399,42 +8758,53 @@
           <a:p>
             <a:r>
               <a:rPr lang="en-US" dirty="0" smtClean="0"/>
-              <a:t>Refinement is a ubiquitous activity in software engineering</a:t>
-            </a:r>
-          </a:p>
-          <a:p>
-            <a:r>
-              <a:rPr lang="en-US" dirty="0" smtClean="0"/>
-              <a:t>Given a high-level specification, move towards an eventual implementation</a:t>
-            </a:r>
-          </a:p>
-          <a:p>
-            <a:r>
-              <a:rPr lang="en-US" dirty="0" smtClean="0"/>
-              <a:t>Preserving </a:t>
+              <a:t>Presenting </a:t>
             </a:r>
             <a:r>
               <a:rPr lang="en-US" dirty="0" err="1" smtClean="0"/>
-              <a:t>behaviour</a:t>
-            </a:r>
-            <a:r>
-              <a:rPr lang="en-US" dirty="0" smtClean="0"/>
-              <a:t> and properties of interest at every step</a:t>
-            </a:r>
+              <a:t>bigraphs</a:t>
+            </a:r>
+            <a:r>
+              <a:rPr lang="en-US" dirty="0" smtClean="0"/>
+              <a:t> in a way that is familiar to process calculus experts.</a:t>
+            </a:r>
+          </a:p>
+          <a:p>
             <a:endParaRPr lang="en-US" dirty="0"/>
+          </a:p>
+          <a:p>
+            <a:r>
+              <a:rPr lang="en-US" dirty="0" smtClean="0"/>
+              <a:t>Introduce signatures, </a:t>
+            </a:r>
+            <a:r>
+              <a:rPr lang="en-US" dirty="0" err="1" smtClean="0"/>
+              <a:t>sortings</a:t>
+            </a:r>
+            <a:r>
+              <a:rPr lang="en-US" dirty="0" smtClean="0"/>
+              <a:t>, reaction rules</a:t>
+            </a:r>
           </a:p>
         </p:txBody>
       </p:sp>
     </p:spTree>
     <p:extLst>
       <p:ext uri="{BB962C8B-B14F-4D97-AF65-F5344CB8AC3E}">
-        <p14:creationId xmlns:p14="http://schemas.microsoft.com/office/powerpoint/2010/main" val="1899611807"/>
+        <p14:creationId xmlns:p14="http://schemas.microsoft.com/office/powerpoint/2010/main" val="2966911294"/>
       </p:ext>
     </p:extLst>
   </p:cSld>
   <p:clrMapOvr>
     <a:masterClrMapping/>
   </p:clrMapOvr>
+  <p:timing>
+    <p:tnLst>
+      <p:par>
+        <p:cTn xmlns:p14="http://schemas.microsoft.com/office/powerpoint/2010/main" id="1" dur="indefinite" restart="never" nodeType="tmRoot"/>
+      </p:par>
+    </p:tnLst>
+  </p:timing>
 </p:sld>
 </file>
 
@@ -8471,8 +8841,12 @@
           <a:lstStyle/>
           <a:p>
             <a:r>
-              <a:rPr lang="en-US" dirty="0" smtClean="0"/>
-              <a:t>Vertical Refinement</a:t>
+              <a:rPr lang="en-US" dirty="0" err="1" smtClean="0"/>
+              <a:t>Bigraphical</a:t>
+            </a:r>
+            <a:r>
+              <a:rPr lang="en-US" dirty="0" smtClean="0"/>
+              <a:t> languages</a:t>
             </a:r>
             <a:endParaRPr lang="en-US" dirty="0"/>
           </a:p>
@@ -8480,116 +8854,44 @@
       </p:sp>
       <p:sp>
         <p:nvSpPr>
-          <p:cNvPr id="3" name="Content Placeholder 2"/>
-          <p:cNvSpPr>
-            <a:spLocks noGrp="1"/>
-          </p:cNvSpPr>
-          <p:nvPr>
-            <p:ph idx="1"/>
+          <p:cNvPr id="3" name="Text Placeholder 2"/>
+          <p:cNvSpPr>
+            <a:spLocks noGrp="1"/>
+          </p:cNvSpPr>
+          <p:nvPr>
+            <p:ph type="body" idx="1"/>
           </p:nvPr>
         </p:nvSpPr>
         <p:spPr/>
         <p:txBody>
-          <a:bodyPr>
-            <a:normAutofit lnSpcReduction="10000"/>
-          </a:bodyPr>
+          <a:bodyPr/>
           <a:lstStyle/>
           <a:p>
             <a:r>
               <a:rPr lang="en-US" dirty="0" smtClean="0"/>
-              <a:t>Given a language </a:t>
-            </a:r>
-            <a:r>
-              <a:rPr lang="en-US" b="1" dirty="0" smtClean="0"/>
-              <a:t>L1</a:t>
-            </a:r>
-            <a:r>
-              <a:rPr lang="en-US" dirty="0" smtClean="0"/>
-              <a:t>, and a model </a:t>
-            </a:r>
-            <a:r>
-              <a:rPr lang="en-US" b="1" dirty="0" smtClean="0"/>
-              <a:t>M </a:t>
-            </a:r>
-            <a:r>
-              <a:rPr lang="en-US" dirty="0" smtClean="0"/>
-              <a:t>constructed in that language…</a:t>
-            </a:r>
-          </a:p>
-          <a:p>
-            <a:r>
-              <a:rPr lang="en-US" dirty="0" smtClean="0"/>
-              <a:t>For another language </a:t>
-            </a:r>
-            <a:r>
-              <a:rPr lang="en-US" b="1" dirty="0" smtClean="0"/>
-              <a:t>L2</a:t>
-            </a:r>
-            <a:r>
-              <a:rPr lang="en-US" dirty="0" smtClean="0"/>
-              <a:t>, is </a:t>
-            </a:r>
-            <a:r>
-              <a:rPr lang="en-US" b="1" dirty="0" smtClean="0"/>
-              <a:t>M</a:t>
-            </a:r>
-            <a:r>
-              <a:rPr lang="en-US" dirty="0" smtClean="0"/>
-              <a:t> still a meaningful model?</a:t>
-            </a:r>
-          </a:p>
-          <a:p>
-            <a:pPr lvl="1"/>
-            <a:r>
-              <a:rPr lang="en-US" dirty="0" smtClean="0"/>
-              <a:t>Does it still capture the properties of interest?</a:t>
-            </a:r>
-          </a:p>
-          <a:p>
-            <a:pPr lvl="1"/>
-            <a:r>
-              <a:rPr lang="en-US" dirty="0" smtClean="0"/>
-              <a:t>Does it exhibit any extra, undesirable </a:t>
-            </a:r>
-            <a:r>
-              <a:rPr lang="en-US" dirty="0" err="1" smtClean="0"/>
-              <a:t>behaviour</a:t>
-            </a:r>
-            <a:r>
-              <a:rPr lang="en-US" dirty="0" smtClean="0"/>
-              <a:t> in this new setting?</a:t>
-            </a:r>
-          </a:p>
-          <a:p>
-            <a:r>
-              <a:rPr lang="en-US" dirty="0" smtClean="0"/>
-              <a:t>This is captured by enforcing a vertical refinement relation between the languages </a:t>
-            </a:r>
-            <a:r>
-              <a:rPr lang="en-US" b="1" dirty="0" smtClean="0"/>
-              <a:t>L1</a:t>
-            </a:r>
-            <a:r>
-              <a:rPr lang="en-US" dirty="0" smtClean="0"/>
-              <a:t> and </a:t>
-            </a:r>
-            <a:r>
-              <a:rPr lang="en-US" b="1" dirty="0" smtClean="0"/>
-              <a:t>L2</a:t>
-            </a:r>
+              <a:t>Part 3</a:t>
+            </a:r>
+            <a:endParaRPr lang="en-US" dirty="0"/>
           </a:p>
         </p:txBody>
       </p:sp>
     </p:spTree>
     <p:extLst>
       <p:ext uri="{BB962C8B-B14F-4D97-AF65-F5344CB8AC3E}">
-        <p14:creationId xmlns:p14="http://schemas.microsoft.com/office/powerpoint/2010/main" val="604997072"/>
+        <p14:creationId xmlns:p14="http://schemas.microsoft.com/office/powerpoint/2010/main" val="2631882233"/>
       </p:ext>
     </p:extLst>
   </p:cSld>
   <p:clrMapOvr>
     <a:masterClrMapping/>
   </p:clrMapOvr>
+  <p:timing>
+    <p:tnLst>
+      <p:par>
+        <p:cTn xmlns:p14="http://schemas.microsoft.com/office/powerpoint/2010/main" id="1" dur="indefinite" restart="never" nodeType="tmRoot"/>
+      </p:par>
+    </p:tnLst>
+  </p:timing>
 </p:sld>
 </file>
 
@@ -8612,7 +8914,7 @@
       </p:grpSpPr>
       <p:sp>
         <p:nvSpPr>
-          <p:cNvPr id="2" name="Title 1"/>
+          <p:cNvPr id="4" name="Title 3"/>
           <p:cNvSpPr>
             <a:spLocks noGrp="1"/>
           </p:cNvSpPr>
@@ -8627,7 +8929,7 @@
           <a:p>
             <a:r>
               <a:rPr lang="en-US" dirty="0" smtClean="0"/>
-              <a:t>Observation</a:t>
+              <a:t>Defining a language</a:t>
             </a:r>
             <a:endParaRPr lang="en-US" dirty="0"/>
           </a:p>
@@ -8635,7 +8937,7 @@
       </p:sp>
       <p:sp>
         <p:nvSpPr>
-          <p:cNvPr id="3" name="Content Placeholder 2"/>
+          <p:cNvPr id="5" name="Content Placeholder 4"/>
           <p:cNvSpPr>
             <a:spLocks noGrp="1"/>
           </p:cNvSpPr>
@@ -8651,47 +8953,65 @@
           <a:lstStyle/>
           <a:p>
             <a:r>
-              <a:rPr lang="en-US" dirty="0" smtClean="0"/>
-              <a:t>Reeves and </a:t>
-            </a:r>
-            <a:r>
-              <a:rPr lang="en-US" dirty="0" err="1" smtClean="0"/>
-              <a:t>Streader</a:t>
-            </a:r>
-            <a:r>
-              <a:rPr lang="en-US" dirty="0" smtClean="0"/>
-              <a:t> (2008) use notions of what we can observe of all entities of a language to demonstrate vertical refinement</a:t>
-            </a:r>
-          </a:p>
-          <a:p>
-            <a:r>
-              <a:rPr lang="en-US" dirty="0" smtClean="0"/>
-              <a:t>For many process languages, “observation” is obvious (i.e., the inputs and outputs that the process sends and receives)</a:t>
-            </a:r>
-          </a:p>
-          <a:p>
-            <a:r>
-              <a:rPr lang="en-US" dirty="0" err="1" smtClean="0"/>
-              <a:t>Bigraphs</a:t>
-            </a:r>
-            <a:r>
-              <a:rPr lang="en-US" dirty="0" smtClean="0"/>
-              <a:t> have no primitive notion of input or output, so we can’t rely on it to construct a useful notion of observation</a:t>
-            </a:r>
+              <a:rPr lang="en-US" b="1" dirty="0" smtClean="0"/>
+              <a:t>Syntax</a:t>
+            </a:r>
+            <a:r>
+              <a:rPr lang="en-US" dirty="0" smtClean="0"/>
+              <a:t>: What is the structure of sentences in the language?</a:t>
+            </a:r>
+            <a:r>
+              <a:rPr lang="en-US" dirty="0"/>
+              <a:t> </a:t>
+            </a:r>
+            <a:endParaRPr lang="en-US" dirty="0" smtClean="0"/>
+          </a:p>
+          <a:p>
+            <a:pPr lvl="1"/>
+            <a:r>
+              <a:rPr lang="en-US" dirty="0" smtClean="0"/>
+              <a:t>Our syntax consists of: Tins, Soap, Component, Lid, Beans, Logo</a:t>
+            </a:r>
+          </a:p>
+          <a:p>
             <a:endParaRPr lang="en-US" dirty="0"/>
+          </a:p>
+          <a:p>
+            <a:r>
+              <a:rPr lang="en-US" b="1" dirty="0" smtClean="0"/>
+              <a:t>Semantics</a:t>
+            </a:r>
+            <a:r>
+              <a:rPr lang="en-US" dirty="0" smtClean="0"/>
+              <a:t>: What do these sentences mean?</a:t>
+            </a:r>
+          </a:p>
+          <a:p>
+            <a:pPr lvl="1"/>
+            <a:r>
+              <a:rPr lang="en-US" dirty="0" smtClean="0"/>
+              <a:t>How do the components operate on the Tins, Beans, Lids, Soap etc. to transform raw materials to finished products?</a:t>
+            </a:r>
           </a:p>
         </p:txBody>
       </p:sp>
     </p:spTree>
     <p:extLst>
       <p:ext uri="{BB962C8B-B14F-4D97-AF65-F5344CB8AC3E}">
-        <p14:creationId xmlns:p14="http://schemas.microsoft.com/office/powerpoint/2010/main" val="1849142375"/>
+        <p14:creationId xmlns:p14="http://schemas.microsoft.com/office/powerpoint/2010/main" val="2736724981"/>
       </p:ext>
     </p:extLst>
   </p:cSld>
   <p:clrMapOvr>
     <a:masterClrMapping/>
   </p:clrMapOvr>
+  <p:timing>
+    <p:tnLst>
+      <p:par>
+        <p:cTn xmlns:p14="http://schemas.microsoft.com/office/powerpoint/2010/main" id="1" dur="indefinite" restart="never" nodeType="tmRoot"/>
+      </p:par>
+    </p:tnLst>
+  </p:timing>
 </p:sld>
 </file>
 
@@ -8714,7 +9034,7 @@
       </p:grpSpPr>
       <p:sp>
         <p:nvSpPr>
-          <p:cNvPr id="5" name="Title 4"/>
+          <p:cNvPr id="4" name="Title 3"/>
           <p:cNvSpPr>
             <a:spLocks noGrp="1"/>
           </p:cNvSpPr>
@@ -8728,8 +9048,12 @@
           <a:lstStyle/>
           <a:p>
             <a:r>
-              <a:rPr lang="en-US" dirty="0" smtClean="0"/>
-              <a:t>Explanation</a:t>
+              <a:rPr lang="en-US" dirty="0" err="1" smtClean="0"/>
+              <a:t>Modelling</a:t>
+            </a:r>
+            <a:r>
+              <a:rPr lang="en-US" dirty="0" smtClean="0"/>
+              <a:t> and Motivation</a:t>
             </a:r>
             <a:endParaRPr lang="en-US" dirty="0"/>
           </a:p>
@@ -8737,67 +9061,44 @@
       </p:sp>
       <p:sp>
         <p:nvSpPr>
-          <p:cNvPr id="6" name="Content Placeholder 5"/>
-          <p:cNvSpPr>
-            <a:spLocks noGrp="1"/>
-          </p:cNvSpPr>
-          <p:nvPr>
-            <p:ph idx="4294967295"/>
-          </p:nvPr>
-        </p:nvSpPr>
-        <p:spPr>
-          <a:xfrm>
-            <a:off x="230188" y="2949575"/>
-            <a:ext cx="8913812" cy="2728913"/>
-          </a:xfrm>
-        </p:spPr>
-        <p:txBody>
-          <a:bodyPr>
-            <a:normAutofit/>
-          </a:bodyPr>
+          <p:cNvPr id="5" name="Text Placeholder 4"/>
+          <p:cNvSpPr>
+            <a:spLocks noGrp="1"/>
+          </p:cNvSpPr>
+          <p:nvPr>
+            <p:ph type="body" idx="1"/>
+          </p:nvPr>
+        </p:nvSpPr>
+        <p:spPr/>
+        <p:txBody>
+          <a:bodyPr/>
           <a:lstStyle/>
           <a:p>
-            <a:pPr marL="0" indent="0" algn="ctr">
-              <a:buNone/>
-            </a:pPr>
-            <a:r>
-              <a:rPr lang="en-US" dirty="0" smtClean="0"/>
-              <a:t>We construct models to </a:t>
-            </a:r>
-            <a:r>
-              <a:rPr lang="en-US" b="1" dirty="0" smtClean="0"/>
-              <a:t>explain</a:t>
-            </a:r>
-            <a:r>
-              <a:rPr lang="en-US" dirty="0" smtClean="0"/>
-              <a:t> or </a:t>
-            </a:r>
-            <a:r>
-              <a:rPr lang="en-US" b="1" dirty="0" smtClean="0"/>
-              <a:t>understand</a:t>
-            </a:r>
-            <a:r>
-              <a:rPr lang="en-US" dirty="0"/>
-              <a:t> </a:t>
-            </a:r>
-            <a:r>
-              <a:rPr lang="en-US" dirty="0" smtClean="0"/>
-              <a:t>artifacts and processes of the world around us</a:t>
-            </a:r>
-            <a:endParaRPr lang="en-US" b="1" dirty="0" smtClean="0"/>
+            <a:r>
+              <a:rPr lang="en-US" dirty="0" smtClean="0"/>
+              <a:t>Part 1</a:t>
+            </a:r>
+            <a:endParaRPr lang="en-US" dirty="0"/>
           </a:p>
         </p:txBody>
       </p:sp>
     </p:spTree>
     <p:extLst>
       <p:ext uri="{BB962C8B-B14F-4D97-AF65-F5344CB8AC3E}">
-        <p14:creationId xmlns:p14="http://schemas.microsoft.com/office/powerpoint/2010/main" val="308731303"/>
+        <p14:creationId xmlns:p14="http://schemas.microsoft.com/office/powerpoint/2010/main" val="1588001827"/>
       </p:ext>
     </p:extLst>
   </p:cSld>
   <p:clrMapOvr>
     <a:masterClrMapping/>
   </p:clrMapOvr>
+  <p:timing>
+    <p:tnLst>
+      <p:par>
+        <p:cTn xmlns:p14="http://schemas.microsoft.com/office/powerpoint/2010/main" id="1" dur="indefinite" restart="never" nodeType="tmRoot"/>
+      </p:par>
+    </p:tnLst>
+  </p:timing>
 </p:sld>
 </file>
 
@@ -8834,6 +9135,692 @@
           <a:lstStyle/>
           <a:p>
             <a:r>
+              <a:rPr lang="en-US" dirty="0" err="1" smtClean="0"/>
+              <a:t>Bigraphical</a:t>
+            </a:r>
+            <a:r>
+              <a:rPr lang="en-US" dirty="0" smtClean="0"/>
+              <a:t> Languages</a:t>
+            </a:r>
+            <a:endParaRPr lang="en-US" dirty="0"/>
+          </a:p>
+        </p:txBody>
+      </p:sp>
+      <p:sp>
+        <p:nvSpPr>
+          <p:cNvPr id="3" name="Content Placeholder 2"/>
+          <p:cNvSpPr>
+            <a:spLocks noGrp="1"/>
+          </p:cNvSpPr>
+          <p:nvPr>
+            <p:ph idx="1"/>
+          </p:nvPr>
+        </p:nvSpPr>
+        <p:spPr/>
+        <p:txBody>
+          <a:bodyPr>
+            <a:normAutofit lnSpcReduction="10000"/>
+          </a:bodyPr>
+          <a:lstStyle/>
+          <a:p>
+            <a:r>
+              <a:rPr lang="en-US" dirty="0" smtClean="0"/>
+              <a:t>Syntax: Signatures + </a:t>
+            </a:r>
+            <a:r>
+              <a:rPr lang="en-US" dirty="0" err="1" smtClean="0"/>
+              <a:t>Sortings</a:t>
+            </a:r>
+            <a:endParaRPr lang="en-US" dirty="0" smtClean="0"/>
+          </a:p>
+          <a:p>
+            <a:pPr lvl="1"/>
+            <a:r>
+              <a:rPr lang="en-US" dirty="0" smtClean="0"/>
+              <a:t>What constructors and values are available?</a:t>
+            </a:r>
+          </a:p>
+          <a:p>
+            <a:pPr lvl="1"/>
+            <a:r>
+              <a:rPr lang="en-US" dirty="0" smtClean="0"/>
+              <a:t>How may these be combined to form valid expressions?</a:t>
+            </a:r>
+            <a:endParaRPr lang="en-US" dirty="0"/>
+          </a:p>
+          <a:p>
+            <a:pPr lvl="1"/>
+            <a:r>
+              <a:rPr lang="en-US" dirty="0" smtClean="0"/>
+              <a:t>How may names interact and be shared?</a:t>
+            </a:r>
+            <a:endParaRPr lang="en-US" dirty="0"/>
+          </a:p>
+          <a:p>
+            <a:pPr marL="514350" indent="-457200"/>
+            <a:r>
+              <a:rPr lang="en-US" dirty="0" smtClean="0"/>
+              <a:t>Semantics: Reaction rules</a:t>
+            </a:r>
+          </a:p>
+          <a:p>
+            <a:pPr marL="914400" lvl="1" indent="-457200"/>
+            <a:r>
+              <a:rPr lang="en-US" dirty="0" smtClean="0"/>
+              <a:t>Given a state of a system, what does the system look like after we evaluate one step of an expression?</a:t>
+            </a:r>
+            <a:endParaRPr lang="en-US" dirty="0"/>
+          </a:p>
+          <a:p>
+            <a:r>
+              <a:rPr lang="en-US" dirty="0" smtClean="0"/>
+              <a:t>Captures exactly the properties we need to define a language</a:t>
+            </a:r>
+            <a:endParaRPr lang="en-US" dirty="0"/>
+          </a:p>
+        </p:txBody>
+      </p:sp>
+    </p:spTree>
+    <p:extLst>
+      <p:ext uri="{BB962C8B-B14F-4D97-AF65-F5344CB8AC3E}">
+        <p14:creationId xmlns:p14="http://schemas.microsoft.com/office/powerpoint/2010/main" val="1028091753"/>
+      </p:ext>
+    </p:extLst>
+  </p:cSld>
+  <p:clrMapOvr>
+    <a:masterClrMapping/>
+  </p:clrMapOvr>
+  <p:timing>
+    <p:tnLst>
+      <p:par>
+        <p:cTn xmlns:p14="http://schemas.microsoft.com/office/powerpoint/2010/main" id="1" dur="indefinite" restart="never" nodeType="tmRoot"/>
+      </p:par>
+    </p:tnLst>
+  </p:timing>
+</p:sld>
+</file>
+
+<file path=ppt/slides/slide41.xml><?xml version="1.0" encoding="utf-8"?>
+<p:sld xmlns:a="http://schemas.openxmlformats.org/drawingml/2006/main" xmlns:r="http://schemas.openxmlformats.org/officeDocument/2006/relationships" xmlns:p="http://schemas.openxmlformats.org/presentationml/2006/main">
+  <p:cSld>
+    <p:spTree>
+      <p:nvGrpSpPr>
+        <p:cNvPr id="1" name=""/>
+        <p:cNvGrpSpPr/>
+        <p:nvPr/>
+      </p:nvGrpSpPr>
+      <p:grpSpPr>
+        <a:xfrm>
+          <a:off x="0" y="0"/>
+          <a:ext cx="0" cy="0"/>
+          <a:chOff x="0" y="0"/>
+          <a:chExt cx="0" cy="0"/>
+        </a:xfrm>
+      </p:grpSpPr>
+      <p:sp>
+        <p:nvSpPr>
+          <p:cNvPr id="2" name="Title 1"/>
+          <p:cNvSpPr>
+            <a:spLocks noGrp="1"/>
+          </p:cNvSpPr>
+          <p:nvPr>
+            <p:ph type="title"/>
+          </p:nvPr>
+        </p:nvSpPr>
+        <p:spPr/>
+        <p:txBody>
+          <a:bodyPr/>
+          <a:lstStyle/>
+          <a:p>
+            <a:r>
+              <a:rPr lang="en-US" dirty="0" err="1" smtClean="0"/>
+              <a:t>Bigraphical</a:t>
+            </a:r>
+            <a:r>
+              <a:rPr lang="en-US" dirty="0" smtClean="0"/>
+              <a:t> Languages</a:t>
+            </a:r>
+            <a:endParaRPr lang="en-US" dirty="0"/>
+          </a:p>
+        </p:txBody>
+      </p:sp>
+      <p:sp>
+        <p:nvSpPr>
+          <p:cNvPr id="3" name="Content Placeholder 2"/>
+          <p:cNvSpPr>
+            <a:spLocks noGrp="1"/>
+          </p:cNvSpPr>
+          <p:nvPr>
+            <p:ph idx="1"/>
+          </p:nvPr>
+        </p:nvSpPr>
+        <p:spPr/>
+        <p:txBody>
+          <a:bodyPr/>
+          <a:lstStyle/>
+          <a:p>
+            <a:r>
+              <a:rPr lang="en-US" dirty="0" smtClean="0"/>
+              <a:t>Example (addition + multiplication)</a:t>
+            </a:r>
+            <a:endParaRPr lang="en-US" dirty="0"/>
+          </a:p>
+        </p:txBody>
+      </p:sp>
+    </p:spTree>
+    <p:extLst>
+      <p:ext uri="{BB962C8B-B14F-4D97-AF65-F5344CB8AC3E}">
+        <p14:creationId xmlns:p14="http://schemas.microsoft.com/office/powerpoint/2010/main" val="2679492738"/>
+      </p:ext>
+    </p:extLst>
+  </p:cSld>
+  <p:clrMapOvr>
+    <a:masterClrMapping/>
+  </p:clrMapOvr>
+  <p:timing>
+    <p:tnLst>
+      <p:par>
+        <p:cTn xmlns:p14="http://schemas.microsoft.com/office/powerpoint/2010/main" id="1" dur="indefinite" restart="never" nodeType="tmRoot"/>
+      </p:par>
+    </p:tnLst>
+  </p:timing>
+</p:sld>
+</file>
+
+<file path=ppt/slides/slide42.xml><?xml version="1.0" encoding="utf-8"?>
+<p:sld xmlns:a="http://schemas.openxmlformats.org/drawingml/2006/main" xmlns:r="http://schemas.openxmlformats.org/officeDocument/2006/relationships" xmlns:p="http://schemas.openxmlformats.org/presentationml/2006/main">
+  <p:cSld>
+    <p:spTree>
+      <p:nvGrpSpPr>
+        <p:cNvPr id="1" name=""/>
+        <p:cNvGrpSpPr/>
+        <p:nvPr/>
+      </p:nvGrpSpPr>
+      <p:grpSpPr>
+        <a:xfrm>
+          <a:off x="0" y="0"/>
+          <a:ext cx="0" cy="0"/>
+          <a:chOff x="0" y="0"/>
+          <a:chExt cx="0" cy="0"/>
+        </a:xfrm>
+      </p:grpSpPr>
+      <p:sp>
+        <p:nvSpPr>
+          <p:cNvPr id="2" name="Title 1"/>
+          <p:cNvSpPr>
+            <a:spLocks noGrp="1"/>
+          </p:cNvSpPr>
+          <p:nvPr>
+            <p:ph type="title"/>
+          </p:nvPr>
+        </p:nvSpPr>
+        <p:spPr/>
+        <p:txBody>
+          <a:bodyPr/>
+          <a:lstStyle/>
+          <a:p>
+            <a:r>
+              <a:rPr lang="en-US" dirty="0"/>
+              <a:t>R</a:t>
+            </a:r>
+            <a:r>
+              <a:rPr lang="en-US" dirty="0" smtClean="0"/>
+              <a:t>efinement</a:t>
+            </a:r>
+            <a:endParaRPr lang="en-US" dirty="0"/>
+          </a:p>
+        </p:txBody>
+      </p:sp>
+      <p:sp>
+        <p:nvSpPr>
+          <p:cNvPr id="3" name="Text Placeholder 2"/>
+          <p:cNvSpPr>
+            <a:spLocks noGrp="1"/>
+          </p:cNvSpPr>
+          <p:nvPr>
+            <p:ph type="body" idx="1"/>
+          </p:nvPr>
+        </p:nvSpPr>
+        <p:spPr/>
+        <p:txBody>
+          <a:bodyPr/>
+          <a:lstStyle/>
+          <a:p>
+            <a:r>
+              <a:rPr lang="en-US" dirty="0" smtClean="0"/>
+              <a:t>Part 4</a:t>
+            </a:r>
+            <a:endParaRPr lang="en-US" dirty="0"/>
+          </a:p>
+        </p:txBody>
+      </p:sp>
+    </p:spTree>
+    <p:extLst>
+      <p:ext uri="{BB962C8B-B14F-4D97-AF65-F5344CB8AC3E}">
+        <p14:creationId xmlns:p14="http://schemas.microsoft.com/office/powerpoint/2010/main" val="2206402057"/>
+      </p:ext>
+    </p:extLst>
+  </p:cSld>
+  <p:clrMapOvr>
+    <a:masterClrMapping/>
+  </p:clrMapOvr>
+  <p:timing>
+    <p:tnLst>
+      <p:par>
+        <p:cTn xmlns:p14="http://schemas.microsoft.com/office/powerpoint/2010/main" id="1" dur="indefinite" restart="never" nodeType="tmRoot"/>
+      </p:par>
+    </p:tnLst>
+  </p:timing>
+</p:sld>
+</file>
+
+<file path=ppt/slides/slide43.xml><?xml version="1.0" encoding="utf-8"?>
+<p:sld xmlns:a="http://schemas.openxmlformats.org/drawingml/2006/main" xmlns:r="http://schemas.openxmlformats.org/officeDocument/2006/relationships" xmlns:p="http://schemas.openxmlformats.org/presentationml/2006/main">
+  <p:cSld>
+    <p:spTree>
+      <p:nvGrpSpPr>
+        <p:cNvPr id="1" name=""/>
+        <p:cNvGrpSpPr/>
+        <p:nvPr/>
+      </p:nvGrpSpPr>
+      <p:grpSpPr>
+        <a:xfrm>
+          <a:off x="0" y="0"/>
+          <a:ext cx="0" cy="0"/>
+          <a:chOff x="0" y="0"/>
+          <a:chExt cx="0" cy="0"/>
+        </a:xfrm>
+      </p:grpSpPr>
+      <p:sp>
+        <p:nvSpPr>
+          <p:cNvPr id="4" name="Title 3"/>
+          <p:cNvSpPr>
+            <a:spLocks noGrp="1"/>
+          </p:cNvSpPr>
+          <p:nvPr>
+            <p:ph type="title"/>
+          </p:nvPr>
+        </p:nvSpPr>
+        <p:spPr/>
+        <p:txBody>
+          <a:bodyPr/>
+          <a:lstStyle/>
+          <a:p>
+            <a:r>
+              <a:rPr lang="en-US" dirty="0" smtClean="0"/>
+              <a:t>Equivalence</a:t>
+            </a:r>
+            <a:endParaRPr lang="en-US" dirty="0"/>
+          </a:p>
+        </p:txBody>
+      </p:sp>
+      <p:sp>
+        <p:nvSpPr>
+          <p:cNvPr id="5" name="Content Placeholder 4"/>
+          <p:cNvSpPr>
+            <a:spLocks noGrp="1"/>
+          </p:cNvSpPr>
+          <p:nvPr>
+            <p:ph idx="1"/>
+          </p:nvPr>
+        </p:nvSpPr>
+        <p:spPr/>
+        <p:txBody>
+          <a:bodyPr/>
+          <a:lstStyle/>
+          <a:p>
+            <a:r>
+              <a:rPr lang="en-US" dirty="0" smtClean="0"/>
+              <a:t>Refinement is a ubiquitous activity in software engineering</a:t>
+            </a:r>
+          </a:p>
+          <a:p>
+            <a:r>
+              <a:rPr lang="en-US" dirty="0" smtClean="0"/>
+              <a:t>Given a high-level specification, move towards an eventual implementation</a:t>
+            </a:r>
+          </a:p>
+          <a:p>
+            <a:r>
+              <a:rPr lang="en-US" dirty="0" smtClean="0"/>
+              <a:t>Preserving </a:t>
+            </a:r>
+            <a:r>
+              <a:rPr lang="en-US" dirty="0" err="1" smtClean="0"/>
+              <a:t>behaviour</a:t>
+            </a:r>
+            <a:r>
+              <a:rPr lang="en-US" dirty="0" smtClean="0"/>
+              <a:t> and properties of interest at every step</a:t>
+            </a:r>
+            <a:endParaRPr lang="en-US" dirty="0"/>
+          </a:p>
+        </p:txBody>
+      </p:sp>
+    </p:spTree>
+    <p:extLst>
+      <p:ext uri="{BB962C8B-B14F-4D97-AF65-F5344CB8AC3E}">
+        <p14:creationId xmlns:p14="http://schemas.microsoft.com/office/powerpoint/2010/main" val="1899611807"/>
+      </p:ext>
+    </p:extLst>
+  </p:cSld>
+  <p:clrMapOvr>
+    <a:masterClrMapping/>
+  </p:clrMapOvr>
+  <p:timing>
+    <p:tnLst>
+      <p:par>
+        <p:cTn xmlns:p14="http://schemas.microsoft.com/office/powerpoint/2010/main" id="1" dur="indefinite" restart="never" nodeType="tmRoot"/>
+      </p:par>
+    </p:tnLst>
+  </p:timing>
+</p:sld>
+</file>
+
+<file path=ppt/slides/slide44.xml><?xml version="1.0" encoding="utf-8"?>
+<p:sld xmlns:a="http://schemas.openxmlformats.org/drawingml/2006/main" xmlns:r="http://schemas.openxmlformats.org/officeDocument/2006/relationships" xmlns:p="http://schemas.openxmlformats.org/presentationml/2006/main">
+  <p:cSld>
+    <p:spTree>
+      <p:nvGrpSpPr>
+        <p:cNvPr id="1" name=""/>
+        <p:cNvGrpSpPr/>
+        <p:nvPr/>
+      </p:nvGrpSpPr>
+      <p:grpSpPr>
+        <a:xfrm>
+          <a:off x="0" y="0"/>
+          <a:ext cx="0" cy="0"/>
+          <a:chOff x="0" y="0"/>
+          <a:chExt cx="0" cy="0"/>
+        </a:xfrm>
+      </p:grpSpPr>
+      <p:sp>
+        <p:nvSpPr>
+          <p:cNvPr id="2" name="Title 1"/>
+          <p:cNvSpPr>
+            <a:spLocks noGrp="1"/>
+          </p:cNvSpPr>
+          <p:nvPr>
+            <p:ph type="title"/>
+          </p:nvPr>
+        </p:nvSpPr>
+        <p:spPr/>
+        <p:txBody>
+          <a:bodyPr/>
+          <a:lstStyle/>
+          <a:p>
+            <a:r>
+              <a:rPr lang="en-US" dirty="0" smtClean="0"/>
+              <a:t>Vertical Refinement</a:t>
+            </a:r>
+            <a:endParaRPr lang="en-US" dirty="0"/>
+          </a:p>
+        </p:txBody>
+      </p:sp>
+      <p:sp>
+        <p:nvSpPr>
+          <p:cNvPr id="3" name="Content Placeholder 2"/>
+          <p:cNvSpPr>
+            <a:spLocks noGrp="1"/>
+          </p:cNvSpPr>
+          <p:nvPr>
+            <p:ph idx="1"/>
+          </p:nvPr>
+        </p:nvSpPr>
+        <p:spPr/>
+        <p:txBody>
+          <a:bodyPr>
+            <a:normAutofit lnSpcReduction="10000"/>
+          </a:bodyPr>
+          <a:lstStyle/>
+          <a:p>
+            <a:r>
+              <a:rPr lang="en-US" dirty="0" smtClean="0"/>
+              <a:t>Given a language </a:t>
+            </a:r>
+            <a:r>
+              <a:rPr lang="en-US" b="1" dirty="0" smtClean="0"/>
+              <a:t>L1</a:t>
+            </a:r>
+            <a:r>
+              <a:rPr lang="en-US" dirty="0" smtClean="0"/>
+              <a:t>, and a model </a:t>
+            </a:r>
+            <a:r>
+              <a:rPr lang="en-US" b="1" dirty="0" smtClean="0"/>
+              <a:t>M </a:t>
+            </a:r>
+            <a:r>
+              <a:rPr lang="en-US" dirty="0" smtClean="0"/>
+              <a:t>constructed in that language…</a:t>
+            </a:r>
+          </a:p>
+          <a:p>
+            <a:r>
+              <a:rPr lang="en-US" dirty="0" smtClean="0"/>
+              <a:t>For another language </a:t>
+            </a:r>
+            <a:r>
+              <a:rPr lang="en-US" b="1" dirty="0" smtClean="0"/>
+              <a:t>L2</a:t>
+            </a:r>
+            <a:r>
+              <a:rPr lang="en-US" dirty="0" smtClean="0"/>
+              <a:t>, is </a:t>
+            </a:r>
+            <a:r>
+              <a:rPr lang="en-US" b="1" dirty="0" smtClean="0"/>
+              <a:t>M</a:t>
+            </a:r>
+            <a:r>
+              <a:rPr lang="en-US" dirty="0" smtClean="0"/>
+              <a:t> still a meaningful model?</a:t>
+            </a:r>
+          </a:p>
+          <a:p>
+            <a:pPr lvl="1"/>
+            <a:r>
+              <a:rPr lang="en-US" dirty="0" smtClean="0"/>
+              <a:t>Does it still capture the properties of interest?</a:t>
+            </a:r>
+          </a:p>
+          <a:p>
+            <a:pPr lvl="1"/>
+            <a:r>
+              <a:rPr lang="en-US" dirty="0" smtClean="0"/>
+              <a:t>Does it exhibit any extra, undesirable </a:t>
+            </a:r>
+            <a:r>
+              <a:rPr lang="en-US" dirty="0" err="1" smtClean="0"/>
+              <a:t>behaviour</a:t>
+            </a:r>
+            <a:r>
+              <a:rPr lang="en-US" dirty="0" smtClean="0"/>
+              <a:t> in this new setting?</a:t>
+            </a:r>
+          </a:p>
+          <a:p>
+            <a:r>
+              <a:rPr lang="en-US" dirty="0" smtClean="0"/>
+              <a:t>This is captured by enforcing a vertical refinement relation between the languages </a:t>
+            </a:r>
+            <a:r>
+              <a:rPr lang="en-US" b="1" dirty="0" smtClean="0"/>
+              <a:t>L1</a:t>
+            </a:r>
+            <a:r>
+              <a:rPr lang="en-US" dirty="0" smtClean="0"/>
+              <a:t> and </a:t>
+            </a:r>
+            <a:r>
+              <a:rPr lang="en-US" b="1" dirty="0" smtClean="0"/>
+              <a:t>L2</a:t>
+            </a:r>
+          </a:p>
+        </p:txBody>
+      </p:sp>
+    </p:spTree>
+    <p:extLst>
+      <p:ext uri="{BB962C8B-B14F-4D97-AF65-F5344CB8AC3E}">
+        <p14:creationId xmlns:p14="http://schemas.microsoft.com/office/powerpoint/2010/main" val="604997072"/>
+      </p:ext>
+    </p:extLst>
+  </p:cSld>
+  <p:clrMapOvr>
+    <a:masterClrMapping/>
+  </p:clrMapOvr>
+  <p:timing>
+    <p:tnLst>
+      <p:par>
+        <p:cTn xmlns:p14="http://schemas.microsoft.com/office/powerpoint/2010/main" id="1" dur="indefinite" restart="never" nodeType="tmRoot"/>
+      </p:par>
+    </p:tnLst>
+  </p:timing>
+</p:sld>
+</file>
+
+<file path=ppt/slides/slide45.xml><?xml version="1.0" encoding="utf-8"?>
+<p:sld xmlns:a="http://schemas.openxmlformats.org/drawingml/2006/main" xmlns:r="http://schemas.openxmlformats.org/officeDocument/2006/relationships" xmlns:p="http://schemas.openxmlformats.org/presentationml/2006/main">
+  <p:cSld>
+    <p:spTree>
+      <p:nvGrpSpPr>
+        <p:cNvPr id="1" name=""/>
+        <p:cNvGrpSpPr/>
+        <p:nvPr/>
+      </p:nvGrpSpPr>
+      <p:grpSpPr>
+        <a:xfrm>
+          <a:off x="0" y="0"/>
+          <a:ext cx="0" cy="0"/>
+          <a:chOff x="0" y="0"/>
+          <a:chExt cx="0" cy="0"/>
+        </a:xfrm>
+      </p:grpSpPr>
+      <p:sp>
+        <p:nvSpPr>
+          <p:cNvPr id="2" name="Title 1"/>
+          <p:cNvSpPr>
+            <a:spLocks noGrp="1"/>
+          </p:cNvSpPr>
+          <p:nvPr>
+            <p:ph type="title"/>
+          </p:nvPr>
+        </p:nvSpPr>
+        <p:spPr/>
+        <p:txBody>
+          <a:bodyPr/>
+          <a:lstStyle/>
+          <a:p>
+            <a:r>
+              <a:rPr lang="en-US" dirty="0" smtClean="0"/>
+              <a:t>Observation</a:t>
+            </a:r>
+            <a:endParaRPr lang="en-US" dirty="0"/>
+          </a:p>
+        </p:txBody>
+      </p:sp>
+      <p:sp>
+        <p:nvSpPr>
+          <p:cNvPr id="3" name="Content Placeholder 2"/>
+          <p:cNvSpPr>
+            <a:spLocks noGrp="1"/>
+          </p:cNvSpPr>
+          <p:nvPr>
+            <p:ph idx="1"/>
+          </p:nvPr>
+        </p:nvSpPr>
+        <p:spPr/>
+        <p:txBody>
+          <a:bodyPr>
+            <a:normAutofit/>
+          </a:bodyPr>
+          <a:lstStyle/>
+          <a:p>
+            <a:r>
+              <a:rPr lang="en-US" dirty="0" smtClean="0"/>
+              <a:t>Reeves and </a:t>
+            </a:r>
+            <a:r>
+              <a:rPr lang="en-US" dirty="0" err="1" smtClean="0"/>
+              <a:t>Streader</a:t>
+            </a:r>
+            <a:r>
+              <a:rPr lang="en-US" dirty="0" smtClean="0"/>
+              <a:t> (2008) use notions of what we can observe of all entities of a language to demonstrate vertical refinement</a:t>
+            </a:r>
+          </a:p>
+          <a:p>
+            <a:r>
+              <a:rPr lang="en-US" dirty="0" smtClean="0"/>
+              <a:t>For many process languages, “observation” is obvious (i.e., the inputs and outputs that the process sends and receives)</a:t>
+            </a:r>
+          </a:p>
+          <a:p>
+            <a:r>
+              <a:rPr lang="en-US" dirty="0" err="1" smtClean="0"/>
+              <a:t>Bigraphs</a:t>
+            </a:r>
+            <a:r>
+              <a:rPr lang="en-US" dirty="0" smtClean="0"/>
+              <a:t> have no primitive notion of input or output, so we can’t rely on it to construct a useful notion of observation</a:t>
+            </a:r>
+            <a:endParaRPr lang="en-US" dirty="0"/>
+          </a:p>
+        </p:txBody>
+      </p:sp>
+    </p:spTree>
+    <p:extLst>
+      <p:ext uri="{BB962C8B-B14F-4D97-AF65-F5344CB8AC3E}">
+        <p14:creationId xmlns:p14="http://schemas.microsoft.com/office/powerpoint/2010/main" val="1849142375"/>
+      </p:ext>
+    </p:extLst>
+  </p:cSld>
+  <p:clrMapOvr>
+    <a:masterClrMapping/>
+  </p:clrMapOvr>
+  <p:timing>
+    <p:tnLst>
+      <p:par>
+        <p:cTn xmlns:p14="http://schemas.microsoft.com/office/powerpoint/2010/main" id="1" dur="indefinite" restart="never" nodeType="tmRoot"/>
+      </p:par>
+    </p:tnLst>
+  </p:timing>
+</p:sld>
+</file>
+
+<file path=ppt/slides/slide46.xml><?xml version="1.0" encoding="utf-8"?>
+<p:sld xmlns:a="http://schemas.openxmlformats.org/drawingml/2006/main" xmlns:r="http://schemas.openxmlformats.org/officeDocument/2006/relationships" xmlns:p="http://schemas.openxmlformats.org/presentationml/2006/main">
+  <p:cSld>
+    <p:spTree>
+      <p:nvGrpSpPr>
+        <p:cNvPr id="1" name=""/>
+        <p:cNvGrpSpPr/>
+        <p:nvPr/>
+      </p:nvGrpSpPr>
+      <p:grpSpPr>
+        <a:xfrm>
+          <a:off x="0" y="0"/>
+          <a:ext cx="0" cy="0"/>
+          <a:chOff x="0" y="0"/>
+          <a:chExt cx="0" cy="0"/>
+        </a:xfrm>
+      </p:grpSpPr>
+      <p:sp>
+        <p:nvSpPr>
+          <p:cNvPr id="2" name="Title 1"/>
+          <p:cNvSpPr>
+            <a:spLocks noGrp="1"/>
+          </p:cNvSpPr>
+          <p:nvPr>
+            <p:ph type="title"/>
+          </p:nvPr>
+        </p:nvSpPr>
+        <p:spPr/>
+        <p:txBody>
+          <a:bodyPr/>
+          <a:lstStyle/>
+          <a:p>
+            <a:r>
               <a:rPr lang="en-US" dirty="0" smtClean="0"/>
               <a:t>Observation continued</a:t>
             </a:r>
@@ -8942,10 +9929,17 @@
   <p:clrMapOvr>
     <a:masterClrMapping/>
   </p:clrMapOvr>
+  <p:timing>
+    <p:tnLst>
+      <p:par>
+        <p:cTn xmlns:p14="http://schemas.microsoft.com/office/powerpoint/2010/main" id="1" dur="indefinite" restart="never" nodeType="tmRoot"/>
+      </p:par>
+    </p:tnLst>
+  </p:timing>
 </p:sld>
 </file>
 
-<file path=ppt/slides/slide41.xml><?xml version="1.0" encoding="utf-8"?>
+<file path=ppt/slides/slide47.xml><?xml version="1.0" encoding="utf-8"?>
 <p:sld xmlns:a="http://schemas.openxmlformats.org/drawingml/2006/main" xmlns:r="http://schemas.openxmlformats.org/officeDocument/2006/relationships" xmlns:p="http://schemas.openxmlformats.org/presentationml/2006/main">
   <p:cSld>
     <p:spTree>
@@ -9068,10 +10062,17 @@
   <p:clrMapOvr>
     <a:masterClrMapping/>
   </p:clrMapOvr>
+  <p:timing>
+    <p:tnLst>
+      <p:par>
+        <p:cTn xmlns:p14="http://schemas.microsoft.com/office/powerpoint/2010/main" id="1" dur="indefinite" restart="never" nodeType="tmRoot"/>
+      </p:par>
+    </p:tnLst>
+  </p:timing>
 </p:sld>
 </file>
 
-<file path=ppt/slides/slide42.xml><?xml version="1.0" encoding="utf-8"?>
+<file path=ppt/slides/slide48.xml><?xml version="1.0" encoding="utf-8"?>
 <p:sld xmlns:a="http://schemas.openxmlformats.org/drawingml/2006/main" xmlns:r="http://schemas.openxmlformats.org/officeDocument/2006/relationships" xmlns:p="http://schemas.openxmlformats.org/presentationml/2006/main">
   <p:cSld>
     <p:spTree>
@@ -9194,10 +10195,17 @@
   <p:clrMapOvr>
     <a:masterClrMapping/>
   </p:clrMapOvr>
+  <p:timing>
+    <p:tnLst>
+      <p:par>
+        <p:cTn xmlns:p14="http://schemas.microsoft.com/office/powerpoint/2010/main" id="1" dur="indefinite" restart="never" nodeType="tmRoot"/>
+      </p:par>
+    </p:tnLst>
+  </p:timing>
 </p:sld>
 </file>
 
-<file path=ppt/slides/slide43.xml><?xml version="1.0" encoding="utf-8"?>
+<file path=ppt/slides/slide49.xml><?xml version="1.0" encoding="utf-8"?>
 <p:sld xmlns:a="http://schemas.openxmlformats.org/drawingml/2006/main" xmlns:r="http://schemas.openxmlformats.org/officeDocument/2006/relationships" xmlns:p="http://schemas.openxmlformats.org/presentationml/2006/main">
   <p:cSld>
     <p:spTree>
@@ -9320,10 +10328,130 @@
   <p:clrMapOvr>
     <a:masterClrMapping/>
   </p:clrMapOvr>
+  <p:timing>
+    <p:tnLst>
+      <p:par>
+        <p:cTn xmlns:p14="http://schemas.microsoft.com/office/powerpoint/2010/main" id="1" dur="indefinite" restart="never" nodeType="tmRoot"/>
+      </p:par>
+    </p:tnLst>
+  </p:timing>
 </p:sld>
 </file>
 
-<file path=ppt/slides/slide44.xml><?xml version="1.0" encoding="utf-8"?>
+<file path=ppt/slides/slide5.xml><?xml version="1.0" encoding="utf-8"?>
+<p:sld xmlns:a="http://schemas.openxmlformats.org/drawingml/2006/main" xmlns:r="http://schemas.openxmlformats.org/officeDocument/2006/relationships" xmlns:p="http://schemas.openxmlformats.org/presentationml/2006/main">
+  <p:cSld>
+    <p:spTree>
+      <p:nvGrpSpPr>
+        <p:cNvPr id="1" name=""/>
+        <p:cNvGrpSpPr/>
+        <p:nvPr/>
+      </p:nvGrpSpPr>
+      <p:grpSpPr>
+        <a:xfrm>
+          <a:off x="0" y="0"/>
+          <a:ext cx="0" cy="0"/>
+          <a:chOff x="0" y="0"/>
+          <a:chExt cx="0" cy="0"/>
+        </a:xfrm>
+      </p:grpSpPr>
+      <p:sp>
+        <p:nvSpPr>
+          <p:cNvPr id="5" name="Title 4"/>
+          <p:cNvSpPr>
+            <a:spLocks noGrp="1"/>
+          </p:cNvSpPr>
+          <p:nvPr>
+            <p:ph type="title"/>
+          </p:nvPr>
+        </p:nvSpPr>
+        <p:spPr/>
+        <p:txBody>
+          <a:bodyPr/>
+          <a:lstStyle/>
+          <a:p>
+            <a:r>
+              <a:rPr lang="en-US" dirty="0" smtClean="0"/>
+              <a:t>Explanation</a:t>
+            </a:r>
+            <a:endParaRPr lang="en-US" dirty="0"/>
+          </a:p>
+        </p:txBody>
+      </p:sp>
+      <p:sp>
+        <p:nvSpPr>
+          <p:cNvPr id="6" name="Content Placeholder 5"/>
+          <p:cNvSpPr>
+            <a:spLocks noGrp="1"/>
+          </p:cNvSpPr>
+          <p:nvPr>
+            <p:ph idx="4294967295"/>
+          </p:nvPr>
+        </p:nvSpPr>
+        <p:spPr>
+          <a:xfrm>
+            <a:off x="230188" y="2949575"/>
+            <a:ext cx="8913812" cy="2728913"/>
+          </a:xfrm>
+        </p:spPr>
+        <p:txBody>
+          <a:bodyPr>
+            <a:normAutofit/>
+          </a:bodyPr>
+          <a:lstStyle/>
+          <a:p>
+            <a:pPr marL="0" indent="0" algn="ctr">
+              <a:buNone/>
+            </a:pPr>
+            <a:r>
+              <a:rPr lang="en-US" dirty="0" smtClean="0"/>
+              <a:t>We construct models to </a:t>
+            </a:r>
+            <a:r>
+              <a:rPr lang="en-US" b="1" dirty="0" smtClean="0"/>
+              <a:t>explain</a:t>
+            </a:r>
+            <a:r>
+              <a:rPr lang="en-US" dirty="0" smtClean="0"/>
+              <a:t> or </a:t>
+            </a:r>
+            <a:r>
+              <a:rPr lang="en-US" b="1" dirty="0" smtClean="0"/>
+              <a:t>understand</a:t>
+            </a:r>
+            <a:r>
+              <a:rPr lang="en-US" dirty="0"/>
+              <a:t> </a:t>
+            </a:r>
+            <a:r>
+              <a:rPr lang="en-US" dirty="0" smtClean="0"/>
+              <a:t>artifacts and processes of the world around us</a:t>
+            </a:r>
+            <a:endParaRPr lang="en-US" b="1" dirty="0" smtClean="0"/>
+          </a:p>
+        </p:txBody>
+      </p:sp>
+    </p:spTree>
+    <p:extLst>
+      <p:ext uri="{BB962C8B-B14F-4D97-AF65-F5344CB8AC3E}">
+        <p14:creationId xmlns:p14="http://schemas.microsoft.com/office/powerpoint/2010/main" val="308731303"/>
+      </p:ext>
+    </p:extLst>
+  </p:cSld>
+  <p:clrMapOvr>
+    <a:masterClrMapping/>
+  </p:clrMapOvr>
+  <p:timing>
+    <p:tnLst>
+      <p:par>
+        <p:cTn xmlns:p14="http://schemas.microsoft.com/office/powerpoint/2010/main" id="1" dur="indefinite" restart="never" nodeType="tmRoot"/>
+      </p:par>
+    </p:tnLst>
+  </p:timing>
+</p:sld>
+</file>
+
+<file path=ppt/slides/slide50.xml><?xml version="1.0" encoding="utf-8"?>
 <p:sld xmlns:a="http://schemas.openxmlformats.org/drawingml/2006/main" xmlns:r="http://schemas.openxmlformats.org/officeDocument/2006/relationships" xmlns:p="http://schemas.openxmlformats.org/presentationml/2006/main">
   <p:cSld>
     <p:spTree>
@@ -9446,10 +10574,17 @@
   <p:clrMapOvr>
     <a:masterClrMapping/>
   </p:clrMapOvr>
+  <p:timing>
+    <p:tnLst>
+      <p:par>
+        <p:cTn xmlns:p14="http://schemas.microsoft.com/office/powerpoint/2010/main" id="1" dur="indefinite" restart="never" nodeType="tmRoot"/>
+      </p:par>
+    </p:tnLst>
+  </p:timing>
 </p:sld>
 </file>
 
-<file path=ppt/slides/slide45.xml><?xml version="1.0" encoding="utf-8"?>
+<file path=ppt/slides/slide51.xml><?xml version="1.0" encoding="utf-8"?>
 <p:sld xmlns:a="http://schemas.openxmlformats.org/drawingml/2006/main" xmlns:r="http://schemas.openxmlformats.org/officeDocument/2006/relationships" xmlns:p="http://schemas.openxmlformats.org/presentationml/2006/main">
   <p:cSld>
     <p:spTree>
@@ -9529,10 +10664,17 @@
   <p:clrMapOvr>
     <a:masterClrMapping/>
   </p:clrMapOvr>
+  <p:timing>
+    <p:tnLst>
+      <p:par>
+        <p:cTn xmlns:p14="http://schemas.microsoft.com/office/powerpoint/2010/main" id="1" dur="indefinite" restart="never" nodeType="tmRoot"/>
+      </p:par>
+    </p:tnLst>
+  </p:timing>
 </p:sld>
 </file>
 
-<file path=ppt/slides/slide46.xml><?xml version="1.0" encoding="utf-8"?>
+<file path=ppt/slides/slide52.xml><?xml version="1.0" encoding="utf-8"?>
 <p:sld xmlns:a="http://schemas.openxmlformats.org/drawingml/2006/main" xmlns:r="http://schemas.openxmlformats.org/officeDocument/2006/relationships" xmlns:p="http://schemas.openxmlformats.org/presentationml/2006/main">
   <p:cSld>
     <p:spTree>
@@ -9830,10 +10972,17 @@
   <p:clrMapOvr>
     <a:masterClrMapping/>
   </p:clrMapOvr>
+  <p:timing>
+    <p:tnLst>
+      <p:par>
+        <p:cTn xmlns:p14="http://schemas.microsoft.com/office/powerpoint/2010/main" id="1" dur="indefinite" restart="never" nodeType="tmRoot"/>
+      </p:par>
+    </p:tnLst>
+  </p:timing>
 </p:sld>
 </file>
 
-<file path=ppt/slides/slide47.xml><?xml version="1.0" encoding="utf-8"?>
+<file path=ppt/slides/slide53.xml><?xml version="1.0" encoding="utf-8"?>
 <p:sld xmlns:a="http://schemas.openxmlformats.org/drawingml/2006/main" xmlns:r="http://schemas.openxmlformats.org/officeDocument/2006/relationships" xmlns:p="http://schemas.openxmlformats.org/presentationml/2006/main">
   <p:cSld>
     <p:spTree>
@@ -11409,10 +12558,17 @@
   <p:clrMapOvr>
     <a:masterClrMapping/>
   </p:clrMapOvr>
+  <p:timing>
+    <p:tnLst>
+      <p:par>
+        <p:cTn xmlns:p14="http://schemas.microsoft.com/office/powerpoint/2010/main" id="1" dur="indefinite" restart="never" nodeType="tmRoot"/>
+      </p:par>
+    </p:tnLst>
+  </p:timing>
 </p:sld>
 </file>
 
-<file path=ppt/slides/slide48.xml><?xml version="1.0" encoding="utf-8"?>
+<file path=ppt/slides/slide54.xml><?xml version="1.0" encoding="utf-8"?>
 <p:sld xmlns:a="http://schemas.openxmlformats.org/drawingml/2006/main" xmlns:r="http://schemas.openxmlformats.org/officeDocument/2006/relationships" xmlns:p="http://schemas.openxmlformats.org/presentationml/2006/main">
   <p:cSld>
     <p:spTree>
@@ -14674,10 +15830,17 @@
   <p:clrMapOvr>
     <a:masterClrMapping/>
   </p:clrMapOvr>
+  <p:timing>
+    <p:tnLst>
+      <p:par>
+        <p:cTn xmlns:p14="http://schemas.microsoft.com/office/powerpoint/2010/main" id="1" dur="indefinite" restart="never" nodeType="tmRoot"/>
+      </p:par>
+    </p:tnLst>
+  </p:timing>
 </p:sld>
 </file>
 
-<file path=ppt/slides/slide49.xml><?xml version="1.0" encoding="utf-8"?>
+<file path=ppt/slides/slide55.xml><?xml version="1.0" encoding="utf-8"?>
 <p:sld xmlns:a="http://schemas.openxmlformats.org/drawingml/2006/main" xmlns:r="http://schemas.openxmlformats.org/officeDocument/2006/relationships" xmlns:p="http://schemas.openxmlformats.org/presentationml/2006/main">
   <p:cSld>
     <p:spTree>
@@ -18002,10 +19165,17 @@
   <p:clrMapOvr>
     <a:masterClrMapping/>
   </p:clrMapOvr>
+  <p:timing>
+    <p:tnLst>
+      <p:par>
+        <p:cTn xmlns:p14="http://schemas.microsoft.com/office/powerpoint/2010/main" id="1" dur="indefinite" restart="never" nodeType="tmRoot"/>
+      </p:par>
+    </p:tnLst>
+  </p:timing>
 </p:sld>
 </file>
 
-<file path=ppt/slides/slide5.xml><?xml version="1.0" encoding="utf-8"?>
+<file path=ppt/slides/slide56.xml><?xml version="1.0" encoding="utf-8"?>
 <p:sld xmlns:a="http://schemas.openxmlformats.org/drawingml/2006/main" xmlns:r="http://schemas.openxmlformats.org/officeDocument/2006/relationships" xmlns:p="http://schemas.openxmlformats.org/presentationml/2006/main">
   <p:cSld>
     <p:spTree>
@@ -18024,112 +19194,6 @@
       </p:grpSpPr>
       <p:sp>
         <p:nvSpPr>
-          <p:cNvPr id="5" name="Title 4"/>
-          <p:cNvSpPr>
-            <a:spLocks noGrp="1"/>
-          </p:cNvSpPr>
-          <p:nvPr>
-            <p:ph type="title"/>
-          </p:nvPr>
-        </p:nvSpPr>
-        <p:spPr/>
-        <p:txBody>
-          <a:bodyPr/>
-          <a:lstStyle/>
-          <a:p>
-            <a:r>
-              <a:rPr lang="en-US" dirty="0" err="1" smtClean="0"/>
-              <a:t>Modelling</a:t>
-            </a:r>
-            <a:endParaRPr lang="en-US" dirty="0"/>
-          </a:p>
-        </p:txBody>
-      </p:sp>
-      <p:sp>
-        <p:nvSpPr>
-          <p:cNvPr id="6" name="Content Placeholder 5"/>
-          <p:cNvSpPr>
-            <a:spLocks noGrp="1"/>
-          </p:cNvSpPr>
-          <p:nvPr>
-            <p:ph idx="1"/>
-          </p:nvPr>
-        </p:nvSpPr>
-        <p:spPr/>
-        <p:txBody>
-          <a:bodyPr>
-            <a:normAutofit/>
-          </a:bodyPr>
-          <a:lstStyle/>
-          <a:p>
-            <a:r>
-              <a:rPr lang="en-US" dirty="0" smtClean="0"/>
-              <a:t>A system can be too complex to understand or </a:t>
-            </a:r>
-            <a:r>
-              <a:rPr lang="en-US" dirty="0" err="1" smtClean="0"/>
-              <a:t>analyse</a:t>
-            </a:r>
-            <a:r>
-              <a:rPr lang="en-US" dirty="0" smtClean="0"/>
-              <a:t> directly</a:t>
-            </a:r>
-          </a:p>
-          <a:p>
-            <a:r>
-              <a:rPr lang="en-US" dirty="0" smtClean="0"/>
-              <a:t>A model can be a simplification or an abstraction</a:t>
-            </a:r>
-          </a:p>
-          <a:p>
-            <a:r>
-              <a:rPr lang="en-US" dirty="0" smtClean="0"/>
-              <a:t>… or simply a blueprint that can be </a:t>
-            </a:r>
-            <a:r>
-              <a:rPr lang="en-US" dirty="0" err="1" smtClean="0"/>
-              <a:t>analysed</a:t>
-            </a:r>
-            <a:r>
-              <a:rPr lang="en-US" dirty="0" smtClean="0"/>
-              <a:t> prior to constructing something larger</a:t>
-            </a:r>
-            <a:endParaRPr lang="en-US" dirty="0"/>
-          </a:p>
-        </p:txBody>
-      </p:sp>
-    </p:spTree>
-    <p:extLst>
-      <p:ext uri="{BB962C8B-B14F-4D97-AF65-F5344CB8AC3E}">
-        <p14:creationId xmlns:p14="http://schemas.microsoft.com/office/powerpoint/2010/main" val="1014213082"/>
-      </p:ext>
-    </p:extLst>
-  </p:cSld>
-  <p:clrMapOvr>
-    <a:masterClrMapping/>
-  </p:clrMapOvr>
-</p:sld>
-</file>
-
-<file path=ppt/slides/slide50.xml><?xml version="1.0" encoding="utf-8"?>
-<p:sld xmlns:a="http://schemas.openxmlformats.org/drawingml/2006/main" xmlns:r="http://schemas.openxmlformats.org/officeDocument/2006/relationships" xmlns:p="http://schemas.openxmlformats.org/presentationml/2006/main">
-  <p:cSld>
-    <p:spTree>
-      <p:nvGrpSpPr>
-        <p:cNvPr id="1" name=""/>
-        <p:cNvGrpSpPr/>
-        <p:nvPr/>
-      </p:nvGrpSpPr>
-      <p:grpSpPr>
-        <a:xfrm>
-          <a:off x="0" y="0"/>
-          <a:ext cx="0" cy="0"/>
-          <a:chOff x="0" y="0"/>
-          <a:chExt cx="0" cy="0"/>
-        </a:xfrm>
-      </p:grpSpPr>
-      <p:sp>
-        <p:nvSpPr>
           <p:cNvPr id="2" name="Title 1"/>
           <p:cNvSpPr>
             <a:spLocks noGrp="1"/>
@@ -18173,13 +19237,52 @@
         </p:nvSpPr>
         <p:spPr/>
         <p:txBody>
-          <a:bodyPr/>
+          <a:bodyPr>
+            <a:normAutofit fontScale="92500" lnSpcReduction="20000"/>
+          </a:bodyPr>
           <a:lstStyle/>
           <a:p>
             <a:r>
               <a:rPr lang="en-US" dirty="0" smtClean="0"/>
-              <a:t>Safety: “Nothing bad will happen”</a:t>
-            </a:r>
+              <a:t>Safety: “Nothing bad will happen</a:t>
+            </a:r>
+            <a:r>
+              <a:rPr lang="en-US" dirty="0" smtClean="0"/>
+              <a:t>”</a:t>
+            </a:r>
+          </a:p>
+          <a:p>
+            <a:r>
+              <a:rPr lang="en-US" dirty="0" smtClean="0"/>
+              <a:t>For a </a:t>
+            </a:r>
+            <a:r>
+              <a:rPr lang="en-US" dirty="0" err="1" smtClean="0"/>
+              <a:t>BRSes</a:t>
+            </a:r>
+            <a:r>
+              <a:rPr lang="en-US" dirty="0" smtClean="0"/>
+              <a:t> A and C, and abstraction </a:t>
+            </a:r>
+            <a:r>
+              <a:rPr lang="en-US" dirty="0" err="1" smtClean="0"/>
+              <a:t>functor</a:t>
+            </a:r>
+            <a:r>
+              <a:rPr lang="en-US" dirty="0" smtClean="0"/>
+              <a:t> F </a:t>
+            </a:r>
+            <a:r>
+              <a:rPr lang="en-US" dirty="0"/>
+              <a:t>: C </a:t>
+            </a:r>
+            <a:r>
+              <a:rPr lang="en-US" dirty="0" smtClean="0"/>
+              <a:t>→ A</a:t>
+            </a:r>
+          </a:p>
+          <a:p>
+            <a:endParaRPr lang="en-US" dirty="0" smtClean="0"/>
           </a:p>
           <a:p>
             <a:pPr marL="0" indent="0">
@@ -18191,9 +19294,6 @@
             <a:pPr marL="0" indent="0">
               <a:buNone/>
             </a:pPr>
-            <a:endParaRPr lang="en-US" dirty="0" smtClean="0"/>
-          </a:p>
-          <a:p>
             <a:endParaRPr lang="en-US" dirty="0"/>
           </a:p>
           <a:p>
@@ -18261,647 +19361,13 @@
   <p:clrMapOvr>
     <a:masterClrMapping/>
   </p:clrMapOvr>
-</p:sld>
-</file>
-
-<file path=ppt/slides/slide51.xml><?xml version="1.0" encoding="utf-8"?>
-<p:sld xmlns:a="http://schemas.openxmlformats.org/drawingml/2006/main" xmlns:r="http://schemas.openxmlformats.org/officeDocument/2006/relationships" xmlns:p="http://schemas.openxmlformats.org/presentationml/2006/main">
-  <p:cSld>
-    <p:spTree>
-      <p:nvGrpSpPr>
-        <p:cNvPr id="1" name=""/>
-        <p:cNvGrpSpPr/>
-        <p:nvPr/>
-      </p:nvGrpSpPr>
-      <p:grpSpPr>
-        <a:xfrm>
-          <a:off x="0" y="0"/>
-          <a:ext cx="0" cy="0"/>
-          <a:chOff x="0" y="0"/>
-          <a:chExt cx="0" cy="0"/>
-        </a:xfrm>
-      </p:grpSpPr>
-      <p:sp>
-        <p:nvSpPr>
-          <p:cNvPr id="2" name="Title 1"/>
-          <p:cNvSpPr>
-            <a:spLocks noGrp="1"/>
-          </p:cNvSpPr>
-          <p:nvPr>
-            <p:ph type="title"/>
-          </p:nvPr>
-        </p:nvSpPr>
-        <p:spPr/>
-        <p:txBody>
-          <a:bodyPr/>
-          <a:lstStyle/>
-          <a:p>
-            <a:r>
-              <a:rPr lang="en-US" dirty="0" smtClean="0"/>
-              <a:t>Making it easier</a:t>
-            </a:r>
-            <a:endParaRPr lang="en-US" dirty="0"/>
-          </a:p>
-        </p:txBody>
-      </p:sp>
-      <p:sp>
-        <p:nvSpPr>
-          <p:cNvPr id="3" name="Content Placeholder 2"/>
-          <p:cNvSpPr>
-            <a:spLocks noGrp="1"/>
-          </p:cNvSpPr>
-          <p:nvPr>
-            <p:ph idx="1"/>
-          </p:nvPr>
-        </p:nvSpPr>
-        <p:spPr/>
-        <p:txBody>
-          <a:bodyPr>
-            <a:normAutofit fontScale="92500" lnSpcReduction="10000"/>
-          </a:bodyPr>
-          <a:lstStyle/>
-          <a:p>
-            <a:r>
-              <a:rPr lang="en-US" dirty="0" smtClean="0"/>
-              <a:t>The guarantee that our abstraction </a:t>
-            </a:r>
-            <a:r>
-              <a:rPr lang="en-US" dirty="0" err="1" smtClean="0"/>
-              <a:t>functor</a:t>
-            </a:r>
-            <a:r>
-              <a:rPr lang="en-US" dirty="0" smtClean="0"/>
-              <a:t> preserves </a:t>
-            </a:r>
-            <a:r>
-              <a:rPr lang="en-US" dirty="0" err="1" smtClean="0"/>
-              <a:t>behaviour</a:t>
-            </a:r>
-            <a:r>
-              <a:rPr lang="en-US" dirty="0" smtClean="0"/>
-              <a:t> (reaction) need not be simple to establish</a:t>
-            </a:r>
-          </a:p>
-          <a:p>
-            <a:r>
-              <a:rPr lang="en-US" dirty="0" smtClean="0"/>
-              <a:t>But if it preserves reaction rules and active contexts, we have an abstraction </a:t>
-            </a:r>
-            <a:r>
-              <a:rPr lang="en-US" dirty="0" err="1" smtClean="0"/>
-              <a:t>functor</a:t>
-            </a:r>
-            <a:r>
-              <a:rPr lang="en-US" dirty="0" smtClean="0"/>
-              <a:t> that will give rise to a safe vertical refinement</a:t>
-            </a:r>
-          </a:p>
-          <a:p>
-            <a:r>
-              <a:rPr lang="en-US" dirty="0" smtClean="0"/>
-              <a:t>Which guarantees the concrete system is a valid implementation of the abstract system</a:t>
-            </a:r>
-          </a:p>
-          <a:p>
-            <a:r>
-              <a:rPr lang="en-US" dirty="0" smtClean="0"/>
-              <a:t>This has found use in the work of others (e.g., Henson et al., “</a:t>
-            </a:r>
-            <a:r>
-              <a:rPr lang="en-US" dirty="0" err="1" smtClean="0"/>
-              <a:t>FollowMe</a:t>
-            </a:r>
-            <a:r>
-              <a:rPr lang="en-US" dirty="0" smtClean="0"/>
-              <a:t>: a </a:t>
-            </a:r>
-            <a:r>
-              <a:rPr lang="en-US" dirty="0" err="1" smtClean="0"/>
-              <a:t>bigraphical</a:t>
-            </a:r>
-            <a:r>
-              <a:rPr lang="en-US" dirty="0" smtClean="0"/>
-              <a:t> approach”, 2012).</a:t>
-            </a:r>
-            <a:endParaRPr lang="en-US" dirty="0"/>
-          </a:p>
-        </p:txBody>
-      </p:sp>
-    </p:spTree>
-    <p:extLst>
-      <p:ext uri="{BB962C8B-B14F-4D97-AF65-F5344CB8AC3E}">
-        <p14:creationId xmlns:p14="http://schemas.microsoft.com/office/powerpoint/2010/main" val="3511204753"/>
-      </p:ext>
-    </p:extLst>
-  </p:cSld>
-  <p:clrMapOvr>
-    <a:masterClrMapping/>
-  </p:clrMapOvr>
-</p:sld>
-</file>
-
-<file path=ppt/slides/slide52.xml><?xml version="1.0" encoding="utf-8"?>
-<p:sld xmlns:a="http://schemas.openxmlformats.org/drawingml/2006/main" xmlns:r="http://schemas.openxmlformats.org/officeDocument/2006/relationships" xmlns:p="http://schemas.openxmlformats.org/presentationml/2006/main">
-  <p:cSld>
-    <p:spTree>
-      <p:nvGrpSpPr>
-        <p:cNvPr id="1" name=""/>
-        <p:cNvGrpSpPr/>
-        <p:nvPr/>
-      </p:nvGrpSpPr>
-      <p:grpSpPr>
-        <a:xfrm>
-          <a:off x="0" y="0"/>
-          <a:ext cx="0" cy="0"/>
-          <a:chOff x="0" y="0"/>
-          <a:chExt cx="0" cy="0"/>
-        </a:xfrm>
-      </p:grpSpPr>
-      <p:sp>
-        <p:nvSpPr>
-          <p:cNvPr id="2" name="Title 1"/>
-          <p:cNvSpPr>
-            <a:spLocks noGrp="1"/>
-          </p:cNvSpPr>
-          <p:nvPr>
-            <p:ph type="title"/>
-          </p:nvPr>
-        </p:nvSpPr>
-        <p:spPr/>
-        <p:txBody>
-          <a:bodyPr/>
-          <a:lstStyle/>
-          <a:p>
-            <a:r>
-              <a:rPr lang="en-US" dirty="0" smtClean="0"/>
-              <a:t>Live Vertical Refinement</a:t>
-            </a:r>
-            <a:endParaRPr lang="en-US" dirty="0"/>
-          </a:p>
-        </p:txBody>
-      </p:sp>
-      <p:sp>
-        <p:nvSpPr>
-          <p:cNvPr id="3" name="Content Placeholder 2"/>
-          <p:cNvSpPr>
-            <a:spLocks noGrp="1"/>
-          </p:cNvSpPr>
-          <p:nvPr>
-            <p:ph idx="1"/>
-          </p:nvPr>
-        </p:nvSpPr>
-        <p:spPr/>
-        <p:txBody>
-          <a:bodyPr>
-            <a:normAutofit/>
-          </a:bodyPr>
-          <a:lstStyle/>
-          <a:p>
-            <a:r>
-              <a:rPr lang="en-US" dirty="0" err="1" smtClean="0"/>
-              <a:t>Liveness</a:t>
-            </a:r>
-            <a:r>
-              <a:rPr lang="en-US" dirty="0" smtClean="0"/>
-              <a:t> is more subtle, and often ignored in refinement literature (or considered a special case of safety)</a:t>
-            </a:r>
-          </a:p>
-          <a:p>
-            <a:r>
-              <a:rPr lang="en-US" dirty="0" smtClean="0"/>
-              <a:t>Essentially the guarantee that “something good will happen eventually” (</a:t>
-            </a:r>
-            <a:r>
-              <a:rPr lang="en-US" dirty="0" err="1" smtClean="0"/>
-              <a:t>Lamport</a:t>
-            </a:r>
-            <a:r>
-              <a:rPr lang="en-US" dirty="0" smtClean="0"/>
-              <a:t>)</a:t>
-            </a:r>
-          </a:p>
-          <a:p>
-            <a:r>
-              <a:rPr lang="en-US" dirty="0" smtClean="0"/>
-              <a:t>Our vertical refinement notion can also ensure that a concrete implementation preserves enough </a:t>
-            </a:r>
-            <a:r>
-              <a:rPr lang="en-US" dirty="0" err="1" smtClean="0"/>
-              <a:t>behaviour</a:t>
-            </a:r>
-            <a:r>
-              <a:rPr lang="en-US" dirty="0"/>
-              <a:t> </a:t>
-            </a:r>
-            <a:r>
-              <a:rPr lang="en-US" dirty="0" smtClean="0"/>
-              <a:t>from the abstract system to guarantee </a:t>
-            </a:r>
-            <a:r>
-              <a:rPr lang="en-US" dirty="0" err="1" smtClean="0"/>
-              <a:t>liveness</a:t>
-            </a:r>
-            <a:endParaRPr lang="en-US" dirty="0"/>
-          </a:p>
-        </p:txBody>
-      </p:sp>
-    </p:spTree>
-    <p:extLst>
-      <p:ext uri="{BB962C8B-B14F-4D97-AF65-F5344CB8AC3E}">
-        <p14:creationId xmlns:p14="http://schemas.microsoft.com/office/powerpoint/2010/main" val="738272915"/>
-      </p:ext>
-    </p:extLst>
-  </p:cSld>
-  <p:clrMapOvr>
-    <a:masterClrMapping/>
-  </p:clrMapOvr>
-</p:sld>
-</file>
-
-<file path=ppt/slides/slide53.xml><?xml version="1.0" encoding="utf-8"?>
-<p:sld xmlns:a="http://schemas.openxmlformats.org/drawingml/2006/main" xmlns:r="http://schemas.openxmlformats.org/officeDocument/2006/relationships" xmlns:p="http://schemas.openxmlformats.org/presentationml/2006/main">
-  <p:cSld>
-    <p:spTree>
-      <p:nvGrpSpPr>
-        <p:cNvPr id="1" name=""/>
-        <p:cNvGrpSpPr/>
-        <p:nvPr/>
-      </p:nvGrpSpPr>
-      <p:grpSpPr>
-        <a:xfrm>
-          <a:off x="0" y="0"/>
-          <a:ext cx="0" cy="0"/>
-          <a:chOff x="0" y="0"/>
-          <a:chExt cx="0" cy="0"/>
-        </a:xfrm>
-      </p:grpSpPr>
-      <p:sp>
-        <p:nvSpPr>
-          <p:cNvPr id="2" name="Title 1"/>
-          <p:cNvSpPr>
-            <a:spLocks noGrp="1"/>
-          </p:cNvSpPr>
-          <p:nvPr>
-            <p:ph type="title"/>
-          </p:nvPr>
-        </p:nvSpPr>
-        <p:spPr/>
-        <p:txBody>
-          <a:bodyPr/>
-          <a:lstStyle/>
-          <a:p>
-            <a:r>
-              <a:rPr lang="en-US" dirty="0" smtClean="0"/>
-              <a:t>Verification and </a:t>
-            </a:r>
-            <a:r>
-              <a:rPr lang="en-US" dirty="0" smtClean="0"/>
-              <a:t>Tools</a:t>
-            </a:r>
-            <a:endParaRPr lang="en-US" dirty="0"/>
-          </a:p>
-        </p:txBody>
-      </p:sp>
-      <p:sp>
-        <p:nvSpPr>
-          <p:cNvPr id="3" name="Text Placeholder 2"/>
-          <p:cNvSpPr>
-            <a:spLocks noGrp="1"/>
-          </p:cNvSpPr>
-          <p:nvPr>
-            <p:ph type="body" idx="1"/>
-          </p:nvPr>
-        </p:nvSpPr>
-        <p:spPr/>
-        <p:txBody>
-          <a:bodyPr/>
-          <a:lstStyle/>
-          <a:p>
-            <a:r>
-              <a:rPr lang="en-US" dirty="0" smtClean="0"/>
-              <a:t>Part 5</a:t>
-            </a:r>
-            <a:endParaRPr lang="en-US" dirty="0"/>
-          </a:p>
-        </p:txBody>
-      </p:sp>
-    </p:spTree>
-    <p:extLst>
-      <p:ext uri="{BB962C8B-B14F-4D97-AF65-F5344CB8AC3E}">
-        <p14:creationId xmlns:p14="http://schemas.microsoft.com/office/powerpoint/2010/main" val="2741296036"/>
-      </p:ext>
-    </p:extLst>
-  </p:cSld>
-  <p:clrMapOvr>
-    <a:masterClrMapping/>
-  </p:clrMapOvr>
-</p:sld>
-</file>
-
-<file path=ppt/slides/slide54.xml><?xml version="1.0" encoding="utf-8"?>
-<p:sld xmlns:a="http://schemas.openxmlformats.org/drawingml/2006/main" xmlns:r="http://schemas.openxmlformats.org/officeDocument/2006/relationships" xmlns:p="http://schemas.openxmlformats.org/presentationml/2006/main">
-  <p:cSld>
-    <p:spTree>
-      <p:nvGrpSpPr>
-        <p:cNvPr id="1" name=""/>
-        <p:cNvGrpSpPr/>
-        <p:nvPr/>
-      </p:nvGrpSpPr>
-      <p:grpSpPr>
-        <a:xfrm>
-          <a:off x="0" y="0"/>
-          <a:ext cx="0" cy="0"/>
-          <a:chOff x="0" y="0"/>
-          <a:chExt cx="0" cy="0"/>
-        </a:xfrm>
-      </p:grpSpPr>
-      <p:sp>
-        <p:nvSpPr>
-          <p:cNvPr id="4" name="Title 3"/>
-          <p:cNvSpPr>
-            <a:spLocks noGrp="1"/>
-          </p:cNvSpPr>
-          <p:nvPr>
-            <p:ph type="title"/>
-          </p:nvPr>
-        </p:nvSpPr>
-        <p:spPr/>
-        <p:txBody>
-          <a:bodyPr/>
-          <a:lstStyle/>
-          <a:p>
-            <a:r>
-              <a:rPr lang="en-US" dirty="0" err="1" smtClean="0"/>
-              <a:t>BigMC</a:t>
-            </a:r>
-            <a:endParaRPr lang="en-US" dirty="0"/>
-          </a:p>
-        </p:txBody>
-      </p:sp>
-      <p:sp>
-        <p:nvSpPr>
-          <p:cNvPr id="5" name="Content Placeholder 4"/>
-          <p:cNvSpPr>
-            <a:spLocks noGrp="1"/>
-          </p:cNvSpPr>
-          <p:nvPr>
-            <p:ph idx="1"/>
-          </p:nvPr>
-        </p:nvSpPr>
-        <p:spPr/>
-        <p:txBody>
-          <a:bodyPr>
-            <a:normAutofit/>
-          </a:bodyPr>
-          <a:lstStyle/>
-          <a:p>
-            <a:r>
-              <a:rPr lang="en-US" dirty="0" smtClean="0"/>
-              <a:t>Provide a tool that allows one to check properties of </a:t>
-            </a:r>
-            <a:r>
-              <a:rPr lang="en-US" dirty="0" err="1" smtClean="0"/>
-              <a:t>bigraphical</a:t>
-            </a:r>
-            <a:r>
-              <a:rPr lang="en-US" dirty="0" smtClean="0"/>
-              <a:t> models</a:t>
-            </a:r>
-          </a:p>
-          <a:p>
-            <a:r>
-              <a:rPr lang="en-US" dirty="0" smtClean="0"/>
-              <a:t>By defining a single </a:t>
-            </a:r>
-            <a:r>
-              <a:rPr lang="en-US" dirty="0" err="1" smtClean="0"/>
-              <a:t>bigraphical</a:t>
-            </a:r>
-            <a:r>
-              <a:rPr lang="en-US" dirty="0" smtClean="0"/>
-              <a:t> language, we gain a tool for any model expressed in that language</a:t>
-            </a:r>
-          </a:p>
-          <a:p>
-            <a:r>
-              <a:rPr lang="en-US" dirty="0" err="1" smtClean="0"/>
-              <a:t>BigMC</a:t>
-            </a:r>
-            <a:r>
-              <a:rPr lang="en-US" dirty="0" smtClean="0"/>
-              <a:t> was a prototype tool designed to achieve this</a:t>
-            </a:r>
-          </a:p>
-          <a:p>
-            <a:r>
-              <a:rPr lang="en-US" dirty="0" smtClean="0"/>
-              <a:t>Also has been used to simulate and experiment with </a:t>
-            </a:r>
-            <a:r>
-              <a:rPr lang="en-US" dirty="0" err="1" smtClean="0"/>
-              <a:t>bigraphs</a:t>
-            </a:r>
-            <a:endParaRPr lang="en-US" dirty="0" smtClean="0"/>
-          </a:p>
-        </p:txBody>
-      </p:sp>
-    </p:spTree>
-    <p:extLst>
-      <p:ext uri="{BB962C8B-B14F-4D97-AF65-F5344CB8AC3E}">
-        <p14:creationId xmlns:p14="http://schemas.microsoft.com/office/powerpoint/2010/main" val="2207214243"/>
-      </p:ext>
-    </p:extLst>
-  </p:cSld>
-  <p:clrMapOvr>
-    <a:masterClrMapping/>
-  </p:clrMapOvr>
-</p:sld>
-</file>
-
-<file path=ppt/slides/slide55.xml><?xml version="1.0" encoding="utf-8"?>
-<p:sld xmlns:a="http://schemas.openxmlformats.org/drawingml/2006/main" xmlns:r="http://schemas.openxmlformats.org/officeDocument/2006/relationships" xmlns:p="http://schemas.openxmlformats.org/presentationml/2006/main">
-  <p:cSld>
-    <p:spTree>
-      <p:nvGrpSpPr>
-        <p:cNvPr id="1" name=""/>
-        <p:cNvGrpSpPr/>
-        <p:nvPr/>
-      </p:nvGrpSpPr>
-      <p:grpSpPr>
-        <a:xfrm>
-          <a:off x="0" y="0"/>
-          <a:ext cx="0" cy="0"/>
-          <a:chOff x="0" y="0"/>
-          <a:chExt cx="0" cy="0"/>
-        </a:xfrm>
-      </p:grpSpPr>
-      <p:sp>
-        <p:nvSpPr>
-          <p:cNvPr id="2" name="Title 1"/>
-          <p:cNvSpPr>
-            <a:spLocks noGrp="1"/>
-          </p:cNvSpPr>
-          <p:nvPr>
-            <p:ph type="title"/>
-          </p:nvPr>
-        </p:nvSpPr>
-        <p:spPr/>
-        <p:txBody>
-          <a:bodyPr>
-            <a:normAutofit/>
-          </a:bodyPr>
-          <a:lstStyle/>
-          <a:p>
-            <a:r>
-              <a:rPr lang="en-US" dirty="0" smtClean="0"/>
-              <a:t>Example: Dining philosophers</a:t>
-            </a:r>
-            <a:endParaRPr lang="en-US" dirty="0"/>
-          </a:p>
-        </p:txBody>
-      </p:sp>
-      <p:sp>
-        <p:nvSpPr>
-          <p:cNvPr id="3" name="Content Placeholder 2"/>
-          <p:cNvSpPr>
-            <a:spLocks noGrp="1"/>
-          </p:cNvSpPr>
-          <p:nvPr>
-            <p:ph idx="1"/>
-          </p:nvPr>
-        </p:nvSpPr>
-        <p:spPr/>
-        <p:txBody>
-          <a:bodyPr/>
-          <a:lstStyle/>
-          <a:p>
-            <a:r>
-              <a:rPr lang="en-US" dirty="0" smtClean="0"/>
-              <a:t>Give example from paper</a:t>
-            </a:r>
-            <a:endParaRPr lang="en-US" dirty="0"/>
-          </a:p>
-        </p:txBody>
-      </p:sp>
-    </p:spTree>
-    <p:extLst>
-      <p:ext uri="{BB962C8B-B14F-4D97-AF65-F5344CB8AC3E}">
-        <p14:creationId xmlns:p14="http://schemas.microsoft.com/office/powerpoint/2010/main" val="495464687"/>
-      </p:ext>
-    </p:extLst>
-  </p:cSld>
-  <p:clrMapOvr>
-    <a:masterClrMapping/>
-  </p:clrMapOvr>
-</p:sld>
-</file>
-
-<file path=ppt/slides/slide56.xml><?xml version="1.0" encoding="utf-8"?>
-<p:sld xmlns:a="http://schemas.openxmlformats.org/drawingml/2006/main" xmlns:r="http://schemas.openxmlformats.org/officeDocument/2006/relationships" xmlns:p="http://schemas.openxmlformats.org/presentationml/2006/main">
-  <p:cSld>
-    <p:spTree>
-      <p:nvGrpSpPr>
-        <p:cNvPr id="1" name=""/>
-        <p:cNvGrpSpPr/>
-        <p:nvPr/>
-      </p:nvGrpSpPr>
-      <p:grpSpPr>
-        <a:xfrm>
-          <a:off x="0" y="0"/>
-          <a:ext cx="0" cy="0"/>
-          <a:chOff x="0" y="0"/>
-          <a:chExt cx="0" cy="0"/>
-        </a:xfrm>
-      </p:grpSpPr>
-      <p:sp>
-        <p:nvSpPr>
-          <p:cNvPr id="2" name="Title 1"/>
-          <p:cNvSpPr>
-            <a:spLocks noGrp="1"/>
-          </p:cNvSpPr>
-          <p:nvPr>
-            <p:ph type="title"/>
-          </p:nvPr>
-        </p:nvSpPr>
-        <p:spPr/>
-        <p:txBody>
-          <a:bodyPr>
-            <a:normAutofit/>
-          </a:bodyPr>
-          <a:lstStyle/>
-          <a:p>
-            <a:r>
-              <a:rPr lang="en-US" dirty="0" smtClean="0"/>
-              <a:t>The state explosion problem</a:t>
-            </a:r>
-            <a:endParaRPr lang="en-US" dirty="0"/>
-          </a:p>
-        </p:txBody>
-      </p:sp>
-      <p:sp>
-        <p:nvSpPr>
-          <p:cNvPr id="3" name="Content Placeholder 2"/>
-          <p:cNvSpPr>
-            <a:spLocks noGrp="1"/>
-          </p:cNvSpPr>
-          <p:nvPr>
-            <p:ph idx="1"/>
-          </p:nvPr>
-        </p:nvSpPr>
-        <p:spPr/>
-        <p:txBody>
-          <a:bodyPr>
-            <a:normAutofit fontScale="92500" lnSpcReduction="20000"/>
-          </a:bodyPr>
-          <a:lstStyle/>
-          <a:p>
-            <a:r>
-              <a:rPr lang="en-US" dirty="0" smtClean="0"/>
-              <a:t>Potentially infinitely many distinct states to explore</a:t>
-            </a:r>
-          </a:p>
-          <a:p>
-            <a:pPr lvl="1"/>
-            <a:r>
-              <a:rPr lang="en-US" dirty="0" smtClean="0"/>
-              <a:t>… which will run forever if we just try to check them</a:t>
-            </a:r>
-          </a:p>
-          <a:p>
-            <a:r>
-              <a:rPr lang="en-US" dirty="0" smtClean="0"/>
-              <a:t>What can we do better?  Attempt to use the semantic clues provided by the system designer in defining reaction rules</a:t>
-            </a:r>
-          </a:p>
-          <a:p>
-            <a:r>
-              <a:rPr lang="en-US" dirty="0" smtClean="0"/>
-              <a:t>Approximate (conservatively) the causation relation between reaction rules, groups of reaction rules, and the properties of interest</a:t>
-            </a:r>
-          </a:p>
-          <a:p>
-            <a:r>
-              <a:rPr lang="en-US" dirty="0" smtClean="0"/>
-              <a:t>Attempt to address the question: </a:t>
-            </a:r>
-            <a:r>
-              <a:rPr lang="en-US" i="1" dirty="0" smtClean="0"/>
-              <a:t>which of these rules could cause us to reach a state that would violate our property?</a:t>
-            </a:r>
-            <a:endParaRPr lang="en-US" i="1" dirty="0"/>
-          </a:p>
-        </p:txBody>
-      </p:sp>
-    </p:spTree>
-    <p:extLst>
-      <p:ext uri="{BB962C8B-B14F-4D97-AF65-F5344CB8AC3E}">
-        <p14:creationId xmlns:p14="http://schemas.microsoft.com/office/powerpoint/2010/main" val="1526398388"/>
-      </p:ext>
-    </p:extLst>
-  </p:cSld>
-  <p:clrMapOvr>
-    <a:masterClrMapping/>
-  </p:clrMapOvr>
+  <p:timing>
+    <p:tnLst>
+      <p:par>
+        <p:cTn xmlns:p14="http://schemas.microsoft.com/office/powerpoint/2010/main" id="1" dur="indefinite" restart="never" nodeType="tmRoot"/>
+      </p:par>
+    </p:tnLst>
+  </p:timing>
 </p:sld>
 </file>
 
@@ -18939,7 +19405,7 @@
           <a:p>
             <a:r>
               <a:rPr lang="en-US" dirty="0" smtClean="0"/>
-              <a:t>Computing Causation</a:t>
+              <a:t>Making it easier</a:t>
             </a:r>
             <a:endParaRPr lang="en-US" dirty="0"/>
           </a:p>
@@ -18958,81 +19424,93 @@
         <p:spPr/>
         <p:txBody>
           <a:bodyPr>
-            <a:normAutofit fontScale="92500"/>
+            <a:normAutofit fontScale="92500" lnSpcReduction="10000"/>
           </a:bodyPr>
           <a:lstStyle/>
           <a:p>
             <a:r>
               <a:rPr lang="en-US" dirty="0" smtClean="0"/>
-              <a:t>Prior art: </a:t>
+              <a:t>The guarantee that our abstraction </a:t>
             </a:r>
             <a:r>
               <a:rPr lang="en-US" dirty="0" err="1" smtClean="0"/>
-              <a:t>Højsgaard</a:t>
-            </a:r>
-            <a:r>
-              <a:rPr lang="en-US" dirty="0" smtClean="0"/>
-              <a:t> &amp; </a:t>
+              <a:t>functor</a:t>
+            </a:r>
+            <a:r>
+              <a:rPr lang="en-US" dirty="0" smtClean="0"/>
+              <a:t> preserves </a:t>
             </a:r>
             <a:r>
               <a:rPr lang="en-US" dirty="0" err="1" smtClean="0"/>
-              <a:t>Krivine</a:t>
-            </a:r>
-            <a:r>
-              <a:rPr lang="en-US" dirty="0" smtClean="0"/>
-              <a:t> (2011) </a:t>
-            </a:r>
-          </a:p>
-          <a:p>
-            <a:pPr lvl="1"/>
-            <a:r>
-              <a:rPr lang="en-US" dirty="0" smtClean="0"/>
-              <a:t>Gives a nice </a:t>
+              <a:t>behaviour</a:t>
+            </a:r>
+            <a:r>
+              <a:rPr lang="en-US" dirty="0" smtClean="0"/>
+              <a:t> (reaction) need not be simple to establish</a:t>
+            </a:r>
+          </a:p>
+          <a:p>
+            <a:r>
+              <a:rPr lang="en-US" dirty="0" smtClean="0"/>
+              <a:t>But if it preserves reaction rules and active contexts, we have an abstraction </a:t>
             </a:r>
             <a:r>
               <a:rPr lang="en-US" dirty="0" err="1" smtClean="0"/>
-              <a:t>characterisation</a:t>
-            </a:r>
-            <a:r>
-              <a:rPr lang="en-US" dirty="0" smtClean="0"/>
-              <a:t> of how rules may interfere with one another</a:t>
-            </a:r>
-          </a:p>
-          <a:p>
-            <a:pPr lvl="1"/>
-            <a:r>
-              <a:rPr lang="en-US" dirty="0" smtClean="0"/>
-              <a:t>But not necessarily easy to compute!</a:t>
-            </a:r>
-          </a:p>
-          <a:p>
-            <a:r>
-              <a:rPr lang="en-US" dirty="0" smtClean="0"/>
-              <a:t>We presented a simple heuristic that approximates reaction rule causation for rules obeying a few simple structural conditions</a:t>
-            </a:r>
-          </a:p>
-          <a:p>
-            <a:r>
-              <a:rPr lang="en-US" dirty="0" smtClean="0"/>
-              <a:t>Simple and fast to compute, based on examining the place graph only</a:t>
+              <a:t>functor</a:t>
+            </a:r>
+            <a:r>
+              <a:rPr lang="en-US" dirty="0" smtClean="0"/>
+              <a:t> that will give rise to a safe vertical refinement</a:t>
+            </a:r>
+          </a:p>
+          <a:p>
+            <a:r>
+              <a:rPr lang="en-US" dirty="0" smtClean="0"/>
+              <a:t>Which guarantees the concrete system is a valid implementation of the abstract system</a:t>
+            </a:r>
+          </a:p>
+          <a:p>
+            <a:r>
+              <a:rPr lang="en-US" dirty="0" smtClean="0"/>
+              <a:t>This has found use in the work of others (e.g., Henson et al., “</a:t>
+            </a:r>
+            <a:r>
+              <a:rPr lang="en-US" dirty="0" err="1" smtClean="0"/>
+              <a:t>FollowMe</a:t>
+            </a:r>
+            <a:r>
+              <a:rPr lang="en-US" dirty="0" smtClean="0"/>
+              <a:t>: a </a:t>
+            </a:r>
+            <a:r>
+              <a:rPr lang="en-US" dirty="0" err="1" smtClean="0"/>
+              <a:t>bigraphical</a:t>
+            </a:r>
+            <a:r>
+              <a:rPr lang="en-US" dirty="0" smtClean="0"/>
+              <a:t> approach”, 2012).</a:t>
             </a:r>
             <a:endParaRPr lang="en-US" dirty="0"/>
-          </a:p>
-          <a:p>
-            <a:endParaRPr lang="en-US" dirty="0" smtClean="0"/>
           </a:p>
         </p:txBody>
       </p:sp>
     </p:spTree>
     <p:extLst>
       <p:ext uri="{BB962C8B-B14F-4D97-AF65-F5344CB8AC3E}">
-        <p14:creationId xmlns:p14="http://schemas.microsoft.com/office/powerpoint/2010/main" val="3528386923"/>
+        <p14:creationId xmlns:p14="http://schemas.microsoft.com/office/powerpoint/2010/main" val="3511204753"/>
       </p:ext>
     </p:extLst>
   </p:cSld>
   <p:clrMapOvr>
     <a:masterClrMapping/>
   </p:clrMapOvr>
+  <p:timing>
+    <p:tnLst>
+      <p:par>
+        <p:cTn xmlns:p14="http://schemas.microsoft.com/office/powerpoint/2010/main" id="1" dur="indefinite" restart="never" nodeType="tmRoot"/>
+      </p:par>
+    </p:tnLst>
+  </p:timing>
 </p:sld>
 </file>
 
@@ -19068,7 +19546,11 @@
           <a:bodyPr/>
           <a:lstStyle/>
           <a:p>
-            <a:endParaRPr lang="en-US"/>
+            <a:r>
+              <a:rPr lang="en-US" dirty="0" smtClean="0"/>
+              <a:t>Live Vertical Refinement</a:t>
+            </a:r>
+            <a:endParaRPr lang="en-US" dirty="0"/>
           </a:p>
         </p:txBody>
       </p:sp>
@@ -19084,23 +19566,76 @@
         </p:nvSpPr>
         <p:spPr/>
         <p:txBody>
-          <a:bodyPr/>
+          <a:bodyPr>
+            <a:normAutofit/>
+          </a:bodyPr>
           <a:lstStyle/>
           <a:p>
-            <a:endParaRPr lang="en-US"/>
+            <a:r>
+              <a:rPr lang="en-US" dirty="0" err="1" smtClean="0"/>
+              <a:t>Liveness</a:t>
+            </a:r>
+            <a:r>
+              <a:rPr lang="en-US" dirty="0" smtClean="0"/>
+              <a:t> is more subtle, and often ignored in refinement literature (or considered a special case of safety)</a:t>
+            </a:r>
+          </a:p>
+          <a:p>
+            <a:r>
+              <a:rPr lang="en-US" dirty="0" smtClean="0"/>
+              <a:t>Essentially the guarantee that “something good will happen eventually” (</a:t>
+            </a:r>
+            <a:r>
+              <a:rPr lang="en-US" dirty="0" err="1" smtClean="0"/>
+              <a:t>Lamport</a:t>
+            </a:r>
+            <a:r>
+              <a:rPr lang="en-US" dirty="0" smtClean="0"/>
+              <a:t>)</a:t>
+            </a:r>
+          </a:p>
+          <a:p>
+            <a:r>
+              <a:rPr lang="en-US" dirty="0" smtClean="0"/>
+              <a:t>Our vertical refinement notion can also ensure that a concrete implementation preserves enough </a:t>
+            </a:r>
+            <a:r>
+              <a:rPr lang="en-US" dirty="0" err="1" smtClean="0"/>
+              <a:t>behaviour</a:t>
+            </a:r>
+            <a:r>
+              <a:rPr lang="en-US" dirty="0"/>
+              <a:t> </a:t>
+            </a:r>
+            <a:r>
+              <a:rPr lang="en-US" dirty="0" smtClean="0"/>
+              <a:t>from the abstract system to guarantee </a:t>
+            </a:r>
+            <a:r>
+              <a:rPr lang="en-US" dirty="0" err="1" smtClean="0"/>
+              <a:t>liveness</a:t>
+            </a:r>
+            <a:endParaRPr lang="en-US" dirty="0"/>
           </a:p>
         </p:txBody>
       </p:sp>
     </p:spTree>
     <p:extLst>
       <p:ext uri="{BB962C8B-B14F-4D97-AF65-F5344CB8AC3E}">
-        <p14:creationId xmlns:p14="http://schemas.microsoft.com/office/powerpoint/2010/main" val="2107944064"/>
+        <p14:creationId xmlns:p14="http://schemas.microsoft.com/office/powerpoint/2010/main" val="738272915"/>
       </p:ext>
     </p:extLst>
   </p:cSld>
   <p:clrMapOvr>
     <a:masterClrMapping/>
   </p:clrMapOvr>
+  <p:timing>
+    <p:tnLst>
+      <p:par>
+        <p:cTn xmlns:p14="http://schemas.microsoft.com/office/powerpoint/2010/main" id="1" dur="indefinite" restart="never" nodeType="tmRoot"/>
+      </p:par>
+    </p:tnLst>
+  </p:timing>
 </p:sld>
 </file>
 
@@ -19136,18 +19671,26 @@
           <a:bodyPr/>
           <a:lstStyle/>
           <a:p>
-            <a:endParaRPr lang="en-US"/>
-          </a:p>
-        </p:txBody>
-      </p:sp>
-      <p:sp>
-        <p:nvSpPr>
-          <p:cNvPr id="3" name="Content Placeholder 2"/>
-          <p:cNvSpPr>
-            <a:spLocks noGrp="1"/>
-          </p:cNvSpPr>
-          <p:nvPr>
-            <p:ph idx="1"/>
+            <a:r>
+              <a:rPr lang="en-US" dirty="0" smtClean="0"/>
+              <a:t>Verification and </a:t>
+            </a:r>
+            <a:r>
+              <a:rPr lang="en-US" dirty="0" smtClean="0"/>
+              <a:t>Tools</a:t>
+            </a:r>
+            <a:endParaRPr lang="en-US" dirty="0"/>
+          </a:p>
+        </p:txBody>
+      </p:sp>
+      <p:sp>
+        <p:nvSpPr>
+          <p:cNvPr id="3" name="Text Placeholder 2"/>
+          <p:cNvSpPr>
+            <a:spLocks noGrp="1"/>
+          </p:cNvSpPr>
+          <p:nvPr>
+            <p:ph type="body" idx="1"/>
           </p:nvPr>
         </p:nvSpPr>
         <p:spPr/>
@@ -19155,20 +19698,31 @@
           <a:bodyPr/>
           <a:lstStyle/>
           <a:p>
-            <a:endParaRPr lang="en-US"/>
+            <a:r>
+              <a:rPr lang="en-US" dirty="0" smtClean="0"/>
+              <a:t>Part 5</a:t>
+            </a:r>
+            <a:endParaRPr lang="en-US" dirty="0"/>
           </a:p>
         </p:txBody>
       </p:sp>
     </p:spTree>
     <p:extLst>
       <p:ext uri="{BB962C8B-B14F-4D97-AF65-F5344CB8AC3E}">
-        <p14:creationId xmlns:p14="http://schemas.microsoft.com/office/powerpoint/2010/main" val="1460485654"/>
+        <p14:creationId xmlns:p14="http://schemas.microsoft.com/office/powerpoint/2010/main" val="2741296036"/>
       </p:ext>
     </p:extLst>
   </p:cSld>
   <p:clrMapOvr>
     <a:masterClrMapping/>
   </p:clrMapOvr>
+  <p:timing>
+    <p:tnLst>
+      <p:par>
+        <p:cTn xmlns:p14="http://schemas.microsoft.com/office/powerpoint/2010/main" id="1" dur="indefinite" restart="never" nodeType="tmRoot"/>
+      </p:par>
+    </p:tnLst>
+  </p:timing>
 </p:sld>
 </file>
 
@@ -19191,7 +19745,7 @@
       </p:grpSpPr>
       <p:sp>
         <p:nvSpPr>
-          <p:cNvPr id="4" name="Title 3"/>
+          <p:cNvPr id="5" name="Title 4"/>
           <p:cNvSpPr>
             <a:spLocks noGrp="1"/>
           </p:cNvSpPr>
@@ -19205,8 +19759,8 @@
           <a:lstStyle/>
           <a:p>
             <a:r>
-              <a:rPr lang="en-US" dirty="0" smtClean="0"/>
-              <a:t>1973 Model Steam Engine</a:t>
+              <a:rPr lang="en-US" dirty="0" err="1" smtClean="0"/>
+              <a:t>Modelling</a:t>
             </a:r>
             <a:endParaRPr lang="en-US" dirty="0"/>
           </a:p>
@@ -19214,12 +19768,115 @@
       </p:sp>
       <p:sp>
         <p:nvSpPr>
-          <p:cNvPr id="6" name="Text Placeholder 5"/>
-          <p:cNvSpPr>
-            <a:spLocks noGrp="1"/>
-          </p:cNvSpPr>
-          <p:nvPr>
-            <p:ph type="body" sz="half" idx="2"/>
+          <p:cNvPr id="6" name="Content Placeholder 5"/>
+          <p:cNvSpPr>
+            <a:spLocks noGrp="1"/>
+          </p:cNvSpPr>
+          <p:nvPr>
+            <p:ph idx="1"/>
+          </p:nvPr>
+        </p:nvSpPr>
+        <p:spPr/>
+        <p:txBody>
+          <a:bodyPr>
+            <a:normAutofit/>
+          </a:bodyPr>
+          <a:lstStyle/>
+          <a:p>
+            <a:r>
+              <a:rPr lang="en-US" dirty="0" smtClean="0"/>
+              <a:t>A system can be too complex to understand or </a:t>
+            </a:r>
+            <a:r>
+              <a:rPr lang="en-US" dirty="0" err="1" smtClean="0"/>
+              <a:t>analyse</a:t>
+            </a:r>
+            <a:r>
+              <a:rPr lang="en-US" dirty="0" smtClean="0"/>
+              <a:t> directly</a:t>
+            </a:r>
+          </a:p>
+          <a:p>
+            <a:r>
+              <a:rPr lang="en-US" dirty="0" smtClean="0"/>
+              <a:t>A model can be a simplification or an abstraction</a:t>
+            </a:r>
+          </a:p>
+          <a:p>
+            <a:r>
+              <a:rPr lang="en-US" dirty="0" smtClean="0"/>
+              <a:t>… or simply a blueprint that can be </a:t>
+            </a:r>
+            <a:r>
+              <a:rPr lang="en-US" dirty="0" err="1" smtClean="0"/>
+              <a:t>analysed</a:t>
+            </a:r>
+            <a:r>
+              <a:rPr lang="en-US" dirty="0" smtClean="0"/>
+              <a:t> prior to constructing something </a:t>
+            </a:r>
+            <a:r>
+              <a:rPr lang="en-US" dirty="0" smtClean="0"/>
+              <a:t>larger</a:t>
+            </a:r>
+          </a:p>
+          <a:p>
+            <a:r>
+              <a:rPr lang="en-US" dirty="0" smtClean="0"/>
+              <a:t>Compare: mental models, sketches, blueprints, mathematical models</a:t>
+            </a:r>
+            <a:endParaRPr lang="en-US" dirty="0"/>
+          </a:p>
+          <a:p>
+            <a:endParaRPr lang="en-US" dirty="0"/>
+          </a:p>
+        </p:txBody>
+      </p:sp>
+    </p:spTree>
+    <p:extLst>
+      <p:ext uri="{BB962C8B-B14F-4D97-AF65-F5344CB8AC3E}">
+        <p14:creationId xmlns:p14="http://schemas.microsoft.com/office/powerpoint/2010/main" val="1014213082"/>
+      </p:ext>
+    </p:extLst>
+  </p:cSld>
+  <p:clrMapOvr>
+    <a:masterClrMapping/>
+  </p:clrMapOvr>
+  <p:timing>
+    <p:tnLst>
+      <p:par>
+        <p:cTn xmlns:p14="http://schemas.microsoft.com/office/powerpoint/2010/main" id="1" dur="indefinite" restart="never" nodeType="tmRoot"/>
+      </p:par>
+    </p:tnLst>
+  </p:timing>
+</p:sld>
+</file>
+
+<file path=ppt/slides/slide60.xml><?xml version="1.0" encoding="utf-8"?>
+<p:sld xmlns:a="http://schemas.openxmlformats.org/drawingml/2006/main" xmlns:r="http://schemas.openxmlformats.org/officeDocument/2006/relationships" xmlns:p="http://schemas.openxmlformats.org/presentationml/2006/main">
+  <p:cSld>
+    <p:spTree>
+      <p:nvGrpSpPr>
+        <p:cNvPr id="1" name=""/>
+        <p:cNvGrpSpPr/>
+        <p:nvPr/>
+      </p:nvGrpSpPr>
+      <p:grpSpPr>
+        <a:xfrm>
+          <a:off x="0" y="0"/>
+          <a:ext cx="0" cy="0"/>
+          <a:chOff x="0" y="0"/>
+          <a:chExt cx="0" cy="0"/>
+        </a:xfrm>
+      </p:grpSpPr>
+      <p:sp>
+        <p:nvSpPr>
+          <p:cNvPr id="4" name="Title 3"/>
+          <p:cNvSpPr>
+            <a:spLocks noGrp="1"/>
+          </p:cNvSpPr>
+          <p:nvPr>
+            <p:ph type="title"/>
           </p:nvPr>
         </p:nvSpPr>
         <p:spPr/>
@@ -19228,14 +19885,967 @@
           <a:lstStyle/>
           <a:p>
             <a:r>
-              <a:rPr lang="en-US" dirty="0" smtClean="0"/>
+              <a:rPr lang="en-US" dirty="0" err="1" smtClean="0"/>
+              <a:t>BigMC</a:t>
+            </a:r>
+            <a:endParaRPr lang="en-US" dirty="0"/>
+          </a:p>
+        </p:txBody>
+      </p:sp>
+      <p:sp>
+        <p:nvSpPr>
+          <p:cNvPr id="5" name="Content Placeholder 4"/>
+          <p:cNvSpPr>
+            <a:spLocks noGrp="1"/>
+          </p:cNvSpPr>
+          <p:nvPr>
+            <p:ph idx="1"/>
+          </p:nvPr>
+        </p:nvSpPr>
+        <p:spPr/>
+        <p:txBody>
+          <a:bodyPr>
+            <a:normAutofit/>
+          </a:bodyPr>
+          <a:lstStyle/>
+          <a:p>
+            <a:r>
+              <a:rPr lang="en-US" dirty="0" smtClean="0"/>
+              <a:t>Provide a tool that allows one to check properties of </a:t>
+            </a:r>
+            <a:r>
+              <a:rPr lang="en-US" dirty="0" err="1" smtClean="0"/>
+              <a:t>bigraphical</a:t>
+            </a:r>
+            <a:r>
+              <a:rPr lang="en-US" dirty="0" smtClean="0"/>
+              <a:t> models</a:t>
+            </a:r>
+          </a:p>
+          <a:p>
+            <a:r>
+              <a:rPr lang="en-US" dirty="0" smtClean="0"/>
+              <a:t>By defining a single </a:t>
+            </a:r>
+            <a:r>
+              <a:rPr lang="en-US" dirty="0" err="1" smtClean="0"/>
+              <a:t>bigraphical</a:t>
+            </a:r>
+            <a:r>
+              <a:rPr lang="en-US" dirty="0" smtClean="0"/>
+              <a:t> language, we gain a tool for any model expressed in that language</a:t>
+            </a:r>
+          </a:p>
+          <a:p>
+            <a:r>
+              <a:rPr lang="en-US" dirty="0" err="1" smtClean="0"/>
+              <a:t>BigMC</a:t>
+            </a:r>
+            <a:r>
+              <a:rPr lang="en-US" dirty="0" smtClean="0"/>
+              <a:t> was a prototype tool designed to achieve this</a:t>
+            </a:r>
+          </a:p>
+          <a:p>
+            <a:r>
+              <a:rPr lang="en-US" dirty="0" smtClean="0"/>
+              <a:t>Also has been used to simulate and experiment with </a:t>
+            </a:r>
+            <a:r>
+              <a:rPr lang="en-US" dirty="0" err="1" smtClean="0"/>
+              <a:t>bigraphs</a:t>
+            </a:r>
+            <a:endParaRPr lang="en-US" dirty="0" smtClean="0"/>
+          </a:p>
+        </p:txBody>
+      </p:sp>
+    </p:spTree>
+    <p:extLst>
+      <p:ext uri="{BB962C8B-B14F-4D97-AF65-F5344CB8AC3E}">
+        <p14:creationId xmlns:p14="http://schemas.microsoft.com/office/powerpoint/2010/main" val="2207214243"/>
+      </p:ext>
+    </p:extLst>
+  </p:cSld>
+  <p:clrMapOvr>
+    <a:masterClrMapping/>
+  </p:clrMapOvr>
+  <p:timing>
+    <p:tnLst>
+      <p:par>
+        <p:cTn xmlns:p14="http://schemas.microsoft.com/office/powerpoint/2010/main" id="1" dur="indefinite" restart="never" nodeType="tmRoot"/>
+      </p:par>
+    </p:tnLst>
+  </p:timing>
+</p:sld>
+</file>
+
+<file path=ppt/slides/slide61.xml><?xml version="1.0" encoding="utf-8"?>
+<p:sld xmlns:a="http://schemas.openxmlformats.org/drawingml/2006/main" xmlns:r="http://schemas.openxmlformats.org/officeDocument/2006/relationships" xmlns:p="http://schemas.openxmlformats.org/presentationml/2006/main">
+  <p:cSld>
+    <p:spTree>
+      <p:nvGrpSpPr>
+        <p:cNvPr id="1" name=""/>
+        <p:cNvGrpSpPr/>
+        <p:nvPr/>
+      </p:nvGrpSpPr>
+      <p:grpSpPr>
+        <a:xfrm>
+          <a:off x="0" y="0"/>
+          <a:ext cx="0" cy="0"/>
+          <a:chOff x="0" y="0"/>
+          <a:chExt cx="0" cy="0"/>
+        </a:xfrm>
+      </p:grpSpPr>
+      <p:sp>
+        <p:nvSpPr>
+          <p:cNvPr id="2" name="Title 1"/>
+          <p:cNvSpPr>
+            <a:spLocks noGrp="1"/>
+          </p:cNvSpPr>
+          <p:nvPr>
+            <p:ph type="title"/>
+          </p:nvPr>
+        </p:nvSpPr>
+        <p:spPr/>
+        <p:txBody>
+          <a:bodyPr>
+            <a:normAutofit/>
+          </a:bodyPr>
+          <a:lstStyle/>
+          <a:p>
+            <a:r>
+              <a:rPr lang="en-US" dirty="0" smtClean="0"/>
+              <a:t>Example: Dining philosophers</a:t>
+            </a:r>
+            <a:endParaRPr lang="en-US" dirty="0"/>
+          </a:p>
+        </p:txBody>
+      </p:sp>
+      <p:sp>
+        <p:nvSpPr>
+          <p:cNvPr id="3" name="Content Placeholder 2"/>
+          <p:cNvSpPr>
+            <a:spLocks noGrp="1"/>
+          </p:cNvSpPr>
+          <p:nvPr>
+            <p:ph idx="1"/>
+          </p:nvPr>
+        </p:nvSpPr>
+        <p:spPr/>
+        <p:txBody>
+          <a:bodyPr/>
+          <a:lstStyle/>
+          <a:p>
+            <a:r>
+              <a:rPr lang="en-US" dirty="0" smtClean="0"/>
+              <a:t>Give example from paper</a:t>
+            </a:r>
+            <a:endParaRPr lang="en-US" dirty="0"/>
+          </a:p>
+        </p:txBody>
+      </p:sp>
+    </p:spTree>
+    <p:extLst>
+      <p:ext uri="{BB962C8B-B14F-4D97-AF65-F5344CB8AC3E}">
+        <p14:creationId xmlns:p14="http://schemas.microsoft.com/office/powerpoint/2010/main" val="495464687"/>
+      </p:ext>
+    </p:extLst>
+  </p:cSld>
+  <p:clrMapOvr>
+    <a:masterClrMapping/>
+  </p:clrMapOvr>
+  <p:timing>
+    <p:tnLst>
+      <p:par>
+        <p:cTn xmlns:p14="http://schemas.microsoft.com/office/powerpoint/2010/main" id="1" dur="indefinite" restart="never" nodeType="tmRoot"/>
+      </p:par>
+    </p:tnLst>
+  </p:timing>
+</p:sld>
+</file>
+
+<file path=ppt/slides/slide62.xml><?xml version="1.0" encoding="utf-8"?>
+<p:sld xmlns:a="http://schemas.openxmlformats.org/drawingml/2006/main" xmlns:r="http://schemas.openxmlformats.org/officeDocument/2006/relationships" xmlns:p="http://schemas.openxmlformats.org/presentationml/2006/main">
+  <p:cSld>
+    <p:spTree>
+      <p:nvGrpSpPr>
+        <p:cNvPr id="1" name=""/>
+        <p:cNvGrpSpPr/>
+        <p:nvPr/>
+      </p:nvGrpSpPr>
+      <p:grpSpPr>
+        <a:xfrm>
+          <a:off x="0" y="0"/>
+          <a:ext cx="0" cy="0"/>
+          <a:chOff x="0" y="0"/>
+          <a:chExt cx="0" cy="0"/>
+        </a:xfrm>
+      </p:grpSpPr>
+      <p:sp>
+        <p:nvSpPr>
+          <p:cNvPr id="2" name="Title 1"/>
+          <p:cNvSpPr>
+            <a:spLocks noGrp="1"/>
+          </p:cNvSpPr>
+          <p:nvPr>
+            <p:ph type="title"/>
+          </p:nvPr>
+        </p:nvSpPr>
+        <p:spPr/>
+        <p:txBody>
+          <a:bodyPr>
+            <a:normAutofit/>
+          </a:bodyPr>
+          <a:lstStyle/>
+          <a:p>
+            <a:r>
+              <a:rPr lang="en-US" dirty="0" smtClean="0"/>
+              <a:t>The state explosion problem</a:t>
+            </a:r>
+            <a:endParaRPr lang="en-US" dirty="0"/>
+          </a:p>
+        </p:txBody>
+      </p:sp>
+      <p:sp>
+        <p:nvSpPr>
+          <p:cNvPr id="3" name="Content Placeholder 2"/>
+          <p:cNvSpPr>
+            <a:spLocks noGrp="1"/>
+          </p:cNvSpPr>
+          <p:nvPr>
+            <p:ph idx="1"/>
+          </p:nvPr>
+        </p:nvSpPr>
+        <p:spPr/>
+        <p:txBody>
+          <a:bodyPr>
+            <a:normAutofit fontScale="92500" lnSpcReduction="20000"/>
+          </a:bodyPr>
+          <a:lstStyle/>
+          <a:p>
+            <a:r>
+              <a:rPr lang="en-US" dirty="0" smtClean="0"/>
+              <a:t>Potentially infinitely many distinct states to explore</a:t>
+            </a:r>
+          </a:p>
+          <a:p>
+            <a:pPr lvl="1"/>
+            <a:r>
+              <a:rPr lang="en-US" dirty="0" smtClean="0"/>
+              <a:t>… which will run forever if we just try to check them</a:t>
+            </a:r>
+          </a:p>
+          <a:p>
+            <a:r>
+              <a:rPr lang="en-US" dirty="0" smtClean="0"/>
+              <a:t>What can we do better?  Attempt to use the semantic clues provided by the system designer in defining reaction rules</a:t>
+            </a:r>
+          </a:p>
+          <a:p>
+            <a:r>
+              <a:rPr lang="en-US" dirty="0" smtClean="0"/>
+              <a:t>Approximate (conservatively) the causation relation between reaction rules, groups of reaction rules, and the properties of interest</a:t>
+            </a:r>
+          </a:p>
+          <a:p>
+            <a:r>
+              <a:rPr lang="en-US" dirty="0" smtClean="0"/>
+              <a:t>Attempt to address the question: </a:t>
+            </a:r>
+            <a:r>
+              <a:rPr lang="en-US" i="1" dirty="0" smtClean="0"/>
+              <a:t>which of these rules could cause us to reach a state that would violate our property?</a:t>
+            </a:r>
+            <a:endParaRPr lang="en-US" i="1" dirty="0"/>
+          </a:p>
+        </p:txBody>
+      </p:sp>
+    </p:spTree>
+    <p:extLst>
+      <p:ext uri="{BB962C8B-B14F-4D97-AF65-F5344CB8AC3E}">
+        <p14:creationId xmlns:p14="http://schemas.microsoft.com/office/powerpoint/2010/main" val="1526398388"/>
+      </p:ext>
+    </p:extLst>
+  </p:cSld>
+  <p:clrMapOvr>
+    <a:masterClrMapping/>
+  </p:clrMapOvr>
+  <p:timing>
+    <p:tnLst>
+      <p:par>
+        <p:cTn xmlns:p14="http://schemas.microsoft.com/office/powerpoint/2010/main" id="1" dur="indefinite" restart="never" nodeType="tmRoot"/>
+      </p:par>
+    </p:tnLst>
+  </p:timing>
+</p:sld>
+</file>
+
+<file path=ppt/slides/slide63.xml><?xml version="1.0" encoding="utf-8"?>
+<p:sld xmlns:a="http://schemas.openxmlformats.org/drawingml/2006/main" xmlns:r="http://schemas.openxmlformats.org/officeDocument/2006/relationships" xmlns:p="http://schemas.openxmlformats.org/presentationml/2006/main">
+  <p:cSld>
+    <p:spTree>
+      <p:nvGrpSpPr>
+        <p:cNvPr id="1" name=""/>
+        <p:cNvGrpSpPr/>
+        <p:nvPr/>
+      </p:nvGrpSpPr>
+      <p:grpSpPr>
+        <a:xfrm>
+          <a:off x="0" y="0"/>
+          <a:ext cx="0" cy="0"/>
+          <a:chOff x="0" y="0"/>
+          <a:chExt cx="0" cy="0"/>
+        </a:xfrm>
+      </p:grpSpPr>
+      <p:sp>
+        <p:nvSpPr>
+          <p:cNvPr id="2" name="Title 1"/>
+          <p:cNvSpPr>
+            <a:spLocks noGrp="1"/>
+          </p:cNvSpPr>
+          <p:nvPr>
+            <p:ph type="title"/>
+          </p:nvPr>
+        </p:nvSpPr>
+        <p:spPr/>
+        <p:txBody>
+          <a:bodyPr/>
+          <a:lstStyle/>
+          <a:p>
+            <a:r>
+              <a:rPr lang="en-US" dirty="0" smtClean="0"/>
+              <a:t>Computing Causation</a:t>
+            </a:r>
+            <a:endParaRPr lang="en-US" dirty="0"/>
+          </a:p>
+        </p:txBody>
+      </p:sp>
+      <p:sp>
+        <p:nvSpPr>
+          <p:cNvPr id="3" name="Content Placeholder 2"/>
+          <p:cNvSpPr>
+            <a:spLocks noGrp="1"/>
+          </p:cNvSpPr>
+          <p:nvPr>
+            <p:ph idx="1"/>
+          </p:nvPr>
+        </p:nvSpPr>
+        <p:spPr/>
+        <p:txBody>
+          <a:bodyPr>
+            <a:normAutofit fontScale="92500"/>
+          </a:bodyPr>
+          <a:lstStyle/>
+          <a:p>
+            <a:r>
+              <a:rPr lang="en-US" dirty="0" smtClean="0"/>
+              <a:t>Prior art: </a:t>
+            </a:r>
+            <a:r>
+              <a:rPr lang="en-US" dirty="0" err="1" smtClean="0"/>
+              <a:t>Højsgaard</a:t>
+            </a:r>
+            <a:r>
+              <a:rPr lang="en-US" dirty="0" smtClean="0"/>
+              <a:t> &amp; </a:t>
+            </a:r>
+            <a:r>
+              <a:rPr lang="en-US" dirty="0" err="1" smtClean="0"/>
+              <a:t>Krivine</a:t>
+            </a:r>
+            <a:r>
+              <a:rPr lang="en-US" dirty="0" smtClean="0"/>
+              <a:t> (2011) </a:t>
+            </a:r>
+          </a:p>
+          <a:p>
+            <a:pPr lvl="1"/>
+            <a:r>
+              <a:rPr lang="en-US" dirty="0" smtClean="0"/>
+              <a:t>Gives a nice </a:t>
+            </a:r>
+            <a:r>
+              <a:rPr lang="en-US" dirty="0" err="1" smtClean="0"/>
+              <a:t>characterisation</a:t>
+            </a:r>
+            <a:r>
+              <a:rPr lang="en-US" dirty="0" smtClean="0"/>
+              <a:t> of how rules may interfere with one another</a:t>
+            </a:r>
+          </a:p>
+          <a:p>
+            <a:pPr lvl="1"/>
+            <a:r>
+              <a:rPr lang="en-US" dirty="0" smtClean="0"/>
+              <a:t>But not necessarily easy to compute!</a:t>
+            </a:r>
+          </a:p>
+          <a:p>
+            <a:r>
+              <a:rPr lang="en-US" dirty="0" smtClean="0"/>
+              <a:t>We presented a simple heuristic that approximates reaction rule causation for rules obeying a few simple structural conditions</a:t>
+            </a:r>
+          </a:p>
+          <a:p>
+            <a:r>
+              <a:rPr lang="en-US" dirty="0" smtClean="0"/>
+              <a:t>Simple and fast to compute, based on examining the place graph only</a:t>
+            </a:r>
+            <a:endParaRPr lang="en-US" dirty="0"/>
+          </a:p>
+          <a:p>
+            <a:endParaRPr lang="en-US" dirty="0" smtClean="0"/>
+          </a:p>
+        </p:txBody>
+      </p:sp>
+    </p:spTree>
+    <p:extLst>
+      <p:ext uri="{BB962C8B-B14F-4D97-AF65-F5344CB8AC3E}">
+        <p14:creationId xmlns:p14="http://schemas.microsoft.com/office/powerpoint/2010/main" val="3528386923"/>
+      </p:ext>
+    </p:extLst>
+  </p:cSld>
+  <p:clrMapOvr>
+    <a:masterClrMapping/>
+  </p:clrMapOvr>
+  <p:timing>
+    <p:tnLst>
+      <p:par>
+        <p:cTn xmlns:p14="http://schemas.microsoft.com/office/powerpoint/2010/main" id="1" dur="indefinite" restart="never" nodeType="tmRoot"/>
+      </p:par>
+    </p:tnLst>
+  </p:timing>
+</p:sld>
+</file>
+
+<file path=ppt/slides/slide64.xml><?xml version="1.0" encoding="utf-8"?>
+<p:sld xmlns:a="http://schemas.openxmlformats.org/drawingml/2006/main" xmlns:r="http://schemas.openxmlformats.org/officeDocument/2006/relationships" xmlns:p="http://schemas.openxmlformats.org/presentationml/2006/main">
+  <p:cSld>
+    <p:spTree>
+      <p:nvGrpSpPr>
+        <p:cNvPr id="1" name=""/>
+        <p:cNvGrpSpPr/>
+        <p:nvPr/>
+      </p:nvGrpSpPr>
+      <p:grpSpPr>
+        <a:xfrm>
+          <a:off x="0" y="0"/>
+          <a:ext cx="0" cy="0"/>
+          <a:chOff x="0" y="0"/>
+          <a:chExt cx="0" cy="0"/>
+        </a:xfrm>
+      </p:grpSpPr>
+      <p:sp>
+        <p:nvSpPr>
+          <p:cNvPr id="2" name="Title 1"/>
+          <p:cNvSpPr>
+            <a:spLocks noGrp="1"/>
+          </p:cNvSpPr>
+          <p:nvPr>
+            <p:ph type="title"/>
+          </p:nvPr>
+        </p:nvSpPr>
+        <p:spPr/>
+        <p:txBody>
+          <a:bodyPr/>
+          <a:lstStyle/>
+          <a:p>
+            <a:endParaRPr lang="en-US"/>
+          </a:p>
+        </p:txBody>
+      </p:sp>
+      <p:sp>
+        <p:nvSpPr>
+          <p:cNvPr id="3" name="Content Placeholder 2"/>
+          <p:cNvSpPr>
+            <a:spLocks noGrp="1"/>
+          </p:cNvSpPr>
+          <p:nvPr>
+            <p:ph idx="1"/>
+          </p:nvPr>
+        </p:nvSpPr>
+        <p:spPr/>
+        <p:txBody>
+          <a:bodyPr/>
+          <a:lstStyle/>
+          <a:p>
+            <a:endParaRPr lang="en-US"/>
+          </a:p>
+        </p:txBody>
+      </p:sp>
+    </p:spTree>
+    <p:extLst>
+      <p:ext uri="{BB962C8B-B14F-4D97-AF65-F5344CB8AC3E}">
+        <p14:creationId xmlns:p14="http://schemas.microsoft.com/office/powerpoint/2010/main" val="2107944064"/>
+      </p:ext>
+    </p:extLst>
+  </p:cSld>
+  <p:clrMapOvr>
+    <a:masterClrMapping/>
+  </p:clrMapOvr>
+  <p:timing>
+    <p:tnLst>
+      <p:par>
+        <p:cTn xmlns:p14="http://schemas.microsoft.com/office/powerpoint/2010/main" id="1" dur="indefinite" restart="never" nodeType="tmRoot"/>
+      </p:par>
+    </p:tnLst>
+  </p:timing>
+</p:sld>
+</file>
+
+<file path=ppt/slides/slide65.xml><?xml version="1.0" encoding="utf-8"?>
+<p:sld xmlns:a="http://schemas.openxmlformats.org/drawingml/2006/main" xmlns:r="http://schemas.openxmlformats.org/officeDocument/2006/relationships" xmlns:p="http://schemas.openxmlformats.org/presentationml/2006/main">
+  <p:cSld>
+    <p:spTree>
+      <p:nvGrpSpPr>
+        <p:cNvPr id="1" name=""/>
+        <p:cNvGrpSpPr/>
+        <p:nvPr/>
+      </p:nvGrpSpPr>
+      <p:grpSpPr>
+        <a:xfrm>
+          <a:off x="0" y="0"/>
+          <a:ext cx="0" cy="0"/>
+          <a:chOff x="0" y="0"/>
+          <a:chExt cx="0" cy="0"/>
+        </a:xfrm>
+      </p:grpSpPr>
+      <p:sp>
+        <p:nvSpPr>
+          <p:cNvPr id="2" name="Title 1"/>
+          <p:cNvSpPr>
+            <a:spLocks noGrp="1"/>
+          </p:cNvSpPr>
+          <p:nvPr>
+            <p:ph type="title"/>
+          </p:nvPr>
+        </p:nvSpPr>
+        <p:spPr/>
+        <p:txBody>
+          <a:bodyPr/>
+          <a:lstStyle/>
+          <a:p>
+            <a:endParaRPr lang="en-US"/>
+          </a:p>
+        </p:txBody>
+      </p:sp>
+      <p:sp>
+        <p:nvSpPr>
+          <p:cNvPr id="3" name="Content Placeholder 2"/>
+          <p:cNvSpPr>
+            <a:spLocks noGrp="1"/>
+          </p:cNvSpPr>
+          <p:nvPr>
+            <p:ph idx="1"/>
+          </p:nvPr>
+        </p:nvSpPr>
+        <p:spPr/>
+        <p:txBody>
+          <a:bodyPr/>
+          <a:lstStyle/>
+          <a:p>
+            <a:endParaRPr lang="en-US"/>
+          </a:p>
+        </p:txBody>
+      </p:sp>
+    </p:spTree>
+    <p:extLst>
+      <p:ext uri="{BB962C8B-B14F-4D97-AF65-F5344CB8AC3E}">
+        <p14:creationId xmlns:p14="http://schemas.microsoft.com/office/powerpoint/2010/main" val="1460485654"/>
+      </p:ext>
+    </p:extLst>
+  </p:cSld>
+  <p:clrMapOvr>
+    <a:masterClrMapping/>
+  </p:clrMapOvr>
+  <p:timing>
+    <p:tnLst>
+      <p:par>
+        <p:cTn xmlns:p14="http://schemas.microsoft.com/office/powerpoint/2010/main" id="1" dur="indefinite" restart="never" nodeType="tmRoot"/>
+      </p:par>
+    </p:tnLst>
+  </p:timing>
+</p:sld>
+</file>
+
+<file path=ppt/slides/slide66.xml><?xml version="1.0" encoding="utf-8"?>
+<p:sld xmlns:a="http://schemas.openxmlformats.org/drawingml/2006/main" xmlns:r="http://schemas.openxmlformats.org/officeDocument/2006/relationships" xmlns:p="http://schemas.openxmlformats.org/presentationml/2006/main">
+  <p:cSld>
+    <p:spTree>
+      <p:nvGrpSpPr>
+        <p:cNvPr id="1" name=""/>
+        <p:cNvGrpSpPr/>
+        <p:nvPr/>
+      </p:nvGrpSpPr>
+      <p:grpSpPr>
+        <a:xfrm>
+          <a:off x="0" y="0"/>
+          <a:ext cx="0" cy="0"/>
+          <a:chOff x="0" y="0"/>
+          <a:chExt cx="0" cy="0"/>
+        </a:xfrm>
+      </p:grpSpPr>
+      <p:sp>
+        <p:nvSpPr>
+          <p:cNvPr id="2" name="Title 1"/>
+          <p:cNvSpPr>
+            <a:spLocks noGrp="1"/>
+          </p:cNvSpPr>
+          <p:nvPr>
+            <p:ph type="title"/>
+          </p:nvPr>
+        </p:nvSpPr>
+        <p:spPr/>
+        <p:txBody>
+          <a:bodyPr/>
+          <a:lstStyle/>
+          <a:p>
+            <a:endParaRPr lang="en-US"/>
+          </a:p>
+        </p:txBody>
+      </p:sp>
+      <p:sp>
+        <p:nvSpPr>
+          <p:cNvPr id="3" name="Content Placeholder 2"/>
+          <p:cNvSpPr>
+            <a:spLocks noGrp="1"/>
+          </p:cNvSpPr>
+          <p:nvPr>
+            <p:ph idx="1"/>
+          </p:nvPr>
+        </p:nvSpPr>
+        <p:spPr/>
+        <p:txBody>
+          <a:bodyPr/>
+          <a:lstStyle/>
+          <a:p>
+            <a:endParaRPr lang="en-US"/>
+          </a:p>
+        </p:txBody>
+      </p:sp>
+    </p:spTree>
+    <p:extLst>
+      <p:ext uri="{BB962C8B-B14F-4D97-AF65-F5344CB8AC3E}">
+        <p14:creationId xmlns:p14="http://schemas.microsoft.com/office/powerpoint/2010/main" val="2909597286"/>
+      </p:ext>
+    </p:extLst>
+  </p:cSld>
+  <p:clrMapOvr>
+    <a:masterClrMapping/>
+  </p:clrMapOvr>
+  <p:timing>
+    <p:tnLst>
+      <p:par>
+        <p:cTn xmlns:p14="http://schemas.microsoft.com/office/powerpoint/2010/main" id="1" dur="indefinite" restart="never" nodeType="tmRoot"/>
+      </p:par>
+    </p:tnLst>
+  </p:timing>
+</p:sld>
+</file>
+
+<file path=ppt/slides/slide67.xml><?xml version="1.0" encoding="utf-8"?>
+<p:sld xmlns:a="http://schemas.openxmlformats.org/drawingml/2006/main" xmlns:r="http://schemas.openxmlformats.org/officeDocument/2006/relationships" xmlns:p="http://schemas.openxmlformats.org/presentationml/2006/main">
+  <p:cSld>
+    <p:spTree>
+      <p:nvGrpSpPr>
+        <p:cNvPr id="1" name=""/>
+        <p:cNvGrpSpPr/>
+        <p:nvPr/>
+      </p:nvGrpSpPr>
+      <p:grpSpPr>
+        <a:xfrm>
+          <a:off x="0" y="0"/>
+          <a:ext cx="0" cy="0"/>
+          <a:chOff x="0" y="0"/>
+          <a:chExt cx="0" cy="0"/>
+        </a:xfrm>
+      </p:grpSpPr>
+      <p:sp>
+        <p:nvSpPr>
+          <p:cNvPr id="2" name="Title 1"/>
+          <p:cNvSpPr>
+            <a:spLocks noGrp="1"/>
+          </p:cNvSpPr>
+          <p:nvPr>
+            <p:ph type="title"/>
+          </p:nvPr>
+        </p:nvSpPr>
+        <p:spPr/>
+        <p:txBody>
+          <a:bodyPr/>
+          <a:lstStyle/>
+          <a:p>
+            <a:r>
+              <a:rPr lang="en-US" dirty="0"/>
+              <a:t>M</a:t>
+            </a:r>
+            <a:r>
+              <a:rPr lang="en-US" dirty="0" smtClean="0"/>
+              <a:t>odularity</a:t>
+            </a:r>
+            <a:endParaRPr lang="en-US" dirty="0"/>
+          </a:p>
+        </p:txBody>
+      </p:sp>
+      <p:sp>
+        <p:nvSpPr>
+          <p:cNvPr id="3" name="Text Placeholder 2"/>
+          <p:cNvSpPr>
+            <a:spLocks noGrp="1"/>
+          </p:cNvSpPr>
+          <p:nvPr>
+            <p:ph type="body" idx="1"/>
+          </p:nvPr>
+        </p:nvSpPr>
+        <p:spPr/>
+        <p:txBody>
+          <a:bodyPr/>
+          <a:lstStyle/>
+          <a:p>
+            <a:r>
+              <a:rPr lang="en-US" dirty="0" smtClean="0"/>
+              <a:t>Part 6</a:t>
+            </a:r>
+            <a:endParaRPr lang="en-US" dirty="0"/>
+          </a:p>
+        </p:txBody>
+      </p:sp>
+    </p:spTree>
+    <p:extLst>
+      <p:ext uri="{BB962C8B-B14F-4D97-AF65-F5344CB8AC3E}">
+        <p14:creationId xmlns:p14="http://schemas.microsoft.com/office/powerpoint/2010/main" val="1810853861"/>
+      </p:ext>
+    </p:extLst>
+  </p:cSld>
+  <p:clrMapOvr>
+    <a:masterClrMapping/>
+  </p:clrMapOvr>
+  <p:timing>
+    <p:tnLst>
+      <p:par>
+        <p:cTn xmlns:p14="http://schemas.microsoft.com/office/powerpoint/2010/main" id="1" dur="indefinite" restart="never" nodeType="tmRoot"/>
+      </p:par>
+    </p:tnLst>
+  </p:timing>
+</p:sld>
+</file>
+
+<file path=ppt/slides/slide68.xml><?xml version="1.0" encoding="utf-8"?>
+<p:sld xmlns:a="http://schemas.openxmlformats.org/drawingml/2006/main" xmlns:r="http://schemas.openxmlformats.org/officeDocument/2006/relationships" xmlns:p="http://schemas.openxmlformats.org/presentationml/2006/main">
+  <p:cSld>
+    <p:spTree>
+      <p:nvGrpSpPr>
+        <p:cNvPr id="1" name=""/>
+        <p:cNvGrpSpPr/>
+        <p:nvPr/>
+      </p:nvGrpSpPr>
+      <p:grpSpPr>
+        <a:xfrm>
+          <a:off x="0" y="0"/>
+          <a:ext cx="0" cy="0"/>
+          <a:chOff x="0" y="0"/>
+          <a:chExt cx="0" cy="0"/>
+        </a:xfrm>
+      </p:grpSpPr>
+      <p:sp>
+        <p:nvSpPr>
+          <p:cNvPr id="4" name="Title 3"/>
+          <p:cNvSpPr>
+            <a:spLocks noGrp="1"/>
+          </p:cNvSpPr>
+          <p:nvPr>
+            <p:ph type="title"/>
+          </p:nvPr>
+        </p:nvSpPr>
+        <p:spPr/>
+        <p:txBody>
+          <a:bodyPr/>
+          <a:lstStyle/>
+          <a:p>
+            <a:endParaRPr lang="en-US"/>
+          </a:p>
+        </p:txBody>
+      </p:sp>
+      <p:sp>
+        <p:nvSpPr>
+          <p:cNvPr id="5" name="Content Placeholder 4"/>
+          <p:cNvSpPr>
+            <a:spLocks noGrp="1"/>
+          </p:cNvSpPr>
+          <p:nvPr>
+            <p:ph idx="1"/>
+          </p:nvPr>
+        </p:nvSpPr>
+        <p:spPr/>
+        <p:txBody>
+          <a:bodyPr/>
+          <a:lstStyle/>
+          <a:p>
+            <a:endParaRPr lang="en-US"/>
+          </a:p>
+        </p:txBody>
+      </p:sp>
+    </p:spTree>
+    <p:extLst>
+      <p:ext uri="{BB962C8B-B14F-4D97-AF65-F5344CB8AC3E}">
+        <p14:creationId xmlns:p14="http://schemas.microsoft.com/office/powerpoint/2010/main" val="2623949808"/>
+      </p:ext>
+    </p:extLst>
+  </p:cSld>
+  <p:clrMapOvr>
+    <a:masterClrMapping/>
+  </p:clrMapOvr>
+  <p:timing>
+    <p:tnLst>
+      <p:par>
+        <p:cTn xmlns:p14="http://schemas.microsoft.com/office/powerpoint/2010/main" id="1" dur="indefinite" restart="never" nodeType="tmRoot"/>
+      </p:par>
+    </p:tnLst>
+  </p:timing>
+</p:sld>
+</file>
+
+<file path=ppt/slides/slide69.xml><?xml version="1.0" encoding="utf-8"?>
+<p:sld xmlns:a="http://schemas.openxmlformats.org/drawingml/2006/main" xmlns:r="http://schemas.openxmlformats.org/officeDocument/2006/relationships" xmlns:p="http://schemas.openxmlformats.org/presentationml/2006/main">
+  <p:cSld>
+    <p:spTree>
+      <p:nvGrpSpPr>
+        <p:cNvPr id="1" name=""/>
+        <p:cNvGrpSpPr/>
+        <p:nvPr/>
+      </p:nvGrpSpPr>
+      <p:grpSpPr>
+        <a:xfrm>
+          <a:off x="0" y="0"/>
+          <a:ext cx="0" cy="0"/>
+          <a:chOff x="0" y="0"/>
+          <a:chExt cx="0" cy="0"/>
+        </a:xfrm>
+      </p:grpSpPr>
+      <p:sp>
+        <p:nvSpPr>
+          <p:cNvPr id="4" name="Title 3"/>
+          <p:cNvSpPr>
+            <a:spLocks noGrp="1"/>
+          </p:cNvSpPr>
+          <p:nvPr>
+            <p:ph type="title"/>
+          </p:nvPr>
+        </p:nvSpPr>
+        <p:spPr/>
+        <p:txBody>
+          <a:bodyPr/>
+          <a:lstStyle/>
+          <a:p>
+            <a:endParaRPr lang="en-US"/>
+          </a:p>
+        </p:txBody>
+      </p:sp>
+      <p:sp>
+        <p:nvSpPr>
+          <p:cNvPr id="5" name="Content Placeholder 4"/>
+          <p:cNvSpPr>
+            <a:spLocks noGrp="1"/>
+          </p:cNvSpPr>
+          <p:nvPr>
+            <p:ph idx="1"/>
+          </p:nvPr>
+        </p:nvSpPr>
+        <p:spPr/>
+        <p:txBody>
+          <a:bodyPr/>
+          <a:lstStyle/>
+          <a:p>
+            <a:endParaRPr lang="en-US"/>
+          </a:p>
+        </p:txBody>
+      </p:sp>
+    </p:spTree>
+    <p:extLst>
+      <p:ext uri="{BB962C8B-B14F-4D97-AF65-F5344CB8AC3E}">
+        <p14:creationId xmlns:p14="http://schemas.microsoft.com/office/powerpoint/2010/main" val="3732886353"/>
+      </p:ext>
+    </p:extLst>
+  </p:cSld>
+  <p:clrMapOvr>
+    <a:masterClrMapping/>
+  </p:clrMapOvr>
+  <p:timing>
+    <p:tnLst>
+      <p:par>
+        <p:cTn xmlns:p14="http://schemas.microsoft.com/office/powerpoint/2010/main" id="1" dur="indefinite" restart="never" nodeType="tmRoot"/>
+      </p:par>
+    </p:tnLst>
+  </p:timing>
+</p:sld>
+</file>
+
+<file path=ppt/slides/slide7.xml><?xml version="1.0" encoding="utf-8"?>
+<p:sld xmlns:a="http://schemas.openxmlformats.org/drawingml/2006/main" xmlns:r="http://schemas.openxmlformats.org/officeDocument/2006/relationships" xmlns:p="http://schemas.openxmlformats.org/presentationml/2006/main">
+  <p:cSld>
+    <p:spTree>
+      <p:nvGrpSpPr>
+        <p:cNvPr id="1" name=""/>
+        <p:cNvGrpSpPr/>
+        <p:nvPr/>
+      </p:nvGrpSpPr>
+      <p:grpSpPr>
+        <a:xfrm>
+          <a:off x="0" y="0"/>
+          <a:ext cx="0" cy="0"/>
+          <a:chOff x="0" y="0"/>
+          <a:chExt cx="0" cy="0"/>
+        </a:xfrm>
+      </p:grpSpPr>
+      <p:sp>
+        <p:nvSpPr>
+          <p:cNvPr id="4" name="Title 3"/>
+          <p:cNvSpPr>
+            <a:spLocks noGrp="1"/>
+          </p:cNvSpPr>
+          <p:nvPr>
+            <p:ph type="title"/>
+          </p:nvPr>
+        </p:nvSpPr>
+        <p:spPr/>
+        <p:txBody>
+          <a:bodyPr/>
+          <a:lstStyle/>
+          <a:p>
+            <a:r>
+              <a:rPr lang="en-US" dirty="0" smtClean="0"/>
+              <a:t>1973 Model Steam Engine</a:t>
+            </a:r>
+            <a:endParaRPr lang="en-US" dirty="0"/>
+          </a:p>
+        </p:txBody>
+      </p:sp>
+      <p:sp>
+        <p:nvSpPr>
+          <p:cNvPr id="6" name="Text Placeholder 5"/>
+          <p:cNvSpPr>
+            <a:spLocks noGrp="1"/>
+          </p:cNvSpPr>
+          <p:nvPr>
+            <p:ph type="body" sz="half" idx="2"/>
+          </p:nvPr>
+        </p:nvSpPr>
+        <p:spPr/>
+        <p:txBody>
+          <a:bodyPr>
+            <a:normAutofit/>
+          </a:bodyPr>
+          <a:lstStyle/>
+          <a:p>
+            <a:r>
+              <a:rPr lang="en-US" sz="1600" dirty="0" smtClean="0"/>
               <a:t>Source: </a:t>
             </a:r>
             <a:r>
-              <a:rPr lang="en-US" dirty="0" err="1" smtClean="0"/>
+              <a:rPr lang="en-US" sz="1600" dirty="0" err="1" smtClean="0"/>
               <a:t>homemodelenginemachinist.com</a:t>
             </a:r>
-            <a:endParaRPr lang="en-US" dirty="0"/>
+            <a:endParaRPr lang="en-US" sz="1600" dirty="0"/>
           </a:p>
         </p:txBody>
       </p:sp>
@@ -19268,10 +20878,17 @@
   <p:clrMapOvr>
     <a:masterClrMapping/>
   </p:clrMapOvr>
+  <p:timing>
+    <p:tnLst>
+      <p:par>
+        <p:cTn xmlns:p14="http://schemas.microsoft.com/office/powerpoint/2010/main" id="1" dur="indefinite" restart="never" nodeType="tmRoot"/>
+      </p:par>
+    </p:tnLst>
+  </p:timing>
 </p:sld>
 </file>
 
-<file path=ppt/slides/slide60.xml><?xml version="1.0" encoding="utf-8"?>
+<file path=ppt/slides/slide70.xml><?xml version="1.0" encoding="utf-8"?>
 <p:sld xmlns:a="http://schemas.openxmlformats.org/drawingml/2006/main" xmlns:r="http://schemas.openxmlformats.org/officeDocument/2006/relationships" xmlns:p="http://schemas.openxmlformats.org/presentationml/2006/main">
   <p:cSld>
     <p:spTree>
@@ -19290,7 +20907,7 @@
       </p:grpSpPr>
       <p:sp>
         <p:nvSpPr>
-          <p:cNvPr id="2" name="Title 1"/>
+          <p:cNvPr id="4" name="Title 3"/>
           <p:cNvSpPr>
             <a:spLocks noGrp="1"/>
           </p:cNvSpPr>
@@ -19309,7 +20926,7 @@
       </p:sp>
       <p:sp>
         <p:nvSpPr>
-          <p:cNvPr id="3" name="Content Placeholder 2"/>
+          <p:cNvPr id="5" name="Content Placeholder 4"/>
           <p:cNvSpPr>
             <a:spLocks noGrp="1"/>
           </p:cNvSpPr>
@@ -19329,17 +20946,24 @@
     </p:spTree>
     <p:extLst>
       <p:ext uri="{BB962C8B-B14F-4D97-AF65-F5344CB8AC3E}">
-        <p14:creationId xmlns:p14="http://schemas.microsoft.com/office/powerpoint/2010/main" val="2909597286"/>
+        <p14:creationId xmlns:p14="http://schemas.microsoft.com/office/powerpoint/2010/main" val="2583514469"/>
       </p:ext>
     </p:extLst>
   </p:cSld>
   <p:clrMapOvr>
     <a:masterClrMapping/>
   </p:clrMapOvr>
+  <p:timing>
+    <p:tnLst>
+      <p:par>
+        <p:cTn xmlns:p14="http://schemas.microsoft.com/office/powerpoint/2010/main" id="1" dur="indefinite" restart="never" nodeType="tmRoot"/>
+      </p:par>
+    </p:tnLst>
+  </p:timing>
 </p:sld>
 </file>
 
-<file path=ppt/slides/slide61.xml><?xml version="1.0" encoding="utf-8"?>
+<file path=ppt/slides/slide71.xml><?xml version="1.0" encoding="utf-8"?>
 <p:sld xmlns:a="http://schemas.openxmlformats.org/drawingml/2006/main" xmlns:r="http://schemas.openxmlformats.org/officeDocument/2006/relationships" xmlns:p="http://schemas.openxmlformats.org/presentationml/2006/main">
   <p:cSld>
     <p:spTree>
@@ -19372,12 +20996,8 @@
           <a:lstStyle/>
           <a:p>
             <a:r>
-              <a:rPr lang="en-US" dirty="0"/>
-              <a:t>M</a:t>
-            </a:r>
-            <a:r>
-              <a:rPr lang="en-US" dirty="0" smtClean="0"/>
-              <a:t>odularity</a:t>
+              <a:rPr lang="en-US" dirty="0" smtClean="0"/>
+              <a:t>Conclusion</a:t>
             </a:r>
             <a:endParaRPr lang="en-US" dirty="0"/>
           </a:p>
@@ -19400,7 +21020,7 @@
           <a:p>
             <a:r>
               <a:rPr lang="en-US" dirty="0" smtClean="0"/>
-              <a:t>Part 6</a:t>
+              <a:t>Part 7</a:t>
             </a:r>
             <a:endParaRPr lang="en-US" dirty="0"/>
           </a:p>
@@ -19409,17 +21029,24 @@
     </p:spTree>
     <p:extLst>
       <p:ext uri="{BB962C8B-B14F-4D97-AF65-F5344CB8AC3E}">
-        <p14:creationId xmlns:p14="http://schemas.microsoft.com/office/powerpoint/2010/main" val="1810853861"/>
+        <p14:creationId xmlns:p14="http://schemas.microsoft.com/office/powerpoint/2010/main" val="1628651473"/>
       </p:ext>
     </p:extLst>
   </p:cSld>
   <p:clrMapOvr>
     <a:masterClrMapping/>
   </p:clrMapOvr>
+  <p:timing>
+    <p:tnLst>
+      <p:par>
+        <p:cTn xmlns:p14="http://schemas.microsoft.com/office/powerpoint/2010/main" id="1" dur="indefinite" restart="never" nodeType="tmRoot"/>
+      </p:par>
+    </p:tnLst>
+  </p:timing>
 </p:sld>
 </file>
 
-<file path=ppt/slides/slide62.xml><?xml version="1.0" encoding="utf-8"?>
+<file path=ppt/slides/slide72.xml><?xml version="1.0" encoding="utf-8"?>
 <p:sld xmlns:a="http://schemas.openxmlformats.org/drawingml/2006/main" xmlns:r="http://schemas.openxmlformats.org/officeDocument/2006/relationships" xmlns:p="http://schemas.openxmlformats.org/presentationml/2006/main">
   <p:cSld>
     <p:spTree>
@@ -19438,7 +21065,7 @@
       </p:grpSpPr>
       <p:sp>
         <p:nvSpPr>
-          <p:cNvPr id="4" name="Title 3"/>
+          <p:cNvPr id="2" name="Title 1"/>
           <p:cNvSpPr>
             <a:spLocks noGrp="1"/>
           </p:cNvSpPr>
@@ -19451,13 +21078,17 @@
           <a:bodyPr/>
           <a:lstStyle/>
           <a:p>
-            <a:endParaRPr lang="en-US"/>
-          </a:p>
-        </p:txBody>
-      </p:sp>
-      <p:sp>
-        <p:nvSpPr>
-          <p:cNvPr id="5" name="Content Placeholder 4"/>
+            <a:r>
+              <a:rPr lang="en-US" dirty="0" smtClean="0"/>
+              <a:t>Conclusion</a:t>
+            </a:r>
+            <a:endParaRPr lang="en-US" dirty="0"/>
+          </a:p>
+        </p:txBody>
+      </p:sp>
+      <p:sp>
+        <p:nvSpPr>
+          <p:cNvPr id="3" name="Text Placeholder 2"/>
           <p:cNvSpPr>
             <a:spLocks noGrp="1"/>
           </p:cNvSpPr>
@@ -19470,24 +21101,31 @@
           <a:bodyPr/>
           <a:lstStyle/>
           <a:p>
-            <a:endParaRPr lang="en-US"/>
+            <a:endParaRPr lang="en-US" dirty="0"/>
           </a:p>
         </p:txBody>
       </p:sp>
     </p:spTree>
     <p:extLst>
       <p:ext uri="{BB962C8B-B14F-4D97-AF65-F5344CB8AC3E}">
-        <p14:creationId xmlns:p14="http://schemas.microsoft.com/office/powerpoint/2010/main" val="2623949808"/>
+        <p14:creationId xmlns:p14="http://schemas.microsoft.com/office/powerpoint/2010/main" val="3672349921"/>
       </p:ext>
     </p:extLst>
   </p:cSld>
   <p:clrMapOvr>
     <a:masterClrMapping/>
   </p:clrMapOvr>
+  <p:timing>
+    <p:tnLst>
+      <p:par>
+        <p:cTn xmlns:p14="http://schemas.microsoft.com/office/powerpoint/2010/main" id="1" dur="indefinite" restart="never" nodeType="tmRoot"/>
+      </p:par>
+    </p:tnLst>
+  </p:timing>
 </p:sld>
 </file>
 
-<file path=ppt/slides/slide63.xml><?xml version="1.0" encoding="utf-8"?>
+<file path=ppt/slides/slide73.xml><?xml version="1.0" encoding="utf-8"?>
 <p:sld xmlns:a="http://schemas.openxmlformats.org/drawingml/2006/main" xmlns:r="http://schemas.openxmlformats.org/officeDocument/2006/relationships" xmlns:p="http://schemas.openxmlformats.org/presentationml/2006/main">
   <p:cSld>
     <p:spTree>
@@ -19506,7 +21144,7 @@
       </p:grpSpPr>
       <p:sp>
         <p:nvSpPr>
-          <p:cNvPr id="4" name="Title 3"/>
+          <p:cNvPr id="2" name="Title 1"/>
           <p:cNvSpPr>
             <a:spLocks noGrp="1"/>
           </p:cNvSpPr>
@@ -19519,13 +21157,17 @@
           <a:bodyPr/>
           <a:lstStyle/>
           <a:p>
-            <a:endParaRPr lang="en-US"/>
-          </a:p>
-        </p:txBody>
-      </p:sp>
-      <p:sp>
-        <p:nvSpPr>
-          <p:cNvPr id="5" name="Content Placeholder 4"/>
+            <a:r>
+              <a:rPr lang="en-US" dirty="0" smtClean="0"/>
+              <a:t>Conclusion</a:t>
+            </a:r>
+            <a:endParaRPr lang="en-US" dirty="0"/>
+          </a:p>
+        </p:txBody>
+      </p:sp>
+      <p:sp>
+        <p:nvSpPr>
+          <p:cNvPr id="3" name="Text Placeholder 2"/>
           <p:cNvSpPr>
             <a:spLocks noGrp="1"/>
           </p:cNvSpPr>
@@ -19538,24 +21180,31 @@
           <a:bodyPr/>
           <a:lstStyle/>
           <a:p>
-            <a:endParaRPr lang="en-US"/>
+            <a:endParaRPr lang="en-US" dirty="0"/>
           </a:p>
         </p:txBody>
       </p:sp>
     </p:spTree>
     <p:extLst>
       <p:ext uri="{BB962C8B-B14F-4D97-AF65-F5344CB8AC3E}">
-        <p14:creationId xmlns:p14="http://schemas.microsoft.com/office/powerpoint/2010/main" val="3732886353"/>
+        <p14:creationId xmlns:p14="http://schemas.microsoft.com/office/powerpoint/2010/main" val="1269034346"/>
       </p:ext>
     </p:extLst>
   </p:cSld>
   <p:clrMapOvr>
     <a:masterClrMapping/>
   </p:clrMapOvr>
+  <p:timing>
+    <p:tnLst>
+      <p:par>
+        <p:cTn xmlns:p14="http://schemas.microsoft.com/office/powerpoint/2010/main" id="1" dur="indefinite" restart="never" nodeType="tmRoot"/>
+      </p:par>
+    </p:tnLst>
+  </p:timing>
 </p:sld>
 </file>
 
-<file path=ppt/slides/slide64.xml><?xml version="1.0" encoding="utf-8"?>
+<file path=ppt/slides/slide74.xml><?xml version="1.0" encoding="utf-8"?>
 <p:sld xmlns:a="http://schemas.openxmlformats.org/drawingml/2006/main" xmlns:r="http://schemas.openxmlformats.org/officeDocument/2006/relationships" xmlns:p="http://schemas.openxmlformats.org/presentationml/2006/main">
   <p:cSld>
     <p:spTree>
@@ -19574,7 +21223,7 @@
       </p:grpSpPr>
       <p:sp>
         <p:nvSpPr>
-          <p:cNvPr id="4" name="Title 3"/>
+          <p:cNvPr id="2" name="Title 1"/>
           <p:cNvSpPr>
             <a:spLocks noGrp="1"/>
           </p:cNvSpPr>
@@ -19587,13 +21236,17 @@
           <a:bodyPr/>
           <a:lstStyle/>
           <a:p>
-            <a:endParaRPr lang="en-US"/>
-          </a:p>
-        </p:txBody>
-      </p:sp>
-      <p:sp>
-        <p:nvSpPr>
-          <p:cNvPr id="5" name="Content Placeholder 4"/>
+            <a:r>
+              <a:rPr lang="en-US" dirty="0" smtClean="0"/>
+              <a:t>Conclusion</a:t>
+            </a:r>
+            <a:endParaRPr lang="en-US" dirty="0"/>
+          </a:p>
+        </p:txBody>
+      </p:sp>
+      <p:sp>
+        <p:nvSpPr>
+          <p:cNvPr id="3" name="Text Placeholder 2"/>
           <p:cNvSpPr>
             <a:spLocks noGrp="1"/>
           </p:cNvSpPr>
@@ -19606,24 +21259,31 @@
           <a:bodyPr/>
           <a:lstStyle/>
           <a:p>
-            <a:endParaRPr lang="en-US"/>
+            <a:endParaRPr lang="en-US" dirty="0"/>
           </a:p>
         </p:txBody>
       </p:sp>
     </p:spTree>
     <p:extLst>
       <p:ext uri="{BB962C8B-B14F-4D97-AF65-F5344CB8AC3E}">
-        <p14:creationId xmlns:p14="http://schemas.microsoft.com/office/powerpoint/2010/main" val="2583514469"/>
+        <p14:creationId xmlns:p14="http://schemas.microsoft.com/office/powerpoint/2010/main" val="2789539266"/>
       </p:ext>
     </p:extLst>
   </p:cSld>
   <p:clrMapOvr>
     <a:masterClrMapping/>
   </p:clrMapOvr>
+  <p:timing>
+    <p:tnLst>
+      <p:par>
+        <p:cTn xmlns:p14="http://schemas.microsoft.com/office/powerpoint/2010/main" id="1" dur="indefinite" restart="never" nodeType="tmRoot"/>
+      </p:par>
+    </p:tnLst>
+  </p:timing>
 </p:sld>
 </file>
 
-<file path=ppt/slides/slide65.xml><?xml version="1.0" encoding="utf-8"?>
+<file path=ppt/slides/slide75.xml><?xml version="1.0" encoding="utf-8"?>
 <p:sld xmlns:a="http://schemas.openxmlformats.org/drawingml/2006/main" xmlns:r="http://schemas.openxmlformats.org/officeDocument/2006/relationships" xmlns:p="http://schemas.openxmlformats.org/presentationml/2006/main">
   <p:cSld>
     <p:spTree>
@@ -19657,7 +21317,7 @@
           <a:p>
             <a:r>
               <a:rPr lang="en-US" dirty="0" smtClean="0"/>
-              <a:t>Conclusion</a:t>
+              <a:t>Thanks</a:t>
             </a:r>
             <a:endParaRPr lang="en-US" dirty="0"/>
           </a:p>
@@ -19670,7 +21330,7 @@
             <a:spLocks noGrp="1"/>
           </p:cNvSpPr>
           <p:nvPr>
-            <p:ph type="body" idx="1"/>
+            <p:ph idx="1"/>
           </p:nvPr>
         </p:nvSpPr>
         <p:spPr/>
@@ -19680,26 +21340,77 @@
           <a:p>
             <a:r>
               <a:rPr lang="en-US" dirty="0" smtClean="0"/>
-              <a:t>Part 7</a:t>
+              <a:t>Supervisors:</a:t>
+            </a:r>
+          </a:p>
+          <a:p>
+            <a:pPr lvl="1"/>
+            <a:r>
+              <a:rPr lang="en-US" dirty="0" smtClean="0"/>
+              <a:t>Thomas Hildebrandt</a:t>
+            </a:r>
+          </a:p>
+          <a:p>
+            <a:pPr lvl="1"/>
+            <a:r>
+              <a:rPr lang="en-US" dirty="0" err="1" smtClean="0"/>
+              <a:t>Søren</a:t>
+            </a:r>
+            <a:r>
+              <a:rPr lang="en-US" dirty="0" smtClean="0"/>
+              <a:t> </a:t>
+            </a:r>
+            <a:r>
+              <a:rPr lang="en-US" dirty="0" err="1" smtClean="0"/>
+              <a:t>Debois</a:t>
             </a:r>
             <a:endParaRPr lang="en-US" dirty="0"/>
+          </a:p>
+          <a:p>
+            <a:pPr lvl="1"/>
+            <a:endParaRPr lang="en-US" dirty="0" smtClean="0"/>
+          </a:p>
+          <a:p>
+            <a:r>
+              <a:rPr lang="en-US" dirty="0" smtClean="0"/>
+              <a:t>Supported by: The Danish </a:t>
+            </a:r>
+            <a:r>
+              <a:rPr lang="en-US" dirty="0"/>
+              <a:t>Research Agency (grant no.: 2106-080046) and the IT University of </a:t>
+            </a:r>
+            <a:r>
+              <a:rPr lang="en-US" dirty="0" smtClean="0"/>
+              <a:t>Copenhagen </a:t>
+            </a:r>
+            <a:r>
+              <a:rPr lang="en-US" dirty="0"/>
+              <a:t>(the Jingling Genies project)</a:t>
+            </a:r>
           </a:p>
         </p:txBody>
       </p:sp>
     </p:spTree>
     <p:extLst>
       <p:ext uri="{BB962C8B-B14F-4D97-AF65-F5344CB8AC3E}">
-        <p14:creationId xmlns:p14="http://schemas.microsoft.com/office/powerpoint/2010/main" val="1628651473"/>
+        <p14:creationId xmlns:p14="http://schemas.microsoft.com/office/powerpoint/2010/main" val="1596540724"/>
       </p:ext>
     </p:extLst>
   </p:cSld>
   <p:clrMapOvr>
     <a:masterClrMapping/>
   </p:clrMapOvr>
+  <p:timing>
+    <p:tnLst>
+      <p:par>
+        <p:cTn xmlns:p14="http://schemas.microsoft.com/office/powerpoint/2010/main" id="1" dur="indefinite" restart="never" nodeType="tmRoot"/>
+      </p:par>
+    </p:tnLst>
+  </p:timing>
 </p:sld>
 </file>
 
-<file path=ppt/slides/slide66.xml><?xml version="1.0" encoding="utf-8"?>
+<file path=ppt/slides/slide8.xml><?xml version="1.0" encoding="utf-8"?>
 <p:sld xmlns:a="http://schemas.openxmlformats.org/drawingml/2006/main" xmlns:r="http://schemas.openxmlformats.org/officeDocument/2006/relationships" xmlns:p="http://schemas.openxmlformats.org/presentationml/2006/main">
   <p:cSld>
     <p:spTree>
@@ -19733,342 +21444,6 @@
           <a:p>
             <a:r>
               <a:rPr lang="en-US" dirty="0" smtClean="0"/>
-              <a:t>Conclusion</a:t>
-            </a:r>
-            <a:endParaRPr lang="en-US" dirty="0"/>
-          </a:p>
-        </p:txBody>
-      </p:sp>
-      <p:sp>
-        <p:nvSpPr>
-          <p:cNvPr id="3" name="Text Placeholder 2"/>
-          <p:cNvSpPr>
-            <a:spLocks noGrp="1"/>
-          </p:cNvSpPr>
-          <p:nvPr>
-            <p:ph idx="1"/>
-          </p:nvPr>
-        </p:nvSpPr>
-        <p:spPr/>
-        <p:txBody>
-          <a:bodyPr/>
-          <a:lstStyle/>
-          <a:p>
-            <a:endParaRPr lang="en-US" dirty="0"/>
-          </a:p>
-        </p:txBody>
-      </p:sp>
-    </p:spTree>
-    <p:extLst>
-      <p:ext uri="{BB962C8B-B14F-4D97-AF65-F5344CB8AC3E}">
-        <p14:creationId xmlns:p14="http://schemas.microsoft.com/office/powerpoint/2010/main" val="3672349921"/>
-      </p:ext>
-    </p:extLst>
-  </p:cSld>
-  <p:clrMapOvr>
-    <a:masterClrMapping/>
-  </p:clrMapOvr>
-</p:sld>
-</file>
-
-<file path=ppt/slides/slide67.xml><?xml version="1.0" encoding="utf-8"?>
-<p:sld xmlns:a="http://schemas.openxmlformats.org/drawingml/2006/main" xmlns:r="http://schemas.openxmlformats.org/officeDocument/2006/relationships" xmlns:p="http://schemas.openxmlformats.org/presentationml/2006/main">
-  <p:cSld>
-    <p:spTree>
-      <p:nvGrpSpPr>
-        <p:cNvPr id="1" name=""/>
-        <p:cNvGrpSpPr/>
-        <p:nvPr/>
-      </p:nvGrpSpPr>
-      <p:grpSpPr>
-        <a:xfrm>
-          <a:off x="0" y="0"/>
-          <a:ext cx="0" cy="0"/>
-          <a:chOff x="0" y="0"/>
-          <a:chExt cx="0" cy="0"/>
-        </a:xfrm>
-      </p:grpSpPr>
-      <p:sp>
-        <p:nvSpPr>
-          <p:cNvPr id="2" name="Title 1"/>
-          <p:cNvSpPr>
-            <a:spLocks noGrp="1"/>
-          </p:cNvSpPr>
-          <p:nvPr>
-            <p:ph type="title"/>
-          </p:nvPr>
-        </p:nvSpPr>
-        <p:spPr/>
-        <p:txBody>
-          <a:bodyPr/>
-          <a:lstStyle/>
-          <a:p>
-            <a:r>
-              <a:rPr lang="en-US" dirty="0" smtClean="0"/>
-              <a:t>Conclusion</a:t>
-            </a:r>
-            <a:endParaRPr lang="en-US" dirty="0"/>
-          </a:p>
-        </p:txBody>
-      </p:sp>
-      <p:sp>
-        <p:nvSpPr>
-          <p:cNvPr id="3" name="Text Placeholder 2"/>
-          <p:cNvSpPr>
-            <a:spLocks noGrp="1"/>
-          </p:cNvSpPr>
-          <p:nvPr>
-            <p:ph idx="1"/>
-          </p:nvPr>
-        </p:nvSpPr>
-        <p:spPr/>
-        <p:txBody>
-          <a:bodyPr/>
-          <a:lstStyle/>
-          <a:p>
-            <a:endParaRPr lang="en-US" dirty="0"/>
-          </a:p>
-        </p:txBody>
-      </p:sp>
-    </p:spTree>
-    <p:extLst>
-      <p:ext uri="{BB962C8B-B14F-4D97-AF65-F5344CB8AC3E}">
-        <p14:creationId xmlns:p14="http://schemas.microsoft.com/office/powerpoint/2010/main" val="1269034346"/>
-      </p:ext>
-    </p:extLst>
-  </p:cSld>
-  <p:clrMapOvr>
-    <a:masterClrMapping/>
-  </p:clrMapOvr>
-</p:sld>
-</file>
-
-<file path=ppt/slides/slide68.xml><?xml version="1.0" encoding="utf-8"?>
-<p:sld xmlns:a="http://schemas.openxmlformats.org/drawingml/2006/main" xmlns:r="http://schemas.openxmlformats.org/officeDocument/2006/relationships" xmlns:p="http://schemas.openxmlformats.org/presentationml/2006/main">
-  <p:cSld>
-    <p:spTree>
-      <p:nvGrpSpPr>
-        <p:cNvPr id="1" name=""/>
-        <p:cNvGrpSpPr/>
-        <p:nvPr/>
-      </p:nvGrpSpPr>
-      <p:grpSpPr>
-        <a:xfrm>
-          <a:off x="0" y="0"/>
-          <a:ext cx="0" cy="0"/>
-          <a:chOff x="0" y="0"/>
-          <a:chExt cx="0" cy="0"/>
-        </a:xfrm>
-      </p:grpSpPr>
-      <p:sp>
-        <p:nvSpPr>
-          <p:cNvPr id="2" name="Title 1"/>
-          <p:cNvSpPr>
-            <a:spLocks noGrp="1"/>
-          </p:cNvSpPr>
-          <p:nvPr>
-            <p:ph type="title"/>
-          </p:nvPr>
-        </p:nvSpPr>
-        <p:spPr/>
-        <p:txBody>
-          <a:bodyPr/>
-          <a:lstStyle/>
-          <a:p>
-            <a:r>
-              <a:rPr lang="en-US" dirty="0" smtClean="0"/>
-              <a:t>Conclusion</a:t>
-            </a:r>
-            <a:endParaRPr lang="en-US" dirty="0"/>
-          </a:p>
-        </p:txBody>
-      </p:sp>
-      <p:sp>
-        <p:nvSpPr>
-          <p:cNvPr id="3" name="Text Placeholder 2"/>
-          <p:cNvSpPr>
-            <a:spLocks noGrp="1"/>
-          </p:cNvSpPr>
-          <p:nvPr>
-            <p:ph idx="1"/>
-          </p:nvPr>
-        </p:nvSpPr>
-        <p:spPr/>
-        <p:txBody>
-          <a:bodyPr/>
-          <a:lstStyle/>
-          <a:p>
-            <a:endParaRPr lang="en-US" dirty="0"/>
-          </a:p>
-        </p:txBody>
-      </p:sp>
-    </p:spTree>
-    <p:extLst>
-      <p:ext uri="{BB962C8B-B14F-4D97-AF65-F5344CB8AC3E}">
-        <p14:creationId xmlns:p14="http://schemas.microsoft.com/office/powerpoint/2010/main" val="2789539266"/>
-      </p:ext>
-    </p:extLst>
-  </p:cSld>
-  <p:clrMapOvr>
-    <a:masterClrMapping/>
-  </p:clrMapOvr>
-</p:sld>
-</file>
-
-<file path=ppt/slides/slide69.xml><?xml version="1.0" encoding="utf-8"?>
-<p:sld xmlns:a="http://schemas.openxmlformats.org/drawingml/2006/main" xmlns:r="http://schemas.openxmlformats.org/officeDocument/2006/relationships" xmlns:p="http://schemas.openxmlformats.org/presentationml/2006/main">
-  <p:cSld>
-    <p:spTree>
-      <p:nvGrpSpPr>
-        <p:cNvPr id="1" name=""/>
-        <p:cNvGrpSpPr/>
-        <p:nvPr/>
-      </p:nvGrpSpPr>
-      <p:grpSpPr>
-        <a:xfrm>
-          <a:off x="0" y="0"/>
-          <a:ext cx="0" cy="0"/>
-          <a:chOff x="0" y="0"/>
-          <a:chExt cx="0" cy="0"/>
-        </a:xfrm>
-      </p:grpSpPr>
-      <p:sp>
-        <p:nvSpPr>
-          <p:cNvPr id="2" name="Title 1"/>
-          <p:cNvSpPr>
-            <a:spLocks noGrp="1"/>
-          </p:cNvSpPr>
-          <p:nvPr>
-            <p:ph type="title"/>
-          </p:nvPr>
-        </p:nvSpPr>
-        <p:spPr/>
-        <p:txBody>
-          <a:bodyPr/>
-          <a:lstStyle/>
-          <a:p>
-            <a:r>
-              <a:rPr lang="en-US" dirty="0" smtClean="0"/>
-              <a:t>Thanks</a:t>
-            </a:r>
-            <a:endParaRPr lang="en-US" dirty="0"/>
-          </a:p>
-        </p:txBody>
-      </p:sp>
-      <p:sp>
-        <p:nvSpPr>
-          <p:cNvPr id="3" name="Text Placeholder 2"/>
-          <p:cNvSpPr>
-            <a:spLocks noGrp="1"/>
-          </p:cNvSpPr>
-          <p:nvPr>
-            <p:ph idx="1"/>
-          </p:nvPr>
-        </p:nvSpPr>
-        <p:spPr/>
-        <p:txBody>
-          <a:bodyPr/>
-          <a:lstStyle/>
-          <a:p>
-            <a:r>
-              <a:rPr lang="en-US" dirty="0" smtClean="0"/>
-              <a:t>Supervisors:</a:t>
-            </a:r>
-          </a:p>
-          <a:p>
-            <a:pPr lvl="1"/>
-            <a:r>
-              <a:rPr lang="en-US" dirty="0" smtClean="0"/>
-              <a:t>Thomas Hildebrandt</a:t>
-            </a:r>
-          </a:p>
-          <a:p>
-            <a:pPr lvl="1"/>
-            <a:r>
-              <a:rPr lang="en-US" dirty="0" err="1" smtClean="0"/>
-              <a:t>Søren</a:t>
-            </a:r>
-            <a:r>
-              <a:rPr lang="en-US" dirty="0" smtClean="0"/>
-              <a:t> </a:t>
-            </a:r>
-            <a:r>
-              <a:rPr lang="en-US" dirty="0" err="1" smtClean="0"/>
-              <a:t>Debois</a:t>
-            </a:r>
-            <a:endParaRPr lang="en-US" dirty="0"/>
-          </a:p>
-          <a:p>
-            <a:pPr lvl="1"/>
-            <a:endParaRPr lang="en-US" dirty="0" smtClean="0"/>
-          </a:p>
-          <a:p>
-            <a:r>
-              <a:rPr lang="en-US" dirty="0" smtClean="0"/>
-              <a:t>Supported by: The Danish </a:t>
-            </a:r>
-            <a:r>
-              <a:rPr lang="en-US" dirty="0"/>
-              <a:t>Research Agency (grant no.: 2106-080046) and the IT University of </a:t>
-            </a:r>
-            <a:r>
-              <a:rPr lang="en-US" dirty="0" smtClean="0"/>
-              <a:t>Copenhagen </a:t>
-            </a:r>
-            <a:r>
-              <a:rPr lang="en-US" dirty="0"/>
-              <a:t>(the Jingling Genies project)</a:t>
-            </a:r>
-          </a:p>
-        </p:txBody>
-      </p:sp>
-    </p:spTree>
-    <p:extLst>
-      <p:ext uri="{BB962C8B-B14F-4D97-AF65-F5344CB8AC3E}">
-        <p14:creationId xmlns:p14="http://schemas.microsoft.com/office/powerpoint/2010/main" val="1596540724"/>
-      </p:ext>
-    </p:extLst>
-  </p:cSld>
-  <p:clrMapOvr>
-    <a:masterClrMapping/>
-  </p:clrMapOvr>
-</p:sld>
-</file>
-
-<file path=ppt/slides/slide7.xml><?xml version="1.0" encoding="utf-8"?>
-<p:sld xmlns:a="http://schemas.openxmlformats.org/drawingml/2006/main" xmlns:r="http://schemas.openxmlformats.org/officeDocument/2006/relationships" xmlns:p="http://schemas.openxmlformats.org/presentationml/2006/main">
-  <p:cSld>
-    <p:spTree>
-      <p:nvGrpSpPr>
-        <p:cNvPr id="1" name=""/>
-        <p:cNvGrpSpPr/>
-        <p:nvPr/>
-      </p:nvGrpSpPr>
-      <p:grpSpPr>
-        <a:xfrm>
-          <a:off x="0" y="0"/>
-          <a:ext cx="0" cy="0"/>
-          <a:chOff x="0" y="0"/>
-          <a:chExt cx="0" cy="0"/>
-        </a:xfrm>
-      </p:grpSpPr>
-      <p:sp>
-        <p:nvSpPr>
-          <p:cNvPr id="2" name="Title 1"/>
-          <p:cNvSpPr>
-            <a:spLocks noGrp="1"/>
-          </p:cNvSpPr>
-          <p:nvPr>
-            <p:ph type="title"/>
-          </p:nvPr>
-        </p:nvSpPr>
-        <p:spPr/>
-        <p:txBody>
-          <a:bodyPr/>
-          <a:lstStyle/>
-          <a:p>
-            <a:r>
-              <a:rPr lang="en-US" dirty="0" smtClean="0"/>
               <a:t>1903 Mill Engine</a:t>
             </a:r>
             <a:endParaRPr lang="en-US" dirty="0"/>
@@ -20093,16 +21468,16 @@
           <a:lstStyle/>
           <a:p>
             <a:r>
-              <a:rPr lang="en-US" dirty="0" smtClean="0"/>
+              <a:rPr lang="en-US" sz="1600" dirty="0" smtClean="0"/>
               <a:t>London Science Museum</a:t>
             </a:r>
           </a:p>
           <a:p>
             <a:r>
-              <a:rPr lang="en-US" dirty="0" smtClean="0"/>
+              <a:rPr lang="en-US" sz="1600" dirty="0" smtClean="0"/>
               <a:t>Source: Wikimedia Commons</a:t>
             </a:r>
-            <a:endParaRPr lang="en-US" dirty="0"/>
+            <a:endParaRPr lang="en-US" sz="1600" dirty="0"/>
           </a:p>
         </p:txBody>
       </p:sp>
@@ -20138,98 +21513,13 @@
   <p:clrMapOvr>
     <a:masterClrMapping/>
   </p:clrMapOvr>
-</p:sld>
-</file>
-
-<file path=ppt/slides/slide8.xml><?xml version="1.0" encoding="utf-8"?>
-<p:sld xmlns:a="http://schemas.openxmlformats.org/drawingml/2006/main" xmlns:r="http://schemas.openxmlformats.org/officeDocument/2006/relationships" xmlns:p="http://schemas.openxmlformats.org/presentationml/2006/main">
-  <p:cSld>
-    <p:spTree>
-      <p:nvGrpSpPr>
-        <p:cNvPr id="1" name=""/>
-        <p:cNvGrpSpPr/>
-        <p:nvPr/>
-      </p:nvGrpSpPr>
-      <p:grpSpPr>
-        <a:xfrm>
-          <a:off x="0" y="0"/>
-          <a:ext cx="0" cy="0"/>
-          <a:chOff x="0" y="0"/>
-          <a:chExt cx="0" cy="0"/>
-        </a:xfrm>
-      </p:grpSpPr>
-      <p:sp>
-        <p:nvSpPr>
-          <p:cNvPr id="2" name="Title 1"/>
-          <p:cNvSpPr>
-            <a:spLocks noGrp="1"/>
-          </p:cNvSpPr>
-          <p:nvPr>
-            <p:ph type="title"/>
-          </p:nvPr>
-        </p:nvSpPr>
-        <p:spPr/>
-        <p:txBody>
-          <a:bodyPr>
-            <a:normAutofit fontScale="90000"/>
-          </a:bodyPr>
-          <a:lstStyle/>
-          <a:p>
-            <a:r>
-              <a:rPr lang="en-US" dirty="0" smtClean="0"/>
-              <a:t>Plato ideal forms abstracted commonality</a:t>
-            </a:r>
-            <a:endParaRPr lang="en-US" dirty="0"/>
-          </a:p>
-        </p:txBody>
-      </p:sp>
-      <p:sp>
-        <p:nvSpPr>
-          <p:cNvPr id="4" name="Text Placeholder 3"/>
-          <p:cNvSpPr>
-            <a:spLocks noGrp="1"/>
-          </p:cNvSpPr>
-          <p:nvPr>
-            <p:ph type="body" sz="half" idx="2"/>
-          </p:nvPr>
-        </p:nvSpPr>
-        <p:spPr/>
-        <p:txBody>
-          <a:bodyPr>
-            <a:normAutofit/>
-          </a:bodyPr>
-          <a:lstStyle/>
-          <a:p>
-            <a:r>
-              <a:rPr lang="en-US" dirty="0" smtClean="0"/>
-              <a:t>Function and scale at which common explanation can occur</a:t>
-            </a:r>
-            <a:endParaRPr lang="en-US" dirty="0"/>
-          </a:p>
-        </p:txBody>
-      </p:sp>
-      <p:sp>
-        <p:nvSpPr>
-          <p:cNvPr id="3" name="Picture Placeholder 2"/>
-          <p:cNvSpPr>
-            <a:spLocks noGrp="1"/>
-          </p:cNvSpPr>
-          <p:nvPr>
-            <p:ph type="pic" sz="quarter" idx="13"/>
-          </p:nvPr>
-        </p:nvSpPr>
-        <p:spPr/>
-      </p:sp>
-    </p:spTree>
-    <p:extLst>
-      <p:ext uri="{BB962C8B-B14F-4D97-AF65-F5344CB8AC3E}">
-        <p14:creationId xmlns:p14="http://schemas.microsoft.com/office/powerpoint/2010/main" val="2973820197"/>
-      </p:ext>
-    </p:extLst>
-  </p:cSld>
-  <p:clrMapOvr>
-    <a:masterClrMapping/>
-  </p:clrMapOvr>
+  <p:timing>
+    <p:tnLst>
+      <p:par>
+        <p:cTn xmlns:p14="http://schemas.microsoft.com/office/powerpoint/2010/main" id="1" dur="indefinite" restart="never" nodeType="tmRoot"/>
+      </p:par>
+    </p:tnLst>
+  </p:timing>
 </p:sld>
 </file>
 
@@ -20252,7 +21542,7 @@
       </p:grpSpPr>
       <p:sp>
         <p:nvSpPr>
-          <p:cNvPr id="4" name="Title 3"/>
+          <p:cNvPr id="6" name="Title 5"/>
           <p:cNvSpPr>
             <a:spLocks noGrp="1"/>
           </p:cNvSpPr>
@@ -20267,7 +21557,7 @@
           <a:p>
             <a:r>
               <a:rPr lang="en-US" dirty="0" smtClean="0"/>
-              <a:t>Simplifying assumptions</a:t>
+              <a:t>Simplifying Assumptions</a:t>
             </a:r>
             <a:endParaRPr lang="en-US" dirty="0"/>
           </a:p>
@@ -20275,12 +21565,12 @@
       </p:sp>
       <p:sp>
         <p:nvSpPr>
-          <p:cNvPr id="6" name="Text Placeholder 5"/>
-          <p:cNvSpPr>
-            <a:spLocks noGrp="1"/>
-          </p:cNvSpPr>
-          <p:nvPr>
-            <p:ph type="body" sz="half" idx="2"/>
+          <p:cNvPr id="7" name="Content Placeholder 6"/>
+          <p:cNvSpPr>
+            <a:spLocks noGrp="1"/>
+          </p:cNvSpPr>
+          <p:nvPr>
+            <p:ph idx="1"/>
           </p:nvPr>
         </p:nvSpPr>
         <p:spPr/>
@@ -20290,45 +21580,58 @@
           <a:p>
             <a:r>
               <a:rPr lang="en-US" dirty="0" smtClean="0"/>
-              <a:t>Source: </a:t>
-            </a:r>
-            <a:r>
-              <a:rPr lang="en-US" dirty="0" err="1" smtClean="0"/>
-              <a:t>Boeing.com</a:t>
+              <a:t>When testing the aerodynamic properties of a plane, it’s not necessary that the seats be comfortable.</a:t>
+            </a:r>
+          </a:p>
+          <a:p>
+            <a:r>
+              <a:rPr lang="en-US" dirty="0" smtClean="0"/>
+              <a:t>A model may ignore or simplify some properties in order to focus attention on the interesting or important properties</a:t>
+            </a:r>
+          </a:p>
+          <a:p>
+            <a:pPr lvl="1"/>
+            <a:r>
+              <a:rPr lang="en-US" dirty="0" smtClean="0"/>
+              <a:t>Control, approximate, or </a:t>
+            </a:r>
+            <a:r>
+              <a:rPr lang="en-US" dirty="0" smtClean="0"/>
+              <a:t>obscure </a:t>
+            </a:r>
+            <a:r>
+              <a:rPr lang="en-US" dirty="0" smtClean="0"/>
+              <a:t>some </a:t>
+            </a:r>
+            <a:r>
+              <a:rPr lang="en-US" dirty="0" smtClean="0"/>
+              <a:t>factors in order to understand the interplay and functioning of </a:t>
+            </a:r>
+            <a:r>
+              <a:rPr lang="en-US" dirty="0" smtClean="0"/>
+              <a:t>others</a:t>
             </a:r>
             <a:endParaRPr lang="en-US" dirty="0"/>
           </a:p>
         </p:txBody>
       </p:sp>
-      <p:pic>
-        <p:nvPicPr>
-          <p:cNvPr id="7" name="Picture Placeholder 6"/>
-          <p:cNvPicPr>
-            <a:picLocks noGrp="1" noChangeAspect="1"/>
-          </p:cNvPicPr>
-          <p:nvPr>
-            <p:ph type="pic" sz="quarter" idx="13"/>
-          </p:nvPr>
-        </p:nvPicPr>
-        <p:blipFill>
-          <a:blip r:embed="rId2"/>
-          <a:srcRect l="10000" r="10000"/>
-          <a:stretch>
-            <a:fillRect/>
-          </a:stretch>
-        </p:blipFill>
-        <p:spPr/>
-      </p:pic>
     </p:spTree>
     <p:extLst>
       <p:ext uri="{BB962C8B-B14F-4D97-AF65-F5344CB8AC3E}">
-        <p14:creationId xmlns:p14="http://schemas.microsoft.com/office/powerpoint/2010/main" val="1798547780"/>
+        <p14:creationId xmlns:p14="http://schemas.microsoft.com/office/powerpoint/2010/main" val="1759835831"/>
       </p:ext>
     </p:extLst>
   </p:cSld>
   <p:clrMapOvr>
     <a:masterClrMapping/>
   </p:clrMapOvr>
+  <p:timing>
+    <p:tnLst>
+      <p:par>
+        <p:cTn xmlns:p14="http://schemas.microsoft.com/office/powerpoint/2010/main" id="1" dur="indefinite" restart="never" nodeType="tmRoot"/>
+      </p:par>
+    </p:tnLst>
+  </p:timing>
 </p:sld>
 </file>
 
